--- a/Docs/Apollo_Server.pptx
+++ b/Docs/Apollo_Server.pptx
@@ -3,25 +3,31 @@
 <p:presentation xmlns:a="http://schemas.openxmlformats.org/drawingml/2006/main" xmlns:r="http://schemas.openxmlformats.org/officeDocument/2006/relationships" xmlns:p="http://schemas.openxmlformats.org/presentationml/2006/main" saveSubsetFonts="1">
   <p:sldMasterIdLst>
     <p:sldMasterId id="2147483660" r:id="rId1"/>
+    <p:sldMasterId id="2147483684" r:id="rId2"/>
   </p:sldMasterIdLst>
   <p:sldIdLst>
-    <p:sldId id="256" r:id="rId2"/>
-    <p:sldId id="257" r:id="rId3"/>
-    <p:sldId id="262" r:id="rId4"/>
-    <p:sldId id="264" r:id="rId5"/>
-    <p:sldId id="263" r:id="rId6"/>
-    <p:sldId id="259" r:id="rId7"/>
-    <p:sldId id="260" r:id="rId8"/>
-    <p:sldId id="265" r:id="rId9"/>
-    <p:sldId id="266" r:id="rId10"/>
-    <p:sldId id="267" r:id="rId11"/>
-    <p:sldId id="268" r:id="rId12"/>
-    <p:sldId id="269" r:id="rId13"/>
-    <p:sldId id="270" r:id="rId14"/>
-    <p:sldId id="272" r:id="rId15"/>
-    <p:sldId id="273" r:id="rId16"/>
-    <p:sldId id="271" r:id="rId17"/>
-    <p:sldId id="261" r:id="rId18"/>
+    <p:sldId id="256" r:id="rId3"/>
+    <p:sldId id="257" r:id="rId4"/>
+    <p:sldId id="262" r:id="rId5"/>
+    <p:sldId id="264" r:id="rId6"/>
+    <p:sldId id="263" r:id="rId7"/>
+    <p:sldId id="259" r:id="rId8"/>
+    <p:sldId id="260" r:id="rId9"/>
+    <p:sldId id="274" r:id="rId10"/>
+    <p:sldId id="275" r:id="rId11"/>
+    <p:sldId id="265" r:id="rId12"/>
+    <p:sldId id="266" r:id="rId13"/>
+    <p:sldId id="267" r:id="rId14"/>
+    <p:sldId id="268" r:id="rId15"/>
+    <p:sldId id="269" r:id="rId16"/>
+    <p:sldId id="270" r:id="rId17"/>
+    <p:sldId id="272" r:id="rId18"/>
+    <p:sldId id="273" r:id="rId19"/>
+    <p:sldId id="271" r:id="rId20"/>
+    <p:sldId id="261" r:id="rId21"/>
+    <p:sldId id="276" r:id="rId22"/>
+    <p:sldId id="277" r:id="rId23"/>
+    <p:sldId id="278" r:id="rId24"/>
   </p:sldIdLst>
   <p:sldSz cx="12192000" cy="6858000"/>
   <p:notesSz cx="6858000" cy="9144000"/>
@@ -126,6 +132,32 @@
     </p:ext>
   </p:extLst>
 </p:presentation>
+</file>
+
+<file path=ppt/commentAuthors.xml><?xml version="1.0" encoding="utf-8"?>
+<p:cmAuthorLst xmlns:a="http://schemas.openxmlformats.org/drawingml/2006/main" xmlns:r="http://schemas.openxmlformats.org/officeDocument/2006/relationships" xmlns:p="http://schemas.openxmlformats.org/presentationml/2006/main">
+  <p:cmAuthor id="1" name="Tuan Vu Dang" initials="TVD" lastIdx="1" clrIdx="0">
+    <p:extLst>
+      <p:ext uri="{19B8F6BF-5375-455C-9EA6-DF929625EA0E}">
+        <p15:presenceInfo xmlns:p15="http://schemas.microsoft.com/office/powerpoint/2012/main" userId="965a9fbad579988d" providerId="Windows Live"/>
+      </p:ext>
+    </p:extLst>
+  </p:cmAuthor>
+</p:cmAuthorLst>
+</file>
+
+<file path=ppt/comments/comment1.xml><?xml version="1.0" encoding="utf-8"?>
+<p:cmLst xmlns:a="http://schemas.openxmlformats.org/drawingml/2006/main" xmlns:r="http://schemas.openxmlformats.org/officeDocument/2006/relationships" xmlns:p="http://schemas.openxmlformats.org/presentationml/2006/main">
+  <p:cm authorId="1" dt="2020-04-09T09:22:04.884" idx="1">
+    <p:pos x="-7" y="-153"/>
+    <p:text>Before development, let's create a target API server</p:text>
+    <p:extLst>
+      <p:ext uri="{C676402C-5697-4E1C-873F-D02D1690AC5C}">
+        <p15:threadingInfo xmlns:p15="http://schemas.microsoft.com/office/powerpoint/2012/main" timeZoneBias="-420"/>
+      </p:ext>
+    </p:extLst>
+  </p:cm>
+</p:cmLst>
 </file>
 
 <file path=ppt/diagrams/colors1.xml><?xml version="1.0" encoding="utf-8"?>
@@ -3765,7 +3797,7 @@
           <a:p>
             <a:fld id="{3670AB43-4AB1-4719-A1BC-54CEDAA9A926}" type="datetimeFigureOut">
               <a:rPr lang="en-US" smtClean="0"/>
-              <a:t>4/8/2020</a:t>
+              <a:t>4/9/2020</a:t>
             </a:fld>
             <a:endParaRPr lang="en-US"/>
           </a:p>
@@ -4100,7 +4132,7 @@
           <a:p>
             <a:fld id="{3670AB43-4AB1-4719-A1BC-54CEDAA9A926}" type="datetimeFigureOut">
               <a:rPr lang="en-US" smtClean="0"/>
-              <a:t>4/8/2020</a:t>
+              <a:t>4/9/2020</a:t>
             </a:fld>
             <a:endParaRPr lang="en-US"/>
           </a:p>
@@ -4403,7 +4435,7 @@
           <a:p>
             <a:fld id="{3670AB43-4AB1-4719-A1BC-54CEDAA9A926}" type="datetimeFigureOut">
               <a:rPr lang="en-US" smtClean="0"/>
-              <a:t>4/8/2020</a:t>
+              <a:t>4/9/2020</a:t>
             </a:fld>
             <a:endParaRPr lang="en-US"/>
           </a:p>
@@ -4455,6 +4487,1703 @@
     <p:extLst>
       <p:ext uri="{BB962C8B-B14F-4D97-AF65-F5344CB8AC3E}">
         <p14:creationId xmlns:p14="http://schemas.microsoft.com/office/powerpoint/2010/main" val="1983910507"/>
+      </p:ext>
+    </p:extLst>
+  </p:cSld>
+  <p:clrMapOvr>
+    <a:masterClrMapping/>
+  </p:clrMapOvr>
+</p:sldLayout>
+</file>
+
+<file path=ppt/slideLayouts/slideLayout12.xml><?xml version="1.0" encoding="utf-8"?>
+<p:sldLayout xmlns:a="http://schemas.openxmlformats.org/drawingml/2006/main" xmlns:r="http://schemas.openxmlformats.org/officeDocument/2006/relationships" xmlns:p="http://schemas.openxmlformats.org/presentationml/2006/main" type="title" preserve="1">
+  <p:cSld name="Title Slide">
+    <p:spTree>
+      <p:nvGrpSpPr>
+        <p:cNvPr id="1" name=""/>
+        <p:cNvGrpSpPr/>
+        <p:nvPr/>
+      </p:nvGrpSpPr>
+      <p:grpSpPr>
+        <a:xfrm>
+          <a:off x="0" y="0"/>
+          <a:ext cx="0" cy="0"/>
+          <a:chOff x="0" y="0"/>
+          <a:chExt cx="0" cy="0"/>
+        </a:xfrm>
+      </p:grpSpPr>
+      <p:sp>
+        <p:nvSpPr>
+          <p:cNvPr id="2" name="Title 1"/>
+          <p:cNvSpPr>
+            <a:spLocks noGrp="1"/>
+          </p:cNvSpPr>
+          <p:nvPr>
+            <p:ph type="ctrTitle"/>
+          </p:nvPr>
+        </p:nvSpPr>
+        <p:spPr>
+          <a:xfrm>
+            <a:off x="1524000" y="1122363"/>
+            <a:ext cx="9144000" cy="2387600"/>
+          </a:xfrm>
+        </p:spPr>
+        <p:txBody>
+          <a:bodyPr anchor="b"/>
+          <a:lstStyle>
+            <a:lvl1pPr algn="ctr">
+              <a:defRPr sz="6000"/>
+            </a:lvl1pPr>
+          </a:lstStyle>
+          <a:p>
+            <a:r>
+              <a:rPr lang="en-US"/>
+              <a:t>Click to edit Master title style</a:t>
+            </a:r>
+            <a:endParaRPr lang="en-US" dirty="0"/>
+          </a:p>
+        </p:txBody>
+      </p:sp>
+      <p:sp>
+        <p:nvSpPr>
+          <p:cNvPr id="3" name="Subtitle 2"/>
+          <p:cNvSpPr>
+            <a:spLocks noGrp="1"/>
+          </p:cNvSpPr>
+          <p:nvPr>
+            <p:ph type="subTitle" idx="1"/>
+          </p:nvPr>
+        </p:nvSpPr>
+        <p:spPr>
+          <a:xfrm>
+            <a:off x="1524000" y="3602038"/>
+            <a:ext cx="9144000" cy="1655762"/>
+          </a:xfrm>
+        </p:spPr>
+        <p:txBody>
+          <a:bodyPr/>
+          <a:lstStyle>
+            <a:lvl1pPr marL="0" indent="0" algn="ctr">
+              <a:buNone/>
+              <a:defRPr sz="2400"/>
+            </a:lvl1pPr>
+            <a:lvl2pPr marL="457200" indent="0" algn="ctr">
+              <a:buNone/>
+              <a:defRPr sz="2000"/>
+            </a:lvl2pPr>
+            <a:lvl3pPr marL="914400" indent="0" algn="ctr">
+              <a:buNone/>
+              <a:defRPr sz="1800"/>
+            </a:lvl3pPr>
+            <a:lvl4pPr marL="1371600" indent="0" algn="ctr">
+              <a:buNone/>
+              <a:defRPr sz="1600"/>
+            </a:lvl4pPr>
+            <a:lvl5pPr marL="1828800" indent="0" algn="ctr">
+              <a:buNone/>
+              <a:defRPr sz="1600"/>
+            </a:lvl5pPr>
+            <a:lvl6pPr marL="2286000" indent="0" algn="ctr">
+              <a:buNone/>
+              <a:defRPr sz="1600"/>
+            </a:lvl6pPr>
+            <a:lvl7pPr marL="2743200" indent="0" algn="ctr">
+              <a:buNone/>
+              <a:defRPr sz="1600"/>
+            </a:lvl7pPr>
+            <a:lvl8pPr marL="3200400" indent="0" algn="ctr">
+              <a:buNone/>
+              <a:defRPr sz="1600"/>
+            </a:lvl8pPr>
+            <a:lvl9pPr marL="3657600" indent="0" algn="ctr">
+              <a:buNone/>
+              <a:defRPr sz="1600"/>
+            </a:lvl9pPr>
+          </a:lstStyle>
+          <a:p>
+            <a:r>
+              <a:rPr lang="en-US"/>
+              <a:t>Click to edit Master subtitle style</a:t>
+            </a:r>
+            <a:endParaRPr lang="en-US" dirty="0"/>
+          </a:p>
+        </p:txBody>
+      </p:sp>
+      <p:sp>
+        <p:nvSpPr>
+          <p:cNvPr id="4" name="Date Placeholder 3"/>
+          <p:cNvSpPr>
+            <a:spLocks noGrp="1"/>
+          </p:cNvSpPr>
+          <p:nvPr>
+            <p:ph type="dt" sz="half" idx="10"/>
+          </p:nvPr>
+        </p:nvSpPr>
+        <p:spPr/>
+        <p:txBody>
+          <a:bodyPr/>
+          <a:lstStyle/>
+          <a:p>
+            <a:fld id="{3670AB43-4AB1-4719-A1BC-54CEDAA9A926}" type="datetimeFigureOut">
+              <a:rPr lang="en-US" smtClean="0"/>
+              <a:t>4/9/2020</a:t>
+            </a:fld>
+            <a:endParaRPr lang="en-US"/>
+          </a:p>
+        </p:txBody>
+      </p:sp>
+      <p:sp>
+        <p:nvSpPr>
+          <p:cNvPr id="5" name="Footer Placeholder 4"/>
+          <p:cNvSpPr>
+            <a:spLocks noGrp="1"/>
+          </p:cNvSpPr>
+          <p:nvPr>
+            <p:ph type="ftr" sz="quarter" idx="11"/>
+          </p:nvPr>
+        </p:nvSpPr>
+        <p:spPr/>
+        <p:txBody>
+          <a:bodyPr/>
+          <a:lstStyle/>
+          <a:p>
+            <a:endParaRPr lang="en-US"/>
+          </a:p>
+        </p:txBody>
+      </p:sp>
+      <p:sp>
+        <p:nvSpPr>
+          <p:cNvPr id="6" name="Slide Number Placeholder 5"/>
+          <p:cNvSpPr>
+            <a:spLocks noGrp="1"/>
+          </p:cNvSpPr>
+          <p:nvPr>
+            <p:ph type="sldNum" sz="quarter" idx="12"/>
+          </p:nvPr>
+        </p:nvSpPr>
+        <p:spPr/>
+        <p:txBody>
+          <a:bodyPr/>
+          <a:lstStyle/>
+          <a:p>
+            <a:fld id="{39790E93-DECC-4E3E-8905-F9B97D82F520}" type="slidenum">
+              <a:rPr lang="en-US" smtClean="0"/>
+              <a:t>‹#›</a:t>
+            </a:fld>
+            <a:endParaRPr lang="en-US"/>
+          </a:p>
+        </p:txBody>
+      </p:sp>
+    </p:spTree>
+    <p:extLst>
+      <p:ext uri="{BB962C8B-B14F-4D97-AF65-F5344CB8AC3E}">
+        <p14:creationId xmlns:p14="http://schemas.microsoft.com/office/powerpoint/2010/main" val="3706649733"/>
+      </p:ext>
+    </p:extLst>
+  </p:cSld>
+  <p:clrMapOvr>
+    <a:masterClrMapping/>
+  </p:clrMapOvr>
+</p:sldLayout>
+</file>
+
+<file path=ppt/slideLayouts/slideLayout13.xml><?xml version="1.0" encoding="utf-8"?>
+<p:sldLayout xmlns:a="http://schemas.openxmlformats.org/drawingml/2006/main" xmlns:r="http://schemas.openxmlformats.org/officeDocument/2006/relationships" xmlns:p="http://schemas.openxmlformats.org/presentationml/2006/main" type="obj" preserve="1">
+  <p:cSld name="Title and Content">
+    <p:spTree>
+      <p:nvGrpSpPr>
+        <p:cNvPr id="1" name=""/>
+        <p:cNvGrpSpPr/>
+        <p:nvPr/>
+      </p:nvGrpSpPr>
+      <p:grpSpPr>
+        <a:xfrm>
+          <a:off x="0" y="0"/>
+          <a:ext cx="0" cy="0"/>
+          <a:chOff x="0" y="0"/>
+          <a:chExt cx="0" cy="0"/>
+        </a:xfrm>
+      </p:grpSpPr>
+      <p:sp>
+        <p:nvSpPr>
+          <p:cNvPr id="2" name="Title 1"/>
+          <p:cNvSpPr>
+            <a:spLocks noGrp="1"/>
+          </p:cNvSpPr>
+          <p:nvPr>
+            <p:ph type="title"/>
+          </p:nvPr>
+        </p:nvSpPr>
+        <p:spPr/>
+        <p:txBody>
+          <a:bodyPr/>
+          <a:lstStyle/>
+          <a:p>
+            <a:r>
+              <a:rPr lang="en-US"/>
+              <a:t>Click to edit Master title style</a:t>
+            </a:r>
+            <a:endParaRPr lang="en-US" dirty="0"/>
+          </a:p>
+        </p:txBody>
+      </p:sp>
+      <p:sp>
+        <p:nvSpPr>
+          <p:cNvPr id="3" name="Content Placeholder 2"/>
+          <p:cNvSpPr>
+            <a:spLocks noGrp="1"/>
+          </p:cNvSpPr>
+          <p:nvPr>
+            <p:ph idx="1"/>
+          </p:nvPr>
+        </p:nvSpPr>
+        <p:spPr/>
+        <p:txBody>
+          <a:bodyPr/>
+          <a:lstStyle/>
+          <a:p>
+            <a:pPr lvl="0"/>
+            <a:r>
+              <a:rPr lang="en-US"/>
+              <a:t>Click to edit Master text styles</a:t>
+            </a:r>
+          </a:p>
+          <a:p>
+            <a:pPr lvl="1"/>
+            <a:r>
+              <a:rPr lang="en-US"/>
+              <a:t>Second level</a:t>
+            </a:r>
+          </a:p>
+          <a:p>
+            <a:pPr lvl="2"/>
+            <a:r>
+              <a:rPr lang="en-US"/>
+              <a:t>Third level</a:t>
+            </a:r>
+          </a:p>
+          <a:p>
+            <a:pPr lvl="3"/>
+            <a:r>
+              <a:rPr lang="en-US"/>
+              <a:t>Fourth level</a:t>
+            </a:r>
+          </a:p>
+          <a:p>
+            <a:pPr lvl="4"/>
+            <a:r>
+              <a:rPr lang="en-US"/>
+              <a:t>Fifth level</a:t>
+            </a:r>
+            <a:endParaRPr lang="en-US" dirty="0"/>
+          </a:p>
+        </p:txBody>
+      </p:sp>
+      <p:sp>
+        <p:nvSpPr>
+          <p:cNvPr id="4" name="Date Placeholder 3"/>
+          <p:cNvSpPr>
+            <a:spLocks noGrp="1"/>
+          </p:cNvSpPr>
+          <p:nvPr>
+            <p:ph type="dt" sz="half" idx="10"/>
+          </p:nvPr>
+        </p:nvSpPr>
+        <p:spPr/>
+        <p:txBody>
+          <a:bodyPr/>
+          <a:lstStyle/>
+          <a:p>
+            <a:fld id="{3670AB43-4AB1-4719-A1BC-54CEDAA9A926}" type="datetimeFigureOut">
+              <a:rPr lang="en-US" smtClean="0"/>
+              <a:t>4/9/2020</a:t>
+            </a:fld>
+            <a:endParaRPr lang="en-US"/>
+          </a:p>
+        </p:txBody>
+      </p:sp>
+      <p:sp>
+        <p:nvSpPr>
+          <p:cNvPr id="5" name="Footer Placeholder 4"/>
+          <p:cNvSpPr>
+            <a:spLocks noGrp="1"/>
+          </p:cNvSpPr>
+          <p:nvPr>
+            <p:ph type="ftr" sz="quarter" idx="11"/>
+          </p:nvPr>
+        </p:nvSpPr>
+        <p:spPr/>
+        <p:txBody>
+          <a:bodyPr/>
+          <a:lstStyle/>
+          <a:p>
+            <a:endParaRPr lang="en-US"/>
+          </a:p>
+        </p:txBody>
+      </p:sp>
+      <p:sp>
+        <p:nvSpPr>
+          <p:cNvPr id="6" name="Slide Number Placeholder 5"/>
+          <p:cNvSpPr>
+            <a:spLocks noGrp="1"/>
+          </p:cNvSpPr>
+          <p:nvPr>
+            <p:ph type="sldNum" sz="quarter" idx="12"/>
+          </p:nvPr>
+        </p:nvSpPr>
+        <p:spPr/>
+        <p:txBody>
+          <a:bodyPr/>
+          <a:lstStyle/>
+          <a:p>
+            <a:fld id="{39790E93-DECC-4E3E-8905-F9B97D82F520}" type="slidenum">
+              <a:rPr lang="en-US" smtClean="0"/>
+              <a:t>‹#›</a:t>
+            </a:fld>
+            <a:endParaRPr lang="en-US"/>
+          </a:p>
+        </p:txBody>
+      </p:sp>
+    </p:spTree>
+    <p:extLst>
+      <p:ext uri="{BB962C8B-B14F-4D97-AF65-F5344CB8AC3E}">
+        <p14:creationId xmlns:p14="http://schemas.microsoft.com/office/powerpoint/2010/main" val="2031753825"/>
+      </p:ext>
+    </p:extLst>
+  </p:cSld>
+  <p:clrMapOvr>
+    <a:masterClrMapping/>
+  </p:clrMapOvr>
+</p:sldLayout>
+</file>
+
+<file path=ppt/slideLayouts/slideLayout14.xml><?xml version="1.0" encoding="utf-8"?>
+<p:sldLayout xmlns:a="http://schemas.openxmlformats.org/drawingml/2006/main" xmlns:r="http://schemas.openxmlformats.org/officeDocument/2006/relationships" xmlns:p="http://schemas.openxmlformats.org/presentationml/2006/main" type="secHead" preserve="1">
+  <p:cSld name="Section Header">
+    <p:spTree>
+      <p:nvGrpSpPr>
+        <p:cNvPr id="1" name=""/>
+        <p:cNvGrpSpPr/>
+        <p:nvPr/>
+      </p:nvGrpSpPr>
+      <p:grpSpPr>
+        <a:xfrm>
+          <a:off x="0" y="0"/>
+          <a:ext cx="0" cy="0"/>
+          <a:chOff x="0" y="0"/>
+          <a:chExt cx="0" cy="0"/>
+        </a:xfrm>
+      </p:grpSpPr>
+      <p:sp>
+        <p:nvSpPr>
+          <p:cNvPr id="2" name="Title 1"/>
+          <p:cNvSpPr>
+            <a:spLocks noGrp="1"/>
+          </p:cNvSpPr>
+          <p:nvPr>
+            <p:ph type="title"/>
+          </p:nvPr>
+        </p:nvSpPr>
+        <p:spPr>
+          <a:xfrm>
+            <a:off x="831850" y="1709738"/>
+            <a:ext cx="10515600" cy="2852737"/>
+          </a:xfrm>
+        </p:spPr>
+        <p:txBody>
+          <a:bodyPr anchor="b"/>
+          <a:lstStyle>
+            <a:lvl1pPr>
+              <a:defRPr sz="6000"/>
+            </a:lvl1pPr>
+          </a:lstStyle>
+          <a:p>
+            <a:r>
+              <a:rPr lang="en-US"/>
+              <a:t>Click to edit Master title style</a:t>
+            </a:r>
+            <a:endParaRPr lang="en-US" dirty="0"/>
+          </a:p>
+        </p:txBody>
+      </p:sp>
+      <p:sp>
+        <p:nvSpPr>
+          <p:cNvPr id="3" name="Text Placeholder 2"/>
+          <p:cNvSpPr>
+            <a:spLocks noGrp="1"/>
+          </p:cNvSpPr>
+          <p:nvPr>
+            <p:ph type="body" idx="1"/>
+          </p:nvPr>
+        </p:nvSpPr>
+        <p:spPr>
+          <a:xfrm>
+            <a:off x="831850" y="4589463"/>
+            <a:ext cx="10515600" cy="1500187"/>
+          </a:xfrm>
+        </p:spPr>
+        <p:txBody>
+          <a:bodyPr/>
+          <a:lstStyle>
+            <a:lvl1pPr marL="0" indent="0">
+              <a:buNone/>
+              <a:defRPr sz="2400">
+                <a:solidFill>
+                  <a:schemeClr val="tx1">
+                    <a:tint val="75000"/>
+                  </a:schemeClr>
+                </a:solidFill>
+              </a:defRPr>
+            </a:lvl1pPr>
+            <a:lvl2pPr marL="457200" indent="0">
+              <a:buNone/>
+              <a:defRPr sz="2000">
+                <a:solidFill>
+                  <a:schemeClr val="tx1">
+                    <a:tint val="75000"/>
+                  </a:schemeClr>
+                </a:solidFill>
+              </a:defRPr>
+            </a:lvl2pPr>
+            <a:lvl3pPr marL="914400" indent="0">
+              <a:buNone/>
+              <a:defRPr sz="1800">
+                <a:solidFill>
+                  <a:schemeClr val="tx1">
+                    <a:tint val="75000"/>
+                  </a:schemeClr>
+                </a:solidFill>
+              </a:defRPr>
+            </a:lvl3pPr>
+            <a:lvl4pPr marL="1371600" indent="0">
+              <a:buNone/>
+              <a:defRPr sz="1600">
+                <a:solidFill>
+                  <a:schemeClr val="tx1">
+                    <a:tint val="75000"/>
+                  </a:schemeClr>
+                </a:solidFill>
+              </a:defRPr>
+            </a:lvl4pPr>
+            <a:lvl5pPr marL="1828800" indent="0">
+              <a:buNone/>
+              <a:defRPr sz="1600">
+                <a:solidFill>
+                  <a:schemeClr val="tx1">
+                    <a:tint val="75000"/>
+                  </a:schemeClr>
+                </a:solidFill>
+              </a:defRPr>
+            </a:lvl5pPr>
+            <a:lvl6pPr marL="2286000" indent="0">
+              <a:buNone/>
+              <a:defRPr sz="1600">
+                <a:solidFill>
+                  <a:schemeClr val="tx1">
+                    <a:tint val="75000"/>
+                  </a:schemeClr>
+                </a:solidFill>
+              </a:defRPr>
+            </a:lvl6pPr>
+            <a:lvl7pPr marL="2743200" indent="0">
+              <a:buNone/>
+              <a:defRPr sz="1600">
+                <a:solidFill>
+                  <a:schemeClr val="tx1">
+                    <a:tint val="75000"/>
+                  </a:schemeClr>
+                </a:solidFill>
+              </a:defRPr>
+            </a:lvl7pPr>
+            <a:lvl8pPr marL="3200400" indent="0">
+              <a:buNone/>
+              <a:defRPr sz="1600">
+                <a:solidFill>
+                  <a:schemeClr val="tx1">
+                    <a:tint val="75000"/>
+                  </a:schemeClr>
+                </a:solidFill>
+              </a:defRPr>
+            </a:lvl8pPr>
+            <a:lvl9pPr marL="3657600" indent="0">
+              <a:buNone/>
+              <a:defRPr sz="1600">
+                <a:solidFill>
+                  <a:schemeClr val="tx1">
+                    <a:tint val="75000"/>
+                  </a:schemeClr>
+                </a:solidFill>
+              </a:defRPr>
+            </a:lvl9pPr>
+          </a:lstStyle>
+          <a:p>
+            <a:pPr lvl="0"/>
+            <a:r>
+              <a:rPr lang="en-US"/>
+              <a:t>Click to edit Master text styles</a:t>
+            </a:r>
+          </a:p>
+        </p:txBody>
+      </p:sp>
+      <p:sp>
+        <p:nvSpPr>
+          <p:cNvPr id="4" name="Date Placeholder 3"/>
+          <p:cNvSpPr>
+            <a:spLocks noGrp="1"/>
+          </p:cNvSpPr>
+          <p:nvPr>
+            <p:ph type="dt" sz="half" idx="10"/>
+          </p:nvPr>
+        </p:nvSpPr>
+        <p:spPr/>
+        <p:txBody>
+          <a:bodyPr/>
+          <a:lstStyle/>
+          <a:p>
+            <a:fld id="{3670AB43-4AB1-4719-A1BC-54CEDAA9A926}" type="datetimeFigureOut">
+              <a:rPr lang="en-US" smtClean="0"/>
+              <a:t>4/9/2020</a:t>
+            </a:fld>
+            <a:endParaRPr lang="en-US"/>
+          </a:p>
+        </p:txBody>
+      </p:sp>
+      <p:sp>
+        <p:nvSpPr>
+          <p:cNvPr id="5" name="Footer Placeholder 4"/>
+          <p:cNvSpPr>
+            <a:spLocks noGrp="1"/>
+          </p:cNvSpPr>
+          <p:nvPr>
+            <p:ph type="ftr" sz="quarter" idx="11"/>
+          </p:nvPr>
+        </p:nvSpPr>
+        <p:spPr/>
+        <p:txBody>
+          <a:bodyPr/>
+          <a:lstStyle/>
+          <a:p>
+            <a:endParaRPr lang="en-US"/>
+          </a:p>
+        </p:txBody>
+      </p:sp>
+      <p:sp>
+        <p:nvSpPr>
+          <p:cNvPr id="6" name="Slide Number Placeholder 5"/>
+          <p:cNvSpPr>
+            <a:spLocks noGrp="1"/>
+          </p:cNvSpPr>
+          <p:nvPr>
+            <p:ph type="sldNum" sz="quarter" idx="12"/>
+          </p:nvPr>
+        </p:nvSpPr>
+        <p:spPr/>
+        <p:txBody>
+          <a:bodyPr/>
+          <a:lstStyle/>
+          <a:p>
+            <a:fld id="{39790E93-DECC-4E3E-8905-F9B97D82F520}" type="slidenum">
+              <a:rPr lang="en-US" smtClean="0"/>
+              <a:t>‹#›</a:t>
+            </a:fld>
+            <a:endParaRPr lang="en-US"/>
+          </a:p>
+        </p:txBody>
+      </p:sp>
+    </p:spTree>
+    <p:extLst>
+      <p:ext uri="{BB962C8B-B14F-4D97-AF65-F5344CB8AC3E}">
+        <p14:creationId xmlns:p14="http://schemas.microsoft.com/office/powerpoint/2010/main" val="4143518638"/>
+      </p:ext>
+    </p:extLst>
+  </p:cSld>
+  <p:clrMapOvr>
+    <a:masterClrMapping/>
+  </p:clrMapOvr>
+</p:sldLayout>
+</file>
+
+<file path=ppt/slideLayouts/slideLayout15.xml><?xml version="1.0" encoding="utf-8"?>
+<p:sldLayout xmlns:a="http://schemas.openxmlformats.org/drawingml/2006/main" xmlns:r="http://schemas.openxmlformats.org/officeDocument/2006/relationships" xmlns:p="http://schemas.openxmlformats.org/presentationml/2006/main" type="twoObj" preserve="1">
+  <p:cSld name="Two Content">
+    <p:spTree>
+      <p:nvGrpSpPr>
+        <p:cNvPr id="1" name=""/>
+        <p:cNvGrpSpPr/>
+        <p:nvPr/>
+      </p:nvGrpSpPr>
+      <p:grpSpPr>
+        <a:xfrm>
+          <a:off x="0" y="0"/>
+          <a:ext cx="0" cy="0"/>
+          <a:chOff x="0" y="0"/>
+          <a:chExt cx="0" cy="0"/>
+        </a:xfrm>
+      </p:grpSpPr>
+      <p:sp>
+        <p:nvSpPr>
+          <p:cNvPr id="2" name="Title 1"/>
+          <p:cNvSpPr>
+            <a:spLocks noGrp="1"/>
+          </p:cNvSpPr>
+          <p:nvPr>
+            <p:ph type="title"/>
+          </p:nvPr>
+        </p:nvSpPr>
+        <p:spPr/>
+        <p:txBody>
+          <a:bodyPr/>
+          <a:lstStyle/>
+          <a:p>
+            <a:r>
+              <a:rPr lang="en-US"/>
+              <a:t>Click to edit Master title style</a:t>
+            </a:r>
+            <a:endParaRPr lang="en-US" dirty="0"/>
+          </a:p>
+        </p:txBody>
+      </p:sp>
+      <p:sp>
+        <p:nvSpPr>
+          <p:cNvPr id="3" name="Content Placeholder 2"/>
+          <p:cNvSpPr>
+            <a:spLocks noGrp="1"/>
+          </p:cNvSpPr>
+          <p:nvPr>
+            <p:ph sz="half" idx="1"/>
+          </p:nvPr>
+        </p:nvSpPr>
+        <p:spPr>
+          <a:xfrm>
+            <a:off x="838200" y="1825625"/>
+            <a:ext cx="5181600" cy="4351338"/>
+          </a:xfrm>
+        </p:spPr>
+        <p:txBody>
+          <a:bodyPr/>
+          <a:lstStyle/>
+          <a:p>
+            <a:pPr lvl="0"/>
+            <a:r>
+              <a:rPr lang="en-US"/>
+              <a:t>Click to edit Master text styles</a:t>
+            </a:r>
+          </a:p>
+          <a:p>
+            <a:pPr lvl="1"/>
+            <a:r>
+              <a:rPr lang="en-US"/>
+              <a:t>Second level</a:t>
+            </a:r>
+          </a:p>
+          <a:p>
+            <a:pPr lvl="2"/>
+            <a:r>
+              <a:rPr lang="en-US"/>
+              <a:t>Third level</a:t>
+            </a:r>
+          </a:p>
+          <a:p>
+            <a:pPr lvl="3"/>
+            <a:r>
+              <a:rPr lang="en-US"/>
+              <a:t>Fourth level</a:t>
+            </a:r>
+          </a:p>
+          <a:p>
+            <a:pPr lvl="4"/>
+            <a:r>
+              <a:rPr lang="en-US"/>
+              <a:t>Fifth level</a:t>
+            </a:r>
+            <a:endParaRPr lang="en-US" dirty="0"/>
+          </a:p>
+        </p:txBody>
+      </p:sp>
+      <p:sp>
+        <p:nvSpPr>
+          <p:cNvPr id="4" name="Content Placeholder 3"/>
+          <p:cNvSpPr>
+            <a:spLocks noGrp="1"/>
+          </p:cNvSpPr>
+          <p:nvPr>
+            <p:ph sz="half" idx="2"/>
+          </p:nvPr>
+        </p:nvSpPr>
+        <p:spPr>
+          <a:xfrm>
+            <a:off x="6172200" y="1825625"/>
+            <a:ext cx="5181600" cy="4351338"/>
+          </a:xfrm>
+        </p:spPr>
+        <p:txBody>
+          <a:bodyPr/>
+          <a:lstStyle/>
+          <a:p>
+            <a:pPr lvl="0"/>
+            <a:r>
+              <a:rPr lang="en-US"/>
+              <a:t>Click to edit Master text styles</a:t>
+            </a:r>
+          </a:p>
+          <a:p>
+            <a:pPr lvl="1"/>
+            <a:r>
+              <a:rPr lang="en-US"/>
+              <a:t>Second level</a:t>
+            </a:r>
+          </a:p>
+          <a:p>
+            <a:pPr lvl="2"/>
+            <a:r>
+              <a:rPr lang="en-US"/>
+              <a:t>Third level</a:t>
+            </a:r>
+          </a:p>
+          <a:p>
+            <a:pPr lvl="3"/>
+            <a:r>
+              <a:rPr lang="en-US"/>
+              <a:t>Fourth level</a:t>
+            </a:r>
+          </a:p>
+          <a:p>
+            <a:pPr lvl="4"/>
+            <a:r>
+              <a:rPr lang="en-US"/>
+              <a:t>Fifth level</a:t>
+            </a:r>
+            <a:endParaRPr lang="en-US" dirty="0"/>
+          </a:p>
+        </p:txBody>
+      </p:sp>
+      <p:sp>
+        <p:nvSpPr>
+          <p:cNvPr id="5" name="Date Placeholder 4"/>
+          <p:cNvSpPr>
+            <a:spLocks noGrp="1"/>
+          </p:cNvSpPr>
+          <p:nvPr>
+            <p:ph type="dt" sz="half" idx="10"/>
+          </p:nvPr>
+        </p:nvSpPr>
+        <p:spPr/>
+        <p:txBody>
+          <a:bodyPr/>
+          <a:lstStyle/>
+          <a:p>
+            <a:fld id="{3670AB43-4AB1-4719-A1BC-54CEDAA9A926}" type="datetimeFigureOut">
+              <a:rPr lang="en-US" smtClean="0"/>
+              <a:t>4/9/2020</a:t>
+            </a:fld>
+            <a:endParaRPr lang="en-US"/>
+          </a:p>
+        </p:txBody>
+      </p:sp>
+      <p:sp>
+        <p:nvSpPr>
+          <p:cNvPr id="6" name="Footer Placeholder 5"/>
+          <p:cNvSpPr>
+            <a:spLocks noGrp="1"/>
+          </p:cNvSpPr>
+          <p:nvPr>
+            <p:ph type="ftr" sz="quarter" idx="11"/>
+          </p:nvPr>
+        </p:nvSpPr>
+        <p:spPr/>
+        <p:txBody>
+          <a:bodyPr/>
+          <a:lstStyle/>
+          <a:p>
+            <a:endParaRPr lang="en-US"/>
+          </a:p>
+        </p:txBody>
+      </p:sp>
+      <p:sp>
+        <p:nvSpPr>
+          <p:cNvPr id="7" name="Slide Number Placeholder 6"/>
+          <p:cNvSpPr>
+            <a:spLocks noGrp="1"/>
+          </p:cNvSpPr>
+          <p:nvPr>
+            <p:ph type="sldNum" sz="quarter" idx="12"/>
+          </p:nvPr>
+        </p:nvSpPr>
+        <p:spPr/>
+        <p:txBody>
+          <a:bodyPr/>
+          <a:lstStyle/>
+          <a:p>
+            <a:fld id="{39790E93-DECC-4E3E-8905-F9B97D82F520}" type="slidenum">
+              <a:rPr lang="en-US" smtClean="0"/>
+              <a:t>‹#›</a:t>
+            </a:fld>
+            <a:endParaRPr lang="en-US"/>
+          </a:p>
+        </p:txBody>
+      </p:sp>
+    </p:spTree>
+    <p:extLst>
+      <p:ext uri="{BB962C8B-B14F-4D97-AF65-F5344CB8AC3E}">
+        <p14:creationId xmlns:p14="http://schemas.microsoft.com/office/powerpoint/2010/main" val="2042861387"/>
+      </p:ext>
+    </p:extLst>
+  </p:cSld>
+  <p:clrMapOvr>
+    <a:masterClrMapping/>
+  </p:clrMapOvr>
+</p:sldLayout>
+</file>
+
+<file path=ppt/slideLayouts/slideLayout16.xml><?xml version="1.0" encoding="utf-8"?>
+<p:sldLayout xmlns:a="http://schemas.openxmlformats.org/drawingml/2006/main" xmlns:r="http://schemas.openxmlformats.org/officeDocument/2006/relationships" xmlns:p="http://schemas.openxmlformats.org/presentationml/2006/main" type="twoTxTwoObj" preserve="1">
+  <p:cSld name="Comparison">
+    <p:spTree>
+      <p:nvGrpSpPr>
+        <p:cNvPr id="1" name=""/>
+        <p:cNvGrpSpPr/>
+        <p:nvPr/>
+      </p:nvGrpSpPr>
+      <p:grpSpPr>
+        <a:xfrm>
+          <a:off x="0" y="0"/>
+          <a:ext cx="0" cy="0"/>
+          <a:chOff x="0" y="0"/>
+          <a:chExt cx="0" cy="0"/>
+        </a:xfrm>
+      </p:grpSpPr>
+      <p:sp>
+        <p:nvSpPr>
+          <p:cNvPr id="2" name="Title 1"/>
+          <p:cNvSpPr>
+            <a:spLocks noGrp="1"/>
+          </p:cNvSpPr>
+          <p:nvPr>
+            <p:ph type="title"/>
+          </p:nvPr>
+        </p:nvSpPr>
+        <p:spPr>
+          <a:xfrm>
+            <a:off x="839788" y="365125"/>
+            <a:ext cx="10515600" cy="1325563"/>
+          </a:xfrm>
+        </p:spPr>
+        <p:txBody>
+          <a:bodyPr/>
+          <a:lstStyle/>
+          <a:p>
+            <a:r>
+              <a:rPr lang="en-US"/>
+              <a:t>Click to edit Master title style</a:t>
+            </a:r>
+            <a:endParaRPr lang="en-US" dirty="0"/>
+          </a:p>
+        </p:txBody>
+      </p:sp>
+      <p:sp>
+        <p:nvSpPr>
+          <p:cNvPr id="3" name="Text Placeholder 2"/>
+          <p:cNvSpPr>
+            <a:spLocks noGrp="1"/>
+          </p:cNvSpPr>
+          <p:nvPr>
+            <p:ph type="body" idx="1"/>
+          </p:nvPr>
+        </p:nvSpPr>
+        <p:spPr>
+          <a:xfrm>
+            <a:off x="839788" y="1681163"/>
+            <a:ext cx="5157787" cy="823912"/>
+          </a:xfrm>
+        </p:spPr>
+        <p:txBody>
+          <a:bodyPr anchor="b"/>
+          <a:lstStyle>
+            <a:lvl1pPr marL="0" indent="0">
+              <a:buNone/>
+              <a:defRPr sz="2400" b="1"/>
+            </a:lvl1pPr>
+            <a:lvl2pPr marL="457200" indent="0">
+              <a:buNone/>
+              <a:defRPr sz="2000" b="1"/>
+            </a:lvl2pPr>
+            <a:lvl3pPr marL="914400" indent="0">
+              <a:buNone/>
+              <a:defRPr sz="1800" b="1"/>
+            </a:lvl3pPr>
+            <a:lvl4pPr marL="1371600" indent="0">
+              <a:buNone/>
+              <a:defRPr sz="1600" b="1"/>
+            </a:lvl4pPr>
+            <a:lvl5pPr marL="1828800" indent="0">
+              <a:buNone/>
+              <a:defRPr sz="1600" b="1"/>
+            </a:lvl5pPr>
+            <a:lvl6pPr marL="2286000" indent="0">
+              <a:buNone/>
+              <a:defRPr sz="1600" b="1"/>
+            </a:lvl6pPr>
+            <a:lvl7pPr marL="2743200" indent="0">
+              <a:buNone/>
+              <a:defRPr sz="1600" b="1"/>
+            </a:lvl7pPr>
+            <a:lvl8pPr marL="3200400" indent="0">
+              <a:buNone/>
+              <a:defRPr sz="1600" b="1"/>
+            </a:lvl8pPr>
+            <a:lvl9pPr marL="3657600" indent="0">
+              <a:buNone/>
+              <a:defRPr sz="1600" b="1"/>
+            </a:lvl9pPr>
+          </a:lstStyle>
+          <a:p>
+            <a:pPr lvl="0"/>
+            <a:r>
+              <a:rPr lang="en-US"/>
+              <a:t>Click to edit Master text styles</a:t>
+            </a:r>
+          </a:p>
+        </p:txBody>
+      </p:sp>
+      <p:sp>
+        <p:nvSpPr>
+          <p:cNvPr id="4" name="Content Placeholder 3"/>
+          <p:cNvSpPr>
+            <a:spLocks noGrp="1"/>
+          </p:cNvSpPr>
+          <p:nvPr>
+            <p:ph sz="half" idx="2"/>
+          </p:nvPr>
+        </p:nvSpPr>
+        <p:spPr>
+          <a:xfrm>
+            <a:off x="839788" y="2505075"/>
+            <a:ext cx="5157787" cy="3684588"/>
+          </a:xfrm>
+        </p:spPr>
+        <p:txBody>
+          <a:bodyPr/>
+          <a:lstStyle/>
+          <a:p>
+            <a:pPr lvl="0"/>
+            <a:r>
+              <a:rPr lang="en-US"/>
+              <a:t>Click to edit Master text styles</a:t>
+            </a:r>
+          </a:p>
+          <a:p>
+            <a:pPr lvl="1"/>
+            <a:r>
+              <a:rPr lang="en-US"/>
+              <a:t>Second level</a:t>
+            </a:r>
+          </a:p>
+          <a:p>
+            <a:pPr lvl="2"/>
+            <a:r>
+              <a:rPr lang="en-US"/>
+              <a:t>Third level</a:t>
+            </a:r>
+          </a:p>
+          <a:p>
+            <a:pPr lvl="3"/>
+            <a:r>
+              <a:rPr lang="en-US"/>
+              <a:t>Fourth level</a:t>
+            </a:r>
+          </a:p>
+          <a:p>
+            <a:pPr lvl="4"/>
+            <a:r>
+              <a:rPr lang="en-US"/>
+              <a:t>Fifth level</a:t>
+            </a:r>
+            <a:endParaRPr lang="en-US" dirty="0"/>
+          </a:p>
+        </p:txBody>
+      </p:sp>
+      <p:sp>
+        <p:nvSpPr>
+          <p:cNvPr id="5" name="Text Placeholder 4"/>
+          <p:cNvSpPr>
+            <a:spLocks noGrp="1"/>
+          </p:cNvSpPr>
+          <p:nvPr>
+            <p:ph type="body" sz="quarter" idx="3"/>
+          </p:nvPr>
+        </p:nvSpPr>
+        <p:spPr>
+          <a:xfrm>
+            <a:off x="6172200" y="1681163"/>
+            <a:ext cx="5183188" cy="823912"/>
+          </a:xfrm>
+        </p:spPr>
+        <p:txBody>
+          <a:bodyPr anchor="b"/>
+          <a:lstStyle>
+            <a:lvl1pPr marL="0" indent="0">
+              <a:buNone/>
+              <a:defRPr sz="2400" b="1"/>
+            </a:lvl1pPr>
+            <a:lvl2pPr marL="457200" indent="0">
+              <a:buNone/>
+              <a:defRPr sz="2000" b="1"/>
+            </a:lvl2pPr>
+            <a:lvl3pPr marL="914400" indent="0">
+              <a:buNone/>
+              <a:defRPr sz="1800" b="1"/>
+            </a:lvl3pPr>
+            <a:lvl4pPr marL="1371600" indent="0">
+              <a:buNone/>
+              <a:defRPr sz="1600" b="1"/>
+            </a:lvl4pPr>
+            <a:lvl5pPr marL="1828800" indent="0">
+              <a:buNone/>
+              <a:defRPr sz="1600" b="1"/>
+            </a:lvl5pPr>
+            <a:lvl6pPr marL="2286000" indent="0">
+              <a:buNone/>
+              <a:defRPr sz="1600" b="1"/>
+            </a:lvl6pPr>
+            <a:lvl7pPr marL="2743200" indent="0">
+              <a:buNone/>
+              <a:defRPr sz="1600" b="1"/>
+            </a:lvl7pPr>
+            <a:lvl8pPr marL="3200400" indent="0">
+              <a:buNone/>
+              <a:defRPr sz="1600" b="1"/>
+            </a:lvl8pPr>
+            <a:lvl9pPr marL="3657600" indent="0">
+              <a:buNone/>
+              <a:defRPr sz="1600" b="1"/>
+            </a:lvl9pPr>
+          </a:lstStyle>
+          <a:p>
+            <a:pPr lvl="0"/>
+            <a:r>
+              <a:rPr lang="en-US"/>
+              <a:t>Click to edit Master text styles</a:t>
+            </a:r>
+          </a:p>
+        </p:txBody>
+      </p:sp>
+      <p:sp>
+        <p:nvSpPr>
+          <p:cNvPr id="6" name="Content Placeholder 5"/>
+          <p:cNvSpPr>
+            <a:spLocks noGrp="1"/>
+          </p:cNvSpPr>
+          <p:nvPr>
+            <p:ph sz="quarter" idx="4"/>
+          </p:nvPr>
+        </p:nvSpPr>
+        <p:spPr>
+          <a:xfrm>
+            <a:off x="6172200" y="2505075"/>
+            <a:ext cx="5183188" cy="3684588"/>
+          </a:xfrm>
+        </p:spPr>
+        <p:txBody>
+          <a:bodyPr/>
+          <a:lstStyle/>
+          <a:p>
+            <a:pPr lvl="0"/>
+            <a:r>
+              <a:rPr lang="en-US"/>
+              <a:t>Click to edit Master text styles</a:t>
+            </a:r>
+          </a:p>
+          <a:p>
+            <a:pPr lvl="1"/>
+            <a:r>
+              <a:rPr lang="en-US"/>
+              <a:t>Second level</a:t>
+            </a:r>
+          </a:p>
+          <a:p>
+            <a:pPr lvl="2"/>
+            <a:r>
+              <a:rPr lang="en-US"/>
+              <a:t>Third level</a:t>
+            </a:r>
+          </a:p>
+          <a:p>
+            <a:pPr lvl="3"/>
+            <a:r>
+              <a:rPr lang="en-US"/>
+              <a:t>Fourth level</a:t>
+            </a:r>
+          </a:p>
+          <a:p>
+            <a:pPr lvl="4"/>
+            <a:r>
+              <a:rPr lang="en-US"/>
+              <a:t>Fifth level</a:t>
+            </a:r>
+            <a:endParaRPr lang="en-US" dirty="0"/>
+          </a:p>
+        </p:txBody>
+      </p:sp>
+      <p:sp>
+        <p:nvSpPr>
+          <p:cNvPr id="7" name="Date Placeholder 6"/>
+          <p:cNvSpPr>
+            <a:spLocks noGrp="1"/>
+          </p:cNvSpPr>
+          <p:nvPr>
+            <p:ph type="dt" sz="half" idx="10"/>
+          </p:nvPr>
+        </p:nvSpPr>
+        <p:spPr/>
+        <p:txBody>
+          <a:bodyPr/>
+          <a:lstStyle/>
+          <a:p>
+            <a:fld id="{3670AB43-4AB1-4719-A1BC-54CEDAA9A926}" type="datetimeFigureOut">
+              <a:rPr lang="en-US" smtClean="0"/>
+              <a:t>4/9/2020</a:t>
+            </a:fld>
+            <a:endParaRPr lang="en-US"/>
+          </a:p>
+        </p:txBody>
+      </p:sp>
+      <p:sp>
+        <p:nvSpPr>
+          <p:cNvPr id="8" name="Footer Placeholder 7"/>
+          <p:cNvSpPr>
+            <a:spLocks noGrp="1"/>
+          </p:cNvSpPr>
+          <p:nvPr>
+            <p:ph type="ftr" sz="quarter" idx="11"/>
+          </p:nvPr>
+        </p:nvSpPr>
+        <p:spPr/>
+        <p:txBody>
+          <a:bodyPr/>
+          <a:lstStyle/>
+          <a:p>
+            <a:endParaRPr lang="en-US"/>
+          </a:p>
+        </p:txBody>
+      </p:sp>
+      <p:sp>
+        <p:nvSpPr>
+          <p:cNvPr id="9" name="Slide Number Placeholder 8"/>
+          <p:cNvSpPr>
+            <a:spLocks noGrp="1"/>
+          </p:cNvSpPr>
+          <p:nvPr>
+            <p:ph type="sldNum" sz="quarter" idx="12"/>
+          </p:nvPr>
+        </p:nvSpPr>
+        <p:spPr/>
+        <p:txBody>
+          <a:bodyPr/>
+          <a:lstStyle/>
+          <a:p>
+            <a:fld id="{39790E93-DECC-4E3E-8905-F9B97D82F520}" type="slidenum">
+              <a:rPr lang="en-US" smtClean="0"/>
+              <a:t>‹#›</a:t>
+            </a:fld>
+            <a:endParaRPr lang="en-US"/>
+          </a:p>
+        </p:txBody>
+      </p:sp>
+    </p:spTree>
+    <p:extLst>
+      <p:ext uri="{BB962C8B-B14F-4D97-AF65-F5344CB8AC3E}">
+        <p14:creationId xmlns:p14="http://schemas.microsoft.com/office/powerpoint/2010/main" val="2492250421"/>
+      </p:ext>
+    </p:extLst>
+  </p:cSld>
+  <p:clrMapOvr>
+    <a:masterClrMapping/>
+  </p:clrMapOvr>
+</p:sldLayout>
+</file>
+
+<file path=ppt/slideLayouts/slideLayout17.xml><?xml version="1.0" encoding="utf-8"?>
+<p:sldLayout xmlns:a="http://schemas.openxmlformats.org/drawingml/2006/main" xmlns:r="http://schemas.openxmlformats.org/officeDocument/2006/relationships" xmlns:p="http://schemas.openxmlformats.org/presentationml/2006/main" type="titleOnly" preserve="1">
+  <p:cSld name="Title Only">
+    <p:spTree>
+      <p:nvGrpSpPr>
+        <p:cNvPr id="1" name=""/>
+        <p:cNvGrpSpPr/>
+        <p:nvPr/>
+      </p:nvGrpSpPr>
+      <p:grpSpPr>
+        <a:xfrm>
+          <a:off x="0" y="0"/>
+          <a:ext cx="0" cy="0"/>
+          <a:chOff x="0" y="0"/>
+          <a:chExt cx="0" cy="0"/>
+        </a:xfrm>
+      </p:grpSpPr>
+      <p:sp>
+        <p:nvSpPr>
+          <p:cNvPr id="2" name="Title 1"/>
+          <p:cNvSpPr>
+            <a:spLocks noGrp="1"/>
+          </p:cNvSpPr>
+          <p:nvPr>
+            <p:ph type="title"/>
+          </p:nvPr>
+        </p:nvSpPr>
+        <p:spPr/>
+        <p:txBody>
+          <a:bodyPr/>
+          <a:lstStyle/>
+          <a:p>
+            <a:r>
+              <a:rPr lang="en-US"/>
+              <a:t>Click to edit Master title style</a:t>
+            </a:r>
+            <a:endParaRPr lang="en-US" dirty="0"/>
+          </a:p>
+        </p:txBody>
+      </p:sp>
+      <p:sp>
+        <p:nvSpPr>
+          <p:cNvPr id="3" name="Date Placeholder 2"/>
+          <p:cNvSpPr>
+            <a:spLocks noGrp="1"/>
+          </p:cNvSpPr>
+          <p:nvPr>
+            <p:ph type="dt" sz="half" idx="10"/>
+          </p:nvPr>
+        </p:nvSpPr>
+        <p:spPr/>
+        <p:txBody>
+          <a:bodyPr/>
+          <a:lstStyle/>
+          <a:p>
+            <a:fld id="{3670AB43-4AB1-4719-A1BC-54CEDAA9A926}" type="datetimeFigureOut">
+              <a:rPr lang="en-US" smtClean="0"/>
+              <a:t>4/9/2020</a:t>
+            </a:fld>
+            <a:endParaRPr lang="en-US"/>
+          </a:p>
+        </p:txBody>
+      </p:sp>
+      <p:sp>
+        <p:nvSpPr>
+          <p:cNvPr id="4" name="Footer Placeholder 3"/>
+          <p:cNvSpPr>
+            <a:spLocks noGrp="1"/>
+          </p:cNvSpPr>
+          <p:nvPr>
+            <p:ph type="ftr" sz="quarter" idx="11"/>
+          </p:nvPr>
+        </p:nvSpPr>
+        <p:spPr/>
+        <p:txBody>
+          <a:bodyPr/>
+          <a:lstStyle/>
+          <a:p>
+            <a:endParaRPr lang="en-US"/>
+          </a:p>
+        </p:txBody>
+      </p:sp>
+      <p:sp>
+        <p:nvSpPr>
+          <p:cNvPr id="5" name="Slide Number Placeholder 4"/>
+          <p:cNvSpPr>
+            <a:spLocks noGrp="1"/>
+          </p:cNvSpPr>
+          <p:nvPr>
+            <p:ph type="sldNum" sz="quarter" idx="12"/>
+          </p:nvPr>
+        </p:nvSpPr>
+        <p:spPr/>
+        <p:txBody>
+          <a:bodyPr/>
+          <a:lstStyle/>
+          <a:p>
+            <a:fld id="{39790E93-DECC-4E3E-8905-F9B97D82F520}" type="slidenum">
+              <a:rPr lang="en-US" smtClean="0"/>
+              <a:t>‹#›</a:t>
+            </a:fld>
+            <a:endParaRPr lang="en-US"/>
+          </a:p>
+        </p:txBody>
+      </p:sp>
+    </p:spTree>
+    <p:extLst>
+      <p:ext uri="{BB962C8B-B14F-4D97-AF65-F5344CB8AC3E}">
+        <p14:creationId xmlns:p14="http://schemas.microsoft.com/office/powerpoint/2010/main" val="2618735307"/>
+      </p:ext>
+    </p:extLst>
+  </p:cSld>
+  <p:clrMapOvr>
+    <a:masterClrMapping/>
+  </p:clrMapOvr>
+</p:sldLayout>
+</file>
+
+<file path=ppt/slideLayouts/slideLayout18.xml><?xml version="1.0" encoding="utf-8"?>
+<p:sldLayout xmlns:a="http://schemas.openxmlformats.org/drawingml/2006/main" xmlns:r="http://schemas.openxmlformats.org/officeDocument/2006/relationships" xmlns:p="http://schemas.openxmlformats.org/presentationml/2006/main" type="blank" preserve="1">
+  <p:cSld name="Blank">
+    <p:spTree>
+      <p:nvGrpSpPr>
+        <p:cNvPr id="1" name=""/>
+        <p:cNvGrpSpPr/>
+        <p:nvPr/>
+      </p:nvGrpSpPr>
+      <p:grpSpPr>
+        <a:xfrm>
+          <a:off x="0" y="0"/>
+          <a:ext cx="0" cy="0"/>
+          <a:chOff x="0" y="0"/>
+          <a:chExt cx="0" cy="0"/>
+        </a:xfrm>
+      </p:grpSpPr>
+      <p:sp>
+        <p:nvSpPr>
+          <p:cNvPr id="2" name="Date Placeholder 1"/>
+          <p:cNvSpPr>
+            <a:spLocks noGrp="1"/>
+          </p:cNvSpPr>
+          <p:nvPr>
+            <p:ph type="dt" sz="half" idx="10"/>
+          </p:nvPr>
+        </p:nvSpPr>
+        <p:spPr/>
+        <p:txBody>
+          <a:bodyPr/>
+          <a:lstStyle/>
+          <a:p>
+            <a:fld id="{3670AB43-4AB1-4719-A1BC-54CEDAA9A926}" type="datetimeFigureOut">
+              <a:rPr lang="en-US" smtClean="0"/>
+              <a:t>4/9/2020</a:t>
+            </a:fld>
+            <a:endParaRPr lang="en-US"/>
+          </a:p>
+        </p:txBody>
+      </p:sp>
+      <p:sp>
+        <p:nvSpPr>
+          <p:cNvPr id="3" name="Footer Placeholder 2"/>
+          <p:cNvSpPr>
+            <a:spLocks noGrp="1"/>
+          </p:cNvSpPr>
+          <p:nvPr>
+            <p:ph type="ftr" sz="quarter" idx="11"/>
+          </p:nvPr>
+        </p:nvSpPr>
+        <p:spPr/>
+        <p:txBody>
+          <a:bodyPr/>
+          <a:lstStyle/>
+          <a:p>
+            <a:endParaRPr lang="en-US"/>
+          </a:p>
+        </p:txBody>
+      </p:sp>
+      <p:sp>
+        <p:nvSpPr>
+          <p:cNvPr id="4" name="Slide Number Placeholder 3"/>
+          <p:cNvSpPr>
+            <a:spLocks noGrp="1"/>
+          </p:cNvSpPr>
+          <p:nvPr>
+            <p:ph type="sldNum" sz="quarter" idx="12"/>
+          </p:nvPr>
+        </p:nvSpPr>
+        <p:spPr/>
+        <p:txBody>
+          <a:bodyPr/>
+          <a:lstStyle/>
+          <a:p>
+            <a:fld id="{39790E93-DECC-4E3E-8905-F9B97D82F520}" type="slidenum">
+              <a:rPr lang="en-US" smtClean="0"/>
+              <a:t>‹#›</a:t>
+            </a:fld>
+            <a:endParaRPr lang="en-US"/>
+          </a:p>
+        </p:txBody>
+      </p:sp>
+    </p:spTree>
+    <p:extLst>
+      <p:ext uri="{BB962C8B-B14F-4D97-AF65-F5344CB8AC3E}">
+        <p14:creationId xmlns:p14="http://schemas.microsoft.com/office/powerpoint/2010/main" val="2106340676"/>
+      </p:ext>
+    </p:extLst>
+  </p:cSld>
+  <p:clrMapOvr>
+    <a:masterClrMapping/>
+  </p:clrMapOvr>
+</p:sldLayout>
+</file>
+
+<file path=ppt/slideLayouts/slideLayout19.xml><?xml version="1.0" encoding="utf-8"?>
+<p:sldLayout xmlns:a="http://schemas.openxmlformats.org/drawingml/2006/main" xmlns:r="http://schemas.openxmlformats.org/officeDocument/2006/relationships" xmlns:p="http://schemas.openxmlformats.org/presentationml/2006/main" type="objTx" preserve="1">
+  <p:cSld name="Content with Caption">
+    <p:spTree>
+      <p:nvGrpSpPr>
+        <p:cNvPr id="1" name=""/>
+        <p:cNvGrpSpPr/>
+        <p:nvPr/>
+      </p:nvGrpSpPr>
+      <p:grpSpPr>
+        <a:xfrm>
+          <a:off x="0" y="0"/>
+          <a:ext cx="0" cy="0"/>
+          <a:chOff x="0" y="0"/>
+          <a:chExt cx="0" cy="0"/>
+        </a:xfrm>
+      </p:grpSpPr>
+      <p:sp>
+        <p:nvSpPr>
+          <p:cNvPr id="2" name="Title 1"/>
+          <p:cNvSpPr>
+            <a:spLocks noGrp="1"/>
+          </p:cNvSpPr>
+          <p:nvPr>
+            <p:ph type="title"/>
+          </p:nvPr>
+        </p:nvSpPr>
+        <p:spPr>
+          <a:xfrm>
+            <a:off x="839788" y="457200"/>
+            <a:ext cx="3932237" cy="1600200"/>
+          </a:xfrm>
+        </p:spPr>
+        <p:txBody>
+          <a:bodyPr anchor="b"/>
+          <a:lstStyle>
+            <a:lvl1pPr>
+              <a:defRPr sz="3200"/>
+            </a:lvl1pPr>
+          </a:lstStyle>
+          <a:p>
+            <a:r>
+              <a:rPr lang="en-US"/>
+              <a:t>Click to edit Master title style</a:t>
+            </a:r>
+            <a:endParaRPr lang="en-US" dirty="0"/>
+          </a:p>
+        </p:txBody>
+      </p:sp>
+      <p:sp>
+        <p:nvSpPr>
+          <p:cNvPr id="3" name="Content Placeholder 2"/>
+          <p:cNvSpPr>
+            <a:spLocks noGrp="1"/>
+          </p:cNvSpPr>
+          <p:nvPr>
+            <p:ph idx="1"/>
+          </p:nvPr>
+        </p:nvSpPr>
+        <p:spPr>
+          <a:xfrm>
+            <a:off x="5183188" y="987425"/>
+            <a:ext cx="6172200" cy="4873625"/>
+          </a:xfrm>
+        </p:spPr>
+        <p:txBody>
+          <a:bodyPr/>
+          <a:lstStyle>
+            <a:lvl1pPr>
+              <a:defRPr sz="3200"/>
+            </a:lvl1pPr>
+            <a:lvl2pPr>
+              <a:defRPr sz="2800"/>
+            </a:lvl2pPr>
+            <a:lvl3pPr>
+              <a:defRPr sz="2400"/>
+            </a:lvl3pPr>
+            <a:lvl4pPr>
+              <a:defRPr sz="2000"/>
+            </a:lvl4pPr>
+            <a:lvl5pPr>
+              <a:defRPr sz="2000"/>
+            </a:lvl5pPr>
+            <a:lvl6pPr>
+              <a:defRPr sz="2000"/>
+            </a:lvl6pPr>
+            <a:lvl7pPr>
+              <a:defRPr sz="2000"/>
+            </a:lvl7pPr>
+            <a:lvl8pPr>
+              <a:defRPr sz="2000"/>
+            </a:lvl8pPr>
+            <a:lvl9pPr>
+              <a:defRPr sz="2000"/>
+            </a:lvl9pPr>
+          </a:lstStyle>
+          <a:p>
+            <a:pPr lvl="0"/>
+            <a:r>
+              <a:rPr lang="en-US"/>
+              <a:t>Click to edit Master text styles</a:t>
+            </a:r>
+          </a:p>
+          <a:p>
+            <a:pPr lvl="1"/>
+            <a:r>
+              <a:rPr lang="en-US"/>
+              <a:t>Second level</a:t>
+            </a:r>
+          </a:p>
+          <a:p>
+            <a:pPr lvl="2"/>
+            <a:r>
+              <a:rPr lang="en-US"/>
+              <a:t>Third level</a:t>
+            </a:r>
+          </a:p>
+          <a:p>
+            <a:pPr lvl="3"/>
+            <a:r>
+              <a:rPr lang="en-US"/>
+              <a:t>Fourth level</a:t>
+            </a:r>
+          </a:p>
+          <a:p>
+            <a:pPr lvl="4"/>
+            <a:r>
+              <a:rPr lang="en-US"/>
+              <a:t>Fifth level</a:t>
+            </a:r>
+            <a:endParaRPr lang="en-US" dirty="0"/>
+          </a:p>
+        </p:txBody>
+      </p:sp>
+      <p:sp>
+        <p:nvSpPr>
+          <p:cNvPr id="4" name="Text Placeholder 3"/>
+          <p:cNvSpPr>
+            <a:spLocks noGrp="1"/>
+          </p:cNvSpPr>
+          <p:nvPr>
+            <p:ph type="body" sz="half" idx="2"/>
+          </p:nvPr>
+        </p:nvSpPr>
+        <p:spPr>
+          <a:xfrm>
+            <a:off x="839788" y="2057400"/>
+            <a:ext cx="3932237" cy="3811588"/>
+          </a:xfrm>
+        </p:spPr>
+        <p:txBody>
+          <a:bodyPr/>
+          <a:lstStyle>
+            <a:lvl1pPr marL="0" indent="0">
+              <a:buNone/>
+              <a:defRPr sz="1600"/>
+            </a:lvl1pPr>
+            <a:lvl2pPr marL="457200" indent="0">
+              <a:buNone/>
+              <a:defRPr sz="1400"/>
+            </a:lvl2pPr>
+            <a:lvl3pPr marL="914400" indent="0">
+              <a:buNone/>
+              <a:defRPr sz="1200"/>
+            </a:lvl3pPr>
+            <a:lvl4pPr marL="1371600" indent="0">
+              <a:buNone/>
+              <a:defRPr sz="1000"/>
+            </a:lvl4pPr>
+            <a:lvl5pPr marL="1828800" indent="0">
+              <a:buNone/>
+              <a:defRPr sz="1000"/>
+            </a:lvl5pPr>
+            <a:lvl6pPr marL="2286000" indent="0">
+              <a:buNone/>
+              <a:defRPr sz="1000"/>
+            </a:lvl6pPr>
+            <a:lvl7pPr marL="2743200" indent="0">
+              <a:buNone/>
+              <a:defRPr sz="1000"/>
+            </a:lvl7pPr>
+            <a:lvl8pPr marL="3200400" indent="0">
+              <a:buNone/>
+              <a:defRPr sz="1000"/>
+            </a:lvl8pPr>
+            <a:lvl9pPr marL="3657600" indent="0">
+              <a:buNone/>
+              <a:defRPr sz="1000"/>
+            </a:lvl9pPr>
+          </a:lstStyle>
+          <a:p>
+            <a:pPr lvl="0"/>
+            <a:r>
+              <a:rPr lang="en-US"/>
+              <a:t>Click to edit Master text styles</a:t>
+            </a:r>
+          </a:p>
+        </p:txBody>
+      </p:sp>
+      <p:sp>
+        <p:nvSpPr>
+          <p:cNvPr id="5" name="Date Placeholder 4"/>
+          <p:cNvSpPr>
+            <a:spLocks noGrp="1"/>
+          </p:cNvSpPr>
+          <p:nvPr>
+            <p:ph type="dt" sz="half" idx="10"/>
+          </p:nvPr>
+        </p:nvSpPr>
+        <p:spPr/>
+        <p:txBody>
+          <a:bodyPr/>
+          <a:lstStyle/>
+          <a:p>
+            <a:fld id="{3670AB43-4AB1-4719-A1BC-54CEDAA9A926}" type="datetimeFigureOut">
+              <a:rPr lang="en-US" smtClean="0"/>
+              <a:t>4/9/2020</a:t>
+            </a:fld>
+            <a:endParaRPr lang="en-US"/>
+          </a:p>
+        </p:txBody>
+      </p:sp>
+      <p:sp>
+        <p:nvSpPr>
+          <p:cNvPr id="6" name="Footer Placeholder 5"/>
+          <p:cNvSpPr>
+            <a:spLocks noGrp="1"/>
+          </p:cNvSpPr>
+          <p:nvPr>
+            <p:ph type="ftr" sz="quarter" idx="11"/>
+          </p:nvPr>
+        </p:nvSpPr>
+        <p:spPr/>
+        <p:txBody>
+          <a:bodyPr/>
+          <a:lstStyle/>
+          <a:p>
+            <a:endParaRPr lang="en-US"/>
+          </a:p>
+        </p:txBody>
+      </p:sp>
+      <p:sp>
+        <p:nvSpPr>
+          <p:cNvPr id="7" name="Slide Number Placeholder 6"/>
+          <p:cNvSpPr>
+            <a:spLocks noGrp="1"/>
+          </p:cNvSpPr>
+          <p:nvPr>
+            <p:ph type="sldNum" sz="quarter" idx="12"/>
+          </p:nvPr>
+        </p:nvSpPr>
+        <p:spPr/>
+        <p:txBody>
+          <a:bodyPr/>
+          <a:lstStyle/>
+          <a:p>
+            <a:fld id="{39790E93-DECC-4E3E-8905-F9B97D82F520}" type="slidenum">
+              <a:rPr lang="en-US" smtClean="0"/>
+              <a:t>‹#›</a:t>
+            </a:fld>
+            <a:endParaRPr lang="en-US"/>
+          </a:p>
+        </p:txBody>
+      </p:sp>
+    </p:spTree>
+    <p:extLst>
+      <p:ext uri="{BB962C8B-B14F-4D97-AF65-F5344CB8AC3E}">
+        <p14:creationId xmlns:p14="http://schemas.microsoft.com/office/powerpoint/2010/main" val="477762796"/>
       </p:ext>
     </p:extLst>
   </p:cSld>
@@ -4651,7 +6380,7 @@
           <a:p>
             <a:fld id="{3670AB43-4AB1-4719-A1BC-54CEDAA9A926}" type="datetimeFigureOut">
               <a:rPr lang="en-US" smtClean="0"/>
-              <a:t>4/8/2020</a:t>
+              <a:t>4/9/2020</a:t>
             </a:fld>
             <a:endParaRPr lang="en-US"/>
           </a:p>
@@ -4744,6 +6473,613 @@
     <p:extLst>
       <p:ext uri="{BB962C8B-B14F-4D97-AF65-F5344CB8AC3E}">
         <p14:creationId xmlns:p14="http://schemas.microsoft.com/office/powerpoint/2010/main" val="1432112414"/>
+      </p:ext>
+    </p:extLst>
+  </p:cSld>
+  <p:clrMapOvr>
+    <a:masterClrMapping/>
+  </p:clrMapOvr>
+</p:sldLayout>
+</file>
+
+<file path=ppt/slideLayouts/slideLayout20.xml><?xml version="1.0" encoding="utf-8"?>
+<p:sldLayout xmlns:a="http://schemas.openxmlformats.org/drawingml/2006/main" xmlns:r="http://schemas.openxmlformats.org/officeDocument/2006/relationships" xmlns:p="http://schemas.openxmlformats.org/presentationml/2006/main" type="picTx" preserve="1">
+  <p:cSld name="Picture with Caption">
+    <p:spTree>
+      <p:nvGrpSpPr>
+        <p:cNvPr id="1" name=""/>
+        <p:cNvGrpSpPr/>
+        <p:nvPr/>
+      </p:nvGrpSpPr>
+      <p:grpSpPr>
+        <a:xfrm>
+          <a:off x="0" y="0"/>
+          <a:ext cx="0" cy="0"/>
+          <a:chOff x="0" y="0"/>
+          <a:chExt cx="0" cy="0"/>
+        </a:xfrm>
+      </p:grpSpPr>
+      <p:sp>
+        <p:nvSpPr>
+          <p:cNvPr id="2" name="Title 1"/>
+          <p:cNvSpPr>
+            <a:spLocks noGrp="1"/>
+          </p:cNvSpPr>
+          <p:nvPr>
+            <p:ph type="title"/>
+          </p:nvPr>
+        </p:nvSpPr>
+        <p:spPr>
+          <a:xfrm>
+            <a:off x="839788" y="457200"/>
+            <a:ext cx="3932237" cy="1600200"/>
+          </a:xfrm>
+        </p:spPr>
+        <p:txBody>
+          <a:bodyPr anchor="b"/>
+          <a:lstStyle>
+            <a:lvl1pPr>
+              <a:defRPr sz="3200"/>
+            </a:lvl1pPr>
+          </a:lstStyle>
+          <a:p>
+            <a:r>
+              <a:rPr lang="en-US"/>
+              <a:t>Click to edit Master title style</a:t>
+            </a:r>
+            <a:endParaRPr lang="en-US" dirty="0"/>
+          </a:p>
+        </p:txBody>
+      </p:sp>
+      <p:sp>
+        <p:nvSpPr>
+          <p:cNvPr id="3" name="Picture Placeholder 2"/>
+          <p:cNvSpPr>
+            <a:spLocks noGrp="1" noChangeAspect="1"/>
+          </p:cNvSpPr>
+          <p:nvPr>
+            <p:ph type="pic" idx="1"/>
+          </p:nvPr>
+        </p:nvSpPr>
+        <p:spPr>
+          <a:xfrm>
+            <a:off x="5183188" y="987425"/>
+            <a:ext cx="6172200" cy="4873625"/>
+          </a:xfrm>
+        </p:spPr>
+        <p:txBody>
+          <a:bodyPr anchor="t"/>
+          <a:lstStyle>
+            <a:lvl1pPr marL="0" indent="0">
+              <a:buNone/>
+              <a:defRPr sz="3200"/>
+            </a:lvl1pPr>
+            <a:lvl2pPr marL="457200" indent="0">
+              <a:buNone/>
+              <a:defRPr sz="2800"/>
+            </a:lvl2pPr>
+            <a:lvl3pPr marL="914400" indent="0">
+              <a:buNone/>
+              <a:defRPr sz="2400"/>
+            </a:lvl3pPr>
+            <a:lvl4pPr marL="1371600" indent="0">
+              <a:buNone/>
+              <a:defRPr sz="2000"/>
+            </a:lvl4pPr>
+            <a:lvl5pPr marL="1828800" indent="0">
+              <a:buNone/>
+              <a:defRPr sz="2000"/>
+            </a:lvl5pPr>
+            <a:lvl6pPr marL="2286000" indent="0">
+              <a:buNone/>
+              <a:defRPr sz="2000"/>
+            </a:lvl6pPr>
+            <a:lvl7pPr marL="2743200" indent="0">
+              <a:buNone/>
+              <a:defRPr sz="2000"/>
+            </a:lvl7pPr>
+            <a:lvl8pPr marL="3200400" indent="0">
+              <a:buNone/>
+              <a:defRPr sz="2000"/>
+            </a:lvl8pPr>
+            <a:lvl9pPr marL="3657600" indent="0">
+              <a:buNone/>
+              <a:defRPr sz="2000"/>
+            </a:lvl9pPr>
+          </a:lstStyle>
+          <a:p>
+            <a:r>
+              <a:rPr lang="en-US"/>
+              <a:t>Click icon to add picture</a:t>
+            </a:r>
+            <a:endParaRPr lang="en-US" dirty="0"/>
+          </a:p>
+        </p:txBody>
+      </p:sp>
+      <p:sp>
+        <p:nvSpPr>
+          <p:cNvPr id="4" name="Text Placeholder 3"/>
+          <p:cNvSpPr>
+            <a:spLocks noGrp="1"/>
+          </p:cNvSpPr>
+          <p:nvPr>
+            <p:ph type="body" sz="half" idx="2"/>
+          </p:nvPr>
+        </p:nvSpPr>
+        <p:spPr>
+          <a:xfrm>
+            <a:off x="839788" y="2057400"/>
+            <a:ext cx="3932237" cy="3811588"/>
+          </a:xfrm>
+        </p:spPr>
+        <p:txBody>
+          <a:bodyPr/>
+          <a:lstStyle>
+            <a:lvl1pPr marL="0" indent="0">
+              <a:buNone/>
+              <a:defRPr sz="1600"/>
+            </a:lvl1pPr>
+            <a:lvl2pPr marL="457200" indent="0">
+              <a:buNone/>
+              <a:defRPr sz="1400"/>
+            </a:lvl2pPr>
+            <a:lvl3pPr marL="914400" indent="0">
+              <a:buNone/>
+              <a:defRPr sz="1200"/>
+            </a:lvl3pPr>
+            <a:lvl4pPr marL="1371600" indent="0">
+              <a:buNone/>
+              <a:defRPr sz="1000"/>
+            </a:lvl4pPr>
+            <a:lvl5pPr marL="1828800" indent="0">
+              <a:buNone/>
+              <a:defRPr sz="1000"/>
+            </a:lvl5pPr>
+            <a:lvl6pPr marL="2286000" indent="0">
+              <a:buNone/>
+              <a:defRPr sz="1000"/>
+            </a:lvl6pPr>
+            <a:lvl7pPr marL="2743200" indent="0">
+              <a:buNone/>
+              <a:defRPr sz="1000"/>
+            </a:lvl7pPr>
+            <a:lvl8pPr marL="3200400" indent="0">
+              <a:buNone/>
+              <a:defRPr sz="1000"/>
+            </a:lvl8pPr>
+            <a:lvl9pPr marL="3657600" indent="0">
+              <a:buNone/>
+              <a:defRPr sz="1000"/>
+            </a:lvl9pPr>
+          </a:lstStyle>
+          <a:p>
+            <a:pPr lvl="0"/>
+            <a:r>
+              <a:rPr lang="en-US"/>
+              <a:t>Click to edit Master text styles</a:t>
+            </a:r>
+          </a:p>
+        </p:txBody>
+      </p:sp>
+      <p:sp>
+        <p:nvSpPr>
+          <p:cNvPr id="5" name="Date Placeholder 4"/>
+          <p:cNvSpPr>
+            <a:spLocks noGrp="1"/>
+          </p:cNvSpPr>
+          <p:nvPr>
+            <p:ph type="dt" sz="half" idx="10"/>
+          </p:nvPr>
+        </p:nvSpPr>
+        <p:spPr/>
+        <p:txBody>
+          <a:bodyPr/>
+          <a:lstStyle/>
+          <a:p>
+            <a:fld id="{3670AB43-4AB1-4719-A1BC-54CEDAA9A926}" type="datetimeFigureOut">
+              <a:rPr lang="en-US" smtClean="0"/>
+              <a:t>4/9/2020</a:t>
+            </a:fld>
+            <a:endParaRPr lang="en-US"/>
+          </a:p>
+        </p:txBody>
+      </p:sp>
+      <p:sp>
+        <p:nvSpPr>
+          <p:cNvPr id="6" name="Footer Placeholder 5"/>
+          <p:cNvSpPr>
+            <a:spLocks noGrp="1"/>
+          </p:cNvSpPr>
+          <p:nvPr>
+            <p:ph type="ftr" sz="quarter" idx="11"/>
+          </p:nvPr>
+        </p:nvSpPr>
+        <p:spPr/>
+        <p:txBody>
+          <a:bodyPr/>
+          <a:lstStyle/>
+          <a:p>
+            <a:endParaRPr lang="en-US"/>
+          </a:p>
+        </p:txBody>
+      </p:sp>
+      <p:sp>
+        <p:nvSpPr>
+          <p:cNvPr id="7" name="Slide Number Placeholder 6"/>
+          <p:cNvSpPr>
+            <a:spLocks noGrp="1"/>
+          </p:cNvSpPr>
+          <p:nvPr>
+            <p:ph type="sldNum" sz="quarter" idx="12"/>
+          </p:nvPr>
+        </p:nvSpPr>
+        <p:spPr/>
+        <p:txBody>
+          <a:bodyPr/>
+          <a:lstStyle/>
+          <a:p>
+            <a:fld id="{39790E93-DECC-4E3E-8905-F9B97D82F520}" type="slidenum">
+              <a:rPr lang="en-US" smtClean="0"/>
+              <a:t>‹#›</a:t>
+            </a:fld>
+            <a:endParaRPr lang="en-US"/>
+          </a:p>
+        </p:txBody>
+      </p:sp>
+    </p:spTree>
+    <p:extLst>
+      <p:ext uri="{BB962C8B-B14F-4D97-AF65-F5344CB8AC3E}">
+        <p14:creationId xmlns:p14="http://schemas.microsoft.com/office/powerpoint/2010/main" val="2790732854"/>
+      </p:ext>
+    </p:extLst>
+  </p:cSld>
+  <p:clrMapOvr>
+    <a:masterClrMapping/>
+  </p:clrMapOvr>
+</p:sldLayout>
+</file>
+
+<file path=ppt/slideLayouts/slideLayout21.xml><?xml version="1.0" encoding="utf-8"?>
+<p:sldLayout xmlns:a="http://schemas.openxmlformats.org/drawingml/2006/main" xmlns:r="http://schemas.openxmlformats.org/officeDocument/2006/relationships" xmlns:p="http://schemas.openxmlformats.org/presentationml/2006/main" type="vertTx" preserve="1">
+  <p:cSld name="Title and Vertical Text">
+    <p:spTree>
+      <p:nvGrpSpPr>
+        <p:cNvPr id="1" name=""/>
+        <p:cNvGrpSpPr/>
+        <p:nvPr/>
+      </p:nvGrpSpPr>
+      <p:grpSpPr>
+        <a:xfrm>
+          <a:off x="0" y="0"/>
+          <a:ext cx="0" cy="0"/>
+          <a:chOff x="0" y="0"/>
+          <a:chExt cx="0" cy="0"/>
+        </a:xfrm>
+      </p:grpSpPr>
+      <p:sp>
+        <p:nvSpPr>
+          <p:cNvPr id="2" name="Title 1"/>
+          <p:cNvSpPr>
+            <a:spLocks noGrp="1"/>
+          </p:cNvSpPr>
+          <p:nvPr>
+            <p:ph type="title"/>
+          </p:nvPr>
+        </p:nvSpPr>
+        <p:spPr/>
+        <p:txBody>
+          <a:bodyPr/>
+          <a:lstStyle/>
+          <a:p>
+            <a:r>
+              <a:rPr lang="en-US"/>
+              <a:t>Click to edit Master title style</a:t>
+            </a:r>
+            <a:endParaRPr lang="en-US" dirty="0"/>
+          </a:p>
+        </p:txBody>
+      </p:sp>
+      <p:sp>
+        <p:nvSpPr>
+          <p:cNvPr id="3" name="Vertical Text Placeholder 2"/>
+          <p:cNvSpPr>
+            <a:spLocks noGrp="1"/>
+          </p:cNvSpPr>
+          <p:nvPr>
+            <p:ph type="body" orient="vert" idx="1"/>
+          </p:nvPr>
+        </p:nvSpPr>
+        <p:spPr/>
+        <p:txBody>
+          <a:bodyPr vert="eaVert"/>
+          <a:lstStyle/>
+          <a:p>
+            <a:pPr lvl="0"/>
+            <a:r>
+              <a:rPr lang="en-US"/>
+              <a:t>Click to edit Master text styles</a:t>
+            </a:r>
+          </a:p>
+          <a:p>
+            <a:pPr lvl="1"/>
+            <a:r>
+              <a:rPr lang="en-US"/>
+              <a:t>Second level</a:t>
+            </a:r>
+          </a:p>
+          <a:p>
+            <a:pPr lvl="2"/>
+            <a:r>
+              <a:rPr lang="en-US"/>
+              <a:t>Third level</a:t>
+            </a:r>
+          </a:p>
+          <a:p>
+            <a:pPr lvl="3"/>
+            <a:r>
+              <a:rPr lang="en-US"/>
+              <a:t>Fourth level</a:t>
+            </a:r>
+          </a:p>
+          <a:p>
+            <a:pPr lvl="4"/>
+            <a:r>
+              <a:rPr lang="en-US"/>
+              <a:t>Fifth level</a:t>
+            </a:r>
+            <a:endParaRPr lang="en-US" dirty="0"/>
+          </a:p>
+        </p:txBody>
+      </p:sp>
+      <p:sp>
+        <p:nvSpPr>
+          <p:cNvPr id="4" name="Date Placeholder 3"/>
+          <p:cNvSpPr>
+            <a:spLocks noGrp="1"/>
+          </p:cNvSpPr>
+          <p:nvPr>
+            <p:ph type="dt" sz="half" idx="10"/>
+          </p:nvPr>
+        </p:nvSpPr>
+        <p:spPr/>
+        <p:txBody>
+          <a:bodyPr/>
+          <a:lstStyle/>
+          <a:p>
+            <a:fld id="{3670AB43-4AB1-4719-A1BC-54CEDAA9A926}" type="datetimeFigureOut">
+              <a:rPr lang="en-US" smtClean="0"/>
+              <a:t>4/9/2020</a:t>
+            </a:fld>
+            <a:endParaRPr lang="en-US"/>
+          </a:p>
+        </p:txBody>
+      </p:sp>
+      <p:sp>
+        <p:nvSpPr>
+          <p:cNvPr id="5" name="Footer Placeholder 4"/>
+          <p:cNvSpPr>
+            <a:spLocks noGrp="1"/>
+          </p:cNvSpPr>
+          <p:nvPr>
+            <p:ph type="ftr" sz="quarter" idx="11"/>
+          </p:nvPr>
+        </p:nvSpPr>
+        <p:spPr/>
+        <p:txBody>
+          <a:bodyPr/>
+          <a:lstStyle/>
+          <a:p>
+            <a:endParaRPr lang="en-US"/>
+          </a:p>
+        </p:txBody>
+      </p:sp>
+      <p:sp>
+        <p:nvSpPr>
+          <p:cNvPr id="6" name="Slide Number Placeholder 5"/>
+          <p:cNvSpPr>
+            <a:spLocks noGrp="1"/>
+          </p:cNvSpPr>
+          <p:nvPr>
+            <p:ph type="sldNum" sz="quarter" idx="12"/>
+          </p:nvPr>
+        </p:nvSpPr>
+        <p:spPr/>
+        <p:txBody>
+          <a:bodyPr/>
+          <a:lstStyle/>
+          <a:p>
+            <a:fld id="{39790E93-DECC-4E3E-8905-F9B97D82F520}" type="slidenum">
+              <a:rPr lang="en-US" smtClean="0"/>
+              <a:t>‹#›</a:t>
+            </a:fld>
+            <a:endParaRPr lang="en-US"/>
+          </a:p>
+        </p:txBody>
+      </p:sp>
+    </p:spTree>
+    <p:extLst>
+      <p:ext uri="{BB962C8B-B14F-4D97-AF65-F5344CB8AC3E}">
+        <p14:creationId xmlns:p14="http://schemas.microsoft.com/office/powerpoint/2010/main" val="685735414"/>
+      </p:ext>
+    </p:extLst>
+  </p:cSld>
+  <p:clrMapOvr>
+    <a:masterClrMapping/>
+  </p:clrMapOvr>
+</p:sldLayout>
+</file>
+
+<file path=ppt/slideLayouts/slideLayout22.xml><?xml version="1.0" encoding="utf-8"?>
+<p:sldLayout xmlns:a="http://schemas.openxmlformats.org/drawingml/2006/main" xmlns:r="http://schemas.openxmlformats.org/officeDocument/2006/relationships" xmlns:p="http://schemas.openxmlformats.org/presentationml/2006/main" type="vertTitleAndTx" preserve="1">
+  <p:cSld name="Vertical Title and Text">
+    <p:spTree>
+      <p:nvGrpSpPr>
+        <p:cNvPr id="1" name=""/>
+        <p:cNvGrpSpPr/>
+        <p:nvPr/>
+      </p:nvGrpSpPr>
+      <p:grpSpPr>
+        <a:xfrm>
+          <a:off x="0" y="0"/>
+          <a:ext cx="0" cy="0"/>
+          <a:chOff x="0" y="0"/>
+          <a:chExt cx="0" cy="0"/>
+        </a:xfrm>
+      </p:grpSpPr>
+      <p:sp>
+        <p:nvSpPr>
+          <p:cNvPr id="2" name="Vertical Title 1"/>
+          <p:cNvSpPr>
+            <a:spLocks noGrp="1"/>
+          </p:cNvSpPr>
+          <p:nvPr>
+            <p:ph type="title" orient="vert"/>
+          </p:nvPr>
+        </p:nvSpPr>
+        <p:spPr>
+          <a:xfrm>
+            <a:off x="8724900" y="365125"/>
+            <a:ext cx="2628900" cy="5811838"/>
+          </a:xfrm>
+        </p:spPr>
+        <p:txBody>
+          <a:bodyPr vert="eaVert"/>
+          <a:lstStyle/>
+          <a:p>
+            <a:r>
+              <a:rPr lang="en-US"/>
+              <a:t>Click to edit Master title style</a:t>
+            </a:r>
+            <a:endParaRPr lang="en-US" dirty="0"/>
+          </a:p>
+        </p:txBody>
+      </p:sp>
+      <p:sp>
+        <p:nvSpPr>
+          <p:cNvPr id="3" name="Vertical Text Placeholder 2"/>
+          <p:cNvSpPr>
+            <a:spLocks noGrp="1"/>
+          </p:cNvSpPr>
+          <p:nvPr>
+            <p:ph type="body" orient="vert" idx="1"/>
+          </p:nvPr>
+        </p:nvSpPr>
+        <p:spPr>
+          <a:xfrm>
+            <a:off x="838200" y="365125"/>
+            <a:ext cx="7734300" cy="5811838"/>
+          </a:xfrm>
+        </p:spPr>
+        <p:txBody>
+          <a:bodyPr vert="eaVert"/>
+          <a:lstStyle/>
+          <a:p>
+            <a:pPr lvl="0"/>
+            <a:r>
+              <a:rPr lang="en-US"/>
+              <a:t>Click to edit Master text styles</a:t>
+            </a:r>
+          </a:p>
+          <a:p>
+            <a:pPr lvl="1"/>
+            <a:r>
+              <a:rPr lang="en-US"/>
+              <a:t>Second level</a:t>
+            </a:r>
+          </a:p>
+          <a:p>
+            <a:pPr lvl="2"/>
+            <a:r>
+              <a:rPr lang="en-US"/>
+              <a:t>Third level</a:t>
+            </a:r>
+          </a:p>
+          <a:p>
+            <a:pPr lvl="3"/>
+            <a:r>
+              <a:rPr lang="en-US"/>
+              <a:t>Fourth level</a:t>
+            </a:r>
+          </a:p>
+          <a:p>
+            <a:pPr lvl="4"/>
+            <a:r>
+              <a:rPr lang="en-US"/>
+              <a:t>Fifth level</a:t>
+            </a:r>
+            <a:endParaRPr lang="en-US" dirty="0"/>
+          </a:p>
+        </p:txBody>
+      </p:sp>
+      <p:sp>
+        <p:nvSpPr>
+          <p:cNvPr id="4" name="Date Placeholder 3"/>
+          <p:cNvSpPr>
+            <a:spLocks noGrp="1"/>
+          </p:cNvSpPr>
+          <p:nvPr>
+            <p:ph type="dt" sz="half" idx="10"/>
+          </p:nvPr>
+        </p:nvSpPr>
+        <p:spPr/>
+        <p:txBody>
+          <a:bodyPr/>
+          <a:lstStyle/>
+          <a:p>
+            <a:fld id="{3670AB43-4AB1-4719-A1BC-54CEDAA9A926}" type="datetimeFigureOut">
+              <a:rPr lang="en-US" smtClean="0"/>
+              <a:t>4/9/2020</a:t>
+            </a:fld>
+            <a:endParaRPr lang="en-US"/>
+          </a:p>
+        </p:txBody>
+      </p:sp>
+      <p:sp>
+        <p:nvSpPr>
+          <p:cNvPr id="5" name="Footer Placeholder 4"/>
+          <p:cNvSpPr>
+            <a:spLocks noGrp="1"/>
+          </p:cNvSpPr>
+          <p:nvPr>
+            <p:ph type="ftr" sz="quarter" idx="11"/>
+          </p:nvPr>
+        </p:nvSpPr>
+        <p:spPr/>
+        <p:txBody>
+          <a:bodyPr/>
+          <a:lstStyle/>
+          <a:p>
+            <a:endParaRPr lang="en-US"/>
+          </a:p>
+        </p:txBody>
+      </p:sp>
+      <p:sp>
+        <p:nvSpPr>
+          <p:cNvPr id="6" name="Slide Number Placeholder 5"/>
+          <p:cNvSpPr>
+            <a:spLocks noGrp="1"/>
+          </p:cNvSpPr>
+          <p:nvPr>
+            <p:ph type="sldNum" sz="quarter" idx="12"/>
+          </p:nvPr>
+        </p:nvSpPr>
+        <p:spPr/>
+        <p:txBody>
+          <a:bodyPr/>
+          <a:lstStyle/>
+          <a:p>
+            <a:fld id="{39790E93-DECC-4E3E-8905-F9B97D82F520}" type="slidenum">
+              <a:rPr lang="en-US" smtClean="0"/>
+              <a:t>‹#›</a:t>
+            </a:fld>
+            <a:endParaRPr lang="en-US"/>
+          </a:p>
+        </p:txBody>
+      </p:sp>
+    </p:spTree>
+    <p:extLst>
+      <p:ext uri="{BB962C8B-B14F-4D97-AF65-F5344CB8AC3E}">
+        <p14:creationId xmlns:p14="http://schemas.microsoft.com/office/powerpoint/2010/main" val="2880322014"/>
       </p:ext>
     </p:extLst>
   </p:cSld>
@@ -5059,7 +7395,7 @@
           <a:p>
             <a:fld id="{3670AB43-4AB1-4719-A1BC-54CEDAA9A926}" type="datetimeFigureOut">
               <a:rPr lang="en-US" smtClean="0"/>
-              <a:t>4/8/2020</a:t>
+              <a:t>4/9/2020</a:t>
             </a:fld>
             <a:endParaRPr lang="en-US"/>
           </a:p>
@@ -5374,7 +7710,7 @@
           <a:p>
             <a:fld id="{3670AB43-4AB1-4719-A1BC-54CEDAA9A926}" type="datetimeFigureOut">
               <a:rPr lang="en-US" smtClean="0"/>
-              <a:t>4/8/2020</a:t>
+              <a:t>4/9/2020</a:t>
             </a:fld>
             <a:endParaRPr lang="en-US"/>
           </a:p>
@@ -5919,7 +8255,7 @@
           <a:p>
             <a:fld id="{3670AB43-4AB1-4719-A1BC-54CEDAA9A926}" type="datetimeFigureOut">
               <a:rPr lang="en-US" smtClean="0"/>
-              <a:t>4/8/2020</a:t>
+              <a:t>4/9/2020</a:t>
             </a:fld>
             <a:endParaRPr lang="en-US"/>
           </a:p>
@@ -6115,7 +8451,7 @@
           <a:p>
             <a:fld id="{3670AB43-4AB1-4719-A1BC-54CEDAA9A926}" type="datetimeFigureOut">
               <a:rPr lang="en-US" smtClean="0"/>
-              <a:t>4/8/2020</a:t>
+              <a:t>4/9/2020</a:t>
             </a:fld>
             <a:endParaRPr lang="en-US"/>
           </a:p>
@@ -6329,7 +8665,7 @@
           <a:p>
             <a:fld id="{3670AB43-4AB1-4719-A1BC-54CEDAA9A926}" type="datetimeFigureOut">
               <a:rPr lang="en-US" smtClean="0"/>
-              <a:t>4/8/2020</a:t>
+              <a:t>4/9/2020</a:t>
             </a:fld>
             <a:endParaRPr lang="en-US"/>
           </a:p>
@@ -6699,7 +9035,7 @@
           <a:p>
             <a:fld id="{3670AB43-4AB1-4719-A1BC-54CEDAA9A926}" type="datetimeFigureOut">
               <a:rPr lang="en-US" smtClean="0"/>
-              <a:t>4/8/2020</a:t>
+              <a:t>4/9/2020</a:t>
             </a:fld>
             <a:endParaRPr lang="en-US"/>
           </a:p>
@@ -7103,7 +9439,7 @@
           <a:p>
             <a:fld id="{3670AB43-4AB1-4719-A1BC-54CEDAA9A926}" type="datetimeFigureOut">
               <a:rPr lang="en-US" smtClean="0"/>
-              <a:t>4/8/2020</a:t>
+              <a:t>4/9/2020</a:t>
             </a:fld>
             <a:endParaRPr lang="en-US"/>
           </a:p>
@@ -7415,7 +9751,7 @@
           <a:p>
             <a:fld id="{3670AB43-4AB1-4719-A1BC-54CEDAA9A926}" type="datetimeFigureOut">
               <a:rPr lang="en-US" smtClean="0"/>
-              <a:t>4/8/2020</a:t>
+              <a:t>4/9/2020</a:t>
             </a:fld>
             <a:endParaRPr lang="en-US"/>
           </a:p>
@@ -7914,6 +10250,546 @@
 </p:sldMaster>
 </file>
 
+<file path=ppt/slideMasters/slideMaster2.xml><?xml version="1.0" encoding="utf-8"?>
+<p:sldMaster xmlns:a="http://schemas.openxmlformats.org/drawingml/2006/main" xmlns:r="http://schemas.openxmlformats.org/officeDocument/2006/relationships" xmlns:p="http://schemas.openxmlformats.org/presentationml/2006/main">
+  <p:cSld>
+    <p:bg>
+      <p:bgRef idx="1001">
+        <a:schemeClr val="bg1"/>
+      </p:bgRef>
+    </p:bg>
+    <p:spTree>
+      <p:nvGrpSpPr>
+        <p:cNvPr id="1" name=""/>
+        <p:cNvGrpSpPr/>
+        <p:nvPr/>
+      </p:nvGrpSpPr>
+      <p:grpSpPr>
+        <a:xfrm>
+          <a:off x="0" y="0"/>
+          <a:ext cx="0" cy="0"/>
+          <a:chOff x="0" y="0"/>
+          <a:chExt cx="0" cy="0"/>
+        </a:xfrm>
+      </p:grpSpPr>
+      <p:sp>
+        <p:nvSpPr>
+          <p:cNvPr id="2" name="Title Placeholder 1"/>
+          <p:cNvSpPr>
+            <a:spLocks noGrp="1"/>
+          </p:cNvSpPr>
+          <p:nvPr>
+            <p:ph type="title"/>
+          </p:nvPr>
+        </p:nvSpPr>
+        <p:spPr>
+          <a:xfrm>
+            <a:off x="838200" y="365125"/>
+            <a:ext cx="10515600" cy="1325563"/>
+          </a:xfrm>
+          <a:prstGeom prst="rect">
+            <a:avLst/>
+          </a:prstGeom>
+        </p:spPr>
+        <p:txBody>
+          <a:bodyPr vert="horz" lIns="91440" tIns="45720" rIns="91440" bIns="45720" rtlCol="0" anchor="ctr">
+            <a:normAutofit/>
+          </a:bodyPr>
+          <a:lstStyle/>
+          <a:p>
+            <a:r>
+              <a:rPr lang="en-US"/>
+              <a:t>Click to edit Master title style</a:t>
+            </a:r>
+            <a:endParaRPr lang="en-US" dirty="0"/>
+          </a:p>
+        </p:txBody>
+      </p:sp>
+      <p:sp>
+        <p:nvSpPr>
+          <p:cNvPr id="3" name="Text Placeholder 2"/>
+          <p:cNvSpPr>
+            <a:spLocks noGrp="1"/>
+          </p:cNvSpPr>
+          <p:nvPr>
+            <p:ph type="body" idx="1"/>
+          </p:nvPr>
+        </p:nvSpPr>
+        <p:spPr>
+          <a:xfrm>
+            <a:off x="838200" y="1825625"/>
+            <a:ext cx="10515600" cy="4351338"/>
+          </a:xfrm>
+          <a:prstGeom prst="rect">
+            <a:avLst/>
+          </a:prstGeom>
+        </p:spPr>
+        <p:txBody>
+          <a:bodyPr vert="horz" lIns="91440" tIns="45720" rIns="91440" bIns="45720" rtlCol="0">
+            <a:normAutofit/>
+          </a:bodyPr>
+          <a:lstStyle/>
+          <a:p>
+            <a:pPr lvl="0"/>
+            <a:r>
+              <a:rPr lang="en-US"/>
+              <a:t>Click to edit Master text styles</a:t>
+            </a:r>
+          </a:p>
+          <a:p>
+            <a:pPr lvl="1"/>
+            <a:r>
+              <a:rPr lang="en-US"/>
+              <a:t>Second level</a:t>
+            </a:r>
+          </a:p>
+          <a:p>
+            <a:pPr lvl="2"/>
+            <a:r>
+              <a:rPr lang="en-US"/>
+              <a:t>Third level</a:t>
+            </a:r>
+          </a:p>
+          <a:p>
+            <a:pPr lvl="3"/>
+            <a:r>
+              <a:rPr lang="en-US"/>
+              <a:t>Fourth level</a:t>
+            </a:r>
+          </a:p>
+          <a:p>
+            <a:pPr lvl="4"/>
+            <a:r>
+              <a:rPr lang="en-US"/>
+              <a:t>Fifth level</a:t>
+            </a:r>
+            <a:endParaRPr lang="en-US" dirty="0"/>
+          </a:p>
+        </p:txBody>
+      </p:sp>
+      <p:sp>
+        <p:nvSpPr>
+          <p:cNvPr id="4" name="Date Placeholder 3"/>
+          <p:cNvSpPr>
+            <a:spLocks noGrp="1"/>
+          </p:cNvSpPr>
+          <p:nvPr>
+            <p:ph type="dt" sz="half" idx="2"/>
+          </p:nvPr>
+        </p:nvSpPr>
+        <p:spPr>
+          <a:xfrm>
+            <a:off x="838200" y="6356350"/>
+            <a:ext cx="2743200" cy="365125"/>
+          </a:xfrm>
+          <a:prstGeom prst="rect">
+            <a:avLst/>
+          </a:prstGeom>
+        </p:spPr>
+        <p:txBody>
+          <a:bodyPr vert="horz" lIns="91440" tIns="45720" rIns="91440" bIns="45720" rtlCol="0" anchor="ctr"/>
+          <a:lstStyle>
+            <a:lvl1pPr algn="l">
+              <a:defRPr sz="1200">
+                <a:solidFill>
+                  <a:schemeClr val="tx1">
+                    <a:tint val="75000"/>
+                  </a:schemeClr>
+                </a:solidFill>
+              </a:defRPr>
+            </a:lvl1pPr>
+          </a:lstStyle>
+          <a:p>
+            <a:fld id="{3670AB43-4AB1-4719-A1BC-54CEDAA9A926}" type="datetimeFigureOut">
+              <a:rPr lang="en-US" smtClean="0"/>
+              <a:t>4/9/2020</a:t>
+            </a:fld>
+            <a:endParaRPr lang="en-US"/>
+          </a:p>
+        </p:txBody>
+      </p:sp>
+      <p:sp>
+        <p:nvSpPr>
+          <p:cNvPr id="5" name="Footer Placeholder 4"/>
+          <p:cNvSpPr>
+            <a:spLocks noGrp="1"/>
+          </p:cNvSpPr>
+          <p:nvPr>
+            <p:ph type="ftr" sz="quarter" idx="3"/>
+          </p:nvPr>
+        </p:nvSpPr>
+        <p:spPr>
+          <a:xfrm>
+            <a:off x="4038600" y="6356350"/>
+            <a:ext cx="4114800" cy="365125"/>
+          </a:xfrm>
+          <a:prstGeom prst="rect">
+            <a:avLst/>
+          </a:prstGeom>
+        </p:spPr>
+        <p:txBody>
+          <a:bodyPr vert="horz" lIns="91440" tIns="45720" rIns="91440" bIns="45720" rtlCol="0" anchor="ctr"/>
+          <a:lstStyle>
+            <a:lvl1pPr algn="ctr">
+              <a:defRPr sz="1200">
+                <a:solidFill>
+                  <a:schemeClr val="tx1">
+                    <a:tint val="75000"/>
+                  </a:schemeClr>
+                </a:solidFill>
+              </a:defRPr>
+            </a:lvl1pPr>
+          </a:lstStyle>
+          <a:p>
+            <a:endParaRPr lang="en-US"/>
+          </a:p>
+        </p:txBody>
+      </p:sp>
+      <p:sp>
+        <p:nvSpPr>
+          <p:cNvPr id="6" name="Slide Number Placeholder 5"/>
+          <p:cNvSpPr>
+            <a:spLocks noGrp="1"/>
+          </p:cNvSpPr>
+          <p:nvPr>
+            <p:ph type="sldNum" sz="quarter" idx="4"/>
+          </p:nvPr>
+        </p:nvSpPr>
+        <p:spPr>
+          <a:xfrm>
+            <a:off x="8610600" y="6356350"/>
+            <a:ext cx="2743200" cy="365125"/>
+          </a:xfrm>
+          <a:prstGeom prst="rect">
+            <a:avLst/>
+          </a:prstGeom>
+        </p:spPr>
+        <p:txBody>
+          <a:bodyPr vert="horz" lIns="91440" tIns="45720" rIns="91440" bIns="45720" rtlCol="0" anchor="ctr"/>
+          <a:lstStyle>
+            <a:lvl1pPr algn="r">
+              <a:defRPr sz="1200">
+                <a:solidFill>
+                  <a:schemeClr val="tx1">
+                    <a:tint val="75000"/>
+                  </a:schemeClr>
+                </a:solidFill>
+              </a:defRPr>
+            </a:lvl1pPr>
+          </a:lstStyle>
+          <a:p>
+            <a:fld id="{39790E93-DECC-4E3E-8905-F9B97D82F520}" type="slidenum">
+              <a:rPr lang="en-US" smtClean="0"/>
+              <a:t>‹#›</a:t>
+            </a:fld>
+            <a:endParaRPr lang="en-US"/>
+          </a:p>
+        </p:txBody>
+      </p:sp>
+    </p:spTree>
+    <p:extLst>
+      <p:ext uri="{BB962C8B-B14F-4D97-AF65-F5344CB8AC3E}">
+        <p14:creationId xmlns:p14="http://schemas.microsoft.com/office/powerpoint/2010/main" val="2854839734"/>
+      </p:ext>
+    </p:extLst>
+  </p:cSld>
+  <p:clrMap bg1="dk1" tx1="lt1" bg2="dk2" tx2="lt2" accent1="accent1" accent2="accent2" accent3="accent3" accent4="accent4" accent5="accent5" accent6="accent6" hlink="hlink" folHlink="folHlink"/>
+  <p:sldLayoutIdLst>
+    <p:sldLayoutId id="2147483685" r:id="rId1"/>
+    <p:sldLayoutId id="2147483686" r:id="rId2"/>
+    <p:sldLayoutId id="2147483687" r:id="rId3"/>
+    <p:sldLayoutId id="2147483688" r:id="rId4"/>
+    <p:sldLayoutId id="2147483689" r:id="rId5"/>
+    <p:sldLayoutId id="2147483690" r:id="rId6"/>
+    <p:sldLayoutId id="2147483691" r:id="rId7"/>
+    <p:sldLayoutId id="2147483692" r:id="rId8"/>
+    <p:sldLayoutId id="2147483693" r:id="rId9"/>
+    <p:sldLayoutId id="2147483694" r:id="rId10"/>
+    <p:sldLayoutId id="2147483695" r:id="rId11"/>
+  </p:sldLayoutIdLst>
+  <p:txStyles>
+    <p:titleStyle>
+      <a:lvl1pPr algn="l" defTabSz="914400" rtl="0" eaLnBrk="1" latinLnBrk="0" hangingPunct="1">
+        <a:lnSpc>
+          <a:spcPct val="90000"/>
+        </a:lnSpc>
+        <a:spcBef>
+          <a:spcPct val="0"/>
+        </a:spcBef>
+        <a:buNone/>
+        <a:defRPr sz="4400" kern="1200">
+          <a:solidFill>
+            <a:schemeClr val="tx1"/>
+          </a:solidFill>
+          <a:latin typeface="+mj-lt"/>
+          <a:ea typeface="+mj-ea"/>
+          <a:cs typeface="+mj-cs"/>
+        </a:defRPr>
+      </a:lvl1pPr>
+    </p:titleStyle>
+    <p:bodyStyle>
+      <a:lvl1pPr marL="228600" indent="-228600" algn="l" defTabSz="914400" rtl="0" eaLnBrk="1" latinLnBrk="0" hangingPunct="1">
+        <a:lnSpc>
+          <a:spcPct val="90000"/>
+        </a:lnSpc>
+        <a:spcBef>
+          <a:spcPts val="1000"/>
+        </a:spcBef>
+        <a:buFont typeface="Arial" panose="020B0604020202020204" pitchFamily="34" charset="0"/>
+        <a:buChar char="•"/>
+        <a:defRPr sz="2800" kern="1200">
+          <a:solidFill>
+            <a:schemeClr val="tx1"/>
+          </a:solidFill>
+          <a:latin typeface="+mn-lt"/>
+          <a:ea typeface="+mn-ea"/>
+          <a:cs typeface="+mn-cs"/>
+        </a:defRPr>
+      </a:lvl1pPr>
+      <a:lvl2pPr marL="685800" indent="-228600" algn="l" defTabSz="914400" rtl="0" eaLnBrk="1" latinLnBrk="0" hangingPunct="1">
+        <a:lnSpc>
+          <a:spcPct val="90000"/>
+        </a:lnSpc>
+        <a:spcBef>
+          <a:spcPts val="500"/>
+        </a:spcBef>
+        <a:buFont typeface="Arial" panose="020B0604020202020204" pitchFamily="34" charset="0"/>
+        <a:buChar char="•"/>
+        <a:defRPr sz="2400" kern="1200">
+          <a:solidFill>
+            <a:schemeClr val="tx1"/>
+          </a:solidFill>
+          <a:latin typeface="+mn-lt"/>
+          <a:ea typeface="+mn-ea"/>
+          <a:cs typeface="+mn-cs"/>
+        </a:defRPr>
+      </a:lvl2pPr>
+      <a:lvl3pPr marL="1143000" indent="-228600" algn="l" defTabSz="914400" rtl="0" eaLnBrk="1" latinLnBrk="0" hangingPunct="1">
+        <a:lnSpc>
+          <a:spcPct val="90000"/>
+        </a:lnSpc>
+        <a:spcBef>
+          <a:spcPts val="500"/>
+        </a:spcBef>
+        <a:buFont typeface="Arial" panose="020B0604020202020204" pitchFamily="34" charset="0"/>
+        <a:buChar char="•"/>
+        <a:defRPr sz="2000" kern="1200">
+          <a:solidFill>
+            <a:schemeClr val="tx1"/>
+          </a:solidFill>
+          <a:latin typeface="+mn-lt"/>
+          <a:ea typeface="+mn-ea"/>
+          <a:cs typeface="+mn-cs"/>
+        </a:defRPr>
+      </a:lvl3pPr>
+      <a:lvl4pPr marL="1600200" indent="-228600" algn="l" defTabSz="914400" rtl="0" eaLnBrk="1" latinLnBrk="0" hangingPunct="1">
+        <a:lnSpc>
+          <a:spcPct val="90000"/>
+        </a:lnSpc>
+        <a:spcBef>
+          <a:spcPts val="500"/>
+        </a:spcBef>
+        <a:buFont typeface="Arial" panose="020B0604020202020204" pitchFamily="34" charset="0"/>
+        <a:buChar char="•"/>
+        <a:defRPr sz="1800" kern="1200">
+          <a:solidFill>
+            <a:schemeClr val="tx1"/>
+          </a:solidFill>
+          <a:latin typeface="+mn-lt"/>
+          <a:ea typeface="+mn-ea"/>
+          <a:cs typeface="+mn-cs"/>
+        </a:defRPr>
+      </a:lvl4pPr>
+      <a:lvl5pPr marL="2057400" indent="-228600" algn="l" defTabSz="914400" rtl="0" eaLnBrk="1" latinLnBrk="0" hangingPunct="1">
+        <a:lnSpc>
+          <a:spcPct val="90000"/>
+        </a:lnSpc>
+        <a:spcBef>
+          <a:spcPts val="500"/>
+        </a:spcBef>
+        <a:buFont typeface="Arial" panose="020B0604020202020204" pitchFamily="34" charset="0"/>
+        <a:buChar char="•"/>
+        <a:defRPr sz="1800" kern="1200">
+          <a:solidFill>
+            <a:schemeClr val="tx1"/>
+          </a:solidFill>
+          <a:latin typeface="+mn-lt"/>
+          <a:ea typeface="+mn-ea"/>
+          <a:cs typeface="+mn-cs"/>
+        </a:defRPr>
+      </a:lvl5pPr>
+      <a:lvl6pPr marL="2514600" indent="-228600" algn="l" defTabSz="914400" rtl="0" eaLnBrk="1" latinLnBrk="0" hangingPunct="1">
+        <a:lnSpc>
+          <a:spcPct val="90000"/>
+        </a:lnSpc>
+        <a:spcBef>
+          <a:spcPts val="500"/>
+        </a:spcBef>
+        <a:buFont typeface="Arial" panose="020B0604020202020204" pitchFamily="34" charset="0"/>
+        <a:buChar char="•"/>
+        <a:defRPr sz="1800" kern="1200">
+          <a:solidFill>
+            <a:schemeClr val="tx1"/>
+          </a:solidFill>
+          <a:latin typeface="+mn-lt"/>
+          <a:ea typeface="+mn-ea"/>
+          <a:cs typeface="+mn-cs"/>
+        </a:defRPr>
+      </a:lvl6pPr>
+      <a:lvl7pPr marL="2971800" indent="-228600" algn="l" defTabSz="914400" rtl="0" eaLnBrk="1" latinLnBrk="0" hangingPunct="1">
+        <a:lnSpc>
+          <a:spcPct val="90000"/>
+        </a:lnSpc>
+        <a:spcBef>
+          <a:spcPts val="500"/>
+        </a:spcBef>
+        <a:buFont typeface="Arial" panose="020B0604020202020204" pitchFamily="34" charset="0"/>
+        <a:buChar char="•"/>
+        <a:defRPr sz="1800" kern="1200">
+          <a:solidFill>
+            <a:schemeClr val="tx1"/>
+          </a:solidFill>
+          <a:latin typeface="+mn-lt"/>
+          <a:ea typeface="+mn-ea"/>
+          <a:cs typeface="+mn-cs"/>
+        </a:defRPr>
+      </a:lvl7pPr>
+      <a:lvl8pPr marL="3429000" indent="-228600" algn="l" defTabSz="914400" rtl="0" eaLnBrk="1" latinLnBrk="0" hangingPunct="1">
+        <a:lnSpc>
+          <a:spcPct val="90000"/>
+        </a:lnSpc>
+        <a:spcBef>
+          <a:spcPts val="500"/>
+        </a:spcBef>
+        <a:buFont typeface="Arial" panose="020B0604020202020204" pitchFamily="34" charset="0"/>
+        <a:buChar char="•"/>
+        <a:defRPr sz="1800" kern="1200">
+          <a:solidFill>
+            <a:schemeClr val="tx1"/>
+          </a:solidFill>
+          <a:latin typeface="+mn-lt"/>
+          <a:ea typeface="+mn-ea"/>
+          <a:cs typeface="+mn-cs"/>
+        </a:defRPr>
+      </a:lvl8pPr>
+      <a:lvl9pPr marL="3886200" indent="-228600" algn="l" defTabSz="914400" rtl="0" eaLnBrk="1" latinLnBrk="0" hangingPunct="1">
+        <a:lnSpc>
+          <a:spcPct val="90000"/>
+        </a:lnSpc>
+        <a:spcBef>
+          <a:spcPts val="500"/>
+        </a:spcBef>
+        <a:buFont typeface="Arial" panose="020B0604020202020204" pitchFamily="34" charset="0"/>
+        <a:buChar char="•"/>
+        <a:defRPr sz="1800" kern="1200">
+          <a:solidFill>
+            <a:schemeClr val="tx1"/>
+          </a:solidFill>
+          <a:latin typeface="+mn-lt"/>
+          <a:ea typeface="+mn-ea"/>
+          <a:cs typeface="+mn-cs"/>
+        </a:defRPr>
+      </a:lvl9pPr>
+    </p:bodyStyle>
+    <p:otherStyle>
+      <a:defPPr>
+        <a:defRPr lang="en-US"/>
+      </a:defPPr>
+      <a:lvl1pPr marL="0" algn="l" defTabSz="914400" rtl="0" eaLnBrk="1" latinLnBrk="0" hangingPunct="1">
+        <a:defRPr sz="1800" kern="1200">
+          <a:solidFill>
+            <a:schemeClr val="tx1"/>
+          </a:solidFill>
+          <a:latin typeface="+mn-lt"/>
+          <a:ea typeface="+mn-ea"/>
+          <a:cs typeface="+mn-cs"/>
+        </a:defRPr>
+      </a:lvl1pPr>
+      <a:lvl2pPr marL="457200" algn="l" defTabSz="914400" rtl="0" eaLnBrk="1" latinLnBrk="0" hangingPunct="1">
+        <a:defRPr sz="1800" kern="1200">
+          <a:solidFill>
+            <a:schemeClr val="tx1"/>
+          </a:solidFill>
+          <a:latin typeface="+mn-lt"/>
+          <a:ea typeface="+mn-ea"/>
+          <a:cs typeface="+mn-cs"/>
+        </a:defRPr>
+      </a:lvl2pPr>
+      <a:lvl3pPr marL="914400" algn="l" defTabSz="914400" rtl="0" eaLnBrk="1" latinLnBrk="0" hangingPunct="1">
+        <a:defRPr sz="1800" kern="1200">
+          <a:solidFill>
+            <a:schemeClr val="tx1"/>
+          </a:solidFill>
+          <a:latin typeface="+mn-lt"/>
+          <a:ea typeface="+mn-ea"/>
+          <a:cs typeface="+mn-cs"/>
+        </a:defRPr>
+      </a:lvl3pPr>
+      <a:lvl4pPr marL="1371600" algn="l" defTabSz="914400" rtl="0" eaLnBrk="1" latinLnBrk="0" hangingPunct="1">
+        <a:defRPr sz="1800" kern="1200">
+          <a:solidFill>
+            <a:schemeClr val="tx1"/>
+          </a:solidFill>
+          <a:latin typeface="+mn-lt"/>
+          <a:ea typeface="+mn-ea"/>
+          <a:cs typeface="+mn-cs"/>
+        </a:defRPr>
+      </a:lvl4pPr>
+      <a:lvl5pPr marL="1828800" algn="l" defTabSz="914400" rtl="0" eaLnBrk="1" latinLnBrk="0" hangingPunct="1">
+        <a:defRPr sz="1800" kern="1200">
+          <a:solidFill>
+            <a:schemeClr val="tx1"/>
+          </a:solidFill>
+          <a:latin typeface="+mn-lt"/>
+          <a:ea typeface="+mn-ea"/>
+          <a:cs typeface="+mn-cs"/>
+        </a:defRPr>
+      </a:lvl5pPr>
+      <a:lvl6pPr marL="2286000" algn="l" defTabSz="914400" rtl="0" eaLnBrk="1" latinLnBrk="0" hangingPunct="1">
+        <a:defRPr sz="1800" kern="1200">
+          <a:solidFill>
+            <a:schemeClr val="tx1"/>
+          </a:solidFill>
+          <a:latin typeface="+mn-lt"/>
+          <a:ea typeface="+mn-ea"/>
+          <a:cs typeface="+mn-cs"/>
+        </a:defRPr>
+      </a:lvl6pPr>
+      <a:lvl7pPr marL="2743200" algn="l" defTabSz="914400" rtl="0" eaLnBrk="1" latinLnBrk="0" hangingPunct="1">
+        <a:defRPr sz="1800" kern="1200">
+          <a:solidFill>
+            <a:schemeClr val="tx1"/>
+          </a:solidFill>
+          <a:latin typeface="+mn-lt"/>
+          <a:ea typeface="+mn-ea"/>
+          <a:cs typeface="+mn-cs"/>
+        </a:defRPr>
+      </a:lvl7pPr>
+      <a:lvl8pPr marL="3200400" algn="l" defTabSz="914400" rtl="0" eaLnBrk="1" latinLnBrk="0" hangingPunct="1">
+        <a:defRPr sz="1800" kern="1200">
+          <a:solidFill>
+            <a:schemeClr val="tx1"/>
+          </a:solidFill>
+          <a:latin typeface="+mn-lt"/>
+          <a:ea typeface="+mn-ea"/>
+          <a:cs typeface="+mn-cs"/>
+        </a:defRPr>
+      </a:lvl8pPr>
+      <a:lvl9pPr marL="3657600" algn="l" defTabSz="914400" rtl="0" eaLnBrk="1" latinLnBrk="0" hangingPunct="1">
+        <a:defRPr sz="1800" kern="1200">
+          <a:solidFill>
+            <a:schemeClr val="tx1"/>
+          </a:solidFill>
+          <a:latin typeface="+mn-lt"/>
+          <a:ea typeface="+mn-ea"/>
+          <a:cs typeface="+mn-cs"/>
+        </a:defRPr>
+      </a:lvl9pPr>
+    </p:otherStyle>
+  </p:txStyles>
+</p:sldMaster>
+</file>
+
 <file path=ppt/slides/slide1.xml><?xml version="1.0" encoding="utf-8"?>
 <p:sld xmlns:a="http://schemas.openxmlformats.org/drawingml/2006/main" xmlns:r="http://schemas.openxmlformats.org/officeDocument/2006/relationships" xmlns:p="http://schemas.openxmlformats.org/presentationml/2006/main">
   <p:cSld>
@@ -8023,7 +10899,7 @@
           <p:cNvPr id="2" name="Title 1">
             <a:extLst>
               <a:ext uri="{FF2B5EF4-FFF2-40B4-BE49-F238E27FC236}">
-                <a16:creationId xmlns:a16="http://schemas.microsoft.com/office/drawing/2014/main" id="{B2FC7163-C1B0-45D4-85C8-5C6CE29EDBF0}"/>
+                <a16:creationId xmlns:a16="http://schemas.microsoft.com/office/drawing/2014/main" id="{B4004467-0F6E-46E0-9DBB-22EEB506753D}"/>
               </a:ext>
             </a:extLst>
           </p:cNvPr>
@@ -8041,7 +10917,7 @@
           <a:p>
             <a:r>
               <a:rPr lang="en-US" dirty="0"/>
-              <a:t>Development – Federation</a:t>
+              <a:t>Development – Schema</a:t>
             </a:r>
           </a:p>
         </p:txBody>
@@ -8051,7 +10927,7 @@
           <p:cNvPr id="3" name="Content Placeholder 2">
             <a:extLst>
               <a:ext uri="{FF2B5EF4-FFF2-40B4-BE49-F238E27FC236}">
-                <a16:creationId xmlns:a16="http://schemas.microsoft.com/office/drawing/2014/main" id="{1DEB553E-1021-40AD-B964-83A91E1CB456}"/>
+                <a16:creationId xmlns:a16="http://schemas.microsoft.com/office/drawing/2014/main" id="{055A63D4-53B8-469F-B3AD-3B8DFA4FFAD0}"/>
               </a:ext>
             </a:extLst>
           </p:cNvPr>
@@ -8067,14 +10943,14 @@
           <a:bodyPr/>
           <a:lstStyle/>
           <a:p>
-            <a:endParaRPr lang="en-US"/>
+            <a:endParaRPr lang="en-US" dirty="0"/>
           </a:p>
         </p:txBody>
       </p:sp>
     </p:spTree>
     <p:extLst>
       <p:ext uri="{BB962C8B-B14F-4D97-AF65-F5344CB8AC3E}">
-        <p14:creationId xmlns:p14="http://schemas.microsoft.com/office/powerpoint/2010/main" val="2493991099"/>
+        <p14:creationId xmlns:p14="http://schemas.microsoft.com/office/powerpoint/2010/main" val="3690168289"/>
       </p:ext>
     </p:extLst>
   </p:cSld>
@@ -8106,7 +10982,7 @@
           <p:cNvPr id="2" name="Title 1">
             <a:extLst>
               <a:ext uri="{FF2B5EF4-FFF2-40B4-BE49-F238E27FC236}">
-                <a16:creationId xmlns:a16="http://schemas.microsoft.com/office/drawing/2014/main" id="{2681AC72-4DE4-41DD-8F5F-B3078EBA7CC7}"/>
+                <a16:creationId xmlns:a16="http://schemas.microsoft.com/office/drawing/2014/main" id="{8E364E23-935E-4C3D-8845-A30E054D2148}"/>
               </a:ext>
             </a:extLst>
           </p:cNvPr>
@@ -8124,7 +11000,7 @@
           <a:p>
             <a:r>
               <a:rPr lang="en-US" dirty="0"/>
-              <a:t>Development – Testing</a:t>
+              <a:t>Development – Data</a:t>
             </a:r>
           </a:p>
         </p:txBody>
@@ -8134,7 +11010,7 @@
           <p:cNvPr id="3" name="Content Placeholder 2">
             <a:extLst>
               <a:ext uri="{FF2B5EF4-FFF2-40B4-BE49-F238E27FC236}">
-                <a16:creationId xmlns:a16="http://schemas.microsoft.com/office/drawing/2014/main" id="{837A7E9D-A65B-4683-A930-C834B19726A4}"/>
+                <a16:creationId xmlns:a16="http://schemas.microsoft.com/office/drawing/2014/main" id="{7D88053C-DFC9-44D9-B435-D3E7D8DFAAA2}"/>
               </a:ext>
             </a:extLst>
           </p:cNvPr>
@@ -8157,7 +11033,7 @@
     </p:spTree>
     <p:extLst>
       <p:ext uri="{BB962C8B-B14F-4D97-AF65-F5344CB8AC3E}">
-        <p14:creationId xmlns:p14="http://schemas.microsoft.com/office/powerpoint/2010/main" val="1976016434"/>
+        <p14:creationId xmlns:p14="http://schemas.microsoft.com/office/powerpoint/2010/main" val="2828238306"/>
       </p:ext>
     </p:extLst>
   </p:cSld>
@@ -8189,7 +11065,7 @@
           <p:cNvPr id="2" name="Title 1">
             <a:extLst>
               <a:ext uri="{FF2B5EF4-FFF2-40B4-BE49-F238E27FC236}">
-                <a16:creationId xmlns:a16="http://schemas.microsoft.com/office/drawing/2014/main" id="{A0E6B26E-2CF5-4D3B-9BBE-FA0A43A888FE}"/>
+                <a16:creationId xmlns:a16="http://schemas.microsoft.com/office/drawing/2014/main" id="{B2FC7163-C1B0-45D4-85C8-5C6CE29EDBF0}"/>
               </a:ext>
             </a:extLst>
           </p:cNvPr>
@@ -8205,22 +11081,42 @@
           <a:bodyPr/>
           <a:lstStyle/>
           <a:p>
-            <a:pPr algn="ctr"/>
-            <a:r>
-              <a:rPr lang="en-US" dirty="0">
-                <a:solidFill>
-                  <a:srgbClr val="FFFF00"/>
-                </a:solidFill>
-              </a:rPr>
-              <a:t>PRODUCTION</a:t>
-            </a:r>
+            <a:r>
+              <a:rPr lang="en-US" dirty="0"/>
+              <a:t>Development – Federation</a:t>
+            </a:r>
+          </a:p>
+        </p:txBody>
+      </p:sp>
+      <p:sp>
+        <p:nvSpPr>
+          <p:cNvPr id="3" name="Content Placeholder 2">
+            <a:extLst>
+              <a:ext uri="{FF2B5EF4-FFF2-40B4-BE49-F238E27FC236}">
+                <a16:creationId xmlns:a16="http://schemas.microsoft.com/office/drawing/2014/main" id="{1DEB553E-1021-40AD-B964-83A91E1CB456}"/>
+              </a:ext>
+            </a:extLst>
+          </p:cNvPr>
+          <p:cNvSpPr>
+            <a:spLocks noGrp="1"/>
+          </p:cNvSpPr>
+          <p:nvPr>
+            <p:ph idx="1"/>
+          </p:nvPr>
+        </p:nvSpPr>
+        <p:spPr/>
+        <p:txBody>
+          <a:bodyPr/>
+          <a:lstStyle/>
+          <a:p>
+            <a:endParaRPr lang="en-US"/>
           </a:p>
         </p:txBody>
       </p:sp>
     </p:spTree>
     <p:extLst>
       <p:ext uri="{BB962C8B-B14F-4D97-AF65-F5344CB8AC3E}">
-        <p14:creationId xmlns:p14="http://schemas.microsoft.com/office/powerpoint/2010/main" val="4200618044"/>
+        <p14:creationId xmlns:p14="http://schemas.microsoft.com/office/powerpoint/2010/main" val="2493991099"/>
       </p:ext>
     </p:extLst>
   </p:cSld>
@@ -8252,7 +11148,7 @@
           <p:cNvPr id="2" name="Title 1">
             <a:extLst>
               <a:ext uri="{FF2B5EF4-FFF2-40B4-BE49-F238E27FC236}">
-                <a16:creationId xmlns:a16="http://schemas.microsoft.com/office/drawing/2014/main" id="{14911C8A-A21C-4810-9420-08C0381CED1C}"/>
+                <a16:creationId xmlns:a16="http://schemas.microsoft.com/office/drawing/2014/main" id="{2681AC72-4DE4-41DD-8F5F-B3078EBA7CC7}"/>
               </a:ext>
             </a:extLst>
           </p:cNvPr>
@@ -8270,7 +11166,7 @@
           <a:p>
             <a:r>
               <a:rPr lang="en-US" dirty="0"/>
-              <a:t>Production – Performance</a:t>
+              <a:t>Development – Testing</a:t>
             </a:r>
           </a:p>
         </p:txBody>
@@ -8280,7 +11176,7 @@
           <p:cNvPr id="3" name="Content Placeholder 2">
             <a:extLst>
               <a:ext uri="{FF2B5EF4-FFF2-40B4-BE49-F238E27FC236}">
-                <a16:creationId xmlns:a16="http://schemas.microsoft.com/office/drawing/2014/main" id="{D08705A5-1AA7-428F-ABFB-3A7AAD68976C}"/>
+                <a16:creationId xmlns:a16="http://schemas.microsoft.com/office/drawing/2014/main" id="{837A7E9D-A65B-4683-A930-C834B19726A4}"/>
               </a:ext>
             </a:extLst>
           </p:cNvPr>
@@ -8303,7 +11199,7 @@
     </p:spTree>
     <p:extLst>
       <p:ext uri="{BB962C8B-B14F-4D97-AF65-F5344CB8AC3E}">
-        <p14:creationId xmlns:p14="http://schemas.microsoft.com/office/powerpoint/2010/main" val="3353568046"/>
+        <p14:creationId xmlns:p14="http://schemas.microsoft.com/office/powerpoint/2010/main" val="1976016434"/>
       </p:ext>
     </p:extLst>
   </p:cSld>
@@ -8335,7 +11231,7 @@
           <p:cNvPr id="2" name="Title 1">
             <a:extLst>
               <a:ext uri="{FF2B5EF4-FFF2-40B4-BE49-F238E27FC236}">
-                <a16:creationId xmlns:a16="http://schemas.microsoft.com/office/drawing/2014/main" id="{48A575CE-15E7-4979-8E90-EBEC7D2FC246}"/>
+                <a16:creationId xmlns:a16="http://schemas.microsoft.com/office/drawing/2014/main" id="{A0E6B26E-2CF5-4D3B-9BBE-FA0A43A888FE}"/>
               </a:ext>
             </a:extLst>
           </p:cNvPr>
@@ -8351,42 +11247,22 @@
           <a:bodyPr/>
           <a:lstStyle/>
           <a:p>
-            <a:r>
-              <a:rPr lang="en-US" dirty="0"/>
-              <a:t>Production – Security</a:t>
-            </a:r>
-          </a:p>
-        </p:txBody>
-      </p:sp>
-      <p:sp>
-        <p:nvSpPr>
-          <p:cNvPr id="3" name="Content Placeholder 2">
-            <a:extLst>
-              <a:ext uri="{FF2B5EF4-FFF2-40B4-BE49-F238E27FC236}">
-                <a16:creationId xmlns:a16="http://schemas.microsoft.com/office/drawing/2014/main" id="{D59D7E32-9DBF-404E-9B00-A9A0A0FB9FA8}"/>
-              </a:ext>
-            </a:extLst>
-          </p:cNvPr>
-          <p:cNvSpPr>
-            <a:spLocks noGrp="1"/>
-          </p:cNvSpPr>
-          <p:nvPr>
-            <p:ph idx="1"/>
-          </p:nvPr>
-        </p:nvSpPr>
-        <p:spPr/>
-        <p:txBody>
-          <a:bodyPr/>
-          <a:lstStyle/>
-          <a:p>
-            <a:endParaRPr lang="en-US"/>
+            <a:pPr algn="ctr"/>
+            <a:r>
+              <a:rPr lang="en-US" dirty="0">
+                <a:solidFill>
+                  <a:srgbClr val="FFFF00"/>
+                </a:solidFill>
+              </a:rPr>
+              <a:t>PRODUCTION</a:t>
+            </a:r>
           </a:p>
         </p:txBody>
       </p:sp>
     </p:spTree>
     <p:extLst>
       <p:ext uri="{BB962C8B-B14F-4D97-AF65-F5344CB8AC3E}">
-        <p14:creationId xmlns:p14="http://schemas.microsoft.com/office/powerpoint/2010/main" val="1658671457"/>
+        <p14:creationId xmlns:p14="http://schemas.microsoft.com/office/powerpoint/2010/main" val="4200618044"/>
       </p:ext>
     </p:extLst>
   </p:cSld>
@@ -8418,7 +11294,7 @@
           <p:cNvPr id="2" name="Title 1">
             <a:extLst>
               <a:ext uri="{FF2B5EF4-FFF2-40B4-BE49-F238E27FC236}">
-                <a16:creationId xmlns:a16="http://schemas.microsoft.com/office/drawing/2014/main" id="{454E7A1F-8172-4C97-8F3D-0CF7DE4AF7C5}"/>
+                <a16:creationId xmlns:a16="http://schemas.microsoft.com/office/drawing/2014/main" id="{14911C8A-A21C-4810-9420-08C0381CED1C}"/>
               </a:ext>
             </a:extLst>
           </p:cNvPr>
@@ -8436,7 +11312,7 @@
           <a:p>
             <a:r>
               <a:rPr lang="en-US" dirty="0"/>
-              <a:t>Production – Integration</a:t>
+              <a:t>Production – Performance</a:t>
             </a:r>
           </a:p>
         </p:txBody>
@@ -8446,7 +11322,7 @@
           <p:cNvPr id="3" name="Content Placeholder 2">
             <a:extLst>
               <a:ext uri="{FF2B5EF4-FFF2-40B4-BE49-F238E27FC236}">
-                <a16:creationId xmlns:a16="http://schemas.microsoft.com/office/drawing/2014/main" id="{96911F6A-793F-4AB8-A2DC-0FBE9C33105F}"/>
+                <a16:creationId xmlns:a16="http://schemas.microsoft.com/office/drawing/2014/main" id="{D08705A5-1AA7-428F-ABFB-3A7AAD68976C}"/>
               </a:ext>
             </a:extLst>
           </p:cNvPr>
@@ -8469,7 +11345,7 @@
     </p:spTree>
     <p:extLst>
       <p:ext uri="{BB962C8B-B14F-4D97-AF65-F5344CB8AC3E}">
-        <p14:creationId xmlns:p14="http://schemas.microsoft.com/office/powerpoint/2010/main" val="4190549591"/>
+        <p14:creationId xmlns:p14="http://schemas.microsoft.com/office/powerpoint/2010/main" val="3353568046"/>
       </p:ext>
     </p:extLst>
   </p:cSld>
@@ -8501,6 +11377,172 @@
           <p:cNvPr id="2" name="Title 1">
             <a:extLst>
               <a:ext uri="{FF2B5EF4-FFF2-40B4-BE49-F238E27FC236}">
+                <a16:creationId xmlns:a16="http://schemas.microsoft.com/office/drawing/2014/main" id="{48A575CE-15E7-4979-8E90-EBEC7D2FC246}"/>
+              </a:ext>
+            </a:extLst>
+          </p:cNvPr>
+          <p:cNvSpPr>
+            <a:spLocks noGrp="1"/>
+          </p:cNvSpPr>
+          <p:nvPr>
+            <p:ph type="title"/>
+          </p:nvPr>
+        </p:nvSpPr>
+        <p:spPr/>
+        <p:txBody>
+          <a:bodyPr/>
+          <a:lstStyle/>
+          <a:p>
+            <a:r>
+              <a:rPr lang="en-US" dirty="0"/>
+              <a:t>Production – Security</a:t>
+            </a:r>
+          </a:p>
+        </p:txBody>
+      </p:sp>
+      <p:sp>
+        <p:nvSpPr>
+          <p:cNvPr id="3" name="Content Placeholder 2">
+            <a:extLst>
+              <a:ext uri="{FF2B5EF4-FFF2-40B4-BE49-F238E27FC236}">
+                <a16:creationId xmlns:a16="http://schemas.microsoft.com/office/drawing/2014/main" id="{D59D7E32-9DBF-404E-9B00-A9A0A0FB9FA8}"/>
+              </a:ext>
+            </a:extLst>
+          </p:cNvPr>
+          <p:cNvSpPr>
+            <a:spLocks noGrp="1"/>
+          </p:cNvSpPr>
+          <p:nvPr>
+            <p:ph idx="1"/>
+          </p:nvPr>
+        </p:nvSpPr>
+        <p:spPr/>
+        <p:txBody>
+          <a:bodyPr/>
+          <a:lstStyle/>
+          <a:p>
+            <a:endParaRPr lang="en-US"/>
+          </a:p>
+        </p:txBody>
+      </p:sp>
+    </p:spTree>
+    <p:extLst>
+      <p:ext uri="{BB962C8B-B14F-4D97-AF65-F5344CB8AC3E}">
+        <p14:creationId xmlns:p14="http://schemas.microsoft.com/office/powerpoint/2010/main" val="1658671457"/>
+      </p:ext>
+    </p:extLst>
+  </p:cSld>
+  <p:clrMapOvr>
+    <a:masterClrMapping/>
+  </p:clrMapOvr>
+</p:sld>
+</file>
+
+<file path=ppt/slides/slide17.xml><?xml version="1.0" encoding="utf-8"?>
+<p:sld xmlns:a="http://schemas.openxmlformats.org/drawingml/2006/main" xmlns:r="http://schemas.openxmlformats.org/officeDocument/2006/relationships" xmlns:p="http://schemas.openxmlformats.org/presentationml/2006/main">
+  <p:cSld>
+    <p:spTree>
+      <p:nvGrpSpPr>
+        <p:cNvPr id="1" name=""/>
+        <p:cNvGrpSpPr/>
+        <p:nvPr/>
+      </p:nvGrpSpPr>
+      <p:grpSpPr>
+        <a:xfrm>
+          <a:off x="0" y="0"/>
+          <a:ext cx="0" cy="0"/>
+          <a:chOff x="0" y="0"/>
+          <a:chExt cx="0" cy="0"/>
+        </a:xfrm>
+      </p:grpSpPr>
+      <p:sp>
+        <p:nvSpPr>
+          <p:cNvPr id="2" name="Title 1">
+            <a:extLst>
+              <a:ext uri="{FF2B5EF4-FFF2-40B4-BE49-F238E27FC236}">
+                <a16:creationId xmlns:a16="http://schemas.microsoft.com/office/drawing/2014/main" id="{454E7A1F-8172-4C97-8F3D-0CF7DE4AF7C5}"/>
+              </a:ext>
+            </a:extLst>
+          </p:cNvPr>
+          <p:cNvSpPr>
+            <a:spLocks noGrp="1"/>
+          </p:cNvSpPr>
+          <p:nvPr>
+            <p:ph type="title"/>
+          </p:nvPr>
+        </p:nvSpPr>
+        <p:spPr/>
+        <p:txBody>
+          <a:bodyPr/>
+          <a:lstStyle/>
+          <a:p>
+            <a:r>
+              <a:rPr lang="en-US" dirty="0"/>
+              <a:t>Production – Integration</a:t>
+            </a:r>
+          </a:p>
+        </p:txBody>
+      </p:sp>
+      <p:sp>
+        <p:nvSpPr>
+          <p:cNvPr id="3" name="Content Placeholder 2">
+            <a:extLst>
+              <a:ext uri="{FF2B5EF4-FFF2-40B4-BE49-F238E27FC236}">
+                <a16:creationId xmlns:a16="http://schemas.microsoft.com/office/drawing/2014/main" id="{96911F6A-793F-4AB8-A2DC-0FBE9C33105F}"/>
+              </a:ext>
+            </a:extLst>
+          </p:cNvPr>
+          <p:cNvSpPr>
+            <a:spLocks noGrp="1"/>
+          </p:cNvSpPr>
+          <p:nvPr>
+            <p:ph idx="1"/>
+          </p:nvPr>
+        </p:nvSpPr>
+        <p:spPr/>
+        <p:txBody>
+          <a:bodyPr/>
+          <a:lstStyle/>
+          <a:p>
+            <a:endParaRPr lang="en-US"/>
+          </a:p>
+        </p:txBody>
+      </p:sp>
+    </p:spTree>
+    <p:extLst>
+      <p:ext uri="{BB962C8B-B14F-4D97-AF65-F5344CB8AC3E}">
+        <p14:creationId xmlns:p14="http://schemas.microsoft.com/office/powerpoint/2010/main" val="4190549591"/>
+      </p:ext>
+    </p:extLst>
+  </p:cSld>
+  <p:clrMapOvr>
+    <a:masterClrMapping/>
+  </p:clrMapOvr>
+</p:sld>
+</file>
+
+<file path=ppt/slides/slide18.xml><?xml version="1.0" encoding="utf-8"?>
+<p:sld xmlns:a="http://schemas.openxmlformats.org/drawingml/2006/main" xmlns:r="http://schemas.openxmlformats.org/officeDocument/2006/relationships" xmlns:p="http://schemas.openxmlformats.org/presentationml/2006/main">
+  <p:cSld>
+    <p:spTree>
+      <p:nvGrpSpPr>
+        <p:cNvPr id="1" name=""/>
+        <p:cNvGrpSpPr/>
+        <p:nvPr/>
+      </p:nvGrpSpPr>
+      <p:grpSpPr>
+        <a:xfrm>
+          <a:off x="0" y="0"/>
+          <a:ext cx="0" cy="0"/>
+          <a:chOff x="0" y="0"/>
+          <a:chExt cx="0" cy="0"/>
+        </a:xfrm>
+      </p:grpSpPr>
+      <p:sp>
+        <p:nvSpPr>
+          <p:cNvPr id="2" name="Title 1">
+            <a:extLst>
+              <a:ext uri="{FF2B5EF4-FFF2-40B4-BE49-F238E27FC236}">
                 <a16:creationId xmlns:a16="http://schemas.microsoft.com/office/drawing/2014/main" id="{35C22CD1-C1C5-4644-87BD-77B74AB22A4D}"/>
               </a:ext>
             </a:extLst>
@@ -8562,7 +11604,7 @@
 </p:sld>
 </file>
 
-<file path=ppt/slides/slide17.xml><?xml version="1.0" encoding="utf-8"?>
+<file path=ppt/slides/slide19.xml><?xml version="1.0" encoding="utf-8"?>
 <p:sld xmlns:a="http://schemas.openxmlformats.org/drawingml/2006/main" xmlns:r="http://schemas.openxmlformats.org/officeDocument/2006/relationships" xmlns:p="http://schemas.openxmlformats.org/presentationml/2006/main">
   <p:cSld>
     <p:spTree>
@@ -8803,6 +11845,669 @@
 </p:sld>
 </file>
 
+<file path=ppt/slides/slide20.xml><?xml version="1.0" encoding="utf-8"?>
+<p:sld xmlns:a="http://schemas.openxmlformats.org/drawingml/2006/main" xmlns:r="http://schemas.openxmlformats.org/officeDocument/2006/relationships" xmlns:p="http://schemas.openxmlformats.org/presentationml/2006/main">
+  <p:cSld>
+    <p:spTree>
+      <p:nvGrpSpPr>
+        <p:cNvPr id="1" name=""/>
+        <p:cNvGrpSpPr/>
+        <p:nvPr/>
+      </p:nvGrpSpPr>
+      <p:grpSpPr>
+        <a:xfrm>
+          <a:off x="0" y="0"/>
+          <a:ext cx="0" cy="0"/>
+          <a:chOff x="0" y="0"/>
+          <a:chExt cx="0" cy="0"/>
+        </a:xfrm>
+      </p:grpSpPr>
+      <p:sp>
+        <p:nvSpPr>
+          <p:cNvPr id="4" name="Title 3">
+            <a:extLst>
+              <a:ext uri="{FF2B5EF4-FFF2-40B4-BE49-F238E27FC236}">
+                <a16:creationId xmlns:a16="http://schemas.microsoft.com/office/drawing/2014/main" id="{63142B43-98D9-453D-A45B-66E847AC048D}"/>
+              </a:ext>
+            </a:extLst>
+          </p:cNvPr>
+          <p:cNvSpPr>
+            <a:spLocks noGrp="1"/>
+          </p:cNvSpPr>
+          <p:nvPr>
+            <p:ph type="title"/>
+          </p:nvPr>
+        </p:nvSpPr>
+        <p:spPr/>
+        <p:txBody>
+          <a:bodyPr/>
+          <a:lstStyle/>
+          <a:p>
+            <a:pPr algn="ctr"/>
+            <a:r>
+              <a:rPr lang="en-US" dirty="0"/>
+              <a:t>APPENDIX</a:t>
+            </a:r>
+          </a:p>
+        </p:txBody>
+      </p:sp>
+    </p:spTree>
+    <p:extLst>
+      <p:ext uri="{BB962C8B-B14F-4D97-AF65-F5344CB8AC3E}">
+        <p14:creationId xmlns:p14="http://schemas.microsoft.com/office/powerpoint/2010/main" val="1377142889"/>
+      </p:ext>
+    </p:extLst>
+  </p:cSld>
+  <p:clrMapOvr>
+    <a:masterClrMapping/>
+  </p:clrMapOvr>
+</p:sld>
+</file>
+
+<file path=ppt/slides/slide21.xml><?xml version="1.0" encoding="utf-8"?>
+<p:sld xmlns:a="http://schemas.openxmlformats.org/drawingml/2006/main" xmlns:r="http://schemas.openxmlformats.org/officeDocument/2006/relationships" xmlns:p="http://schemas.openxmlformats.org/presentationml/2006/main">
+  <p:cSld>
+    <p:spTree>
+      <p:nvGrpSpPr>
+        <p:cNvPr id="1" name=""/>
+        <p:cNvGrpSpPr/>
+        <p:nvPr/>
+      </p:nvGrpSpPr>
+      <p:grpSpPr>
+        <a:xfrm>
+          <a:off x="0" y="0"/>
+          <a:ext cx="0" cy="0"/>
+          <a:chOff x="0" y="0"/>
+          <a:chExt cx="0" cy="0"/>
+        </a:xfrm>
+      </p:grpSpPr>
+      <p:sp>
+        <p:nvSpPr>
+          <p:cNvPr id="3" name="Title 2">
+            <a:extLst>
+              <a:ext uri="{FF2B5EF4-FFF2-40B4-BE49-F238E27FC236}">
+                <a16:creationId xmlns:a16="http://schemas.microsoft.com/office/drawing/2014/main" id="{9EDBC3F3-81E3-4D36-B689-D9E411BE1D74}"/>
+              </a:ext>
+            </a:extLst>
+          </p:cNvPr>
+          <p:cNvSpPr>
+            <a:spLocks noGrp="1"/>
+          </p:cNvSpPr>
+          <p:nvPr>
+            <p:ph type="title"/>
+          </p:nvPr>
+        </p:nvSpPr>
+        <p:spPr/>
+        <p:txBody>
+          <a:bodyPr/>
+          <a:lstStyle/>
+          <a:p>
+            <a:pPr algn="r"/>
+            <a:r>
+              <a:rPr lang="en-US" dirty="0"/>
+              <a:t>GraphQL vs REST</a:t>
+            </a:r>
+          </a:p>
+        </p:txBody>
+      </p:sp>
+      <p:graphicFrame>
+        <p:nvGraphicFramePr>
+          <p:cNvPr id="9" name="Table 9">
+            <a:extLst>
+              <a:ext uri="{FF2B5EF4-FFF2-40B4-BE49-F238E27FC236}">
+                <a16:creationId xmlns:a16="http://schemas.microsoft.com/office/drawing/2014/main" id="{E087AB1F-08A1-4700-ABAE-FBBFFD3F1A7F}"/>
+              </a:ext>
+            </a:extLst>
+          </p:cNvPr>
+          <p:cNvGraphicFramePr>
+            <a:graphicFrameLocks noGrp="1"/>
+          </p:cNvGraphicFramePr>
+          <p:nvPr>
+            <p:ph idx="1"/>
+            <p:extLst>
+              <p:ext uri="{D42A27DB-BD31-4B8C-83A1-F6EECF244321}">
+                <p14:modId xmlns:p14="http://schemas.microsoft.com/office/powerpoint/2010/main" val="2808472120"/>
+              </p:ext>
+            </p:extLst>
+          </p:nvPr>
+        </p:nvGraphicFramePr>
+        <p:xfrm>
+          <a:off x="838203" y="1871749"/>
+          <a:ext cx="10515597" cy="2763520"/>
+        </p:xfrm>
+        <a:graphic>
+          <a:graphicData uri="http://schemas.openxmlformats.org/drawingml/2006/table">
+            <a:tbl>
+              <a:tblPr firstRow="1" bandRow="1">
+                <a:tableStyleId>{5940675A-B579-460E-94D1-54222C63F5DA}</a:tableStyleId>
+              </a:tblPr>
+              <a:tblGrid>
+                <a:gridCol w="1480127">
+                  <a:extLst>
+                    <a:ext uri="{9D8B030D-6E8A-4147-A177-3AD203B41FA5}">
+                      <a16:colId xmlns:a16="http://schemas.microsoft.com/office/drawing/2014/main" val="2209449700"/>
+                    </a:ext>
+                  </a:extLst>
+                </a:gridCol>
+                <a:gridCol w="4322618">
+                  <a:extLst>
+                    <a:ext uri="{9D8B030D-6E8A-4147-A177-3AD203B41FA5}">
+                      <a16:colId xmlns:a16="http://schemas.microsoft.com/office/drawing/2014/main" val="2923326904"/>
+                    </a:ext>
+                  </a:extLst>
+                </a:gridCol>
+                <a:gridCol w="4712852">
+                  <a:extLst>
+                    <a:ext uri="{9D8B030D-6E8A-4147-A177-3AD203B41FA5}">
+                      <a16:colId xmlns:a16="http://schemas.microsoft.com/office/drawing/2014/main" val="3403301930"/>
+                    </a:ext>
+                  </a:extLst>
+                </a:gridCol>
+              </a:tblGrid>
+              <a:tr h="370840">
+                <a:tc>
+                  <a:txBody>
+                    <a:bodyPr/>
+                    <a:lstStyle/>
+                    <a:p>
+                      <a:pPr algn="ctr"/>
+                      <a:endParaRPr lang="en-US" dirty="0"/>
+                    </a:p>
+                  </a:txBody>
+                  <a:tcPr>
+                    <a:solidFill>
+                      <a:schemeClr val="accent3">
+                        <a:lumMod val="50000"/>
+                      </a:schemeClr>
+                    </a:solidFill>
+                  </a:tcPr>
+                </a:tc>
+                <a:tc>
+                  <a:txBody>
+                    <a:bodyPr/>
+                    <a:lstStyle/>
+                    <a:p>
+                      <a:pPr algn="ctr"/>
+                      <a:r>
+                        <a:rPr lang="en-US" dirty="0"/>
+                        <a:t>GraphQL</a:t>
+                      </a:r>
+                    </a:p>
+                  </a:txBody>
+                  <a:tcPr/>
+                </a:tc>
+                <a:tc>
+                  <a:txBody>
+                    <a:bodyPr/>
+                    <a:lstStyle/>
+                    <a:p>
+                      <a:pPr algn="ctr"/>
+                      <a:r>
+                        <a:rPr lang="en-US" dirty="0"/>
+                        <a:t>REST</a:t>
+                      </a:r>
+                    </a:p>
+                  </a:txBody>
+                  <a:tcPr/>
+                </a:tc>
+                <a:extLst>
+                  <a:ext uri="{0D108BD9-81ED-4DB2-BD59-A6C34878D82A}">
+                    <a16:rowId xmlns:a16="http://schemas.microsoft.com/office/drawing/2014/main" val="4163048543"/>
+                  </a:ext>
+                </a:extLst>
+              </a:tr>
+              <a:tr h="370840">
+                <a:tc>
+                  <a:txBody>
+                    <a:bodyPr/>
+                    <a:lstStyle/>
+                    <a:p>
+                      <a:pPr algn="ctr"/>
+                      <a:r>
+                        <a:rPr lang="en-US" dirty="0"/>
+                        <a:t>Core</a:t>
+                      </a:r>
+                    </a:p>
+                  </a:txBody>
+                  <a:tcPr>
+                    <a:solidFill>
+                      <a:schemeClr val="accent3">
+                        <a:lumMod val="50000"/>
+                      </a:schemeClr>
+                    </a:solidFill>
+                  </a:tcPr>
+                </a:tc>
+                <a:tc>
+                  <a:txBody>
+                    <a:bodyPr/>
+                    <a:lstStyle/>
+                    <a:p>
+                      <a:r>
+                        <a:rPr lang="en-US" dirty="0"/>
+                        <a:t>The description of a resource is </a:t>
+                      </a:r>
+                      <a:r>
+                        <a:rPr lang="en-US" b="1" dirty="0">
+                          <a:solidFill>
+                            <a:srgbClr val="FF0000"/>
+                          </a:solidFill>
+                        </a:rPr>
+                        <a:t>NOT</a:t>
+                      </a:r>
+                      <a:r>
+                        <a:rPr lang="en-US" dirty="0"/>
+                        <a:t> </a:t>
+                      </a:r>
+                      <a:r>
+                        <a:rPr lang="en-US" b="1" dirty="0">
+                          <a:solidFill>
+                            <a:srgbClr val="FFFF00"/>
+                          </a:solidFill>
+                        </a:rPr>
+                        <a:t>determined</a:t>
+                      </a:r>
+                      <a:r>
+                        <a:rPr lang="en-US" dirty="0"/>
+                        <a:t> by its urls.</a:t>
+                      </a:r>
+                    </a:p>
+                  </a:txBody>
+                  <a:tcPr>
+                    <a:solidFill>
+                      <a:schemeClr val="tx2">
+                        <a:lumMod val="25000"/>
+                      </a:schemeClr>
+                    </a:solidFill>
+                  </a:tcPr>
+                </a:tc>
+                <a:tc>
+                  <a:txBody>
+                    <a:bodyPr/>
+                    <a:lstStyle/>
+                    <a:p>
+                      <a:r>
+                        <a:rPr lang="en-US" dirty="0"/>
+                        <a:t>The description in a resource is </a:t>
+                      </a:r>
+                      <a:r>
+                        <a:rPr lang="en-US" b="1" dirty="0">
+                          <a:solidFill>
+                            <a:srgbClr val="FFFF00"/>
+                          </a:solidFill>
+                        </a:rPr>
+                        <a:t>determined</a:t>
+                      </a:r>
+                      <a:r>
+                        <a:rPr lang="en-US" dirty="0"/>
+                        <a:t> by its urls.</a:t>
+                      </a:r>
+                    </a:p>
+                  </a:txBody>
+                  <a:tcPr>
+                    <a:solidFill>
+                      <a:schemeClr val="tx2">
+                        <a:lumMod val="25000"/>
+                      </a:schemeClr>
+                    </a:solidFill>
+                  </a:tcPr>
+                </a:tc>
+                <a:extLst>
+                  <a:ext uri="{0D108BD9-81ED-4DB2-BD59-A6C34878D82A}">
+                    <a16:rowId xmlns:a16="http://schemas.microsoft.com/office/drawing/2014/main" val="85126607"/>
+                  </a:ext>
+                </a:extLst>
+              </a:tr>
+              <a:tr h="370840">
+                <a:tc rowSpan="2">
+                  <a:txBody>
+                    <a:bodyPr/>
+                    <a:lstStyle/>
+                    <a:p>
+                      <a:pPr algn="ctr"/>
+                      <a:r>
+                        <a:rPr lang="en-US" dirty="0"/>
+                        <a:t>Recognition</a:t>
+                      </a:r>
+                    </a:p>
+                  </a:txBody>
+                  <a:tcPr anchor="ctr">
+                    <a:solidFill>
+                      <a:schemeClr val="accent3">
+                        <a:lumMod val="50000"/>
+                      </a:schemeClr>
+                    </a:solidFill>
+                  </a:tcPr>
+                </a:tc>
+                <a:tc>
+                  <a:txBody>
+                    <a:bodyPr/>
+                    <a:lstStyle/>
+                    <a:p>
+                      <a:r>
+                        <a:rPr lang="en-US" dirty="0"/>
+                        <a:t>Scalable</a:t>
+                      </a:r>
+                    </a:p>
+                  </a:txBody>
+                  <a:tcPr>
+                    <a:solidFill>
+                      <a:schemeClr val="tx2">
+                        <a:lumMod val="25000"/>
+                      </a:schemeClr>
+                    </a:solidFill>
+                  </a:tcPr>
+                </a:tc>
+                <a:tc>
+                  <a:txBody>
+                    <a:bodyPr/>
+                    <a:lstStyle/>
+                    <a:p>
+                      <a:r>
+                        <a:rPr lang="en-US" dirty="0"/>
+                        <a:t>Scalable</a:t>
+                      </a:r>
+                    </a:p>
+                  </a:txBody>
+                  <a:tcPr>
+                    <a:solidFill>
+                      <a:schemeClr val="tx2">
+                        <a:lumMod val="25000"/>
+                      </a:schemeClr>
+                    </a:solidFill>
+                  </a:tcPr>
+                </a:tc>
+                <a:extLst>
+                  <a:ext uri="{0D108BD9-81ED-4DB2-BD59-A6C34878D82A}">
+                    <a16:rowId xmlns:a16="http://schemas.microsoft.com/office/drawing/2014/main" val="2303021339"/>
+                  </a:ext>
+                </a:extLst>
+              </a:tr>
+              <a:tr h="370840">
+                <a:tc vMerge="1">
+                  <a:txBody>
+                    <a:bodyPr/>
+                    <a:lstStyle/>
+                    <a:p>
+                      <a:pPr algn="ctr"/>
+                      <a:endParaRPr lang="en-US" dirty="0"/>
+                    </a:p>
+                  </a:txBody>
+                  <a:tcPr>
+                    <a:solidFill>
+                      <a:schemeClr val="accent3">
+                        <a:lumMod val="50000"/>
+                      </a:schemeClr>
+                    </a:solidFill>
+                  </a:tcPr>
+                </a:tc>
+                <a:tc>
+                  <a:txBody>
+                    <a:bodyPr/>
+                    <a:lstStyle/>
+                    <a:p>
+                      <a:r>
+                        <a:rPr lang="en-US" dirty="0"/>
+                        <a:t>Rapid changes on client side despite the </a:t>
+                      </a:r>
+                    </a:p>
+                  </a:txBody>
+                  <a:tcPr>
+                    <a:solidFill>
+                      <a:schemeClr val="tx2">
+                        <a:lumMod val="25000"/>
+                      </a:schemeClr>
+                    </a:solidFill>
+                  </a:tcPr>
+                </a:tc>
+                <a:tc>
+                  <a:txBody>
+                    <a:bodyPr/>
+                    <a:lstStyle/>
+                    <a:p>
+                      <a:r>
+                        <a:rPr lang="en-US" dirty="0"/>
+                        <a:t>Flexibility on data structures and formats</a:t>
+                      </a:r>
+                    </a:p>
+                  </a:txBody>
+                  <a:tcPr>
+                    <a:solidFill>
+                      <a:schemeClr val="tx2">
+                        <a:lumMod val="25000"/>
+                      </a:schemeClr>
+                    </a:solidFill>
+                  </a:tcPr>
+                </a:tc>
+                <a:extLst>
+                  <a:ext uri="{0D108BD9-81ED-4DB2-BD59-A6C34878D82A}">
+                    <a16:rowId xmlns:a16="http://schemas.microsoft.com/office/drawing/2014/main" val="2824690570"/>
+                  </a:ext>
+                </a:extLst>
+              </a:tr>
+              <a:tr h="370840">
+                <a:tc>
+                  <a:txBody>
+                    <a:bodyPr/>
+                    <a:lstStyle/>
+                    <a:p>
+                      <a:pPr algn="ctr"/>
+                      <a:r>
+                        <a:rPr lang="en-US" dirty="0"/>
+                        <a:t>Limitation</a:t>
+                      </a:r>
+                    </a:p>
+                  </a:txBody>
+                  <a:tcPr>
+                    <a:solidFill>
+                      <a:schemeClr val="accent3">
+                        <a:lumMod val="50000"/>
+                      </a:schemeClr>
+                    </a:solidFill>
+                  </a:tcPr>
+                </a:tc>
+                <a:tc>
+                  <a:txBody>
+                    <a:bodyPr/>
+                    <a:lstStyle/>
+                    <a:p>
+                      <a:r>
+                        <a:rPr lang="en-US" dirty="0"/>
+                        <a:t>Use only a single route.</a:t>
+                      </a:r>
+                    </a:p>
+                  </a:txBody>
+                  <a:tcPr>
+                    <a:solidFill>
+                      <a:schemeClr val="tx2">
+                        <a:lumMod val="25000"/>
+                      </a:schemeClr>
+                    </a:solidFill>
+                  </a:tcPr>
+                </a:tc>
+                <a:tc>
+                  <a:txBody>
+                    <a:bodyPr/>
+                    <a:lstStyle/>
+                    <a:p>
+                      <a:r>
+                        <a:rPr lang="en-US" dirty="0"/>
+                        <a:t>Need to retrieve multiple requests if need more than 1 object shapes</a:t>
+                      </a:r>
+                    </a:p>
+                  </a:txBody>
+                  <a:tcPr>
+                    <a:solidFill>
+                      <a:schemeClr val="tx2">
+                        <a:lumMod val="25000"/>
+                      </a:schemeClr>
+                    </a:solidFill>
+                  </a:tcPr>
+                </a:tc>
+                <a:extLst>
+                  <a:ext uri="{0D108BD9-81ED-4DB2-BD59-A6C34878D82A}">
+                    <a16:rowId xmlns:a16="http://schemas.microsoft.com/office/drawing/2014/main" val="2349890263"/>
+                  </a:ext>
+                </a:extLst>
+              </a:tr>
+              <a:tr h="370840">
+                <a:tc>
+                  <a:txBody>
+                    <a:bodyPr/>
+                    <a:lstStyle/>
+                    <a:p>
+                      <a:pPr algn="ctr"/>
+                      <a:endParaRPr lang="en-US" dirty="0"/>
+                    </a:p>
+                  </a:txBody>
+                  <a:tcPr>
+                    <a:solidFill>
+                      <a:schemeClr val="accent3">
+                        <a:lumMod val="50000"/>
+                      </a:schemeClr>
+                    </a:solidFill>
+                  </a:tcPr>
+                </a:tc>
+                <a:tc>
+                  <a:txBody>
+                    <a:bodyPr/>
+                    <a:lstStyle/>
+                    <a:p>
+                      <a:r>
+                        <a:rPr lang="en-US" dirty="0"/>
+                        <a:t>Is complicated for a simple application.</a:t>
+                      </a:r>
+                    </a:p>
+                  </a:txBody>
+                  <a:tcPr>
+                    <a:solidFill>
+                      <a:schemeClr val="tx2">
+                        <a:lumMod val="25000"/>
+                      </a:schemeClr>
+                    </a:solidFill>
+                  </a:tcPr>
+                </a:tc>
+                <a:tc>
+                  <a:txBody>
+                    <a:bodyPr/>
+                    <a:lstStyle/>
+                    <a:p>
+                      <a:r>
+                        <a:rPr lang="en-US" dirty="0"/>
+                        <a:t>Over-fetching and under-fetching</a:t>
+                      </a:r>
+                    </a:p>
+                  </a:txBody>
+                  <a:tcPr>
+                    <a:solidFill>
+                      <a:schemeClr val="tx2">
+                        <a:lumMod val="25000"/>
+                      </a:schemeClr>
+                    </a:solidFill>
+                  </a:tcPr>
+                </a:tc>
+                <a:extLst>
+                  <a:ext uri="{0D108BD9-81ED-4DB2-BD59-A6C34878D82A}">
+                    <a16:rowId xmlns:a16="http://schemas.microsoft.com/office/drawing/2014/main" val="1729925584"/>
+                  </a:ext>
+                </a:extLst>
+              </a:tr>
+            </a:tbl>
+          </a:graphicData>
+        </a:graphic>
+      </p:graphicFrame>
+    </p:spTree>
+    <p:extLst>
+      <p:ext uri="{BB962C8B-B14F-4D97-AF65-F5344CB8AC3E}">
+        <p14:creationId xmlns:p14="http://schemas.microsoft.com/office/powerpoint/2010/main" val="2547105178"/>
+      </p:ext>
+    </p:extLst>
+  </p:cSld>
+  <p:clrMapOvr>
+    <a:masterClrMapping/>
+  </p:clrMapOvr>
+</p:sld>
+</file>
+
+<file path=ppt/slides/slide22.xml><?xml version="1.0" encoding="utf-8"?>
+<p:sld xmlns:a="http://schemas.openxmlformats.org/drawingml/2006/main" xmlns:r="http://schemas.openxmlformats.org/officeDocument/2006/relationships" xmlns:p="http://schemas.openxmlformats.org/presentationml/2006/main">
+  <p:cSld>
+    <p:spTree>
+      <p:nvGrpSpPr>
+        <p:cNvPr id="1" name=""/>
+        <p:cNvGrpSpPr/>
+        <p:nvPr/>
+      </p:nvGrpSpPr>
+      <p:grpSpPr>
+        <a:xfrm>
+          <a:off x="0" y="0"/>
+          <a:ext cx="0" cy="0"/>
+          <a:chOff x="0" y="0"/>
+          <a:chExt cx="0" cy="0"/>
+        </a:xfrm>
+      </p:grpSpPr>
+      <p:sp>
+        <p:nvSpPr>
+          <p:cNvPr id="2" name="Title 1">
+            <a:extLst>
+              <a:ext uri="{FF2B5EF4-FFF2-40B4-BE49-F238E27FC236}">
+                <a16:creationId xmlns:a16="http://schemas.microsoft.com/office/drawing/2014/main" id="{7593FD06-E110-48CE-A7FA-F9C784BE6518}"/>
+              </a:ext>
+            </a:extLst>
+          </p:cNvPr>
+          <p:cNvSpPr>
+            <a:spLocks noGrp="1"/>
+          </p:cNvSpPr>
+          <p:nvPr>
+            <p:ph type="title"/>
+          </p:nvPr>
+        </p:nvSpPr>
+        <p:spPr/>
+        <p:txBody>
+          <a:bodyPr/>
+          <a:lstStyle/>
+          <a:p>
+            <a:endParaRPr lang="en-US" dirty="0"/>
+          </a:p>
+        </p:txBody>
+      </p:sp>
+      <p:sp>
+        <p:nvSpPr>
+          <p:cNvPr id="3" name="Content Placeholder 2">
+            <a:extLst>
+              <a:ext uri="{FF2B5EF4-FFF2-40B4-BE49-F238E27FC236}">
+                <a16:creationId xmlns:a16="http://schemas.microsoft.com/office/drawing/2014/main" id="{43AA8A0D-965F-4C1F-9CB3-1A31BF0C61C1}"/>
+              </a:ext>
+            </a:extLst>
+          </p:cNvPr>
+          <p:cNvSpPr>
+            <a:spLocks noGrp="1"/>
+          </p:cNvSpPr>
+          <p:nvPr>
+            <p:ph idx="1"/>
+          </p:nvPr>
+        </p:nvSpPr>
+        <p:spPr/>
+        <p:txBody>
+          <a:bodyPr/>
+          <a:lstStyle/>
+          <a:p>
+            <a:endParaRPr lang="en-US"/>
+          </a:p>
+        </p:txBody>
+      </p:sp>
+    </p:spTree>
+    <p:extLst>
+      <p:ext uri="{BB962C8B-B14F-4D97-AF65-F5344CB8AC3E}">
+        <p14:creationId xmlns:p14="http://schemas.microsoft.com/office/powerpoint/2010/main" val="503784683"/>
+      </p:ext>
+    </p:extLst>
+  </p:cSld>
+  <p:clrMapOvr>
+    <a:masterClrMapping/>
+  </p:clrMapOvr>
+</p:sld>
+</file>
+
 <file path=ppt/slides/slide3.xml><?xml version="1.0" encoding="utf-8"?>
 <p:sld xmlns:a="http://schemas.openxmlformats.org/drawingml/2006/main" xmlns:r="http://schemas.openxmlformats.org/officeDocument/2006/relationships" xmlns:p="http://schemas.openxmlformats.org/presentationml/2006/main">
   <p:cSld>
@@ -9325,7 +13030,7 @@
           <p:cNvPr id="2" name="Title 1">
             <a:extLst>
               <a:ext uri="{FF2B5EF4-FFF2-40B4-BE49-F238E27FC236}">
-                <a16:creationId xmlns:a16="http://schemas.microsoft.com/office/drawing/2014/main" id="{B4004467-0F6E-46E0-9DBB-22EEB506753D}"/>
+                <a16:creationId xmlns:a16="http://schemas.microsoft.com/office/drawing/2014/main" id="{DA4029C5-5565-4ADC-8598-AC3DBAEA0AF1}"/>
               </a:ext>
             </a:extLst>
           </p:cNvPr>
@@ -9343,7 +13048,7 @@
           <a:p>
             <a:r>
               <a:rPr lang="en-US" dirty="0"/>
-              <a:t>Development – Schema</a:t>
+              <a:t>Sample API Server</a:t>
             </a:r>
           </a:p>
         </p:txBody>
@@ -9353,7 +13058,7 @@
           <p:cNvPr id="3" name="Content Placeholder 2">
             <a:extLst>
               <a:ext uri="{FF2B5EF4-FFF2-40B4-BE49-F238E27FC236}">
-                <a16:creationId xmlns:a16="http://schemas.microsoft.com/office/drawing/2014/main" id="{055A63D4-53B8-469F-B3AD-3B8DFA4FFAD0}"/>
+                <a16:creationId xmlns:a16="http://schemas.microsoft.com/office/drawing/2014/main" id="{73CAA425-2977-42D6-9DDD-AEBA85BFF142}"/>
               </a:ext>
             </a:extLst>
           </p:cNvPr>
@@ -9369,14 +13074,14 @@
           <a:bodyPr/>
           <a:lstStyle/>
           <a:p>
-            <a:endParaRPr lang="en-US"/>
+            <a:endParaRPr lang="en-US" dirty="0"/>
           </a:p>
         </p:txBody>
       </p:sp>
     </p:spTree>
     <p:extLst>
       <p:ext uri="{BB962C8B-B14F-4D97-AF65-F5344CB8AC3E}">
-        <p14:creationId xmlns:p14="http://schemas.microsoft.com/office/powerpoint/2010/main" val="3690168289"/>
+        <p14:creationId xmlns:p14="http://schemas.microsoft.com/office/powerpoint/2010/main" val="1416545092"/>
       </p:ext>
     </p:extLst>
   </p:cSld>
@@ -9408,7 +13113,7 @@
           <p:cNvPr id="2" name="Title 1">
             <a:extLst>
               <a:ext uri="{FF2B5EF4-FFF2-40B4-BE49-F238E27FC236}">
-                <a16:creationId xmlns:a16="http://schemas.microsoft.com/office/drawing/2014/main" id="{8E364E23-935E-4C3D-8845-A30E054D2148}"/>
+                <a16:creationId xmlns:a16="http://schemas.microsoft.com/office/drawing/2014/main" id="{0EF4F758-1E8F-4E42-8ECA-8CCAD2030FE0}"/>
               </a:ext>
             </a:extLst>
           </p:cNvPr>
@@ -9424,10 +13129,7 @@
           <a:bodyPr/>
           <a:lstStyle/>
           <a:p>
-            <a:r>
-              <a:rPr lang="en-US" dirty="0"/>
-              <a:t>Development – Data</a:t>
-            </a:r>
+            <a:endParaRPr lang="en-US"/>
           </a:p>
         </p:txBody>
       </p:sp>
@@ -9436,7 +13138,7 @@
           <p:cNvPr id="3" name="Content Placeholder 2">
             <a:extLst>
               <a:ext uri="{FF2B5EF4-FFF2-40B4-BE49-F238E27FC236}">
-                <a16:creationId xmlns:a16="http://schemas.microsoft.com/office/drawing/2014/main" id="{7D88053C-DFC9-44D9-B435-D3E7D8DFAAA2}"/>
+                <a16:creationId xmlns:a16="http://schemas.microsoft.com/office/drawing/2014/main" id="{E470BBB9-94BA-40DE-BA70-D46ED3197296}"/>
               </a:ext>
             </a:extLst>
           </p:cNvPr>
@@ -9459,7 +13161,7 @@
     </p:spTree>
     <p:extLst>
       <p:ext uri="{BB962C8B-B14F-4D97-AF65-F5344CB8AC3E}">
-        <p14:creationId xmlns:p14="http://schemas.microsoft.com/office/powerpoint/2010/main" val="2828238306"/>
+        <p14:creationId xmlns:p14="http://schemas.microsoft.com/office/powerpoint/2010/main" val="1143691709"/>
       </p:ext>
     </p:extLst>
   </p:cSld>
@@ -9688,4 +13390,265 @@
     </a:ext>
   </a:extLst>
 </a:theme>
+</file>
+
+<file path=ppt/theme/theme2.xml><?xml version="1.0" encoding="utf-8"?>
+<a:theme xmlns:a="http://schemas.openxmlformats.org/drawingml/2006/main" name="Office Theme">
+  <a:themeElements>
+    <a:clrScheme name="Office Theme">
+      <a:dk1>
+        <a:sysClr val="windowText" lastClr="000000"/>
+      </a:dk1>
+      <a:lt1>
+        <a:sysClr val="window" lastClr="FFFFFF"/>
+      </a:lt1>
+      <a:dk2>
+        <a:srgbClr val="44546A"/>
+      </a:dk2>
+      <a:lt2>
+        <a:srgbClr val="E7E6E6"/>
+      </a:lt2>
+      <a:accent1>
+        <a:srgbClr val="4472C4"/>
+      </a:accent1>
+      <a:accent2>
+        <a:srgbClr val="ED7D31"/>
+      </a:accent2>
+      <a:accent3>
+        <a:srgbClr val="A5A5A5"/>
+      </a:accent3>
+      <a:accent4>
+        <a:srgbClr val="FFC000"/>
+      </a:accent4>
+      <a:accent5>
+        <a:srgbClr val="5B9BD5"/>
+      </a:accent5>
+      <a:accent6>
+        <a:srgbClr val="70AD47"/>
+      </a:accent6>
+      <a:hlink>
+        <a:srgbClr val="0563C1"/>
+      </a:hlink>
+      <a:folHlink>
+        <a:srgbClr val="954F72"/>
+      </a:folHlink>
+    </a:clrScheme>
+    <a:fontScheme name="Office Theme">
+      <a:majorFont>
+        <a:latin typeface="Calibri Light" panose="020F0302020204030204"/>
+        <a:ea typeface=""/>
+        <a:cs typeface=""/>
+        <a:font script="Jpan" typeface="游ゴシック Light"/>
+        <a:font script="Hang" typeface="맑은 고딕"/>
+        <a:font script="Hans" typeface="等线 Light"/>
+        <a:font script="Hant" typeface="新細明體"/>
+        <a:font script="Arab" typeface="Times New Roman"/>
+        <a:font script="Hebr" typeface="Times New Roman"/>
+        <a:font script="Thai" typeface="Angsana New"/>
+        <a:font script="Ethi" typeface="Nyala"/>
+        <a:font script="Beng" typeface="Vrinda"/>
+        <a:font script="Gujr" typeface="Shruti"/>
+        <a:font script="Khmr" typeface="MoolBoran"/>
+        <a:font script="Knda" typeface="Tunga"/>
+        <a:font script="Guru" typeface="Raavi"/>
+        <a:font script="Cans" typeface="Euphemia"/>
+        <a:font script="Cher" typeface="Plantagenet Cherokee"/>
+        <a:font script="Yiii" typeface="Microsoft Yi Baiti"/>
+        <a:font script="Tibt" typeface="Microsoft Himalaya"/>
+        <a:font script="Thaa" typeface="MV Boli"/>
+        <a:font script="Deva" typeface="Mangal"/>
+        <a:font script="Telu" typeface="Gautami"/>
+        <a:font script="Taml" typeface="Latha"/>
+        <a:font script="Syrc" typeface="Estrangelo Edessa"/>
+        <a:font script="Orya" typeface="Kalinga"/>
+        <a:font script="Mlym" typeface="Kartika"/>
+        <a:font script="Laoo" typeface="DokChampa"/>
+        <a:font script="Sinh" typeface="Iskoola Pota"/>
+        <a:font script="Mong" typeface="Mongolian Baiti"/>
+        <a:font script="Viet" typeface="Times New Roman"/>
+        <a:font script="Uigh" typeface="Microsoft Uighur"/>
+        <a:font script="Geor" typeface="Sylfaen"/>
+      </a:majorFont>
+      <a:minorFont>
+        <a:latin typeface="Calibri" panose="020F0502020204030204"/>
+        <a:ea typeface=""/>
+        <a:cs typeface=""/>
+        <a:font script="Jpan" typeface="游ゴシック"/>
+        <a:font script="Hang" typeface="맑은 고딕"/>
+        <a:font script="Hans" typeface="等线"/>
+        <a:font script="Hant" typeface="新細明體"/>
+        <a:font script="Arab" typeface="Arial"/>
+        <a:font script="Hebr" typeface="Arial"/>
+        <a:font script="Thai" typeface="Cordia New"/>
+        <a:font script="Ethi" typeface="Nyala"/>
+        <a:font script="Beng" typeface="Vrinda"/>
+        <a:font script="Gujr" typeface="Shruti"/>
+        <a:font script="Khmr" typeface="DaunPenh"/>
+        <a:font script="Knda" typeface="Tunga"/>
+        <a:font script="Guru" typeface="Raavi"/>
+        <a:font script="Cans" typeface="Euphemia"/>
+        <a:font script="Cher" typeface="Plantagenet Cherokee"/>
+        <a:font script="Yiii" typeface="Microsoft Yi Baiti"/>
+        <a:font script="Tibt" typeface="Microsoft Himalaya"/>
+        <a:font script="Thaa" typeface="MV Boli"/>
+        <a:font script="Deva" typeface="Mangal"/>
+        <a:font script="Telu" typeface="Gautami"/>
+        <a:font script="Taml" typeface="Latha"/>
+        <a:font script="Syrc" typeface="Estrangelo Edessa"/>
+        <a:font script="Orya" typeface="Kalinga"/>
+        <a:font script="Mlym" typeface="Kartika"/>
+        <a:font script="Laoo" typeface="DokChampa"/>
+        <a:font script="Sinh" typeface="Iskoola Pota"/>
+        <a:font script="Mong" typeface="Mongolian Baiti"/>
+        <a:font script="Viet" typeface="Arial"/>
+        <a:font script="Uigh" typeface="Microsoft Uighur"/>
+        <a:font script="Geor" typeface="Sylfaen"/>
+      </a:minorFont>
+    </a:fontScheme>
+    <a:fmtScheme name="Office Theme">
+      <a:fillStyleLst>
+        <a:solidFill>
+          <a:schemeClr val="phClr"/>
+        </a:solidFill>
+        <a:gradFill rotWithShape="1">
+          <a:gsLst>
+            <a:gs pos="0">
+              <a:schemeClr val="phClr">
+                <a:lumMod val="110000"/>
+                <a:satMod val="105000"/>
+                <a:tint val="67000"/>
+              </a:schemeClr>
+            </a:gs>
+            <a:gs pos="50000">
+              <a:schemeClr val="phClr">
+                <a:lumMod val="105000"/>
+                <a:satMod val="103000"/>
+                <a:tint val="73000"/>
+              </a:schemeClr>
+            </a:gs>
+            <a:gs pos="100000">
+              <a:schemeClr val="phClr">
+                <a:lumMod val="105000"/>
+                <a:satMod val="109000"/>
+                <a:tint val="81000"/>
+              </a:schemeClr>
+            </a:gs>
+          </a:gsLst>
+          <a:lin ang="5400000" scaled="0"/>
+        </a:gradFill>
+        <a:gradFill rotWithShape="1">
+          <a:gsLst>
+            <a:gs pos="0">
+              <a:schemeClr val="phClr">
+                <a:satMod val="103000"/>
+                <a:lumMod val="102000"/>
+                <a:tint val="94000"/>
+              </a:schemeClr>
+            </a:gs>
+            <a:gs pos="50000">
+              <a:schemeClr val="phClr">
+                <a:satMod val="110000"/>
+                <a:lumMod val="100000"/>
+                <a:shade val="100000"/>
+              </a:schemeClr>
+            </a:gs>
+            <a:gs pos="100000">
+              <a:schemeClr val="phClr">
+                <a:lumMod val="99000"/>
+                <a:satMod val="120000"/>
+                <a:shade val="78000"/>
+              </a:schemeClr>
+            </a:gs>
+          </a:gsLst>
+          <a:lin ang="5400000" scaled="0"/>
+        </a:gradFill>
+      </a:fillStyleLst>
+      <a:lnStyleLst>
+        <a:ln w="6350" cap="flat" cmpd="sng" algn="ctr">
+          <a:solidFill>
+            <a:schemeClr val="phClr"/>
+          </a:solidFill>
+          <a:prstDash val="solid"/>
+          <a:miter lim="800000"/>
+        </a:ln>
+        <a:ln w="12700" cap="flat" cmpd="sng" algn="ctr">
+          <a:solidFill>
+            <a:schemeClr val="phClr"/>
+          </a:solidFill>
+          <a:prstDash val="solid"/>
+          <a:miter lim="800000"/>
+        </a:ln>
+        <a:ln w="19050" cap="flat" cmpd="sng" algn="ctr">
+          <a:solidFill>
+            <a:schemeClr val="phClr"/>
+          </a:solidFill>
+          <a:prstDash val="solid"/>
+          <a:miter lim="800000"/>
+        </a:ln>
+      </a:lnStyleLst>
+      <a:effectStyleLst>
+        <a:effectStyle>
+          <a:effectLst/>
+        </a:effectStyle>
+        <a:effectStyle>
+          <a:effectLst/>
+        </a:effectStyle>
+        <a:effectStyle>
+          <a:effectLst>
+            <a:outerShdw blurRad="57150" dist="19050" dir="5400000" algn="ctr" rotWithShape="0">
+              <a:srgbClr val="000000">
+                <a:alpha val="63000"/>
+              </a:srgbClr>
+            </a:outerShdw>
+          </a:effectLst>
+        </a:effectStyle>
+      </a:effectStyleLst>
+      <a:bgFillStyleLst>
+        <a:solidFill>
+          <a:schemeClr val="phClr"/>
+        </a:solidFill>
+        <a:solidFill>
+          <a:schemeClr val="phClr">
+            <a:tint val="95000"/>
+            <a:satMod val="170000"/>
+          </a:schemeClr>
+        </a:solidFill>
+        <a:gradFill rotWithShape="1">
+          <a:gsLst>
+            <a:gs pos="0">
+              <a:schemeClr val="phClr">
+                <a:tint val="93000"/>
+                <a:satMod val="150000"/>
+                <a:shade val="98000"/>
+                <a:lumMod val="102000"/>
+              </a:schemeClr>
+            </a:gs>
+            <a:gs pos="50000">
+              <a:schemeClr val="phClr">
+                <a:tint val="98000"/>
+                <a:satMod val="130000"/>
+                <a:shade val="90000"/>
+                <a:lumMod val="103000"/>
+              </a:schemeClr>
+            </a:gs>
+            <a:gs pos="100000">
+              <a:schemeClr val="phClr">
+                <a:shade val="63000"/>
+                <a:satMod val="120000"/>
+              </a:schemeClr>
+            </a:gs>
+          </a:gsLst>
+          <a:lin ang="5400000" scaled="0"/>
+        </a:gradFill>
+      </a:bgFillStyleLst>
+    </a:fmtScheme>
+  </a:themeElements>
+  <a:objectDefaults/>
+  <a:extraClrSchemeLst/>
+  <a:extLst>
+    <a:ext uri="{05A4C25C-085E-4340-85A3-A5531E510DB2}">
+      <thm15:themeFamily xmlns:thm15="http://schemas.microsoft.com/office/thememl/2012/main" name="Office Theme" id="{62F939B6-93AF-4DB8-9C6B-D6C7DFDC589F}" vid="{4F46216B-77A9-411A-B9D3-5023FCB70208}"/>
+    </a:ext>
+  </a:extLst>
+</a:theme>
 </file>
--- a/Docs/Apollo_Server.pptx
+++ b/Docs/Apollo_Server.pptx
@@ -9,25 +9,31 @@
     <p:sldId id="256" r:id="rId3"/>
     <p:sldId id="257" r:id="rId4"/>
     <p:sldId id="262" r:id="rId5"/>
-    <p:sldId id="264" r:id="rId6"/>
-    <p:sldId id="263" r:id="rId7"/>
-    <p:sldId id="259" r:id="rId8"/>
-    <p:sldId id="260" r:id="rId9"/>
-    <p:sldId id="274" r:id="rId10"/>
-    <p:sldId id="275" r:id="rId11"/>
-    <p:sldId id="265" r:id="rId12"/>
-    <p:sldId id="266" r:id="rId13"/>
-    <p:sldId id="267" r:id="rId14"/>
-    <p:sldId id="268" r:id="rId15"/>
-    <p:sldId id="269" r:id="rId16"/>
-    <p:sldId id="270" r:id="rId17"/>
-    <p:sldId id="272" r:id="rId18"/>
-    <p:sldId id="273" r:id="rId19"/>
-    <p:sldId id="271" r:id="rId20"/>
-    <p:sldId id="261" r:id="rId21"/>
-    <p:sldId id="276" r:id="rId22"/>
-    <p:sldId id="277" r:id="rId23"/>
-    <p:sldId id="278" r:id="rId24"/>
+    <p:sldId id="279" r:id="rId6"/>
+    <p:sldId id="280" r:id="rId7"/>
+    <p:sldId id="264" r:id="rId8"/>
+    <p:sldId id="263" r:id="rId9"/>
+    <p:sldId id="259" r:id="rId10"/>
+    <p:sldId id="260" r:id="rId11"/>
+    <p:sldId id="274" r:id="rId12"/>
+    <p:sldId id="275" r:id="rId13"/>
+    <p:sldId id="265" r:id="rId14"/>
+    <p:sldId id="266" r:id="rId15"/>
+    <p:sldId id="282" r:id="rId16"/>
+    <p:sldId id="283" r:id="rId17"/>
+    <p:sldId id="284" r:id="rId18"/>
+    <p:sldId id="285" r:id="rId19"/>
+    <p:sldId id="267" r:id="rId20"/>
+    <p:sldId id="268" r:id="rId21"/>
+    <p:sldId id="269" r:id="rId22"/>
+    <p:sldId id="270" r:id="rId23"/>
+    <p:sldId id="272" r:id="rId24"/>
+    <p:sldId id="273" r:id="rId25"/>
+    <p:sldId id="271" r:id="rId26"/>
+    <p:sldId id="261" r:id="rId27"/>
+    <p:sldId id="276" r:id="rId28"/>
+    <p:sldId id="277" r:id="rId29"/>
+    <p:sldId id="278" r:id="rId30"/>
   </p:sldIdLst>
   <p:sldSz cx="12192000" cy="6858000"/>
   <p:notesSz cx="6858000" cy="9144000"/>
@@ -1561,6 +1567,28 @@
         </a:p>
       </dgm:t>
     </dgm:pt>
+    <dgm:pt modelId="{D25D6271-B588-4A97-852C-6396017D8D91}">
+      <dgm:prSet phldrT="[Text]"/>
+      <dgm:spPr/>
+      <dgm:t>
+        <a:bodyPr/>
+        <a:lstStyle/>
+        <a:p>
+          <a:r>
+            <a:rPr lang="en-US" dirty="0"/>
+            <a:t>Structure</a:t>
+          </a:r>
+        </a:p>
+      </dgm:t>
+    </dgm:pt>
+    <dgm:pt modelId="{2F85D253-9D77-457F-817B-74992C86C838}" type="parTrans" cxnId="{82718662-186A-4187-A5EA-145F59AC286A}">
+      <dgm:prSet/>
+      <dgm:spPr/>
+    </dgm:pt>
+    <dgm:pt modelId="{EF5D984F-1682-4BFD-85D8-C171D67457C5}" type="sibTrans" cxnId="{82718662-186A-4187-A5EA-145F59AC286A}">
+      <dgm:prSet/>
+      <dgm:spPr/>
+    </dgm:pt>
     <dgm:pt modelId="{2C67624C-46BA-40B7-8016-09B431F075D2}" type="pres">
       <dgm:prSet presAssocID="{7BC9F8F0-CBFA-41AF-9EFC-AC8DF5EF42A0}" presName="linearFlow" presStyleCnt="0">
         <dgm:presLayoutVars>
@@ -1645,16 +1673,18 @@
   </dgm:ptLst>
   <dgm:cxnLst>
     <dgm:cxn modelId="{396D221B-8A67-491E-BEC5-69138612E980}" type="presOf" srcId="{CEA8F74B-D6F4-4E66-8076-8876FE8E568E}" destId="{8CFC4A99-8D55-4111-95AE-D7A3A97DD1F7}" srcOrd="0" destOrd="0" presId="urn:microsoft.com/office/officeart/2005/8/layout/chevron2"/>
-    <dgm:cxn modelId="{52AF542B-5BBD-41DA-AB63-6E1193B0E8F3}" srcId="{016BC571-69D1-4A08-90DB-DA4A67A512D8}" destId="{0A4E8E05-3244-435C-BCF0-08DDE18C5A30}" srcOrd="1" destOrd="0" parTransId="{D8F8FF97-6F5D-4763-9255-9319BA36657C}" sibTransId="{30BF11B0-BFF9-41B7-B63F-518CB8006B14}"/>
+    <dgm:cxn modelId="{52AF542B-5BBD-41DA-AB63-6E1193B0E8F3}" srcId="{016BC571-69D1-4A08-90DB-DA4A67A512D8}" destId="{0A4E8E05-3244-435C-BCF0-08DDE18C5A30}" srcOrd="2" destOrd="0" parTransId="{D8F8FF97-6F5D-4763-9255-9319BA36657C}" sibTransId="{30BF11B0-BFF9-41B7-B63F-518CB8006B14}"/>
     <dgm:cxn modelId="{B3CE1236-8F28-47C6-813D-5C19F80566EA}" srcId="{A3F64577-FAA1-4A40-B456-01A4FED4A801}" destId="{07EBAFC4-8784-44A8-96C6-21F663138C95}" srcOrd="3" destOrd="0" parTransId="{C2F83E0F-8AAB-426C-A0A6-2A5A741B4FA6}" sibTransId="{5AEA4585-A410-4EC2-966B-8A275359C272}"/>
     <dgm:cxn modelId="{40EF6240-C1C0-4D9B-8AB2-7476AFBF6CCE}" type="presOf" srcId="{0BDB1117-9D24-4025-BE86-E6893BFDCE4A}" destId="{3DD495D7-6337-430C-8EC5-04163C8CDAF3}" srcOrd="0" destOrd="1" presId="urn:microsoft.com/office/officeart/2005/8/layout/chevron2"/>
     <dgm:cxn modelId="{7726A35B-C83F-4F46-BB83-CC928FB383A3}" type="presOf" srcId="{7BC9F8F0-CBFA-41AF-9EFC-AC8DF5EF42A0}" destId="{2C67624C-46BA-40B7-8016-09B431F075D2}" srcOrd="0" destOrd="0" presId="urn:microsoft.com/office/officeart/2005/8/layout/chevron2"/>
-    <dgm:cxn modelId="{2353C841-E38A-4C71-B671-48FA3329F609}" type="presOf" srcId="{0A4E8E05-3244-435C-BCF0-08DDE18C5A30}" destId="{219653F3-B3A2-45AB-9E09-535C5EF0411A}" srcOrd="0" destOrd="1" presId="urn:microsoft.com/office/officeart/2005/8/layout/chevron2"/>
+    <dgm:cxn modelId="{2353C841-E38A-4C71-B671-48FA3329F609}" type="presOf" srcId="{0A4E8E05-3244-435C-BCF0-08DDE18C5A30}" destId="{219653F3-B3A2-45AB-9E09-535C5EF0411A}" srcOrd="0" destOrd="2" presId="urn:microsoft.com/office/officeart/2005/8/layout/chevron2"/>
+    <dgm:cxn modelId="{82718662-186A-4187-A5EA-145F59AC286A}" srcId="{016BC571-69D1-4A08-90DB-DA4A67A512D8}" destId="{D25D6271-B588-4A97-852C-6396017D8D91}" srcOrd="0" destOrd="0" parTransId="{2F85D253-9D77-457F-817B-74992C86C838}" sibTransId="{EF5D984F-1682-4BFD-85D8-C171D67457C5}"/>
     <dgm:cxn modelId="{211EEE6A-690E-42B2-B28B-4FA88BF0B0B7}" srcId="{CEA8F74B-D6F4-4E66-8076-8876FE8E568E}" destId="{50880F25-ED1C-4A67-9488-7C54FD00B8E9}" srcOrd="3" destOrd="0" parTransId="{07E635E6-FC99-40A7-B4EC-2C5826129583}" sibTransId="{4072FE62-BD75-4E9B-BA2B-7E75679D199E}"/>
-    <dgm:cxn modelId="{5564564D-4F29-4BCE-BEB1-E24C3D64FBA4}" srcId="{016BC571-69D1-4A08-90DB-DA4A67A512D8}" destId="{6E3C447A-C5C9-41C6-859A-9A1D39556790}" srcOrd="0" destOrd="0" parTransId="{B8C96E69-C9D3-4C11-BF6E-A7F2AB5414D8}" sibTransId="{21F5D34C-3310-44BF-8A86-C593A63BA872}"/>
+    <dgm:cxn modelId="{5564564D-4F29-4BCE-BEB1-E24C3D64FBA4}" srcId="{016BC571-69D1-4A08-90DB-DA4A67A512D8}" destId="{6E3C447A-C5C9-41C6-859A-9A1D39556790}" srcOrd="1" destOrd="0" parTransId="{B8C96E69-C9D3-4C11-BF6E-A7F2AB5414D8}" sibTransId="{21F5D34C-3310-44BF-8A86-C593A63BA872}"/>
     <dgm:cxn modelId="{41F63B6E-3DA5-4EE2-AEAF-3E9B7EC7B2AD}" srcId="{CEA8F74B-D6F4-4E66-8076-8876FE8E568E}" destId="{B0C6818F-0B95-4DB4-BAF4-68CD020CCD6B}" srcOrd="2" destOrd="0" parTransId="{ECDBE2AC-1B4C-478A-BA51-D54F8FFB3544}" sibTransId="{8C7F26CB-3C27-48EC-B5C5-6DD08FB44FA0}"/>
     <dgm:cxn modelId="{AC8D686E-6A2B-4721-BAE3-52402C27397F}" srcId="{A3F64577-FAA1-4A40-B456-01A4FED4A801}" destId="{0BDB1117-9D24-4025-BE86-E6893BFDCE4A}" srcOrd="1" destOrd="0" parTransId="{AA6CCF6A-6036-4177-A88C-F9AA8C689855}" sibTransId="{709EE20E-CC24-4F27-A01C-4C01848FCCE0}"/>
     <dgm:cxn modelId="{95C1C96E-0BC0-4E28-82FB-C38B455225A9}" srcId="{CEA8F74B-D6F4-4E66-8076-8876FE8E568E}" destId="{53D610A7-B956-41A5-94EA-E1F2832B976E}" srcOrd="1" destOrd="0" parTransId="{92DD94FD-9E83-4293-881C-7F71E757BE9D}" sibTransId="{8BE2AE0E-1D84-4DA7-BC90-AE980DDC18F1}"/>
+    <dgm:cxn modelId="{962DFE4F-936F-4750-AABF-ACF152BB367B}" type="presOf" srcId="{D25D6271-B588-4A97-852C-6396017D8D91}" destId="{219653F3-B3A2-45AB-9E09-535C5EF0411A}" srcOrd="0" destOrd="0" presId="urn:microsoft.com/office/officeart/2005/8/layout/chevron2"/>
     <dgm:cxn modelId="{E9142350-4AE4-4FCD-87A5-C0128A6B8307}" srcId="{A3F64577-FAA1-4A40-B456-01A4FED4A801}" destId="{92DD3CFA-15D1-45B6-BCFD-034416E7B374}" srcOrd="0" destOrd="0" parTransId="{63AD1185-FAB4-4839-9077-FB3B9D2C0FD7}" sibTransId="{AE7457CD-C0DA-46CC-93E5-BA7644977F67}"/>
     <dgm:cxn modelId="{C6582750-13E9-402A-87CF-EEF0C7C51E60}" type="presOf" srcId="{07EBAFC4-8784-44A8-96C6-21F663138C95}" destId="{3DD495D7-6337-430C-8EC5-04163C8CDAF3}" srcOrd="0" destOrd="3" presId="urn:microsoft.com/office/officeart/2005/8/layout/chevron2"/>
     <dgm:cxn modelId="{BBB09450-4D02-44C0-936C-B41FE96C30E3}" type="presOf" srcId="{BDE9F06A-A7D7-4939-8BFF-73C30A214B4A}" destId="{2DC72AB3-EE14-4D93-A8A6-599CDA0D67EC}" srcOrd="0" destOrd="0" presId="urn:microsoft.com/office/officeart/2005/8/layout/chevron2"/>
@@ -1670,7 +1700,7 @@
     <dgm:cxn modelId="{9ACD92CE-89DE-4A66-BDF2-1B6C4A85BDD3}" srcId="{7BC9F8F0-CBFA-41AF-9EFC-AC8DF5EF42A0}" destId="{A3F64577-FAA1-4A40-B456-01A4FED4A801}" srcOrd="2" destOrd="0" parTransId="{32FCA0F1-1F9E-4E33-B654-F61D0AA06EC1}" sibTransId="{ACECCC46-A67E-4110-9508-95149DEB34EA}"/>
     <dgm:cxn modelId="{53A28AE7-7545-4EEF-AB8F-FD3389477812}" type="presOf" srcId="{016BC571-69D1-4A08-90DB-DA4A67A512D8}" destId="{46AAEE2C-553A-4502-AF70-B91FBD064736}" srcOrd="0" destOrd="0" presId="urn:microsoft.com/office/officeart/2005/8/layout/chevron2"/>
     <dgm:cxn modelId="{70E7B1F6-F873-4832-8EA1-3CCF55B3F60E}" type="presOf" srcId="{A3F64577-FAA1-4A40-B456-01A4FED4A801}" destId="{38B1C88D-95CA-4B65-9D06-EB39E5064583}" srcOrd="0" destOrd="0" presId="urn:microsoft.com/office/officeart/2005/8/layout/chevron2"/>
-    <dgm:cxn modelId="{919B02FF-A665-4510-812A-99C90E0C9AF2}" type="presOf" srcId="{6E3C447A-C5C9-41C6-859A-9A1D39556790}" destId="{219653F3-B3A2-45AB-9E09-535C5EF0411A}" srcOrd="0" destOrd="0" presId="urn:microsoft.com/office/officeart/2005/8/layout/chevron2"/>
+    <dgm:cxn modelId="{919B02FF-A665-4510-812A-99C90E0C9AF2}" type="presOf" srcId="{6E3C447A-C5C9-41C6-859A-9A1D39556790}" destId="{219653F3-B3A2-45AB-9E09-535C5EF0411A}" srcOrd="0" destOrd="1" presId="urn:microsoft.com/office/officeart/2005/8/layout/chevron2"/>
     <dgm:cxn modelId="{428DF480-FCF0-4E1E-9B17-3E36A257A3DF}" type="presParOf" srcId="{2C67624C-46BA-40B7-8016-09B431F075D2}" destId="{E76EB473-9377-473B-8B07-E3D1E5005E8F}" srcOrd="0" destOrd="0" presId="urn:microsoft.com/office/officeart/2005/8/layout/chevron2"/>
     <dgm:cxn modelId="{B3AD01AF-82AE-48BD-923D-1F891160BA62}" type="presParOf" srcId="{E76EB473-9377-473B-8B07-E3D1E5005E8F}" destId="{46AAEE2C-553A-4502-AF70-B91FBD064736}" srcOrd="0" destOrd="0" presId="urn:microsoft.com/office/officeart/2005/8/layout/chevron2"/>
     <dgm:cxn modelId="{3571EB6C-8345-4024-8060-850586DD792A}" type="presParOf" srcId="{E76EB473-9377-473B-8B07-E3D1E5005E8F}" destId="{219653F3-B3A2-45AB-9E09-535C5EF0411A}" srcOrd="1" destOrd="0" presId="urn:microsoft.com/office/officeart/2005/8/layout/chevron2"/>
@@ -1830,6 +1860,24 @@
           <a:noAutofit/>
         </a:bodyPr>
         <a:lstStyle/>
+        <a:p>
+          <a:pPr marL="171450" lvl="1" indent="-171450" algn="l" defTabSz="800100">
+            <a:lnSpc>
+              <a:spcPct val="90000"/>
+            </a:lnSpc>
+            <a:spcBef>
+              <a:spcPct val="0"/>
+            </a:spcBef>
+            <a:spcAft>
+              <a:spcPct val="15000"/>
+            </a:spcAft>
+            <a:buChar char="•"/>
+          </a:pPr>
+          <a:r>
+            <a:rPr lang="en-US" sz="1800" kern="1200" dirty="0"/>
+            <a:t>Structure</a:t>
+          </a:r>
+        </a:p>
         <a:p>
           <a:pPr marL="171450" lvl="1" indent="-171450" algn="l" defTabSz="800100">
             <a:lnSpc>
@@ -3797,7 +3845,7 @@
           <a:p>
             <a:fld id="{3670AB43-4AB1-4719-A1BC-54CEDAA9A926}" type="datetimeFigureOut">
               <a:rPr lang="en-US" smtClean="0"/>
-              <a:t>4/9/2020</a:t>
+              <a:t>4/12/2020</a:t>
             </a:fld>
             <a:endParaRPr lang="en-US"/>
           </a:p>
@@ -4132,7 +4180,7 @@
           <a:p>
             <a:fld id="{3670AB43-4AB1-4719-A1BC-54CEDAA9A926}" type="datetimeFigureOut">
               <a:rPr lang="en-US" smtClean="0"/>
-              <a:t>4/9/2020</a:t>
+              <a:t>4/12/2020</a:t>
             </a:fld>
             <a:endParaRPr lang="en-US"/>
           </a:p>
@@ -4435,7 +4483,7 @@
           <a:p>
             <a:fld id="{3670AB43-4AB1-4719-A1BC-54CEDAA9A926}" type="datetimeFigureOut">
               <a:rPr lang="en-US" smtClean="0"/>
-              <a:t>4/9/2020</a:t>
+              <a:t>4/12/2020</a:t>
             </a:fld>
             <a:endParaRPr lang="en-US"/>
           </a:p>
@@ -4627,7 +4675,7 @@
           <a:p>
             <a:fld id="{3670AB43-4AB1-4719-A1BC-54CEDAA9A926}" type="datetimeFigureOut">
               <a:rPr lang="en-US" smtClean="0"/>
-              <a:t>4/9/2020</a:t>
+              <a:t>4/12/2020</a:t>
             </a:fld>
             <a:endParaRPr lang="en-US"/>
           </a:p>
@@ -4797,7 +4845,7 @@
           <a:p>
             <a:fld id="{3670AB43-4AB1-4719-A1BC-54CEDAA9A926}" type="datetimeFigureOut">
               <a:rPr lang="en-US" smtClean="0"/>
-              <a:t>4/9/2020</a:t>
+              <a:t>4/12/2020</a:t>
             </a:fld>
             <a:endParaRPr lang="en-US"/>
           </a:p>
@@ -5043,7 +5091,7 @@
           <a:p>
             <a:fld id="{3670AB43-4AB1-4719-A1BC-54CEDAA9A926}" type="datetimeFigureOut">
               <a:rPr lang="en-US" smtClean="0"/>
-              <a:t>4/9/2020</a:t>
+              <a:t>4/12/2020</a:t>
             </a:fld>
             <a:endParaRPr lang="en-US"/>
           </a:p>
@@ -5275,7 +5323,7 @@
           <a:p>
             <a:fld id="{3670AB43-4AB1-4719-A1BC-54CEDAA9A926}" type="datetimeFigureOut">
               <a:rPr lang="en-US" smtClean="0"/>
-              <a:t>4/9/2020</a:t>
+              <a:t>4/12/2020</a:t>
             </a:fld>
             <a:endParaRPr lang="en-US"/>
           </a:p>
@@ -5642,7 +5690,7 @@
           <a:p>
             <a:fld id="{3670AB43-4AB1-4719-A1BC-54CEDAA9A926}" type="datetimeFigureOut">
               <a:rPr lang="en-US" smtClean="0"/>
-              <a:t>4/9/2020</a:t>
+              <a:t>4/12/2020</a:t>
             </a:fld>
             <a:endParaRPr lang="en-US"/>
           </a:p>
@@ -5760,7 +5808,7 @@
           <a:p>
             <a:fld id="{3670AB43-4AB1-4719-A1BC-54CEDAA9A926}" type="datetimeFigureOut">
               <a:rPr lang="en-US" smtClean="0"/>
-              <a:t>4/9/2020</a:t>
+              <a:t>4/12/2020</a:t>
             </a:fld>
             <a:endParaRPr lang="en-US"/>
           </a:p>
@@ -5855,7 +5903,7 @@
           <a:p>
             <a:fld id="{3670AB43-4AB1-4719-A1BC-54CEDAA9A926}" type="datetimeFigureOut">
               <a:rPr lang="en-US" smtClean="0"/>
-              <a:t>4/9/2020</a:t>
+              <a:t>4/12/2020</a:t>
             </a:fld>
             <a:endParaRPr lang="en-US"/>
           </a:p>
@@ -6132,7 +6180,7 @@
           <a:p>
             <a:fld id="{3670AB43-4AB1-4719-A1BC-54CEDAA9A926}" type="datetimeFigureOut">
               <a:rPr lang="en-US" smtClean="0"/>
-              <a:t>4/9/2020</a:t>
+              <a:t>4/12/2020</a:t>
             </a:fld>
             <a:endParaRPr lang="en-US"/>
           </a:p>
@@ -6380,7 +6428,7 @@
           <a:p>
             <a:fld id="{3670AB43-4AB1-4719-A1BC-54CEDAA9A926}" type="datetimeFigureOut">
               <a:rPr lang="en-US" smtClean="0"/>
-              <a:t>4/9/2020</a:t>
+              <a:t>4/12/2020</a:t>
             </a:fld>
             <a:endParaRPr lang="en-US"/>
           </a:p>
@@ -6678,7 +6726,7 @@
           <a:p>
             <a:fld id="{3670AB43-4AB1-4719-A1BC-54CEDAA9A926}" type="datetimeFigureOut">
               <a:rPr lang="en-US" smtClean="0"/>
-              <a:t>4/9/2020</a:t>
+              <a:t>4/12/2020</a:t>
             </a:fld>
             <a:endParaRPr lang="en-US"/>
           </a:p>
@@ -6848,7 +6896,7 @@
           <a:p>
             <a:fld id="{3670AB43-4AB1-4719-A1BC-54CEDAA9A926}" type="datetimeFigureOut">
               <a:rPr lang="en-US" smtClean="0"/>
-              <a:t>4/9/2020</a:t>
+              <a:t>4/12/2020</a:t>
             </a:fld>
             <a:endParaRPr lang="en-US"/>
           </a:p>
@@ -7028,7 +7076,7 @@
           <a:p>
             <a:fld id="{3670AB43-4AB1-4719-A1BC-54CEDAA9A926}" type="datetimeFigureOut">
               <a:rPr lang="en-US" smtClean="0"/>
-              <a:t>4/9/2020</a:t>
+              <a:t>4/12/2020</a:t>
             </a:fld>
             <a:endParaRPr lang="en-US"/>
           </a:p>
@@ -7395,7 +7443,7 @@
           <a:p>
             <a:fld id="{3670AB43-4AB1-4719-A1BC-54CEDAA9A926}" type="datetimeFigureOut">
               <a:rPr lang="en-US" smtClean="0"/>
-              <a:t>4/9/2020</a:t>
+              <a:t>4/12/2020</a:t>
             </a:fld>
             <a:endParaRPr lang="en-US"/>
           </a:p>
@@ -7710,7 +7758,7 @@
           <a:p>
             <a:fld id="{3670AB43-4AB1-4719-A1BC-54CEDAA9A926}" type="datetimeFigureOut">
               <a:rPr lang="en-US" smtClean="0"/>
-              <a:t>4/9/2020</a:t>
+              <a:t>4/12/2020</a:t>
             </a:fld>
             <a:endParaRPr lang="en-US"/>
           </a:p>
@@ -8255,7 +8303,7 @@
           <a:p>
             <a:fld id="{3670AB43-4AB1-4719-A1BC-54CEDAA9A926}" type="datetimeFigureOut">
               <a:rPr lang="en-US" smtClean="0"/>
-              <a:t>4/9/2020</a:t>
+              <a:t>4/12/2020</a:t>
             </a:fld>
             <a:endParaRPr lang="en-US"/>
           </a:p>
@@ -8451,7 +8499,7 @@
           <a:p>
             <a:fld id="{3670AB43-4AB1-4719-A1BC-54CEDAA9A926}" type="datetimeFigureOut">
               <a:rPr lang="en-US" smtClean="0"/>
-              <a:t>4/9/2020</a:t>
+              <a:t>4/12/2020</a:t>
             </a:fld>
             <a:endParaRPr lang="en-US"/>
           </a:p>
@@ -8665,7 +8713,7 @@
           <a:p>
             <a:fld id="{3670AB43-4AB1-4719-A1BC-54CEDAA9A926}" type="datetimeFigureOut">
               <a:rPr lang="en-US" smtClean="0"/>
-              <a:t>4/9/2020</a:t>
+              <a:t>4/12/2020</a:t>
             </a:fld>
             <a:endParaRPr lang="en-US"/>
           </a:p>
@@ -9035,7 +9083,7 @@
           <a:p>
             <a:fld id="{3670AB43-4AB1-4719-A1BC-54CEDAA9A926}" type="datetimeFigureOut">
               <a:rPr lang="en-US" smtClean="0"/>
-              <a:t>4/9/2020</a:t>
+              <a:t>4/12/2020</a:t>
             </a:fld>
             <a:endParaRPr lang="en-US"/>
           </a:p>
@@ -9439,7 +9487,7 @@
           <a:p>
             <a:fld id="{3670AB43-4AB1-4719-A1BC-54CEDAA9A926}" type="datetimeFigureOut">
               <a:rPr lang="en-US" smtClean="0"/>
-              <a:t>4/9/2020</a:t>
+              <a:t>4/12/2020</a:t>
             </a:fld>
             <a:endParaRPr lang="en-US"/>
           </a:p>
@@ -9751,7 +9799,7 @@
           <a:p>
             <a:fld id="{3670AB43-4AB1-4719-A1BC-54CEDAA9A926}" type="datetimeFigureOut">
               <a:rPr lang="en-US" smtClean="0"/>
-              <a:t>4/9/2020</a:t>
+              <a:t>4/12/2020</a:t>
             </a:fld>
             <a:endParaRPr lang="en-US"/>
           </a:p>
@@ -10402,7 +10450,7 @@
           <a:p>
             <a:fld id="{3670AB43-4AB1-4719-A1BC-54CEDAA9A926}" type="datetimeFigureOut">
               <a:rPr lang="en-US" smtClean="0"/>
-              <a:t>4/9/2020</a:t>
+              <a:t>4/12/2020</a:t>
             </a:fld>
             <a:endParaRPr lang="en-US"/>
           </a:p>
@@ -10899,7 +10947,7 @@
           <p:cNvPr id="2" name="Title 1">
             <a:extLst>
               <a:ext uri="{FF2B5EF4-FFF2-40B4-BE49-F238E27FC236}">
-                <a16:creationId xmlns:a16="http://schemas.microsoft.com/office/drawing/2014/main" id="{B4004467-0F6E-46E0-9DBB-22EEB506753D}"/>
+                <a16:creationId xmlns:a16="http://schemas.microsoft.com/office/drawing/2014/main" id="{DA4029C5-5565-4ADC-8598-AC3DBAEA0AF1}"/>
               </a:ext>
             </a:extLst>
           </p:cNvPr>
@@ -10917,7 +10965,7 @@
           <a:p>
             <a:r>
               <a:rPr lang="en-US" dirty="0"/>
-              <a:t>Development – Schema</a:t>
+              <a:t>Sample program’s design</a:t>
             </a:r>
           </a:p>
         </p:txBody>
@@ -10927,7 +10975,7 @@
           <p:cNvPr id="3" name="Content Placeholder 2">
             <a:extLst>
               <a:ext uri="{FF2B5EF4-FFF2-40B4-BE49-F238E27FC236}">
-                <a16:creationId xmlns:a16="http://schemas.microsoft.com/office/drawing/2014/main" id="{055A63D4-53B8-469F-B3AD-3B8DFA4FFAD0}"/>
+                <a16:creationId xmlns:a16="http://schemas.microsoft.com/office/drawing/2014/main" id="{73CAA425-2977-42D6-9DDD-AEBA85BFF142}"/>
               </a:ext>
             </a:extLst>
           </p:cNvPr>
@@ -10943,6 +10991,69 @@
           <a:bodyPr/>
           <a:lstStyle/>
           <a:p>
+            <a:r>
+              <a:rPr lang="en-US" dirty="0"/>
+              <a:t>An elementary student management program with features:</a:t>
+            </a:r>
+          </a:p>
+          <a:p>
+            <a:pPr lvl="1"/>
+            <a:r>
+              <a:rPr lang="en-US" dirty="0"/>
+              <a:t>Officers add a new student</a:t>
+            </a:r>
+          </a:p>
+          <a:p>
+            <a:pPr lvl="1"/>
+            <a:r>
+              <a:rPr lang="en-US" dirty="0"/>
+              <a:t>Officers add a new teacher</a:t>
+            </a:r>
+          </a:p>
+          <a:p>
+            <a:pPr lvl="1"/>
+            <a:r>
+              <a:rPr lang="en-US" dirty="0"/>
+              <a:t>Officers add a new course definition</a:t>
+            </a:r>
+          </a:p>
+          <a:p>
+            <a:pPr lvl="1"/>
+            <a:r>
+              <a:rPr lang="en-US" dirty="0"/>
+              <a:t>Teacher create a course</a:t>
+            </a:r>
+          </a:p>
+          <a:p>
+            <a:pPr lvl="1"/>
+            <a:r>
+              <a:rPr lang="en-US" dirty="0"/>
+              <a:t>Teacher update student grade in the course</a:t>
+            </a:r>
+          </a:p>
+          <a:p>
+            <a:pPr lvl="1"/>
+            <a:r>
+              <a:rPr lang="en-US" dirty="0"/>
+              <a:t>Students update information</a:t>
+            </a:r>
+          </a:p>
+          <a:p>
+            <a:pPr lvl="1"/>
+            <a:r>
+              <a:rPr lang="en-US" dirty="0"/>
+              <a:t>Student register courses</a:t>
+            </a:r>
+          </a:p>
+          <a:p>
+            <a:pPr lvl="1"/>
+            <a:r>
+              <a:rPr lang="en-US" dirty="0"/>
+              <a:t>Officers update course information</a:t>
+            </a:r>
+          </a:p>
+          <a:p>
+            <a:pPr lvl="1"/>
             <a:endParaRPr lang="en-US" dirty="0"/>
           </a:p>
         </p:txBody>
@@ -10950,7 +11061,7 @@
     </p:spTree>
     <p:extLst>
       <p:ext uri="{BB962C8B-B14F-4D97-AF65-F5344CB8AC3E}">
-        <p14:creationId xmlns:p14="http://schemas.microsoft.com/office/powerpoint/2010/main" val="3690168289"/>
+        <p14:creationId xmlns:p14="http://schemas.microsoft.com/office/powerpoint/2010/main" val="1416545092"/>
       </p:ext>
     </p:extLst>
   </p:cSld>
@@ -10982,7 +11093,7 @@
           <p:cNvPr id="2" name="Title 1">
             <a:extLst>
               <a:ext uri="{FF2B5EF4-FFF2-40B4-BE49-F238E27FC236}">
-                <a16:creationId xmlns:a16="http://schemas.microsoft.com/office/drawing/2014/main" id="{8E364E23-935E-4C3D-8845-A30E054D2148}"/>
+                <a16:creationId xmlns:a16="http://schemas.microsoft.com/office/drawing/2014/main" id="{0EF4F758-1E8F-4E42-8ECA-8CCAD2030FE0}"/>
               </a:ext>
             </a:extLst>
           </p:cNvPr>
@@ -11000,7 +11111,7 @@
           <a:p>
             <a:r>
               <a:rPr lang="en-US" dirty="0"/>
-              <a:t>Development – Data</a:t>
+              <a:t>Sample program’s design</a:t>
             </a:r>
           </a:p>
         </p:txBody>
@@ -11010,7 +11121,7 @@
           <p:cNvPr id="3" name="Content Placeholder 2">
             <a:extLst>
               <a:ext uri="{FF2B5EF4-FFF2-40B4-BE49-F238E27FC236}">
-                <a16:creationId xmlns:a16="http://schemas.microsoft.com/office/drawing/2014/main" id="{7D88053C-DFC9-44D9-B435-D3E7D8DFAAA2}"/>
+                <a16:creationId xmlns:a16="http://schemas.microsoft.com/office/drawing/2014/main" id="{E470BBB9-94BA-40DE-BA70-D46ED3197296}"/>
               </a:ext>
             </a:extLst>
           </p:cNvPr>
@@ -11026,14 +11137,53 @@
           <a:bodyPr/>
           <a:lstStyle/>
           <a:p>
-            <a:endParaRPr lang="en-US"/>
-          </a:p>
-        </p:txBody>
-      </p:sp>
+            <a:r>
+              <a:rPr lang="en-US" dirty="0"/>
+              <a:t>Schema</a:t>
+            </a:r>
+          </a:p>
+        </p:txBody>
+      </p:sp>
+      <p:pic>
+        <p:nvPicPr>
+          <p:cNvPr id="6" name="Picture 5" descr="A screenshot of a cell phone&#10;&#10;Description automatically generated">
+            <a:extLst>
+              <a:ext uri="{FF2B5EF4-FFF2-40B4-BE49-F238E27FC236}">
+                <a16:creationId xmlns:a16="http://schemas.microsoft.com/office/drawing/2014/main" id="{AC3AAD95-CC2E-4B7B-AD4B-D397145205E9}"/>
+              </a:ext>
+            </a:extLst>
+          </p:cNvPr>
+          <p:cNvPicPr>
+            <a:picLocks noChangeAspect="1"/>
+          </p:cNvPicPr>
+          <p:nvPr/>
+        </p:nvPicPr>
+        <p:blipFill>
+          <a:blip r:embed="rId2">
+            <a:extLst>
+              <a:ext uri="{28A0092B-C50C-407E-A947-70E740481C1C}">
+                <a14:useLocalDpi xmlns:a14="http://schemas.microsoft.com/office/drawing/2010/main" val="0"/>
+              </a:ext>
+            </a:extLst>
+          </a:blip>
+          <a:stretch>
+            <a:fillRect/>
+          </a:stretch>
+        </p:blipFill>
+        <p:spPr>
+          <a:xfrm>
+            <a:off x="5710973" y="1405369"/>
+            <a:ext cx="4782217" cy="5191850"/>
+          </a:xfrm>
+          <a:prstGeom prst="rect">
+            <a:avLst/>
+          </a:prstGeom>
+        </p:spPr>
+      </p:pic>
     </p:spTree>
     <p:extLst>
       <p:ext uri="{BB962C8B-B14F-4D97-AF65-F5344CB8AC3E}">
-        <p14:creationId xmlns:p14="http://schemas.microsoft.com/office/powerpoint/2010/main" val="2828238306"/>
+        <p14:creationId xmlns:p14="http://schemas.microsoft.com/office/powerpoint/2010/main" val="1143691709"/>
       </p:ext>
     </p:extLst>
   </p:cSld>
@@ -11065,7 +11215,7 @@
           <p:cNvPr id="2" name="Title 1">
             <a:extLst>
               <a:ext uri="{FF2B5EF4-FFF2-40B4-BE49-F238E27FC236}">
-                <a16:creationId xmlns:a16="http://schemas.microsoft.com/office/drawing/2014/main" id="{B2FC7163-C1B0-45D4-85C8-5C6CE29EDBF0}"/>
+                <a16:creationId xmlns:a16="http://schemas.microsoft.com/office/drawing/2014/main" id="{B4004467-0F6E-46E0-9DBB-22EEB506753D}"/>
               </a:ext>
             </a:extLst>
           </p:cNvPr>
@@ -11083,7 +11233,7 @@
           <a:p>
             <a:r>
               <a:rPr lang="en-US" dirty="0"/>
-              <a:t>Development – Federation</a:t>
+              <a:t>Development – Schema</a:t>
             </a:r>
           </a:p>
         </p:txBody>
@@ -11093,7 +11243,7 @@
           <p:cNvPr id="3" name="Content Placeholder 2">
             <a:extLst>
               <a:ext uri="{FF2B5EF4-FFF2-40B4-BE49-F238E27FC236}">
-                <a16:creationId xmlns:a16="http://schemas.microsoft.com/office/drawing/2014/main" id="{1DEB553E-1021-40AD-B964-83A91E1CB456}"/>
+                <a16:creationId xmlns:a16="http://schemas.microsoft.com/office/drawing/2014/main" id="{055A63D4-53B8-469F-B3AD-3B8DFA4FFAD0}"/>
               </a:ext>
             </a:extLst>
           </p:cNvPr>
@@ -11106,17 +11256,68 @@
         </p:nvSpPr>
         <p:spPr/>
         <p:txBody>
-          <a:bodyPr/>
-          <a:lstStyle/>
-          <a:p>
-            <a:endParaRPr lang="en-US"/>
-          </a:p>
-        </p:txBody>
-      </p:sp>
+          <a:bodyPr anchor="t"/>
+          <a:lstStyle/>
+          <a:p>
+            <a:r>
+              <a:rPr lang="en-US" dirty="0"/>
+              <a:t>Define a structure of a </a:t>
+            </a:r>
+            <a:r>
+              <a:rPr lang="en-US" b="1" dirty="0">
+                <a:solidFill>
+                  <a:srgbClr val="FF0000"/>
+                </a:solidFill>
+              </a:rPr>
+              <a:t>schema</a:t>
+            </a:r>
+            <a:r>
+              <a:rPr lang="en-US" dirty="0"/>
+              <a:t> for users to query.</a:t>
+            </a:r>
+          </a:p>
+        </p:txBody>
+      </p:sp>
+      <p:pic>
+        <p:nvPicPr>
+          <p:cNvPr id="5" name="Picture 4" descr="A screen shot of a computer&#10;&#10;Description automatically generated">
+            <a:extLst>
+              <a:ext uri="{FF2B5EF4-FFF2-40B4-BE49-F238E27FC236}">
+                <a16:creationId xmlns:a16="http://schemas.microsoft.com/office/drawing/2014/main" id="{187121AC-0754-4416-951E-B938C26D0740}"/>
+              </a:ext>
+            </a:extLst>
+          </p:cNvPr>
+          <p:cNvPicPr>
+            <a:picLocks noChangeAspect="1"/>
+          </p:cNvPicPr>
+          <p:nvPr/>
+        </p:nvPicPr>
+        <p:blipFill>
+          <a:blip r:embed="rId2">
+            <a:extLst>
+              <a:ext uri="{28A0092B-C50C-407E-A947-70E740481C1C}">
+                <a14:useLocalDpi xmlns:a14="http://schemas.microsoft.com/office/drawing/2010/main" val="0"/>
+              </a:ext>
+            </a:extLst>
+          </a:blip>
+          <a:stretch>
+            <a:fillRect/>
+          </a:stretch>
+        </p:blipFill>
+        <p:spPr>
+          <a:xfrm>
+            <a:off x="2788076" y="2734781"/>
+            <a:ext cx="6630325" cy="3315163"/>
+          </a:xfrm>
+          <a:prstGeom prst="rect">
+            <a:avLst/>
+          </a:prstGeom>
+        </p:spPr>
+      </p:pic>
     </p:spTree>
     <p:extLst>
       <p:ext uri="{BB962C8B-B14F-4D97-AF65-F5344CB8AC3E}">
-        <p14:creationId xmlns:p14="http://schemas.microsoft.com/office/powerpoint/2010/main" val="2493991099"/>
+        <p14:creationId xmlns:p14="http://schemas.microsoft.com/office/powerpoint/2010/main" val="3690168289"/>
       </p:ext>
     </p:extLst>
   </p:cSld>
@@ -11148,7 +11349,7 @@
           <p:cNvPr id="2" name="Title 1">
             <a:extLst>
               <a:ext uri="{FF2B5EF4-FFF2-40B4-BE49-F238E27FC236}">
-                <a16:creationId xmlns:a16="http://schemas.microsoft.com/office/drawing/2014/main" id="{2681AC72-4DE4-41DD-8F5F-B3078EBA7CC7}"/>
+                <a16:creationId xmlns:a16="http://schemas.microsoft.com/office/drawing/2014/main" id="{8E364E23-935E-4C3D-8845-A30E054D2148}"/>
               </a:ext>
             </a:extLst>
           </p:cNvPr>
@@ -11166,7 +11367,7 @@
           <a:p>
             <a:r>
               <a:rPr lang="en-US" dirty="0"/>
-              <a:t>Development – Testing</a:t>
+              <a:t>Development – Data</a:t>
             </a:r>
           </a:p>
         </p:txBody>
@@ -11176,7 +11377,7 @@
           <p:cNvPr id="3" name="Content Placeholder 2">
             <a:extLst>
               <a:ext uri="{FF2B5EF4-FFF2-40B4-BE49-F238E27FC236}">
-                <a16:creationId xmlns:a16="http://schemas.microsoft.com/office/drawing/2014/main" id="{837A7E9D-A65B-4683-A930-C834B19726A4}"/>
+                <a16:creationId xmlns:a16="http://schemas.microsoft.com/office/drawing/2014/main" id="{7D88053C-DFC9-44D9-B435-D3E7D8DFAAA2}"/>
               </a:ext>
             </a:extLst>
           </p:cNvPr>
@@ -11189,17 +11390,71 @@
         </p:nvSpPr>
         <p:spPr/>
         <p:txBody>
-          <a:bodyPr/>
-          <a:lstStyle/>
-          <a:p>
-            <a:endParaRPr lang="en-US"/>
-          </a:p>
-        </p:txBody>
-      </p:sp>
+          <a:bodyPr anchor="t"/>
+          <a:lstStyle/>
+          <a:p>
+            <a:r>
+              <a:rPr lang="en-US" dirty="0"/>
+              <a:t>Has a </a:t>
+            </a:r>
+            <a:r>
+              <a:rPr lang="en-US" b="1" dirty="0">
+                <a:solidFill>
+                  <a:srgbClr val="FF0000"/>
+                </a:solidFill>
+              </a:rPr>
+              <a:t>resolver</a:t>
+            </a:r>
+            <a:r>
+              <a:rPr lang="en-US" dirty="0"/>
+              <a:t> to map functions from schema to actions in the services.</a:t>
+            </a:r>
+          </a:p>
+          <a:p>
+            <a:endParaRPr lang="en-US" dirty="0"/>
+          </a:p>
+        </p:txBody>
+      </p:sp>
+      <p:pic>
+        <p:nvPicPr>
+          <p:cNvPr id="5" name="Picture 4" descr="A screenshot of a cell phone&#10;&#10;Description automatically generated">
+            <a:extLst>
+              <a:ext uri="{FF2B5EF4-FFF2-40B4-BE49-F238E27FC236}">
+                <a16:creationId xmlns:a16="http://schemas.microsoft.com/office/drawing/2014/main" id="{7B50022D-9213-4652-B655-99067BB18629}"/>
+              </a:ext>
+            </a:extLst>
+          </p:cNvPr>
+          <p:cNvPicPr>
+            <a:picLocks noChangeAspect="1"/>
+          </p:cNvPicPr>
+          <p:nvPr/>
+        </p:nvPicPr>
+        <p:blipFill>
+          <a:blip r:embed="rId2">
+            <a:extLst>
+              <a:ext uri="{28A0092B-C50C-407E-A947-70E740481C1C}">
+                <a14:useLocalDpi xmlns:a14="http://schemas.microsoft.com/office/drawing/2010/main" val="0"/>
+              </a:ext>
+            </a:extLst>
+          </a:blip>
+          <a:stretch>
+            <a:fillRect/>
+          </a:stretch>
+        </p:blipFill>
+        <p:spPr>
+          <a:xfrm>
+            <a:off x="3681075" y="2949244"/>
+            <a:ext cx="4829849" cy="3267531"/>
+          </a:xfrm>
+          <a:prstGeom prst="rect">
+            <a:avLst/>
+          </a:prstGeom>
+        </p:spPr>
+      </p:pic>
     </p:spTree>
     <p:extLst>
       <p:ext uri="{BB962C8B-B14F-4D97-AF65-F5344CB8AC3E}">
-        <p14:creationId xmlns:p14="http://schemas.microsoft.com/office/powerpoint/2010/main" val="1976016434"/>
+        <p14:creationId xmlns:p14="http://schemas.microsoft.com/office/powerpoint/2010/main" val="2828238306"/>
       </p:ext>
     </p:extLst>
   </p:cSld>
@@ -11231,7 +11486,7 @@
           <p:cNvPr id="2" name="Title 1">
             <a:extLst>
               <a:ext uri="{FF2B5EF4-FFF2-40B4-BE49-F238E27FC236}">
-                <a16:creationId xmlns:a16="http://schemas.microsoft.com/office/drawing/2014/main" id="{A0E6B26E-2CF5-4D3B-9BBE-FA0A43A888FE}"/>
+                <a16:creationId xmlns:a16="http://schemas.microsoft.com/office/drawing/2014/main" id="{8E364E23-935E-4C3D-8845-A30E054D2148}"/>
               </a:ext>
             </a:extLst>
           </p:cNvPr>
@@ -11247,22 +11502,48 @@
           <a:bodyPr/>
           <a:lstStyle/>
           <a:p>
-            <a:pPr algn="ctr"/>
-            <a:r>
-              <a:rPr lang="en-US" dirty="0">
-                <a:solidFill>
-                  <a:srgbClr val="FFFF00"/>
-                </a:solidFill>
-              </a:rPr>
-              <a:t>PRODUCTION</a:t>
-            </a:r>
+            <a:r>
+              <a:rPr lang="en-US" dirty="0"/>
+              <a:t>Development – Data</a:t>
+            </a:r>
+          </a:p>
+        </p:txBody>
+      </p:sp>
+      <p:sp>
+        <p:nvSpPr>
+          <p:cNvPr id="3" name="Content Placeholder 2">
+            <a:extLst>
+              <a:ext uri="{FF2B5EF4-FFF2-40B4-BE49-F238E27FC236}">
+                <a16:creationId xmlns:a16="http://schemas.microsoft.com/office/drawing/2014/main" id="{7D88053C-DFC9-44D9-B435-D3E7D8DFAAA2}"/>
+              </a:ext>
+            </a:extLst>
+          </p:cNvPr>
+          <p:cNvSpPr>
+            <a:spLocks noGrp="1"/>
+          </p:cNvSpPr>
+          <p:nvPr>
+            <p:ph idx="1"/>
+          </p:nvPr>
+        </p:nvSpPr>
+        <p:spPr/>
+        <p:txBody>
+          <a:bodyPr anchor="t"/>
+          <a:lstStyle/>
+          <a:p>
+            <a:r>
+              <a:rPr lang="en-US" dirty="0"/>
+              <a:t>Has a data-source rest for retrieving data from a REST service.</a:t>
+            </a:r>
+          </a:p>
+          <a:p>
+            <a:endParaRPr lang="en-US" dirty="0"/>
           </a:p>
         </p:txBody>
       </p:sp>
     </p:spTree>
     <p:extLst>
       <p:ext uri="{BB962C8B-B14F-4D97-AF65-F5344CB8AC3E}">
-        <p14:creationId xmlns:p14="http://schemas.microsoft.com/office/powerpoint/2010/main" val="4200618044"/>
+        <p14:creationId xmlns:p14="http://schemas.microsoft.com/office/powerpoint/2010/main" val="3202992669"/>
       </p:ext>
     </p:extLst>
   </p:cSld>
@@ -11294,7 +11575,7 @@
           <p:cNvPr id="2" name="Title 1">
             <a:extLst>
               <a:ext uri="{FF2B5EF4-FFF2-40B4-BE49-F238E27FC236}">
-                <a16:creationId xmlns:a16="http://schemas.microsoft.com/office/drawing/2014/main" id="{14911C8A-A21C-4810-9420-08C0381CED1C}"/>
+                <a16:creationId xmlns:a16="http://schemas.microsoft.com/office/drawing/2014/main" id="{8E364E23-935E-4C3D-8845-A30E054D2148}"/>
               </a:ext>
             </a:extLst>
           </p:cNvPr>
@@ -11312,7 +11593,7 @@
           <a:p>
             <a:r>
               <a:rPr lang="en-US" dirty="0"/>
-              <a:t>Production – Performance</a:t>
+              <a:t>Development – Data</a:t>
             </a:r>
           </a:p>
         </p:txBody>
@@ -11322,7 +11603,7 @@
           <p:cNvPr id="3" name="Content Placeholder 2">
             <a:extLst>
               <a:ext uri="{FF2B5EF4-FFF2-40B4-BE49-F238E27FC236}">
-                <a16:creationId xmlns:a16="http://schemas.microsoft.com/office/drawing/2014/main" id="{D08705A5-1AA7-428F-ABFB-3A7AAD68976C}"/>
+                <a16:creationId xmlns:a16="http://schemas.microsoft.com/office/drawing/2014/main" id="{7D88053C-DFC9-44D9-B435-D3E7D8DFAAA2}"/>
               </a:ext>
             </a:extLst>
           </p:cNvPr>
@@ -11335,17 +11616,20 @@
         </p:nvSpPr>
         <p:spPr/>
         <p:txBody>
-          <a:bodyPr/>
-          <a:lstStyle/>
-          <a:p>
-            <a:endParaRPr lang="en-US"/>
+          <a:bodyPr anchor="t"/>
+          <a:lstStyle/>
+          <a:p>
+            <a:r>
+              <a:rPr lang="en-US" dirty="0"/>
+              <a:t>Handles errors in / out of the resolvers</a:t>
+            </a:r>
           </a:p>
         </p:txBody>
       </p:sp>
     </p:spTree>
     <p:extLst>
       <p:ext uri="{BB962C8B-B14F-4D97-AF65-F5344CB8AC3E}">
-        <p14:creationId xmlns:p14="http://schemas.microsoft.com/office/powerpoint/2010/main" val="3353568046"/>
+        <p14:creationId xmlns:p14="http://schemas.microsoft.com/office/powerpoint/2010/main" val="466985072"/>
       </p:ext>
     </p:extLst>
   </p:cSld>
@@ -11377,7 +11661,7 @@
           <p:cNvPr id="2" name="Title 1">
             <a:extLst>
               <a:ext uri="{FF2B5EF4-FFF2-40B4-BE49-F238E27FC236}">
-                <a16:creationId xmlns:a16="http://schemas.microsoft.com/office/drawing/2014/main" id="{48A575CE-15E7-4979-8E90-EBEC7D2FC246}"/>
+                <a16:creationId xmlns:a16="http://schemas.microsoft.com/office/drawing/2014/main" id="{8E364E23-935E-4C3D-8845-A30E054D2148}"/>
               </a:ext>
             </a:extLst>
           </p:cNvPr>
@@ -11395,7 +11679,7 @@
           <a:p>
             <a:r>
               <a:rPr lang="en-US" dirty="0"/>
-              <a:t>Production – Security</a:t>
+              <a:t>Development – Data</a:t>
             </a:r>
           </a:p>
         </p:txBody>
@@ -11405,7 +11689,7 @@
           <p:cNvPr id="3" name="Content Placeholder 2">
             <a:extLst>
               <a:ext uri="{FF2B5EF4-FFF2-40B4-BE49-F238E27FC236}">
-                <a16:creationId xmlns:a16="http://schemas.microsoft.com/office/drawing/2014/main" id="{D59D7E32-9DBF-404E-9B00-A9A0A0FB9FA8}"/>
+                <a16:creationId xmlns:a16="http://schemas.microsoft.com/office/drawing/2014/main" id="{7D88053C-DFC9-44D9-B435-D3E7D8DFAAA2}"/>
               </a:ext>
             </a:extLst>
           </p:cNvPr>
@@ -11418,17 +11702,20 @@
         </p:nvSpPr>
         <p:spPr/>
         <p:txBody>
-          <a:bodyPr/>
-          <a:lstStyle/>
-          <a:p>
-            <a:endParaRPr lang="en-US"/>
+          <a:bodyPr anchor="t"/>
+          <a:lstStyle/>
+          <a:p>
+            <a:r>
+              <a:rPr lang="en-US" dirty="0"/>
+              <a:t>Uploads files</a:t>
+            </a:r>
           </a:p>
         </p:txBody>
       </p:sp>
     </p:spTree>
     <p:extLst>
       <p:ext uri="{BB962C8B-B14F-4D97-AF65-F5344CB8AC3E}">
-        <p14:creationId xmlns:p14="http://schemas.microsoft.com/office/powerpoint/2010/main" val="1658671457"/>
+        <p14:creationId xmlns:p14="http://schemas.microsoft.com/office/powerpoint/2010/main" val="772454378"/>
       </p:ext>
     </p:extLst>
   </p:cSld>
@@ -11460,7 +11747,7 @@
           <p:cNvPr id="2" name="Title 1">
             <a:extLst>
               <a:ext uri="{FF2B5EF4-FFF2-40B4-BE49-F238E27FC236}">
-                <a16:creationId xmlns:a16="http://schemas.microsoft.com/office/drawing/2014/main" id="{454E7A1F-8172-4C97-8F3D-0CF7DE4AF7C5}"/>
+                <a16:creationId xmlns:a16="http://schemas.microsoft.com/office/drawing/2014/main" id="{8E364E23-935E-4C3D-8845-A30E054D2148}"/>
               </a:ext>
             </a:extLst>
           </p:cNvPr>
@@ -11478,7 +11765,7 @@
           <a:p>
             <a:r>
               <a:rPr lang="en-US" dirty="0"/>
-              <a:t>Production – Integration</a:t>
+              <a:t>Development – Data</a:t>
             </a:r>
           </a:p>
         </p:txBody>
@@ -11488,7 +11775,7 @@
           <p:cNvPr id="3" name="Content Placeholder 2">
             <a:extLst>
               <a:ext uri="{FF2B5EF4-FFF2-40B4-BE49-F238E27FC236}">
-                <a16:creationId xmlns:a16="http://schemas.microsoft.com/office/drawing/2014/main" id="{96911F6A-793F-4AB8-A2DC-0FBE9C33105F}"/>
+                <a16:creationId xmlns:a16="http://schemas.microsoft.com/office/drawing/2014/main" id="{7D88053C-DFC9-44D9-B435-D3E7D8DFAAA2}"/>
               </a:ext>
             </a:extLst>
           </p:cNvPr>
@@ -11501,17 +11788,20 @@
         </p:nvSpPr>
         <p:spPr/>
         <p:txBody>
-          <a:bodyPr/>
-          <a:lstStyle/>
-          <a:p>
-            <a:endParaRPr lang="en-US"/>
+          <a:bodyPr anchor="t"/>
+          <a:lstStyle/>
+          <a:p>
+            <a:r>
+              <a:rPr lang="en-US" dirty="0"/>
+              <a:t>Subscriptions (notify event from the server to clients)</a:t>
+            </a:r>
           </a:p>
         </p:txBody>
       </p:sp>
     </p:spTree>
     <p:extLst>
       <p:ext uri="{BB962C8B-B14F-4D97-AF65-F5344CB8AC3E}">
-        <p14:creationId xmlns:p14="http://schemas.microsoft.com/office/powerpoint/2010/main" val="4190549591"/>
+        <p14:creationId xmlns:p14="http://schemas.microsoft.com/office/powerpoint/2010/main" val="1277952499"/>
       </p:ext>
     </p:extLst>
   </p:cSld>
@@ -11543,7 +11833,7 @@
           <p:cNvPr id="2" name="Title 1">
             <a:extLst>
               <a:ext uri="{FF2B5EF4-FFF2-40B4-BE49-F238E27FC236}">
-                <a16:creationId xmlns:a16="http://schemas.microsoft.com/office/drawing/2014/main" id="{35C22CD1-C1C5-4644-87BD-77B74AB22A4D}"/>
+                <a16:creationId xmlns:a16="http://schemas.microsoft.com/office/drawing/2014/main" id="{B2FC7163-C1B0-45D4-85C8-5C6CE29EDBF0}"/>
               </a:ext>
             </a:extLst>
           </p:cNvPr>
@@ -11561,7 +11851,7 @@
           <a:p>
             <a:r>
               <a:rPr lang="en-US" dirty="0"/>
-              <a:t>Production – Deployment</a:t>
+              <a:t>Development – Federation</a:t>
             </a:r>
           </a:p>
         </p:txBody>
@@ -11571,7 +11861,7 @@
           <p:cNvPr id="3" name="Content Placeholder 2">
             <a:extLst>
               <a:ext uri="{FF2B5EF4-FFF2-40B4-BE49-F238E27FC236}">
-                <a16:creationId xmlns:a16="http://schemas.microsoft.com/office/drawing/2014/main" id="{3CD0DD2C-228B-4281-9175-C7890F6671E9}"/>
+                <a16:creationId xmlns:a16="http://schemas.microsoft.com/office/drawing/2014/main" id="{1DEB553E-1021-40AD-B964-83A91E1CB456}"/>
               </a:ext>
             </a:extLst>
           </p:cNvPr>
@@ -11594,7 +11884,7 @@
     </p:spTree>
     <p:extLst>
       <p:ext uri="{BB962C8B-B14F-4D97-AF65-F5344CB8AC3E}">
-        <p14:creationId xmlns:p14="http://schemas.microsoft.com/office/powerpoint/2010/main" val="3497693328"/>
+        <p14:creationId xmlns:p14="http://schemas.microsoft.com/office/powerpoint/2010/main" val="2493991099"/>
       </p:ext>
     </p:extLst>
   </p:cSld>
@@ -11623,10 +11913,10 @@
       </p:grpSpPr>
       <p:sp>
         <p:nvSpPr>
-          <p:cNvPr id="4" name="Title 3">
+          <p:cNvPr id="2" name="Title 1">
             <a:extLst>
               <a:ext uri="{FF2B5EF4-FFF2-40B4-BE49-F238E27FC236}">
-                <a16:creationId xmlns:a16="http://schemas.microsoft.com/office/drawing/2014/main" id="{AE6FE9D2-9C7E-497C-90C4-E6199C7CA3CD}"/>
+                <a16:creationId xmlns:a16="http://schemas.microsoft.com/office/drawing/2014/main" id="{2681AC72-4DE4-41DD-8F5F-B3078EBA7CC7}"/>
               </a:ext>
             </a:extLst>
           </p:cNvPr>
@@ -11642,18 +11932,42 @@
           <a:bodyPr/>
           <a:lstStyle/>
           <a:p>
-            <a:pPr algn="ctr"/>
             <a:r>
               <a:rPr lang="en-US" dirty="0"/>
-              <a:t>END</a:t>
-            </a:r>
+              <a:t>Development – Testing</a:t>
+            </a:r>
+          </a:p>
+        </p:txBody>
+      </p:sp>
+      <p:sp>
+        <p:nvSpPr>
+          <p:cNvPr id="3" name="Content Placeholder 2">
+            <a:extLst>
+              <a:ext uri="{FF2B5EF4-FFF2-40B4-BE49-F238E27FC236}">
+                <a16:creationId xmlns:a16="http://schemas.microsoft.com/office/drawing/2014/main" id="{837A7E9D-A65B-4683-A930-C834B19726A4}"/>
+              </a:ext>
+            </a:extLst>
+          </p:cNvPr>
+          <p:cNvSpPr>
+            <a:spLocks noGrp="1"/>
+          </p:cNvSpPr>
+          <p:nvPr>
+            <p:ph idx="1"/>
+          </p:nvPr>
+        </p:nvSpPr>
+        <p:spPr/>
+        <p:txBody>
+          <a:bodyPr/>
+          <a:lstStyle/>
+          <a:p>
+            <a:endParaRPr lang="en-US"/>
           </a:p>
         </p:txBody>
       </p:sp>
     </p:spTree>
     <p:extLst>
       <p:ext uri="{BB962C8B-B14F-4D97-AF65-F5344CB8AC3E}">
-        <p14:creationId xmlns:p14="http://schemas.microsoft.com/office/powerpoint/2010/main" val="557842199"/>
+        <p14:creationId xmlns:p14="http://schemas.microsoft.com/office/powerpoint/2010/main" val="1976016434"/>
       </p:ext>
     </p:extLst>
   </p:cSld>
@@ -11817,7 +12131,7 @@
           <p:nvPr>
             <p:extLst>
               <p:ext uri="{D42A27DB-BD31-4B8C-83A1-F6EECF244321}">
-                <p14:modId xmlns:p14="http://schemas.microsoft.com/office/powerpoint/2010/main" val="3484179573"/>
+                <p14:modId xmlns:p14="http://schemas.microsoft.com/office/powerpoint/2010/main" val="1456091476"/>
               </p:ext>
             </p:extLst>
           </p:nvPr>
@@ -11864,6 +12178,460 @@
       </p:grpSpPr>
       <p:sp>
         <p:nvSpPr>
+          <p:cNvPr id="2" name="Title 1">
+            <a:extLst>
+              <a:ext uri="{FF2B5EF4-FFF2-40B4-BE49-F238E27FC236}">
+                <a16:creationId xmlns:a16="http://schemas.microsoft.com/office/drawing/2014/main" id="{A0E6B26E-2CF5-4D3B-9BBE-FA0A43A888FE}"/>
+              </a:ext>
+            </a:extLst>
+          </p:cNvPr>
+          <p:cNvSpPr>
+            <a:spLocks noGrp="1"/>
+          </p:cNvSpPr>
+          <p:nvPr>
+            <p:ph type="title"/>
+          </p:nvPr>
+        </p:nvSpPr>
+        <p:spPr/>
+        <p:txBody>
+          <a:bodyPr/>
+          <a:lstStyle/>
+          <a:p>
+            <a:pPr algn="ctr"/>
+            <a:r>
+              <a:rPr lang="en-US" dirty="0">
+                <a:solidFill>
+                  <a:srgbClr val="FFFF00"/>
+                </a:solidFill>
+              </a:rPr>
+              <a:t>PRODUCTION</a:t>
+            </a:r>
+          </a:p>
+        </p:txBody>
+      </p:sp>
+    </p:spTree>
+    <p:extLst>
+      <p:ext uri="{BB962C8B-B14F-4D97-AF65-F5344CB8AC3E}">
+        <p14:creationId xmlns:p14="http://schemas.microsoft.com/office/powerpoint/2010/main" val="4200618044"/>
+      </p:ext>
+    </p:extLst>
+  </p:cSld>
+  <p:clrMapOvr>
+    <a:masterClrMapping/>
+  </p:clrMapOvr>
+</p:sld>
+</file>
+
+<file path=ppt/slides/slide21.xml><?xml version="1.0" encoding="utf-8"?>
+<p:sld xmlns:a="http://schemas.openxmlformats.org/drawingml/2006/main" xmlns:r="http://schemas.openxmlformats.org/officeDocument/2006/relationships" xmlns:p="http://schemas.openxmlformats.org/presentationml/2006/main">
+  <p:cSld>
+    <p:spTree>
+      <p:nvGrpSpPr>
+        <p:cNvPr id="1" name=""/>
+        <p:cNvGrpSpPr/>
+        <p:nvPr/>
+      </p:nvGrpSpPr>
+      <p:grpSpPr>
+        <a:xfrm>
+          <a:off x="0" y="0"/>
+          <a:ext cx="0" cy="0"/>
+          <a:chOff x="0" y="0"/>
+          <a:chExt cx="0" cy="0"/>
+        </a:xfrm>
+      </p:grpSpPr>
+      <p:sp>
+        <p:nvSpPr>
+          <p:cNvPr id="2" name="Title 1">
+            <a:extLst>
+              <a:ext uri="{FF2B5EF4-FFF2-40B4-BE49-F238E27FC236}">
+                <a16:creationId xmlns:a16="http://schemas.microsoft.com/office/drawing/2014/main" id="{14911C8A-A21C-4810-9420-08C0381CED1C}"/>
+              </a:ext>
+            </a:extLst>
+          </p:cNvPr>
+          <p:cNvSpPr>
+            <a:spLocks noGrp="1"/>
+          </p:cNvSpPr>
+          <p:nvPr>
+            <p:ph type="title"/>
+          </p:nvPr>
+        </p:nvSpPr>
+        <p:spPr/>
+        <p:txBody>
+          <a:bodyPr/>
+          <a:lstStyle/>
+          <a:p>
+            <a:r>
+              <a:rPr lang="en-US" dirty="0"/>
+              <a:t>Production – Performance</a:t>
+            </a:r>
+          </a:p>
+        </p:txBody>
+      </p:sp>
+      <p:sp>
+        <p:nvSpPr>
+          <p:cNvPr id="3" name="Content Placeholder 2">
+            <a:extLst>
+              <a:ext uri="{FF2B5EF4-FFF2-40B4-BE49-F238E27FC236}">
+                <a16:creationId xmlns:a16="http://schemas.microsoft.com/office/drawing/2014/main" id="{D08705A5-1AA7-428F-ABFB-3A7AAD68976C}"/>
+              </a:ext>
+            </a:extLst>
+          </p:cNvPr>
+          <p:cNvSpPr>
+            <a:spLocks noGrp="1"/>
+          </p:cNvSpPr>
+          <p:nvPr>
+            <p:ph idx="1"/>
+          </p:nvPr>
+        </p:nvSpPr>
+        <p:spPr/>
+        <p:txBody>
+          <a:bodyPr/>
+          <a:lstStyle/>
+          <a:p>
+            <a:endParaRPr lang="en-US"/>
+          </a:p>
+        </p:txBody>
+      </p:sp>
+    </p:spTree>
+    <p:extLst>
+      <p:ext uri="{BB962C8B-B14F-4D97-AF65-F5344CB8AC3E}">
+        <p14:creationId xmlns:p14="http://schemas.microsoft.com/office/powerpoint/2010/main" val="3353568046"/>
+      </p:ext>
+    </p:extLst>
+  </p:cSld>
+  <p:clrMapOvr>
+    <a:masterClrMapping/>
+  </p:clrMapOvr>
+</p:sld>
+</file>
+
+<file path=ppt/slides/slide22.xml><?xml version="1.0" encoding="utf-8"?>
+<p:sld xmlns:a="http://schemas.openxmlformats.org/drawingml/2006/main" xmlns:r="http://schemas.openxmlformats.org/officeDocument/2006/relationships" xmlns:p="http://schemas.openxmlformats.org/presentationml/2006/main">
+  <p:cSld>
+    <p:spTree>
+      <p:nvGrpSpPr>
+        <p:cNvPr id="1" name=""/>
+        <p:cNvGrpSpPr/>
+        <p:nvPr/>
+      </p:nvGrpSpPr>
+      <p:grpSpPr>
+        <a:xfrm>
+          <a:off x="0" y="0"/>
+          <a:ext cx="0" cy="0"/>
+          <a:chOff x="0" y="0"/>
+          <a:chExt cx="0" cy="0"/>
+        </a:xfrm>
+      </p:grpSpPr>
+      <p:sp>
+        <p:nvSpPr>
+          <p:cNvPr id="2" name="Title 1">
+            <a:extLst>
+              <a:ext uri="{FF2B5EF4-FFF2-40B4-BE49-F238E27FC236}">
+                <a16:creationId xmlns:a16="http://schemas.microsoft.com/office/drawing/2014/main" id="{48A575CE-15E7-4979-8E90-EBEC7D2FC246}"/>
+              </a:ext>
+            </a:extLst>
+          </p:cNvPr>
+          <p:cNvSpPr>
+            <a:spLocks noGrp="1"/>
+          </p:cNvSpPr>
+          <p:nvPr>
+            <p:ph type="title"/>
+          </p:nvPr>
+        </p:nvSpPr>
+        <p:spPr/>
+        <p:txBody>
+          <a:bodyPr/>
+          <a:lstStyle/>
+          <a:p>
+            <a:r>
+              <a:rPr lang="en-US" dirty="0"/>
+              <a:t>Production – Security</a:t>
+            </a:r>
+          </a:p>
+        </p:txBody>
+      </p:sp>
+      <p:sp>
+        <p:nvSpPr>
+          <p:cNvPr id="3" name="Content Placeholder 2">
+            <a:extLst>
+              <a:ext uri="{FF2B5EF4-FFF2-40B4-BE49-F238E27FC236}">
+                <a16:creationId xmlns:a16="http://schemas.microsoft.com/office/drawing/2014/main" id="{D59D7E32-9DBF-404E-9B00-A9A0A0FB9FA8}"/>
+              </a:ext>
+            </a:extLst>
+          </p:cNvPr>
+          <p:cNvSpPr>
+            <a:spLocks noGrp="1"/>
+          </p:cNvSpPr>
+          <p:nvPr>
+            <p:ph idx="1"/>
+          </p:nvPr>
+        </p:nvSpPr>
+        <p:spPr/>
+        <p:txBody>
+          <a:bodyPr/>
+          <a:lstStyle/>
+          <a:p>
+            <a:endParaRPr lang="en-US"/>
+          </a:p>
+        </p:txBody>
+      </p:sp>
+    </p:spTree>
+    <p:extLst>
+      <p:ext uri="{BB962C8B-B14F-4D97-AF65-F5344CB8AC3E}">
+        <p14:creationId xmlns:p14="http://schemas.microsoft.com/office/powerpoint/2010/main" val="1658671457"/>
+      </p:ext>
+    </p:extLst>
+  </p:cSld>
+  <p:clrMapOvr>
+    <a:masterClrMapping/>
+  </p:clrMapOvr>
+</p:sld>
+</file>
+
+<file path=ppt/slides/slide23.xml><?xml version="1.0" encoding="utf-8"?>
+<p:sld xmlns:a="http://schemas.openxmlformats.org/drawingml/2006/main" xmlns:r="http://schemas.openxmlformats.org/officeDocument/2006/relationships" xmlns:p="http://schemas.openxmlformats.org/presentationml/2006/main">
+  <p:cSld>
+    <p:spTree>
+      <p:nvGrpSpPr>
+        <p:cNvPr id="1" name=""/>
+        <p:cNvGrpSpPr/>
+        <p:nvPr/>
+      </p:nvGrpSpPr>
+      <p:grpSpPr>
+        <a:xfrm>
+          <a:off x="0" y="0"/>
+          <a:ext cx="0" cy="0"/>
+          <a:chOff x="0" y="0"/>
+          <a:chExt cx="0" cy="0"/>
+        </a:xfrm>
+      </p:grpSpPr>
+      <p:sp>
+        <p:nvSpPr>
+          <p:cNvPr id="2" name="Title 1">
+            <a:extLst>
+              <a:ext uri="{FF2B5EF4-FFF2-40B4-BE49-F238E27FC236}">
+                <a16:creationId xmlns:a16="http://schemas.microsoft.com/office/drawing/2014/main" id="{454E7A1F-8172-4C97-8F3D-0CF7DE4AF7C5}"/>
+              </a:ext>
+            </a:extLst>
+          </p:cNvPr>
+          <p:cNvSpPr>
+            <a:spLocks noGrp="1"/>
+          </p:cNvSpPr>
+          <p:nvPr>
+            <p:ph type="title"/>
+          </p:nvPr>
+        </p:nvSpPr>
+        <p:spPr/>
+        <p:txBody>
+          <a:bodyPr/>
+          <a:lstStyle/>
+          <a:p>
+            <a:r>
+              <a:rPr lang="en-US" dirty="0"/>
+              <a:t>Production – Integration</a:t>
+            </a:r>
+          </a:p>
+        </p:txBody>
+      </p:sp>
+      <p:sp>
+        <p:nvSpPr>
+          <p:cNvPr id="3" name="Content Placeholder 2">
+            <a:extLst>
+              <a:ext uri="{FF2B5EF4-FFF2-40B4-BE49-F238E27FC236}">
+                <a16:creationId xmlns:a16="http://schemas.microsoft.com/office/drawing/2014/main" id="{96911F6A-793F-4AB8-A2DC-0FBE9C33105F}"/>
+              </a:ext>
+            </a:extLst>
+          </p:cNvPr>
+          <p:cNvSpPr>
+            <a:spLocks noGrp="1"/>
+          </p:cNvSpPr>
+          <p:nvPr>
+            <p:ph idx="1"/>
+          </p:nvPr>
+        </p:nvSpPr>
+        <p:spPr/>
+        <p:txBody>
+          <a:bodyPr/>
+          <a:lstStyle/>
+          <a:p>
+            <a:endParaRPr lang="en-US"/>
+          </a:p>
+        </p:txBody>
+      </p:sp>
+    </p:spTree>
+    <p:extLst>
+      <p:ext uri="{BB962C8B-B14F-4D97-AF65-F5344CB8AC3E}">
+        <p14:creationId xmlns:p14="http://schemas.microsoft.com/office/powerpoint/2010/main" val="4190549591"/>
+      </p:ext>
+    </p:extLst>
+  </p:cSld>
+  <p:clrMapOvr>
+    <a:masterClrMapping/>
+  </p:clrMapOvr>
+</p:sld>
+</file>
+
+<file path=ppt/slides/slide24.xml><?xml version="1.0" encoding="utf-8"?>
+<p:sld xmlns:a="http://schemas.openxmlformats.org/drawingml/2006/main" xmlns:r="http://schemas.openxmlformats.org/officeDocument/2006/relationships" xmlns:p="http://schemas.openxmlformats.org/presentationml/2006/main">
+  <p:cSld>
+    <p:spTree>
+      <p:nvGrpSpPr>
+        <p:cNvPr id="1" name=""/>
+        <p:cNvGrpSpPr/>
+        <p:nvPr/>
+      </p:nvGrpSpPr>
+      <p:grpSpPr>
+        <a:xfrm>
+          <a:off x="0" y="0"/>
+          <a:ext cx="0" cy="0"/>
+          <a:chOff x="0" y="0"/>
+          <a:chExt cx="0" cy="0"/>
+        </a:xfrm>
+      </p:grpSpPr>
+      <p:sp>
+        <p:nvSpPr>
+          <p:cNvPr id="2" name="Title 1">
+            <a:extLst>
+              <a:ext uri="{FF2B5EF4-FFF2-40B4-BE49-F238E27FC236}">
+                <a16:creationId xmlns:a16="http://schemas.microsoft.com/office/drawing/2014/main" id="{35C22CD1-C1C5-4644-87BD-77B74AB22A4D}"/>
+              </a:ext>
+            </a:extLst>
+          </p:cNvPr>
+          <p:cNvSpPr>
+            <a:spLocks noGrp="1"/>
+          </p:cNvSpPr>
+          <p:nvPr>
+            <p:ph type="title"/>
+          </p:nvPr>
+        </p:nvSpPr>
+        <p:spPr/>
+        <p:txBody>
+          <a:bodyPr/>
+          <a:lstStyle/>
+          <a:p>
+            <a:r>
+              <a:rPr lang="en-US" dirty="0"/>
+              <a:t>Production – Deployment</a:t>
+            </a:r>
+          </a:p>
+        </p:txBody>
+      </p:sp>
+      <p:sp>
+        <p:nvSpPr>
+          <p:cNvPr id="3" name="Content Placeholder 2">
+            <a:extLst>
+              <a:ext uri="{FF2B5EF4-FFF2-40B4-BE49-F238E27FC236}">
+                <a16:creationId xmlns:a16="http://schemas.microsoft.com/office/drawing/2014/main" id="{3CD0DD2C-228B-4281-9175-C7890F6671E9}"/>
+              </a:ext>
+            </a:extLst>
+          </p:cNvPr>
+          <p:cNvSpPr>
+            <a:spLocks noGrp="1"/>
+          </p:cNvSpPr>
+          <p:nvPr>
+            <p:ph idx="1"/>
+          </p:nvPr>
+        </p:nvSpPr>
+        <p:spPr/>
+        <p:txBody>
+          <a:bodyPr/>
+          <a:lstStyle/>
+          <a:p>
+            <a:endParaRPr lang="en-US"/>
+          </a:p>
+        </p:txBody>
+      </p:sp>
+    </p:spTree>
+    <p:extLst>
+      <p:ext uri="{BB962C8B-B14F-4D97-AF65-F5344CB8AC3E}">
+        <p14:creationId xmlns:p14="http://schemas.microsoft.com/office/powerpoint/2010/main" val="3497693328"/>
+      </p:ext>
+    </p:extLst>
+  </p:cSld>
+  <p:clrMapOvr>
+    <a:masterClrMapping/>
+  </p:clrMapOvr>
+</p:sld>
+</file>
+
+<file path=ppt/slides/slide25.xml><?xml version="1.0" encoding="utf-8"?>
+<p:sld xmlns:a="http://schemas.openxmlformats.org/drawingml/2006/main" xmlns:r="http://schemas.openxmlformats.org/officeDocument/2006/relationships" xmlns:p="http://schemas.openxmlformats.org/presentationml/2006/main">
+  <p:cSld>
+    <p:spTree>
+      <p:nvGrpSpPr>
+        <p:cNvPr id="1" name=""/>
+        <p:cNvGrpSpPr/>
+        <p:nvPr/>
+      </p:nvGrpSpPr>
+      <p:grpSpPr>
+        <a:xfrm>
+          <a:off x="0" y="0"/>
+          <a:ext cx="0" cy="0"/>
+          <a:chOff x="0" y="0"/>
+          <a:chExt cx="0" cy="0"/>
+        </a:xfrm>
+      </p:grpSpPr>
+      <p:sp>
+        <p:nvSpPr>
+          <p:cNvPr id="4" name="Title 3">
+            <a:extLst>
+              <a:ext uri="{FF2B5EF4-FFF2-40B4-BE49-F238E27FC236}">
+                <a16:creationId xmlns:a16="http://schemas.microsoft.com/office/drawing/2014/main" id="{AE6FE9D2-9C7E-497C-90C4-E6199C7CA3CD}"/>
+              </a:ext>
+            </a:extLst>
+          </p:cNvPr>
+          <p:cNvSpPr>
+            <a:spLocks noGrp="1"/>
+          </p:cNvSpPr>
+          <p:nvPr>
+            <p:ph type="title"/>
+          </p:nvPr>
+        </p:nvSpPr>
+        <p:spPr/>
+        <p:txBody>
+          <a:bodyPr/>
+          <a:lstStyle/>
+          <a:p>
+            <a:pPr algn="ctr"/>
+            <a:r>
+              <a:rPr lang="en-US" dirty="0"/>
+              <a:t>END</a:t>
+            </a:r>
+          </a:p>
+        </p:txBody>
+      </p:sp>
+    </p:spTree>
+    <p:extLst>
+      <p:ext uri="{BB962C8B-B14F-4D97-AF65-F5344CB8AC3E}">
+        <p14:creationId xmlns:p14="http://schemas.microsoft.com/office/powerpoint/2010/main" val="557842199"/>
+      </p:ext>
+    </p:extLst>
+  </p:cSld>
+  <p:clrMapOvr>
+    <a:masterClrMapping/>
+  </p:clrMapOvr>
+</p:sld>
+</file>
+
+<file path=ppt/slides/slide26.xml><?xml version="1.0" encoding="utf-8"?>
+<p:sld xmlns:a="http://schemas.openxmlformats.org/drawingml/2006/main" xmlns:r="http://schemas.openxmlformats.org/officeDocument/2006/relationships" xmlns:p="http://schemas.openxmlformats.org/presentationml/2006/main">
+  <p:cSld>
+    <p:spTree>
+      <p:nvGrpSpPr>
+        <p:cNvPr id="1" name=""/>
+        <p:cNvGrpSpPr/>
+        <p:nvPr/>
+      </p:nvGrpSpPr>
+      <p:grpSpPr>
+        <a:xfrm>
+          <a:off x="0" y="0"/>
+          <a:ext cx="0" cy="0"/>
+          <a:chOff x="0" y="0"/>
+          <a:chExt cx="0" cy="0"/>
+        </a:xfrm>
+      </p:grpSpPr>
+      <p:sp>
+        <p:nvSpPr>
           <p:cNvPr id="4" name="Title 3">
             <a:extLst>
               <a:ext uri="{FF2B5EF4-FFF2-40B4-BE49-F238E27FC236}">
@@ -11904,7 +12672,7 @@
 </p:sld>
 </file>
 
-<file path=ppt/slides/slide21.xml><?xml version="1.0" encoding="utf-8"?>
+<file path=ppt/slides/slide27.xml><?xml version="1.0" encoding="utf-8"?>
 <p:sld xmlns:a="http://schemas.openxmlformats.org/drawingml/2006/main" xmlns:r="http://schemas.openxmlformats.org/officeDocument/2006/relationships" xmlns:p="http://schemas.openxmlformats.org/presentationml/2006/main">
   <p:cSld>
     <p:spTree>
@@ -12428,7 +13196,7 @@
 </p:sld>
 </file>
 
-<file path=ppt/slides/slide22.xml><?xml version="1.0" encoding="utf-8"?>
+<file path=ppt/slides/slide28.xml><?xml version="1.0" encoding="utf-8"?>
 <p:sld xmlns:a="http://schemas.openxmlformats.org/drawingml/2006/main" xmlns:r="http://schemas.openxmlformats.org/officeDocument/2006/relationships" xmlns:p="http://schemas.openxmlformats.org/presentationml/2006/main">
   <p:cSld>
     <p:spTree>
@@ -12593,7 +13361,7 @@
           <p:cNvPr id="2" name="Title 1">
             <a:extLst>
               <a:ext uri="{FF2B5EF4-FFF2-40B4-BE49-F238E27FC236}">
-                <a16:creationId xmlns:a16="http://schemas.microsoft.com/office/drawing/2014/main" id="{EDD775A8-DA02-4243-9A46-74AC7DD0A695}"/>
+                <a16:creationId xmlns:a16="http://schemas.microsoft.com/office/drawing/2014/main" id="{22278C5B-8F21-4C3E-9B5E-AA9BB9E511C2}"/>
               </a:ext>
             </a:extLst>
           </p:cNvPr>
@@ -12611,52 +13379,120 @@
           <a:p>
             <a:r>
               <a:rPr lang="en-US" dirty="0"/>
-              <a:t>Start – Sample Application</a:t>
-            </a:r>
-          </a:p>
-        </p:txBody>
-      </p:sp>
-      <p:pic>
-        <p:nvPicPr>
-          <p:cNvPr id="5" name="Content Placeholder 4" descr="A screenshot of a cell phone&#10;&#10;Description automatically generated">
+              <a:t>Start – Structure</a:t>
+            </a:r>
+          </a:p>
+        </p:txBody>
+      </p:sp>
+      <p:sp>
+        <p:nvSpPr>
+          <p:cNvPr id="3" name="Rectangle 2">
             <a:extLst>
               <a:ext uri="{FF2B5EF4-FFF2-40B4-BE49-F238E27FC236}">
-                <a16:creationId xmlns:a16="http://schemas.microsoft.com/office/drawing/2014/main" id="{81E75CA2-71A8-48B9-BB8C-85B27C90185A}"/>
+                <a16:creationId xmlns:a16="http://schemas.microsoft.com/office/drawing/2014/main" id="{708D598D-4309-493D-9C2D-2C259FBF6CEF}"/>
               </a:ext>
             </a:extLst>
           </p:cNvPr>
-          <p:cNvPicPr>
-            <a:picLocks noGrp="1" noChangeAspect="1"/>
-          </p:cNvPicPr>
-          <p:nvPr>
-            <p:ph idx="1"/>
-          </p:nvPr>
-        </p:nvPicPr>
-        <p:blipFill>
-          <a:blip r:embed="rId2">
+          <p:cNvSpPr/>
+          <p:nvPr/>
+        </p:nvSpPr>
+        <p:spPr>
+          <a:xfrm>
+            <a:off x="1473683" y="3059884"/>
+            <a:ext cx="1283516" cy="738231"/>
+          </a:xfrm>
+          <a:prstGeom prst="rect">
+            <a:avLst/>
+          </a:prstGeom>
+        </p:spPr>
+        <p:style>
+          <a:lnRef idx="2">
+            <a:schemeClr val="accent3">
+              <a:shade val="50000"/>
+            </a:schemeClr>
+          </a:lnRef>
+          <a:fillRef idx="1">
+            <a:schemeClr val="accent3"/>
+          </a:fillRef>
+          <a:effectRef idx="0">
+            <a:schemeClr val="accent3"/>
+          </a:effectRef>
+          <a:fontRef idx="minor">
+            <a:schemeClr val="lt1"/>
+          </a:fontRef>
+        </p:style>
+        <p:txBody>
+          <a:bodyPr rtlCol="0" anchor="ctr"/>
+          <a:lstStyle/>
+          <a:p>
+            <a:pPr algn="ctr"/>
+            <a:r>
+              <a:rPr lang="en-US" dirty="0"/>
+              <a:t>Client App</a:t>
+            </a:r>
+          </a:p>
+        </p:txBody>
+      </p:sp>
+      <p:sp>
+        <p:nvSpPr>
+          <p:cNvPr id="4" name="Rectangle: Rounded Corners 3">
             <a:extLst>
-              <a:ext uri="{28A0092B-C50C-407E-A947-70E740481C1C}">
-                <a14:useLocalDpi xmlns:a14="http://schemas.microsoft.com/office/drawing/2010/main" val="0"/>
+              <a:ext uri="{FF2B5EF4-FFF2-40B4-BE49-F238E27FC236}">
+                <a16:creationId xmlns:a16="http://schemas.microsoft.com/office/drawing/2014/main" id="{FEC27127-5228-4149-AE06-E5F788419057}"/>
               </a:ext>
             </a:extLst>
-          </a:blip>
-          <a:stretch>
-            <a:fillRect/>
-          </a:stretch>
-        </p:blipFill>
+          </p:cNvPr>
+          <p:cNvSpPr/>
+          <p:nvPr/>
+        </p:nvSpPr>
         <p:spPr>
           <a:xfrm>
-            <a:off x="1308682" y="1357707"/>
-            <a:ext cx="4068661" cy="5415490"/>
+            <a:off x="4186106" y="1885285"/>
+            <a:ext cx="6384033" cy="4164659"/>
           </a:xfrm>
+          <a:prstGeom prst="roundRect">
+            <a:avLst/>
+          </a:prstGeom>
+          <a:noFill/>
+          <a:ln w="9525" cap="flat" cmpd="sng" algn="ctr">
+            <a:solidFill>
+              <a:schemeClr val="accent4"/>
+            </a:solidFill>
+            <a:prstDash val="dash"/>
+            <a:round/>
+            <a:headEnd type="none" w="med" len="med"/>
+            <a:tailEnd type="none" w="med" len="med"/>
+          </a:ln>
         </p:spPr>
-      </p:pic>
-      <p:sp>
-        <p:nvSpPr>
-          <p:cNvPr id="6" name="TextBox 5">
+        <p:style>
+          <a:lnRef idx="0">
+            <a:scrgbClr r="0" g="0" b="0"/>
+          </a:lnRef>
+          <a:fillRef idx="0">
+            <a:scrgbClr r="0" g="0" b="0"/>
+          </a:fillRef>
+          <a:effectRef idx="0">
+            <a:scrgbClr r="0" g="0" b="0"/>
+          </a:effectRef>
+          <a:fontRef idx="minor">
+            <a:schemeClr val="accent4"/>
+          </a:fontRef>
+        </p:style>
+        <p:txBody>
+          <a:bodyPr rtlCol="0" anchor="ctr"/>
+          <a:lstStyle/>
+          <a:p>
+            <a:pPr algn="ctr"/>
+            <a:endParaRPr lang="en-US"/>
+          </a:p>
+        </p:txBody>
+      </p:sp>
+      <p:sp>
+        <p:nvSpPr>
+          <p:cNvPr id="5" name="TextBox 4">
             <a:extLst>
               <a:ext uri="{FF2B5EF4-FFF2-40B4-BE49-F238E27FC236}">
-                <a16:creationId xmlns:a16="http://schemas.microsoft.com/office/drawing/2014/main" id="{ACC4B95C-A950-40DE-9C48-245DA436CA9D}"/>
+                <a16:creationId xmlns:a16="http://schemas.microsoft.com/office/drawing/2014/main" id="{AD533495-D88C-4683-A29E-1E01D58DC5D8}"/>
               </a:ext>
             </a:extLst>
           </p:cNvPr>
@@ -12665,8 +13501,8 @@
         </p:nvSpPr>
         <p:spPr>
           <a:xfrm>
-            <a:off x="6375633" y="1885285"/>
-            <a:ext cx="4194506" cy="923330"/>
+            <a:off x="4827864" y="1967272"/>
+            <a:ext cx="1685077" cy="369332"/>
           </a:xfrm>
           <a:prstGeom prst="rect">
             <a:avLst/>
@@ -12674,29 +13510,843 @@
           <a:noFill/>
         </p:spPr>
         <p:txBody>
-          <a:bodyPr wrap="square" rtlCol="0">
+          <a:bodyPr wrap="none" rtlCol="0">
             <a:spAutoFit/>
           </a:bodyPr>
           <a:lstStyle/>
           <a:p>
             <a:r>
               <a:rPr lang="en-US" dirty="0"/>
+              <a:t>Apollo Servers</a:t>
+            </a:r>
+          </a:p>
+        </p:txBody>
+      </p:sp>
+      <p:sp>
+        <p:nvSpPr>
+          <p:cNvPr id="6" name="Rectangle 5">
+            <a:extLst>
+              <a:ext uri="{FF2B5EF4-FFF2-40B4-BE49-F238E27FC236}">
+                <a16:creationId xmlns:a16="http://schemas.microsoft.com/office/drawing/2014/main" id="{4AF49385-BCD8-4780-9D41-8CB23F7738E2}"/>
+              </a:ext>
+            </a:extLst>
+          </p:cNvPr>
+          <p:cNvSpPr/>
+          <p:nvPr/>
+        </p:nvSpPr>
+        <p:spPr>
+          <a:xfrm>
+            <a:off x="4186106" y="3059884"/>
+            <a:ext cx="1283516" cy="738231"/>
+          </a:xfrm>
+          <a:prstGeom prst="rect">
+            <a:avLst/>
+          </a:prstGeom>
+        </p:spPr>
+        <p:style>
+          <a:lnRef idx="1">
+            <a:schemeClr val="dk1"/>
+          </a:lnRef>
+          <a:fillRef idx="2">
+            <a:schemeClr val="dk1"/>
+          </a:fillRef>
+          <a:effectRef idx="1">
+            <a:schemeClr val="dk1"/>
+          </a:effectRef>
+          <a:fontRef idx="minor">
+            <a:schemeClr val="dk1"/>
+          </a:fontRef>
+        </p:style>
+        <p:txBody>
+          <a:bodyPr rtlCol="0" anchor="ctr"/>
+          <a:lstStyle/>
+          <a:p>
+            <a:pPr algn="ctr"/>
+            <a:r>
+              <a:rPr lang="en-US" dirty="0"/>
+              <a:t>Gateway</a:t>
+            </a:r>
+          </a:p>
+        </p:txBody>
+      </p:sp>
+      <p:sp>
+        <p:nvSpPr>
+          <p:cNvPr id="7" name="TextBox 6">
+            <a:extLst>
+              <a:ext uri="{FF2B5EF4-FFF2-40B4-BE49-F238E27FC236}">
+                <a16:creationId xmlns:a16="http://schemas.microsoft.com/office/drawing/2014/main" id="{924530CB-D2E8-46C8-ACD1-F07B3538B9C8}"/>
+              </a:ext>
+            </a:extLst>
+          </p:cNvPr>
+          <p:cNvSpPr txBox="1"/>
+          <p:nvPr/>
+        </p:nvSpPr>
+        <p:spPr>
+          <a:xfrm>
+            <a:off x="1970050" y="6256593"/>
+            <a:ext cx="6455678" cy="369332"/>
+          </a:xfrm>
+          <a:prstGeom prst="rect">
+            <a:avLst/>
+          </a:prstGeom>
+          <a:noFill/>
+        </p:spPr>
+        <p:txBody>
+          <a:bodyPr wrap="none" rtlCol="0">
+            <a:spAutoFit/>
+          </a:bodyPr>
+          <a:lstStyle/>
+          <a:p>
+            <a:r>
+              <a:rPr lang="en-US" dirty="0"/>
               <a:t>Reference: </a:t>
             </a:r>
             <a:r>
               <a:rPr lang="en-US" dirty="0">
-                <a:hlinkClick r:id="rId3"/>
+                <a:hlinkClick r:id="rId2"/>
               </a:rPr>
-              <a:t>https://www.apollographql.com/docs/apollo-server/getting-started/</a:t>
+              <a:t>https://www.apollographql.com/docs/apollo-server</a:t>
             </a:r>
             <a:endParaRPr lang="en-US" dirty="0"/>
           </a:p>
         </p:txBody>
       </p:sp>
+      <p:sp>
+        <p:nvSpPr>
+          <p:cNvPr id="8" name="Rectangle 7">
+            <a:extLst>
+              <a:ext uri="{FF2B5EF4-FFF2-40B4-BE49-F238E27FC236}">
+                <a16:creationId xmlns:a16="http://schemas.microsoft.com/office/drawing/2014/main" id="{D889FC16-5C6C-4536-BBC5-3E05788A8D03}"/>
+              </a:ext>
+            </a:extLst>
+          </p:cNvPr>
+          <p:cNvSpPr/>
+          <p:nvPr/>
+        </p:nvSpPr>
+        <p:spPr>
+          <a:xfrm>
+            <a:off x="6722380" y="4990204"/>
+            <a:ext cx="1283516" cy="738231"/>
+          </a:xfrm>
+          <a:prstGeom prst="rect">
+            <a:avLst/>
+          </a:prstGeom>
+        </p:spPr>
+        <p:style>
+          <a:lnRef idx="2">
+            <a:schemeClr val="accent2">
+              <a:shade val="50000"/>
+            </a:schemeClr>
+          </a:lnRef>
+          <a:fillRef idx="1">
+            <a:schemeClr val="accent2"/>
+          </a:fillRef>
+          <a:effectRef idx="0">
+            <a:schemeClr val="accent2"/>
+          </a:effectRef>
+          <a:fontRef idx="minor">
+            <a:schemeClr val="lt1"/>
+          </a:fontRef>
+        </p:style>
+        <p:txBody>
+          <a:bodyPr rtlCol="0" anchor="ctr"/>
+          <a:lstStyle/>
+          <a:p>
+            <a:pPr algn="ctr"/>
+            <a:r>
+              <a:rPr lang="en-US" dirty="0"/>
+              <a:t>Service B</a:t>
+            </a:r>
+          </a:p>
+        </p:txBody>
+      </p:sp>
+      <p:sp>
+        <p:nvSpPr>
+          <p:cNvPr id="12" name="Rectangle 11">
+            <a:extLst>
+              <a:ext uri="{FF2B5EF4-FFF2-40B4-BE49-F238E27FC236}">
+                <a16:creationId xmlns:a16="http://schemas.microsoft.com/office/drawing/2014/main" id="{1F78351B-472A-4C86-856B-C0F829D0DF36}"/>
+              </a:ext>
+            </a:extLst>
+          </p:cNvPr>
+          <p:cNvSpPr/>
+          <p:nvPr/>
+        </p:nvSpPr>
+        <p:spPr>
+          <a:xfrm>
+            <a:off x="6722380" y="2543253"/>
+            <a:ext cx="3499569" cy="2125442"/>
+          </a:xfrm>
+          <a:prstGeom prst="rect">
+            <a:avLst/>
+          </a:prstGeom>
+          <a:noFill/>
+        </p:spPr>
+        <p:style>
+          <a:lnRef idx="2">
+            <a:schemeClr val="accent2">
+              <a:shade val="50000"/>
+            </a:schemeClr>
+          </a:lnRef>
+          <a:fillRef idx="1">
+            <a:schemeClr val="accent2"/>
+          </a:fillRef>
+          <a:effectRef idx="0">
+            <a:schemeClr val="accent2"/>
+          </a:effectRef>
+          <a:fontRef idx="minor">
+            <a:schemeClr val="lt1"/>
+          </a:fontRef>
+        </p:style>
+        <p:txBody>
+          <a:bodyPr rtlCol="0" anchor="ctr"/>
+          <a:lstStyle/>
+          <a:p>
+            <a:pPr algn="ctr"/>
+            <a:endParaRPr lang="en-US" dirty="0"/>
+          </a:p>
+        </p:txBody>
+      </p:sp>
+      <p:sp>
+        <p:nvSpPr>
+          <p:cNvPr id="13" name="TextBox 12">
+            <a:extLst>
+              <a:ext uri="{FF2B5EF4-FFF2-40B4-BE49-F238E27FC236}">
+                <a16:creationId xmlns:a16="http://schemas.microsoft.com/office/drawing/2014/main" id="{EE20F1C3-E9E4-4C47-B690-F316BB90BCB7}"/>
+              </a:ext>
+            </a:extLst>
+          </p:cNvPr>
+          <p:cNvSpPr txBox="1"/>
+          <p:nvPr/>
+        </p:nvSpPr>
+        <p:spPr>
+          <a:xfrm>
+            <a:off x="6695323" y="2543253"/>
+            <a:ext cx="1159356" cy="369332"/>
+          </a:xfrm>
+          <a:prstGeom prst="rect">
+            <a:avLst/>
+          </a:prstGeom>
+          <a:noFill/>
+        </p:spPr>
+        <p:txBody>
+          <a:bodyPr wrap="none" rtlCol="0">
+            <a:spAutoFit/>
+          </a:bodyPr>
+          <a:lstStyle/>
+          <a:p>
+            <a:r>
+              <a:rPr lang="en-US" dirty="0"/>
+              <a:t>Service A</a:t>
+            </a:r>
+          </a:p>
+        </p:txBody>
+      </p:sp>
+      <p:cxnSp>
+        <p:nvCxnSpPr>
+          <p:cNvPr id="15" name="Straight Arrow Connector 14">
+            <a:extLst>
+              <a:ext uri="{FF2B5EF4-FFF2-40B4-BE49-F238E27FC236}">
+                <a16:creationId xmlns:a16="http://schemas.microsoft.com/office/drawing/2014/main" id="{F0A5B546-547A-4CE7-B6E6-FEB8D2DCD726}"/>
+              </a:ext>
+            </a:extLst>
+          </p:cNvPr>
+          <p:cNvCxnSpPr>
+            <a:stCxn id="3" idx="3"/>
+            <a:endCxn id="6" idx="1"/>
+          </p:cNvCxnSpPr>
+          <p:nvPr/>
+        </p:nvCxnSpPr>
+        <p:spPr>
+          <a:xfrm>
+            <a:off x="2757199" y="3429000"/>
+            <a:ext cx="1428907" cy="0"/>
+          </a:xfrm>
+          <a:prstGeom prst="straightConnector1">
+            <a:avLst/>
+          </a:prstGeom>
+          <a:ln w="38100">
+            <a:solidFill>
+              <a:srgbClr val="FFFF00"/>
+            </a:solidFill>
+            <a:headEnd type="triangle"/>
+            <a:tailEnd type="triangle"/>
+          </a:ln>
+        </p:spPr>
+        <p:style>
+          <a:lnRef idx="1">
+            <a:schemeClr val="dk1"/>
+          </a:lnRef>
+          <a:fillRef idx="0">
+            <a:schemeClr val="dk1"/>
+          </a:fillRef>
+          <a:effectRef idx="0">
+            <a:schemeClr val="dk1"/>
+          </a:effectRef>
+          <a:fontRef idx="minor">
+            <a:schemeClr val="tx1"/>
+          </a:fontRef>
+        </p:style>
+      </p:cxnSp>
+      <p:cxnSp>
+        <p:nvCxnSpPr>
+          <p:cNvPr id="17" name="Straight Arrow Connector 16">
+            <a:extLst>
+              <a:ext uri="{FF2B5EF4-FFF2-40B4-BE49-F238E27FC236}">
+                <a16:creationId xmlns:a16="http://schemas.microsoft.com/office/drawing/2014/main" id="{4DED436D-5FAC-43EE-A59E-40167817DDA9}"/>
+              </a:ext>
+            </a:extLst>
+          </p:cNvPr>
+          <p:cNvCxnSpPr>
+            <a:cxnSpLocks/>
+            <a:stCxn id="6" idx="3"/>
+            <a:endCxn id="12" idx="1"/>
+          </p:cNvCxnSpPr>
+          <p:nvPr/>
+        </p:nvCxnSpPr>
+        <p:spPr>
+          <a:xfrm>
+            <a:off x="5469622" y="3429000"/>
+            <a:ext cx="1252758" cy="176974"/>
+          </a:xfrm>
+          <a:prstGeom prst="straightConnector1">
+            <a:avLst/>
+          </a:prstGeom>
+          <a:ln w="38100">
+            <a:solidFill>
+              <a:srgbClr val="FFFF00"/>
+            </a:solidFill>
+            <a:headEnd type="triangle"/>
+            <a:tailEnd type="triangle"/>
+          </a:ln>
+        </p:spPr>
+        <p:style>
+          <a:lnRef idx="1">
+            <a:schemeClr val="dk1"/>
+          </a:lnRef>
+          <a:fillRef idx="0">
+            <a:schemeClr val="dk1"/>
+          </a:fillRef>
+          <a:effectRef idx="0">
+            <a:schemeClr val="dk1"/>
+          </a:effectRef>
+          <a:fontRef idx="minor">
+            <a:schemeClr val="tx1"/>
+          </a:fontRef>
+        </p:style>
+      </p:cxnSp>
+      <p:cxnSp>
+        <p:nvCxnSpPr>
+          <p:cNvPr id="20" name="Straight Arrow Connector 19">
+            <a:extLst>
+              <a:ext uri="{FF2B5EF4-FFF2-40B4-BE49-F238E27FC236}">
+                <a16:creationId xmlns:a16="http://schemas.microsoft.com/office/drawing/2014/main" id="{9776876B-5765-4E80-9DC0-8F2683F24723}"/>
+              </a:ext>
+            </a:extLst>
+          </p:cNvPr>
+          <p:cNvCxnSpPr>
+            <a:cxnSpLocks/>
+            <a:stCxn id="6" idx="2"/>
+            <a:endCxn id="8" idx="1"/>
+          </p:cNvCxnSpPr>
+          <p:nvPr/>
+        </p:nvCxnSpPr>
+        <p:spPr>
+          <a:xfrm>
+            <a:off x="4827864" y="3798115"/>
+            <a:ext cx="1894516" cy="1561205"/>
+          </a:xfrm>
+          <a:prstGeom prst="straightConnector1">
+            <a:avLst/>
+          </a:prstGeom>
+          <a:ln w="38100">
+            <a:solidFill>
+              <a:srgbClr val="FFFF00"/>
+            </a:solidFill>
+            <a:headEnd type="triangle"/>
+            <a:tailEnd type="triangle"/>
+          </a:ln>
+        </p:spPr>
+        <p:style>
+          <a:lnRef idx="1">
+            <a:schemeClr val="dk1"/>
+          </a:lnRef>
+          <a:fillRef idx="0">
+            <a:schemeClr val="dk1"/>
+          </a:fillRef>
+          <a:effectRef idx="0">
+            <a:schemeClr val="dk1"/>
+          </a:effectRef>
+          <a:fontRef idx="minor">
+            <a:schemeClr val="tx1"/>
+          </a:fontRef>
+        </p:style>
+      </p:cxnSp>
+      <p:cxnSp>
+        <p:nvCxnSpPr>
+          <p:cNvPr id="23" name="Straight Arrow Connector 22">
+            <a:extLst>
+              <a:ext uri="{FF2B5EF4-FFF2-40B4-BE49-F238E27FC236}">
+                <a16:creationId xmlns:a16="http://schemas.microsoft.com/office/drawing/2014/main" id="{4DFA773C-6DB7-46C6-955A-41D05F51E5A0}"/>
+              </a:ext>
+            </a:extLst>
+          </p:cNvPr>
+          <p:cNvCxnSpPr>
+            <a:cxnSpLocks/>
+            <a:stCxn id="6" idx="2"/>
+            <a:endCxn id="26" idx="0"/>
+          </p:cNvCxnSpPr>
+          <p:nvPr/>
+        </p:nvCxnSpPr>
+        <p:spPr>
+          <a:xfrm>
+            <a:off x="4827864" y="3798115"/>
+            <a:ext cx="444365" cy="1583188"/>
+          </a:xfrm>
+          <a:prstGeom prst="straightConnector1">
+            <a:avLst/>
+          </a:prstGeom>
+          <a:ln w="38100">
+            <a:solidFill>
+              <a:srgbClr val="FFFF00"/>
+            </a:solidFill>
+            <a:headEnd type="triangle"/>
+            <a:tailEnd type="triangle"/>
+          </a:ln>
+        </p:spPr>
+        <p:style>
+          <a:lnRef idx="1">
+            <a:schemeClr val="dk1"/>
+          </a:lnRef>
+          <a:fillRef idx="0">
+            <a:schemeClr val="dk1"/>
+          </a:fillRef>
+          <a:effectRef idx="0">
+            <a:schemeClr val="dk1"/>
+          </a:effectRef>
+          <a:fontRef idx="minor">
+            <a:schemeClr val="tx1"/>
+          </a:fontRef>
+        </p:style>
+      </p:cxnSp>
+      <p:sp>
+        <p:nvSpPr>
+          <p:cNvPr id="26" name="TextBox 25">
+            <a:extLst>
+              <a:ext uri="{FF2B5EF4-FFF2-40B4-BE49-F238E27FC236}">
+                <a16:creationId xmlns:a16="http://schemas.microsoft.com/office/drawing/2014/main" id="{1F09FD36-C4B7-47D5-BF9F-FB020B8DFD51}"/>
+              </a:ext>
+            </a:extLst>
+          </p:cNvPr>
+          <p:cNvSpPr txBox="1"/>
+          <p:nvPr/>
+        </p:nvSpPr>
+        <p:spPr>
+          <a:xfrm>
+            <a:off x="4609227" y="5381303"/>
+            <a:ext cx="1326004" cy="369332"/>
+          </a:xfrm>
+          <a:prstGeom prst="rect">
+            <a:avLst/>
+          </a:prstGeom>
+          <a:noFill/>
+        </p:spPr>
+        <p:txBody>
+          <a:bodyPr wrap="none" rtlCol="0">
+            <a:spAutoFit/>
+          </a:bodyPr>
+          <a:lstStyle/>
+          <a:p>
+            <a:r>
+              <a:rPr lang="en-US" dirty="0"/>
+              <a:t>… services</a:t>
+            </a:r>
+          </a:p>
+        </p:txBody>
+      </p:sp>
+      <p:sp>
+        <p:nvSpPr>
+          <p:cNvPr id="9" name="Diamond 8">
+            <a:extLst>
+              <a:ext uri="{FF2B5EF4-FFF2-40B4-BE49-F238E27FC236}">
+                <a16:creationId xmlns:a16="http://schemas.microsoft.com/office/drawing/2014/main" id="{D997621E-3EDA-4576-84FA-54AF359B16C6}"/>
+              </a:ext>
+            </a:extLst>
+          </p:cNvPr>
+          <p:cNvSpPr/>
+          <p:nvPr/>
+        </p:nvSpPr>
+        <p:spPr>
+          <a:xfrm>
+            <a:off x="8425728" y="3026296"/>
+            <a:ext cx="1159356" cy="1159356"/>
+          </a:xfrm>
+          <a:prstGeom prst="diamond">
+            <a:avLst/>
+          </a:prstGeom>
+        </p:spPr>
+        <p:style>
+          <a:lnRef idx="2">
+            <a:schemeClr val="accent1">
+              <a:shade val="50000"/>
+            </a:schemeClr>
+          </a:lnRef>
+          <a:fillRef idx="1">
+            <a:schemeClr val="accent1"/>
+          </a:fillRef>
+          <a:effectRef idx="0">
+            <a:schemeClr val="accent1"/>
+          </a:effectRef>
+          <a:fontRef idx="minor">
+            <a:schemeClr val="lt1"/>
+          </a:fontRef>
+        </p:style>
+        <p:txBody>
+          <a:bodyPr rtlCol="0" anchor="ctr"/>
+          <a:lstStyle/>
+          <a:p>
+            <a:pPr algn="ctr"/>
+            <a:r>
+              <a:rPr lang="en-US" sz="1050" dirty="0"/>
+              <a:t>Apollo Server</a:t>
+            </a:r>
+          </a:p>
+        </p:txBody>
+      </p:sp>
+      <p:sp>
+        <p:nvSpPr>
+          <p:cNvPr id="10" name="TextBox 9">
+            <a:extLst>
+              <a:ext uri="{FF2B5EF4-FFF2-40B4-BE49-F238E27FC236}">
+                <a16:creationId xmlns:a16="http://schemas.microsoft.com/office/drawing/2014/main" id="{535733C0-7030-4B79-91C2-D56E2D680FEF}"/>
+              </a:ext>
+            </a:extLst>
+          </p:cNvPr>
+          <p:cNvSpPr txBox="1"/>
+          <p:nvPr/>
+        </p:nvSpPr>
+        <p:spPr>
+          <a:xfrm>
+            <a:off x="6890610" y="3372377"/>
+            <a:ext cx="849913" cy="461665"/>
+          </a:xfrm>
+          <a:prstGeom prst="rect">
+            <a:avLst/>
+          </a:prstGeom>
+          <a:noFill/>
+        </p:spPr>
+        <p:txBody>
+          <a:bodyPr wrap="none" rtlCol="0">
+            <a:spAutoFit/>
+          </a:bodyPr>
+          <a:lstStyle/>
+          <a:p>
+            <a:r>
+              <a:rPr lang="en-US" sz="1200" dirty="0" err="1"/>
+              <a:t>typeDefs</a:t>
+            </a:r>
+            <a:br>
+              <a:rPr lang="en-US" sz="1200" dirty="0"/>
+            </a:br>
+            <a:r>
+              <a:rPr lang="en-US" sz="1200" dirty="0"/>
+              <a:t>(Schema)</a:t>
+            </a:r>
+          </a:p>
+        </p:txBody>
+      </p:sp>
+      <p:cxnSp>
+        <p:nvCxnSpPr>
+          <p:cNvPr id="14" name="Straight Arrow Connector 13">
+            <a:extLst>
+              <a:ext uri="{FF2B5EF4-FFF2-40B4-BE49-F238E27FC236}">
+                <a16:creationId xmlns:a16="http://schemas.microsoft.com/office/drawing/2014/main" id="{CFD10C35-8478-494B-8F9D-47A5D013FD19}"/>
+              </a:ext>
+            </a:extLst>
+          </p:cNvPr>
+          <p:cNvCxnSpPr>
+            <a:stCxn id="10" idx="3"/>
+            <a:endCxn id="9" idx="1"/>
+          </p:cNvCxnSpPr>
+          <p:nvPr/>
+        </p:nvCxnSpPr>
+        <p:spPr>
+          <a:xfrm>
+            <a:off x="7740523" y="3603210"/>
+            <a:ext cx="685205" cy="2764"/>
+          </a:xfrm>
+          <a:prstGeom prst="straightConnector1">
+            <a:avLst/>
+          </a:prstGeom>
+          <a:ln w="28575">
+            <a:solidFill>
+              <a:schemeClr val="tx1"/>
+            </a:solidFill>
+            <a:tailEnd type="triangle"/>
+          </a:ln>
+        </p:spPr>
+        <p:style>
+          <a:lnRef idx="1">
+            <a:schemeClr val="accent1"/>
+          </a:lnRef>
+          <a:fillRef idx="0">
+            <a:schemeClr val="accent1"/>
+          </a:fillRef>
+          <a:effectRef idx="0">
+            <a:schemeClr val="accent1"/>
+          </a:effectRef>
+          <a:fontRef idx="minor">
+            <a:schemeClr val="tx1"/>
+          </a:fontRef>
+        </p:style>
+      </p:cxnSp>
+      <p:sp>
+        <p:nvSpPr>
+          <p:cNvPr id="21" name="TextBox 20">
+            <a:extLst>
+              <a:ext uri="{FF2B5EF4-FFF2-40B4-BE49-F238E27FC236}">
+                <a16:creationId xmlns:a16="http://schemas.microsoft.com/office/drawing/2014/main" id="{07341F81-8251-4FEF-B005-C9B680FE2653}"/>
+              </a:ext>
+            </a:extLst>
+          </p:cNvPr>
+          <p:cNvSpPr txBox="1"/>
+          <p:nvPr/>
+        </p:nvSpPr>
+        <p:spPr>
+          <a:xfrm>
+            <a:off x="8474651" y="4391696"/>
+            <a:ext cx="1061509" cy="276999"/>
+          </a:xfrm>
+          <a:prstGeom prst="rect">
+            <a:avLst/>
+          </a:prstGeom>
+          <a:noFill/>
+        </p:spPr>
+        <p:txBody>
+          <a:bodyPr wrap="none" rtlCol="0">
+            <a:spAutoFit/>
+          </a:bodyPr>
+          <a:lstStyle/>
+          <a:p>
+            <a:r>
+              <a:rPr lang="en-US" sz="1200" dirty="0"/>
+              <a:t>configuration</a:t>
+            </a:r>
+          </a:p>
+        </p:txBody>
+      </p:sp>
+      <p:cxnSp>
+        <p:nvCxnSpPr>
+          <p:cNvPr id="22" name="Straight Arrow Connector 21">
+            <a:extLst>
+              <a:ext uri="{FF2B5EF4-FFF2-40B4-BE49-F238E27FC236}">
+                <a16:creationId xmlns:a16="http://schemas.microsoft.com/office/drawing/2014/main" id="{A1913373-8353-4BE4-B2D1-AA72D2443B05}"/>
+              </a:ext>
+            </a:extLst>
+          </p:cNvPr>
+          <p:cNvCxnSpPr>
+            <a:cxnSpLocks/>
+            <a:stCxn id="21" idx="0"/>
+            <a:endCxn id="9" idx="2"/>
+          </p:cNvCxnSpPr>
+          <p:nvPr/>
+        </p:nvCxnSpPr>
+        <p:spPr>
+          <a:xfrm flipV="1">
+            <a:off x="9005406" y="4185652"/>
+            <a:ext cx="0" cy="206044"/>
+          </a:xfrm>
+          <a:prstGeom prst="straightConnector1">
+            <a:avLst/>
+          </a:prstGeom>
+          <a:ln w="28575">
+            <a:solidFill>
+              <a:schemeClr val="tx1"/>
+            </a:solidFill>
+            <a:tailEnd type="triangle"/>
+          </a:ln>
+        </p:spPr>
+        <p:style>
+          <a:lnRef idx="1">
+            <a:schemeClr val="accent1"/>
+          </a:lnRef>
+          <a:fillRef idx="0">
+            <a:schemeClr val="accent1"/>
+          </a:fillRef>
+          <a:effectRef idx="0">
+            <a:schemeClr val="accent1"/>
+          </a:effectRef>
+          <a:fontRef idx="minor">
+            <a:schemeClr val="tx1"/>
+          </a:fontRef>
+        </p:style>
+      </p:cxnSp>
+      <p:sp>
+        <p:nvSpPr>
+          <p:cNvPr id="24" name="TextBox 23">
+            <a:extLst>
+              <a:ext uri="{FF2B5EF4-FFF2-40B4-BE49-F238E27FC236}">
+                <a16:creationId xmlns:a16="http://schemas.microsoft.com/office/drawing/2014/main" id="{A06AFF3E-E69E-43D7-84F8-F0B575825DD7}"/>
+              </a:ext>
+            </a:extLst>
+          </p:cNvPr>
+          <p:cNvSpPr txBox="1"/>
+          <p:nvPr/>
+        </p:nvSpPr>
+        <p:spPr>
+          <a:xfrm>
+            <a:off x="8572433" y="2534430"/>
+            <a:ext cx="865943" cy="276999"/>
+          </a:xfrm>
+          <a:prstGeom prst="rect">
+            <a:avLst/>
+          </a:prstGeom>
+          <a:noFill/>
+        </p:spPr>
+        <p:txBody>
+          <a:bodyPr wrap="none" rtlCol="0">
+            <a:spAutoFit/>
+          </a:bodyPr>
+          <a:lstStyle/>
+          <a:p>
+            <a:r>
+              <a:rPr lang="en-US" sz="1200" dirty="0"/>
+              <a:t>Resolvers</a:t>
+            </a:r>
+          </a:p>
+        </p:txBody>
+      </p:sp>
+      <p:cxnSp>
+        <p:nvCxnSpPr>
+          <p:cNvPr id="25" name="Straight Arrow Connector 24">
+            <a:extLst>
+              <a:ext uri="{FF2B5EF4-FFF2-40B4-BE49-F238E27FC236}">
+                <a16:creationId xmlns:a16="http://schemas.microsoft.com/office/drawing/2014/main" id="{964EFB9F-80C0-4953-BC46-A2FCF928B1D8}"/>
+              </a:ext>
+            </a:extLst>
+          </p:cNvPr>
+          <p:cNvCxnSpPr>
+            <a:cxnSpLocks/>
+            <a:stCxn id="24" idx="2"/>
+            <a:endCxn id="9" idx="0"/>
+          </p:cNvCxnSpPr>
+          <p:nvPr/>
+        </p:nvCxnSpPr>
+        <p:spPr>
+          <a:xfrm>
+            <a:off x="9005405" y="2811429"/>
+            <a:ext cx="1" cy="214867"/>
+          </a:xfrm>
+          <a:prstGeom prst="straightConnector1">
+            <a:avLst/>
+          </a:prstGeom>
+          <a:ln w="28575">
+            <a:solidFill>
+              <a:schemeClr val="tx1"/>
+            </a:solidFill>
+            <a:tailEnd type="triangle"/>
+          </a:ln>
+        </p:spPr>
+        <p:style>
+          <a:lnRef idx="1">
+            <a:schemeClr val="accent1"/>
+          </a:lnRef>
+          <a:fillRef idx="0">
+            <a:schemeClr val="accent1"/>
+          </a:fillRef>
+          <a:effectRef idx="0">
+            <a:schemeClr val="accent1"/>
+          </a:effectRef>
+          <a:fontRef idx="minor">
+            <a:schemeClr val="tx1"/>
+          </a:fontRef>
+        </p:style>
+      </p:cxnSp>
+      <p:sp>
+        <p:nvSpPr>
+          <p:cNvPr id="28" name="TextBox 27">
+            <a:extLst>
+              <a:ext uri="{FF2B5EF4-FFF2-40B4-BE49-F238E27FC236}">
+                <a16:creationId xmlns:a16="http://schemas.microsoft.com/office/drawing/2014/main" id="{B6E648B3-BFE3-47B6-8813-306775EC6B19}"/>
+              </a:ext>
+            </a:extLst>
+          </p:cNvPr>
+          <p:cNvSpPr txBox="1"/>
+          <p:nvPr/>
+        </p:nvSpPr>
+        <p:spPr>
+          <a:xfrm>
+            <a:off x="9883395" y="3473156"/>
+            <a:ext cx="338554" cy="276999"/>
+          </a:xfrm>
+          <a:prstGeom prst="rect">
+            <a:avLst/>
+          </a:prstGeom>
+          <a:noFill/>
+        </p:spPr>
+        <p:txBody>
+          <a:bodyPr wrap="none" rtlCol="0">
+            <a:spAutoFit/>
+          </a:bodyPr>
+          <a:lstStyle/>
+          <a:p>
+            <a:r>
+              <a:rPr lang="en-US" sz="1200" dirty="0"/>
+              <a:t>…</a:t>
+            </a:r>
+          </a:p>
+        </p:txBody>
+      </p:sp>
+      <p:cxnSp>
+        <p:nvCxnSpPr>
+          <p:cNvPr id="29" name="Straight Arrow Connector 28">
+            <a:extLst>
+              <a:ext uri="{FF2B5EF4-FFF2-40B4-BE49-F238E27FC236}">
+                <a16:creationId xmlns:a16="http://schemas.microsoft.com/office/drawing/2014/main" id="{2238A923-DE59-46A6-AAAE-00F2ADDE813D}"/>
+              </a:ext>
+            </a:extLst>
+          </p:cNvPr>
+          <p:cNvCxnSpPr>
+            <a:cxnSpLocks/>
+            <a:stCxn id="28" idx="1"/>
+            <a:endCxn id="9" idx="3"/>
+          </p:cNvCxnSpPr>
+          <p:nvPr/>
+        </p:nvCxnSpPr>
+        <p:spPr>
+          <a:xfrm flipH="1" flipV="1">
+            <a:off x="9585084" y="3605974"/>
+            <a:ext cx="298311" cy="5682"/>
+          </a:xfrm>
+          <a:prstGeom prst="straightConnector1">
+            <a:avLst/>
+          </a:prstGeom>
+          <a:ln w="28575">
+            <a:solidFill>
+              <a:schemeClr val="tx1"/>
+            </a:solidFill>
+            <a:tailEnd type="triangle"/>
+          </a:ln>
+        </p:spPr>
+        <p:style>
+          <a:lnRef idx="1">
+            <a:schemeClr val="accent1"/>
+          </a:lnRef>
+          <a:fillRef idx="0">
+            <a:schemeClr val="accent1"/>
+          </a:fillRef>
+          <a:effectRef idx="0">
+            <a:schemeClr val="accent1"/>
+          </a:effectRef>
+          <a:fontRef idx="minor">
+            <a:schemeClr val="tx1"/>
+          </a:fontRef>
+        </p:style>
+      </p:cxnSp>
     </p:spTree>
     <p:extLst>
       <p:ext uri="{BB962C8B-B14F-4D97-AF65-F5344CB8AC3E}">
-        <p14:creationId xmlns:p14="http://schemas.microsoft.com/office/powerpoint/2010/main" val="268737409"/>
+        <p14:creationId xmlns:p14="http://schemas.microsoft.com/office/powerpoint/2010/main" val="3801718493"/>
       </p:ext>
     </p:extLst>
   </p:cSld>
@@ -12728,7 +14378,7 @@
           <p:cNvPr id="2" name="Title 1">
             <a:extLst>
               <a:ext uri="{FF2B5EF4-FFF2-40B4-BE49-F238E27FC236}">
-                <a16:creationId xmlns:a16="http://schemas.microsoft.com/office/drawing/2014/main" id="{CD941890-C183-4817-85D9-E1A43F86D193}"/>
+                <a16:creationId xmlns:a16="http://schemas.microsoft.com/office/drawing/2014/main" id="{DCC17A8F-0773-4512-BA37-06175CDCF0B3}"/>
               </a:ext>
             </a:extLst>
           </p:cNvPr>
@@ -12746,17 +14396,17 @@
           <a:p>
             <a:r>
               <a:rPr lang="en-US" dirty="0"/>
-              <a:t>Start – Sample Application</a:t>
+              <a:t>Sample gateway implementation in C#</a:t>
             </a:r>
           </a:p>
         </p:txBody>
       </p:sp>
       <p:pic>
         <p:nvPicPr>
-          <p:cNvPr id="5" name="Content Placeholder 4" descr="A screenshot of a computer&#10;&#10;Description automatically generated">
+          <p:cNvPr id="5" name="Content Placeholder 4" descr="A picture containing map, screenshot&#10;&#10;Description automatically generated">
             <a:extLst>
               <a:ext uri="{FF2B5EF4-FFF2-40B4-BE49-F238E27FC236}">
-                <a16:creationId xmlns:a16="http://schemas.microsoft.com/office/drawing/2014/main" id="{AC2DE04D-6D2A-45FA-903A-B3F38D76CF66}"/>
+                <a16:creationId xmlns:a16="http://schemas.microsoft.com/office/drawing/2014/main" id="{FCD1C863-6326-4DAF-8F58-31578145521C}"/>
               </a:ext>
             </a:extLst>
           </p:cNvPr>
@@ -12781,8 +14431,8 @@
         </p:blipFill>
         <p:spPr>
           <a:xfrm>
-            <a:off x="1313679" y="2036641"/>
-            <a:ext cx="7796212" cy="2784717"/>
+            <a:off x="2346199" y="1690688"/>
+            <a:ext cx="7499601" cy="4351338"/>
           </a:xfrm>
         </p:spPr>
       </p:pic>
@@ -12791,7 +14441,7 @@
           <p:cNvPr id="6" name="TextBox 5">
             <a:extLst>
               <a:ext uri="{FF2B5EF4-FFF2-40B4-BE49-F238E27FC236}">
-                <a16:creationId xmlns:a16="http://schemas.microsoft.com/office/drawing/2014/main" id="{AC4CE806-F1BE-4592-A9B5-05A31994A191}"/>
+                <a16:creationId xmlns:a16="http://schemas.microsoft.com/office/drawing/2014/main" id="{2BAE6D20-CCD3-42B9-A4E0-B6CADD677883}"/>
               </a:ext>
             </a:extLst>
           </p:cNvPr>
@@ -12800,8 +14450,8 @@
         </p:nvSpPr>
         <p:spPr>
           <a:xfrm>
-            <a:off x="6375633" y="5588279"/>
-            <a:ext cx="4194506" cy="923330"/>
+            <a:off x="838200" y="6123543"/>
+            <a:ext cx="10515600" cy="646331"/>
           </a:xfrm>
           <a:prstGeom prst="rect">
             <a:avLst/>
@@ -12822,7 +14472,7 @@
               <a:rPr lang="en-US" dirty="0">
                 <a:hlinkClick r:id="rId3"/>
               </a:rPr>
-              <a:t>https://www.apollographql.com/docs/apollo-server/getting-started/</a:t>
+              <a:t>https://docs.microsoft.com/en-us/dotnet/architecture/microservices/architect-microservice-container-applications/direct-client-to-microservice-communication-versus-the-api-gateway-pattern</a:t>
             </a:r>
             <a:endParaRPr lang="en-US" dirty="0"/>
           </a:p>
@@ -12831,7 +14481,7 @@
     </p:spTree>
     <p:extLst>
       <p:ext uri="{BB962C8B-B14F-4D97-AF65-F5344CB8AC3E}">
-        <p14:creationId xmlns:p14="http://schemas.microsoft.com/office/powerpoint/2010/main" val="1869416981"/>
+        <p14:creationId xmlns:p14="http://schemas.microsoft.com/office/powerpoint/2010/main" val="3052537018"/>
       </p:ext>
     </p:extLst>
   </p:cSld>
@@ -12863,7 +14513,7 @@
           <p:cNvPr id="2" name="Title 1">
             <a:extLst>
               <a:ext uri="{FF2B5EF4-FFF2-40B4-BE49-F238E27FC236}">
-                <a16:creationId xmlns:a16="http://schemas.microsoft.com/office/drawing/2014/main" id="{A779199F-C745-4639-A99D-C3B46F7956F2}"/>
+                <a16:creationId xmlns:a16="http://schemas.microsoft.com/office/drawing/2014/main" id="{EDD775A8-DA02-4243-9A46-74AC7DD0A695}"/>
               </a:ext>
             </a:extLst>
           </p:cNvPr>
@@ -12881,61 +14531,92 @@
           <a:p>
             <a:r>
               <a:rPr lang="en-US" dirty="0"/>
-              <a:t>Start – Requirements</a:t>
-            </a:r>
-          </a:p>
-        </p:txBody>
-      </p:sp>
-      <p:sp>
-        <p:nvSpPr>
-          <p:cNvPr id="3" name="Content Placeholder 2">
+              <a:t>Start – Sample Application</a:t>
+            </a:r>
+          </a:p>
+        </p:txBody>
+      </p:sp>
+      <p:pic>
+        <p:nvPicPr>
+          <p:cNvPr id="5" name="Content Placeholder 4" descr="A screenshot of a cell phone&#10;&#10;Description automatically generated">
             <a:extLst>
               <a:ext uri="{FF2B5EF4-FFF2-40B4-BE49-F238E27FC236}">
-                <a16:creationId xmlns:a16="http://schemas.microsoft.com/office/drawing/2014/main" id="{8889FEBC-4F35-4E57-A0D7-B3CA697C42EB}"/>
+                <a16:creationId xmlns:a16="http://schemas.microsoft.com/office/drawing/2014/main" id="{81E75CA2-71A8-48B9-BB8C-85B27C90185A}"/>
               </a:ext>
             </a:extLst>
           </p:cNvPr>
-          <p:cNvSpPr>
-            <a:spLocks noGrp="1"/>
-          </p:cNvSpPr>
+          <p:cNvPicPr>
+            <a:picLocks noGrp="1" noChangeAspect="1"/>
+          </p:cNvPicPr>
           <p:nvPr>
             <p:ph idx="1"/>
           </p:nvPr>
-        </p:nvSpPr>
-        <p:spPr/>
-        <p:txBody>
-          <a:bodyPr/>
+        </p:nvPicPr>
+        <p:blipFill>
+          <a:blip r:embed="rId2">
+            <a:extLst>
+              <a:ext uri="{28A0092B-C50C-407E-A947-70E740481C1C}">
+                <a14:useLocalDpi xmlns:a14="http://schemas.microsoft.com/office/drawing/2010/main" val="0"/>
+              </a:ext>
+            </a:extLst>
+          </a:blip>
+          <a:stretch>
+            <a:fillRect/>
+          </a:stretch>
+        </p:blipFill>
+        <p:spPr>
+          <a:xfrm>
+            <a:off x="1308682" y="1357707"/>
+            <a:ext cx="4068661" cy="5415490"/>
+          </a:xfrm>
+        </p:spPr>
+      </p:pic>
+      <p:sp>
+        <p:nvSpPr>
+          <p:cNvPr id="6" name="TextBox 5">
+            <a:extLst>
+              <a:ext uri="{FF2B5EF4-FFF2-40B4-BE49-F238E27FC236}">
+                <a16:creationId xmlns:a16="http://schemas.microsoft.com/office/drawing/2014/main" id="{ACC4B95C-A950-40DE-9C48-245DA436CA9D}"/>
+              </a:ext>
+            </a:extLst>
+          </p:cNvPr>
+          <p:cNvSpPr txBox="1"/>
+          <p:nvPr/>
+        </p:nvSpPr>
+        <p:spPr>
+          <a:xfrm>
+            <a:off x="6375633" y="1885285"/>
+            <a:ext cx="4194506" cy="923330"/>
+          </a:xfrm>
+          <a:prstGeom prst="rect">
+            <a:avLst/>
+          </a:prstGeom>
+          <a:noFill/>
+        </p:spPr>
+        <p:txBody>
+          <a:bodyPr wrap="square" rtlCol="0">
+            <a:spAutoFit/>
+          </a:bodyPr>
           <a:lstStyle/>
           <a:p>
             <a:r>
               <a:rPr lang="en-US" dirty="0"/>
-              <a:t>Javascript</a:t>
-            </a:r>
-          </a:p>
-          <a:p>
-            <a:r>
-              <a:rPr lang="en-US" dirty="0"/>
-              <a:t>NodeJS</a:t>
-            </a:r>
-          </a:p>
-          <a:p>
-            <a:r>
-              <a:rPr lang="en-US" dirty="0"/>
-              <a:t>GraphQL</a:t>
-            </a:r>
-          </a:p>
-          <a:p>
-            <a:r>
-              <a:rPr lang="en-US" dirty="0"/>
-              <a:t>MySQL &amp; SQL (Optional)</a:t>
-            </a:r>
+              <a:t>Reference: </a:t>
+            </a:r>
+            <a:r>
+              <a:rPr lang="en-US" dirty="0">
+                <a:hlinkClick r:id="rId3"/>
+              </a:rPr>
+              <a:t>https://www.apollographql.com/docs/apollo-server/getting-started/</a:t>
+            </a:r>
+            <a:endParaRPr lang="en-US" dirty="0"/>
           </a:p>
         </p:txBody>
       </p:sp>
     </p:spTree>
     <p:extLst>
       <p:ext uri="{BB962C8B-B14F-4D97-AF65-F5344CB8AC3E}">
-        <p14:creationId xmlns:p14="http://schemas.microsoft.com/office/powerpoint/2010/main" val="2840941988"/>
+        <p14:creationId xmlns:p14="http://schemas.microsoft.com/office/powerpoint/2010/main" val="268737409"/>
       </p:ext>
     </p:extLst>
   </p:cSld>
@@ -12967,7 +14648,7 @@
           <p:cNvPr id="2" name="Title 1">
             <a:extLst>
               <a:ext uri="{FF2B5EF4-FFF2-40B4-BE49-F238E27FC236}">
-                <a16:creationId xmlns:a16="http://schemas.microsoft.com/office/drawing/2014/main" id="{682F26F2-C62A-4ABF-A1DC-1818653728D7}"/>
+                <a16:creationId xmlns:a16="http://schemas.microsoft.com/office/drawing/2014/main" id="{CD941890-C183-4817-85D9-E1A43F86D193}"/>
               </a:ext>
             </a:extLst>
           </p:cNvPr>
@@ -12983,22 +14664,94 @@
           <a:bodyPr/>
           <a:lstStyle/>
           <a:p>
-            <a:pPr algn="ctr"/>
+            <a:r>
+              <a:rPr lang="en-US" dirty="0"/>
+              <a:t>Start – Sample Application</a:t>
+            </a:r>
+          </a:p>
+        </p:txBody>
+      </p:sp>
+      <p:pic>
+        <p:nvPicPr>
+          <p:cNvPr id="5" name="Content Placeholder 4" descr="A screenshot of a computer&#10;&#10;Description automatically generated">
+            <a:extLst>
+              <a:ext uri="{FF2B5EF4-FFF2-40B4-BE49-F238E27FC236}">
+                <a16:creationId xmlns:a16="http://schemas.microsoft.com/office/drawing/2014/main" id="{AC2DE04D-6D2A-45FA-903A-B3F38D76CF66}"/>
+              </a:ext>
+            </a:extLst>
+          </p:cNvPr>
+          <p:cNvPicPr>
+            <a:picLocks noGrp="1" noChangeAspect="1"/>
+          </p:cNvPicPr>
+          <p:nvPr>
+            <p:ph idx="1"/>
+          </p:nvPr>
+        </p:nvPicPr>
+        <p:blipFill>
+          <a:blip r:embed="rId2">
+            <a:extLst>
+              <a:ext uri="{28A0092B-C50C-407E-A947-70E740481C1C}">
+                <a14:useLocalDpi xmlns:a14="http://schemas.microsoft.com/office/drawing/2010/main" val="0"/>
+              </a:ext>
+            </a:extLst>
+          </a:blip>
+          <a:stretch>
+            <a:fillRect/>
+          </a:stretch>
+        </p:blipFill>
+        <p:spPr>
+          <a:xfrm>
+            <a:off x="1313679" y="2036641"/>
+            <a:ext cx="7796212" cy="2784717"/>
+          </a:xfrm>
+        </p:spPr>
+      </p:pic>
+      <p:sp>
+        <p:nvSpPr>
+          <p:cNvPr id="6" name="TextBox 5">
+            <a:extLst>
+              <a:ext uri="{FF2B5EF4-FFF2-40B4-BE49-F238E27FC236}">
+                <a16:creationId xmlns:a16="http://schemas.microsoft.com/office/drawing/2014/main" id="{AC4CE806-F1BE-4592-A9B5-05A31994A191}"/>
+              </a:ext>
+            </a:extLst>
+          </p:cNvPr>
+          <p:cNvSpPr txBox="1"/>
+          <p:nvPr/>
+        </p:nvSpPr>
+        <p:spPr>
+          <a:xfrm>
+            <a:off x="6375633" y="5588279"/>
+            <a:ext cx="4194506" cy="923330"/>
+          </a:xfrm>
+          <a:prstGeom prst="rect">
+            <a:avLst/>
+          </a:prstGeom>
+          <a:noFill/>
+        </p:spPr>
+        <p:txBody>
+          <a:bodyPr wrap="square" rtlCol="0">
+            <a:spAutoFit/>
+          </a:bodyPr>
+          <a:lstStyle/>
+          <a:p>
+            <a:r>
+              <a:rPr lang="en-US" dirty="0"/>
+              <a:t>Reference: </a:t>
+            </a:r>
             <a:r>
               <a:rPr lang="en-US" dirty="0">
-                <a:solidFill>
-                  <a:srgbClr val="FFFF00"/>
-                </a:solidFill>
+                <a:hlinkClick r:id="rId3"/>
               </a:rPr>
-              <a:t>DEVELOPMENT</a:t>
-            </a:r>
+              <a:t>https://www.apollographql.com/docs/apollo-server/getting-started/</a:t>
+            </a:r>
+            <a:endParaRPr lang="en-US" dirty="0"/>
           </a:p>
         </p:txBody>
       </p:sp>
     </p:spTree>
     <p:extLst>
       <p:ext uri="{BB962C8B-B14F-4D97-AF65-F5344CB8AC3E}">
-        <p14:creationId xmlns:p14="http://schemas.microsoft.com/office/powerpoint/2010/main" val="556852238"/>
+        <p14:creationId xmlns:p14="http://schemas.microsoft.com/office/powerpoint/2010/main" val="1869416981"/>
       </p:ext>
     </p:extLst>
   </p:cSld>
@@ -13030,7 +14783,7 @@
           <p:cNvPr id="2" name="Title 1">
             <a:extLst>
               <a:ext uri="{FF2B5EF4-FFF2-40B4-BE49-F238E27FC236}">
-                <a16:creationId xmlns:a16="http://schemas.microsoft.com/office/drawing/2014/main" id="{DA4029C5-5565-4ADC-8598-AC3DBAEA0AF1}"/>
+                <a16:creationId xmlns:a16="http://schemas.microsoft.com/office/drawing/2014/main" id="{A779199F-C745-4639-A99D-C3B46F7956F2}"/>
               </a:ext>
             </a:extLst>
           </p:cNvPr>
@@ -13048,7 +14801,7 @@
           <a:p>
             <a:r>
               <a:rPr lang="en-US" dirty="0"/>
-              <a:t>Sample API Server</a:t>
+              <a:t>Start – Requirements</a:t>
             </a:r>
           </a:p>
         </p:txBody>
@@ -13058,7 +14811,7 @@
           <p:cNvPr id="3" name="Content Placeholder 2">
             <a:extLst>
               <a:ext uri="{FF2B5EF4-FFF2-40B4-BE49-F238E27FC236}">
-                <a16:creationId xmlns:a16="http://schemas.microsoft.com/office/drawing/2014/main" id="{73CAA425-2977-42D6-9DDD-AEBA85BFF142}"/>
+                <a16:creationId xmlns:a16="http://schemas.microsoft.com/office/drawing/2014/main" id="{8889FEBC-4F35-4E57-A0D7-B3CA697C42EB}"/>
               </a:ext>
             </a:extLst>
           </p:cNvPr>
@@ -13074,14 +14827,35 @@
           <a:bodyPr/>
           <a:lstStyle/>
           <a:p>
-            <a:endParaRPr lang="en-US" dirty="0"/>
+            <a:r>
+              <a:rPr lang="en-US" dirty="0"/>
+              <a:t>Javascript</a:t>
+            </a:r>
+          </a:p>
+          <a:p>
+            <a:r>
+              <a:rPr lang="en-US" dirty="0"/>
+              <a:t>NodeJS</a:t>
+            </a:r>
+          </a:p>
+          <a:p>
+            <a:r>
+              <a:rPr lang="en-US" dirty="0"/>
+              <a:t>GraphQL</a:t>
+            </a:r>
+          </a:p>
+          <a:p>
+            <a:r>
+              <a:rPr lang="en-US" dirty="0"/>
+              <a:t>MySQL &amp; SQL (Optional)</a:t>
+            </a:r>
           </a:p>
         </p:txBody>
       </p:sp>
     </p:spTree>
     <p:extLst>
       <p:ext uri="{BB962C8B-B14F-4D97-AF65-F5344CB8AC3E}">
-        <p14:creationId xmlns:p14="http://schemas.microsoft.com/office/powerpoint/2010/main" val="1416545092"/>
+        <p14:creationId xmlns:p14="http://schemas.microsoft.com/office/powerpoint/2010/main" val="2840941988"/>
       </p:ext>
     </p:extLst>
   </p:cSld>
@@ -13113,7 +14887,7 @@
           <p:cNvPr id="2" name="Title 1">
             <a:extLst>
               <a:ext uri="{FF2B5EF4-FFF2-40B4-BE49-F238E27FC236}">
-                <a16:creationId xmlns:a16="http://schemas.microsoft.com/office/drawing/2014/main" id="{0EF4F758-1E8F-4E42-8ECA-8CCAD2030FE0}"/>
+                <a16:creationId xmlns:a16="http://schemas.microsoft.com/office/drawing/2014/main" id="{682F26F2-C62A-4ABF-A1DC-1818653728D7}"/>
               </a:ext>
             </a:extLst>
           </p:cNvPr>
@@ -13129,39 +14903,22 @@
           <a:bodyPr/>
           <a:lstStyle/>
           <a:p>
-            <a:endParaRPr lang="en-US"/>
-          </a:p>
-        </p:txBody>
-      </p:sp>
-      <p:sp>
-        <p:nvSpPr>
-          <p:cNvPr id="3" name="Content Placeholder 2">
-            <a:extLst>
-              <a:ext uri="{FF2B5EF4-FFF2-40B4-BE49-F238E27FC236}">
-                <a16:creationId xmlns:a16="http://schemas.microsoft.com/office/drawing/2014/main" id="{E470BBB9-94BA-40DE-BA70-D46ED3197296}"/>
-              </a:ext>
-            </a:extLst>
-          </p:cNvPr>
-          <p:cNvSpPr>
-            <a:spLocks noGrp="1"/>
-          </p:cNvSpPr>
-          <p:nvPr>
-            <p:ph idx="1"/>
-          </p:nvPr>
-        </p:nvSpPr>
-        <p:spPr/>
-        <p:txBody>
-          <a:bodyPr/>
-          <a:lstStyle/>
-          <a:p>
-            <a:endParaRPr lang="en-US"/>
+            <a:pPr algn="ctr"/>
+            <a:r>
+              <a:rPr lang="en-US" dirty="0">
+                <a:solidFill>
+                  <a:srgbClr val="FFFF00"/>
+                </a:solidFill>
+              </a:rPr>
+              <a:t>DEVELOPMENT</a:t>
+            </a:r>
           </a:p>
         </p:txBody>
       </p:sp>
     </p:spTree>
     <p:extLst>
       <p:ext uri="{BB962C8B-B14F-4D97-AF65-F5344CB8AC3E}">
-        <p14:creationId xmlns:p14="http://schemas.microsoft.com/office/powerpoint/2010/main" val="1143691709"/>
+        <p14:creationId xmlns:p14="http://schemas.microsoft.com/office/powerpoint/2010/main" val="556852238"/>
       </p:ext>
     </p:extLst>
   </p:cSld>

--- a/Docs/Apollo_Server.pptx
+++ b/Docs/Apollo_Server.pptx
@@ -18,22 +18,36 @@
     <p:sldId id="274" r:id="rId12"/>
     <p:sldId id="275" r:id="rId13"/>
     <p:sldId id="265" r:id="rId14"/>
-    <p:sldId id="266" r:id="rId15"/>
-    <p:sldId id="282" r:id="rId16"/>
-    <p:sldId id="283" r:id="rId17"/>
-    <p:sldId id="284" r:id="rId18"/>
-    <p:sldId id="285" r:id="rId19"/>
-    <p:sldId id="267" r:id="rId20"/>
-    <p:sldId id="268" r:id="rId21"/>
-    <p:sldId id="269" r:id="rId22"/>
-    <p:sldId id="270" r:id="rId23"/>
-    <p:sldId id="272" r:id="rId24"/>
-    <p:sldId id="273" r:id="rId25"/>
-    <p:sldId id="271" r:id="rId26"/>
-    <p:sldId id="261" r:id="rId27"/>
-    <p:sldId id="276" r:id="rId28"/>
-    <p:sldId id="277" r:id="rId29"/>
-    <p:sldId id="278" r:id="rId30"/>
+    <p:sldId id="287" r:id="rId15"/>
+    <p:sldId id="266" r:id="rId16"/>
+    <p:sldId id="282" r:id="rId17"/>
+    <p:sldId id="283" r:id="rId18"/>
+    <p:sldId id="286" r:id="rId19"/>
+    <p:sldId id="284" r:id="rId20"/>
+    <p:sldId id="285" r:id="rId21"/>
+    <p:sldId id="267" r:id="rId22"/>
+    <p:sldId id="288" r:id="rId23"/>
+    <p:sldId id="290" r:id="rId24"/>
+    <p:sldId id="291" r:id="rId25"/>
+    <p:sldId id="292" r:id="rId26"/>
+    <p:sldId id="293" r:id="rId27"/>
+    <p:sldId id="268" r:id="rId28"/>
+    <p:sldId id="294" r:id="rId29"/>
+    <p:sldId id="269" r:id="rId30"/>
+    <p:sldId id="270" r:id="rId31"/>
+    <p:sldId id="295" r:id="rId32"/>
+    <p:sldId id="296" r:id="rId33"/>
+    <p:sldId id="297" r:id="rId34"/>
+    <p:sldId id="298" r:id="rId35"/>
+    <p:sldId id="299" r:id="rId36"/>
+    <p:sldId id="272" r:id="rId37"/>
+    <p:sldId id="300" r:id="rId38"/>
+    <p:sldId id="273" r:id="rId39"/>
+    <p:sldId id="301" r:id="rId40"/>
+    <p:sldId id="271" r:id="rId41"/>
+    <p:sldId id="261" r:id="rId42"/>
+    <p:sldId id="276" r:id="rId43"/>
+    <p:sldId id="277" r:id="rId44"/>
   </p:sldIdLst>
   <p:sldSz cx="12192000" cy="6858000"/>
   <p:notesSz cx="6858000" cy="9144000"/>
@@ -3845,7 +3859,7 @@
           <a:p>
             <a:fld id="{3670AB43-4AB1-4719-A1BC-54CEDAA9A926}" type="datetimeFigureOut">
               <a:rPr lang="en-US" smtClean="0"/>
-              <a:t>4/12/2020</a:t>
+              <a:t>4/13/2020</a:t>
             </a:fld>
             <a:endParaRPr lang="en-US"/>
           </a:p>
@@ -4180,7 +4194,7 @@
           <a:p>
             <a:fld id="{3670AB43-4AB1-4719-A1BC-54CEDAA9A926}" type="datetimeFigureOut">
               <a:rPr lang="en-US" smtClean="0"/>
-              <a:t>4/12/2020</a:t>
+              <a:t>4/13/2020</a:t>
             </a:fld>
             <a:endParaRPr lang="en-US"/>
           </a:p>
@@ -4483,7 +4497,7 @@
           <a:p>
             <a:fld id="{3670AB43-4AB1-4719-A1BC-54CEDAA9A926}" type="datetimeFigureOut">
               <a:rPr lang="en-US" smtClean="0"/>
-              <a:t>4/12/2020</a:t>
+              <a:t>4/13/2020</a:t>
             </a:fld>
             <a:endParaRPr lang="en-US"/>
           </a:p>
@@ -4675,7 +4689,7 @@
           <a:p>
             <a:fld id="{3670AB43-4AB1-4719-A1BC-54CEDAA9A926}" type="datetimeFigureOut">
               <a:rPr lang="en-US" smtClean="0"/>
-              <a:t>4/12/2020</a:t>
+              <a:t>4/13/2020</a:t>
             </a:fld>
             <a:endParaRPr lang="en-US"/>
           </a:p>
@@ -4845,7 +4859,7 @@
           <a:p>
             <a:fld id="{3670AB43-4AB1-4719-A1BC-54CEDAA9A926}" type="datetimeFigureOut">
               <a:rPr lang="en-US" smtClean="0"/>
-              <a:t>4/12/2020</a:t>
+              <a:t>4/13/2020</a:t>
             </a:fld>
             <a:endParaRPr lang="en-US"/>
           </a:p>
@@ -5091,7 +5105,7 @@
           <a:p>
             <a:fld id="{3670AB43-4AB1-4719-A1BC-54CEDAA9A926}" type="datetimeFigureOut">
               <a:rPr lang="en-US" smtClean="0"/>
-              <a:t>4/12/2020</a:t>
+              <a:t>4/13/2020</a:t>
             </a:fld>
             <a:endParaRPr lang="en-US"/>
           </a:p>
@@ -5323,7 +5337,7 @@
           <a:p>
             <a:fld id="{3670AB43-4AB1-4719-A1BC-54CEDAA9A926}" type="datetimeFigureOut">
               <a:rPr lang="en-US" smtClean="0"/>
-              <a:t>4/12/2020</a:t>
+              <a:t>4/13/2020</a:t>
             </a:fld>
             <a:endParaRPr lang="en-US"/>
           </a:p>
@@ -5690,7 +5704,7 @@
           <a:p>
             <a:fld id="{3670AB43-4AB1-4719-A1BC-54CEDAA9A926}" type="datetimeFigureOut">
               <a:rPr lang="en-US" smtClean="0"/>
-              <a:t>4/12/2020</a:t>
+              <a:t>4/13/2020</a:t>
             </a:fld>
             <a:endParaRPr lang="en-US"/>
           </a:p>
@@ -5808,7 +5822,7 @@
           <a:p>
             <a:fld id="{3670AB43-4AB1-4719-A1BC-54CEDAA9A926}" type="datetimeFigureOut">
               <a:rPr lang="en-US" smtClean="0"/>
-              <a:t>4/12/2020</a:t>
+              <a:t>4/13/2020</a:t>
             </a:fld>
             <a:endParaRPr lang="en-US"/>
           </a:p>
@@ -5903,7 +5917,7 @@
           <a:p>
             <a:fld id="{3670AB43-4AB1-4719-A1BC-54CEDAA9A926}" type="datetimeFigureOut">
               <a:rPr lang="en-US" smtClean="0"/>
-              <a:t>4/12/2020</a:t>
+              <a:t>4/13/2020</a:t>
             </a:fld>
             <a:endParaRPr lang="en-US"/>
           </a:p>
@@ -6180,7 +6194,7 @@
           <a:p>
             <a:fld id="{3670AB43-4AB1-4719-A1BC-54CEDAA9A926}" type="datetimeFigureOut">
               <a:rPr lang="en-US" smtClean="0"/>
-              <a:t>4/12/2020</a:t>
+              <a:t>4/13/2020</a:t>
             </a:fld>
             <a:endParaRPr lang="en-US"/>
           </a:p>
@@ -6428,7 +6442,7 @@
           <a:p>
             <a:fld id="{3670AB43-4AB1-4719-A1BC-54CEDAA9A926}" type="datetimeFigureOut">
               <a:rPr lang="en-US" smtClean="0"/>
-              <a:t>4/12/2020</a:t>
+              <a:t>4/13/2020</a:t>
             </a:fld>
             <a:endParaRPr lang="en-US"/>
           </a:p>
@@ -6726,7 +6740,7 @@
           <a:p>
             <a:fld id="{3670AB43-4AB1-4719-A1BC-54CEDAA9A926}" type="datetimeFigureOut">
               <a:rPr lang="en-US" smtClean="0"/>
-              <a:t>4/12/2020</a:t>
+              <a:t>4/13/2020</a:t>
             </a:fld>
             <a:endParaRPr lang="en-US"/>
           </a:p>
@@ -6896,7 +6910,7 @@
           <a:p>
             <a:fld id="{3670AB43-4AB1-4719-A1BC-54CEDAA9A926}" type="datetimeFigureOut">
               <a:rPr lang="en-US" smtClean="0"/>
-              <a:t>4/12/2020</a:t>
+              <a:t>4/13/2020</a:t>
             </a:fld>
             <a:endParaRPr lang="en-US"/>
           </a:p>
@@ -7076,7 +7090,7 @@
           <a:p>
             <a:fld id="{3670AB43-4AB1-4719-A1BC-54CEDAA9A926}" type="datetimeFigureOut">
               <a:rPr lang="en-US" smtClean="0"/>
-              <a:t>4/12/2020</a:t>
+              <a:t>4/13/2020</a:t>
             </a:fld>
             <a:endParaRPr lang="en-US"/>
           </a:p>
@@ -7443,7 +7457,7 @@
           <a:p>
             <a:fld id="{3670AB43-4AB1-4719-A1BC-54CEDAA9A926}" type="datetimeFigureOut">
               <a:rPr lang="en-US" smtClean="0"/>
-              <a:t>4/12/2020</a:t>
+              <a:t>4/13/2020</a:t>
             </a:fld>
             <a:endParaRPr lang="en-US"/>
           </a:p>
@@ -7758,7 +7772,7 @@
           <a:p>
             <a:fld id="{3670AB43-4AB1-4719-A1BC-54CEDAA9A926}" type="datetimeFigureOut">
               <a:rPr lang="en-US" smtClean="0"/>
-              <a:t>4/12/2020</a:t>
+              <a:t>4/13/2020</a:t>
             </a:fld>
             <a:endParaRPr lang="en-US"/>
           </a:p>
@@ -8303,7 +8317,7 @@
           <a:p>
             <a:fld id="{3670AB43-4AB1-4719-A1BC-54CEDAA9A926}" type="datetimeFigureOut">
               <a:rPr lang="en-US" smtClean="0"/>
-              <a:t>4/12/2020</a:t>
+              <a:t>4/13/2020</a:t>
             </a:fld>
             <a:endParaRPr lang="en-US"/>
           </a:p>
@@ -8499,7 +8513,7 @@
           <a:p>
             <a:fld id="{3670AB43-4AB1-4719-A1BC-54CEDAA9A926}" type="datetimeFigureOut">
               <a:rPr lang="en-US" smtClean="0"/>
-              <a:t>4/12/2020</a:t>
+              <a:t>4/13/2020</a:t>
             </a:fld>
             <a:endParaRPr lang="en-US"/>
           </a:p>
@@ -8713,7 +8727,7 @@
           <a:p>
             <a:fld id="{3670AB43-4AB1-4719-A1BC-54CEDAA9A926}" type="datetimeFigureOut">
               <a:rPr lang="en-US" smtClean="0"/>
-              <a:t>4/12/2020</a:t>
+              <a:t>4/13/2020</a:t>
             </a:fld>
             <a:endParaRPr lang="en-US"/>
           </a:p>
@@ -9083,7 +9097,7 @@
           <a:p>
             <a:fld id="{3670AB43-4AB1-4719-A1BC-54CEDAA9A926}" type="datetimeFigureOut">
               <a:rPr lang="en-US" smtClean="0"/>
-              <a:t>4/12/2020</a:t>
+              <a:t>4/13/2020</a:t>
             </a:fld>
             <a:endParaRPr lang="en-US"/>
           </a:p>
@@ -9487,7 +9501,7 @@
           <a:p>
             <a:fld id="{3670AB43-4AB1-4719-A1BC-54CEDAA9A926}" type="datetimeFigureOut">
               <a:rPr lang="en-US" smtClean="0"/>
-              <a:t>4/12/2020</a:t>
+              <a:t>4/13/2020</a:t>
             </a:fld>
             <a:endParaRPr lang="en-US"/>
           </a:p>
@@ -9799,7 +9813,7 @@
           <a:p>
             <a:fld id="{3670AB43-4AB1-4719-A1BC-54CEDAA9A926}" type="datetimeFigureOut">
               <a:rPr lang="en-US" smtClean="0"/>
-              <a:t>4/12/2020</a:t>
+              <a:t>4/13/2020</a:t>
             </a:fld>
             <a:endParaRPr lang="en-US"/>
           </a:p>
@@ -10450,7 +10464,7 @@
           <a:p>
             <a:fld id="{3670AB43-4AB1-4719-A1BC-54CEDAA9A926}" type="datetimeFigureOut">
               <a:rPr lang="en-US" smtClean="0"/>
-              <a:t>4/12/2020</a:t>
+              <a:t>4/13/2020</a:t>
             </a:fld>
             <a:endParaRPr lang="en-US"/>
           </a:p>
@@ -11146,10 +11160,10 @@
       </p:sp>
       <p:pic>
         <p:nvPicPr>
-          <p:cNvPr id="6" name="Picture 5" descr="A screenshot of a cell phone&#10;&#10;Description automatically generated">
+          <p:cNvPr id="5" name="Picture 4" descr="A screenshot of a cell phone&#10;&#10;Description automatically generated">
             <a:extLst>
               <a:ext uri="{FF2B5EF4-FFF2-40B4-BE49-F238E27FC236}">
-                <a16:creationId xmlns:a16="http://schemas.microsoft.com/office/drawing/2014/main" id="{AC3AAD95-CC2E-4B7B-AD4B-D397145205E9}"/>
+                <a16:creationId xmlns:a16="http://schemas.microsoft.com/office/drawing/2014/main" id="{09B0D428-8358-4243-A2A5-B35208AB0AF4}"/>
               </a:ext>
             </a:extLst>
           </p:cNvPr>
@@ -11172,8 +11186,8 @@
         </p:blipFill>
         <p:spPr>
           <a:xfrm>
-            <a:off x="5710973" y="1405369"/>
-            <a:ext cx="4782217" cy="5191850"/>
+            <a:off x="4540600" y="1586369"/>
+            <a:ext cx="6030167" cy="4829849"/>
           </a:xfrm>
           <a:prstGeom prst="rect">
             <a:avLst/>
@@ -11349,6 +11363,128 @@
           <p:cNvPr id="2" name="Title 1">
             <a:extLst>
               <a:ext uri="{FF2B5EF4-FFF2-40B4-BE49-F238E27FC236}">
+                <a16:creationId xmlns:a16="http://schemas.microsoft.com/office/drawing/2014/main" id="{B4004467-0F6E-46E0-9DBB-22EEB506753D}"/>
+              </a:ext>
+            </a:extLst>
+          </p:cNvPr>
+          <p:cNvSpPr>
+            <a:spLocks noGrp="1"/>
+          </p:cNvSpPr>
+          <p:nvPr>
+            <p:ph type="title"/>
+          </p:nvPr>
+        </p:nvSpPr>
+        <p:spPr/>
+        <p:txBody>
+          <a:bodyPr/>
+          <a:lstStyle/>
+          <a:p>
+            <a:r>
+              <a:rPr lang="en-US" dirty="0"/>
+              <a:t>Development – Schema</a:t>
+            </a:r>
+          </a:p>
+        </p:txBody>
+      </p:sp>
+      <p:sp>
+        <p:nvSpPr>
+          <p:cNvPr id="3" name="Content Placeholder 2">
+            <a:extLst>
+              <a:ext uri="{FF2B5EF4-FFF2-40B4-BE49-F238E27FC236}">
+                <a16:creationId xmlns:a16="http://schemas.microsoft.com/office/drawing/2014/main" id="{055A63D4-53B8-469F-B3AD-3B8DFA4FFAD0}"/>
+              </a:ext>
+            </a:extLst>
+          </p:cNvPr>
+          <p:cNvSpPr>
+            <a:spLocks noGrp="1"/>
+          </p:cNvSpPr>
+          <p:nvPr>
+            <p:ph idx="1"/>
+          </p:nvPr>
+        </p:nvSpPr>
+        <p:spPr/>
+        <p:txBody>
+          <a:bodyPr anchor="t"/>
+          <a:lstStyle/>
+          <a:p>
+            <a:r>
+              <a:rPr lang="en-US" dirty="0"/>
+              <a:t>Another way is to define schema using GraphQLObjectType and GraphQLSchema</a:t>
+            </a:r>
+          </a:p>
+        </p:txBody>
+      </p:sp>
+      <p:pic>
+        <p:nvPicPr>
+          <p:cNvPr id="8" name="Picture 7" descr="A screenshot of a social media post&#10;&#10;Description automatically generated">
+            <a:extLst>
+              <a:ext uri="{FF2B5EF4-FFF2-40B4-BE49-F238E27FC236}">
+                <a16:creationId xmlns:a16="http://schemas.microsoft.com/office/drawing/2014/main" id="{B8061BA6-7641-4AFC-AD03-F94025116458}"/>
+              </a:ext>
+            </a:extLst>
+          </p:cNvPr>
+          <p:cNvPicPr>
+            <a:picLocks noChangeAspect="1"/>
+          </p:cNvPicPr>
+          <p:nvPr/>
+        </p:nvPicPr>
+        <p:blipFill>
+          <a:blip r:embed="rId2">
+            <a:extLst>
+              <a:ext uri="{28A0092B-C50C-407E-A947-70E740481C1C}">
+                <a14:useLocalDpi xmlns:a14="http://schemas.microsoft.com/office/drawing/2010/main" val="0"/>
+              </a:ext>
+            </a:extLst>
+          </a:blip>
+          <a:stretch>
+            <a:fillRect/>
+          </a:stretch>
+        </p:blipFill>
+        <p:spPr>
+          <a:xfrm>
+            <a:off x="5655473" y="2617005"/>
+            <a:ext cx="4639322" cy="3905795"/>
+          </a:xfrm>
+          <a:prstGeom prst="rect">
+            <a:avLst/>
+          </a:prstGeom>
+        </p:spPr>
+      </p:pic>
+    </p:spTree>
+    <p:extLst>
+      <p:ext uri="{BB962C8B-B14F-4D97-AF65-F5344CB8AC3E}">
+        <p14:creationId xmlns:p14="http://schemas.microsoft.com/office/powerpoint/2010/main" val="2591552022"/>
+      </p:ext>
+    </p:extLst>
+  </p:cSld>
+  <p:clrMapOvr>
+    <a:masterClrMapping/>
+  </p:clrMapOvr>
+</p:sld>
+</file>
+
+<file path=ppt/slides/slide14.xml><?xml version="1.0" encoding="utf-8"?>
+<p:sld xmlns:a="http://schemas.openxmlformats.org/drawingml/2006/main" xmlns:r="http://schemas.openxmlformats.org/officeDocument/2006/relationships" xmlns:p="http://schemas.openxmlformats.org/presentationml/2006/main">
+  <p:cSld>
+    <p:spTree>
+      <p:nvGrpSpPr>
+        <p:cNvPr id="1" name=""/>
+        <p:cNvGrpSpPr/>
+        <p:nvPr/>
+      </p:nvGrpSpPr>
+      <p:grpSpPr>
+        <a:xfrm>
+          <a:off x="0" y="0"/>
+          <a:ext cx="0" cy="0"/>
+          <a:chOff x="0" y="0"/>
+          <a:chExt cx="0" cy="0"/>
+        </a:xfrm>
+      </p:grpSpPr>
+      <p:sp>
+        <p:nvSpPr>
+          <p:cNvPr id="2" name="Title 1">
+            <a:extLst>
+              <a:ext uri="{FF2B5EF4-FFF2-40B4-BE49-F238E27FC236}">
                 <a16:creationId xmlns:a16="http://schemas.microsoft.com/office/drawing/2014/main" id="{8E364E23-935E-4C3D-8845-A30E054D2148}"/>
               </a:ext>
             </a:extLst>
@@ -11464,95 +11600,6 @@
 </p:sld>
 </file>
 
-<file path=ppt/slides/slide14.xml><?xml version="1.0" encoding="utf-8"?>
-<p:sld xmlns:a="http://schemas.openxmlformats.org/drawingml/2006/main" xmlns:r="http://schemas.openxmlformats.org/officeDocument/2006/relationships" xmlns:p="http://schemas.openxmlformats.org/presentationml/2006/main">
-  <p:cSld>
-    <p:spTree>
-      <p:nvGrpSpPr>
-        <p:cNvPr id="1" name=""/>
-        <p:cNvGrpSpPr/>
-        <p:nvPr/>
-      </p:nvGrpSpPr>
-      <p:grpSpPr>
-        <a:xfrm>
-          <a:off x="0" y="0"/>
-          <a:ext cx="0" cy="0"/>
-          <a:chOff x="0" y="0"/>
-          <a:chExt cx="0" cy="0"/>
-        </a:xfrm>
-      </p:grpSpPr>
-      <p:sp>
-        <p:nvSpPr>
-          <p:cNvPr id="2" name="Title 1">
-            <a:extLst>
-              <a:ext uri="{FF2B5EF4-FFF2-40B4-BE49-F238E27FC236}">
-                <a16:creationId xmlns:a16="http://schemas.microsoft.com/office/drawing/2014/main" id="{8E364E23-935E-4C3D-8845-A30E054D2148}"/>
-              </a:ext>
-            </a:extLst>
-          </p:cNvPr>
-          <p:cNvSpPr>
-            <a:spLocks noGrp="1"/>
-          </p:cNvSpPr>
-          <p:nvPr>
-            <p:ph type="title"/>
-          </p:nvPr>
-        </p:nvSpPr>
-        <p:spPr/>
-        <p:txBody>
-          <a:bodyPr/>
-          <a:lstStyle/>
-          <a:p>
-            <a:r>
-              <a:rPr lang="en-US" dirty="0"/>
-              <a:t>Development – Data</a:t>
-            </a:r>
-          </a:p>
-        </p:txBody>
-      </p:sp>
-      <p:sp>
-        <p:nvSpPr>
-          <p:cNvPr id="3" name="Content Placeholder 2">
-            <a:extLst>
-              <a:ext uri="{FF2B5EF4-FFF2-40B4-BE49-F238E27FC236}">
-                <a16:creationId xmlns:a16="http://schemas.microsoft.com/office/drawing/2014/main" id="{7D88053C-DFC9-44D9-B435-D3E7D8DFAAA2}"/>
-              </a:ext>
-            </a:extLst>
-          </p:cNvPr>
-          <p:cNvSpPr>
-            <a:spLocks noGrp="1"/>
-          </p:cNvSpPr>
-          <p:nvPr>
-            <p:ph idx="1"/>
-          </p:nvPr>
-        </p:nvSpPr>
-        <p:spPr/>
-        <p:txBody>
-          <a:bodyPr anchor="t"/>
-          <a:lstStyle/>
-          <a:p>
-            <a:r>
-              <a:rPr lang="en-US" dirty="0"/>
-              <a:t>Has a data-source rest for retrieving data from a REST service.</a:t>
-            </a:r>
-          </a:p>
-          <a:p>
-            <a:endParaRPr lang="en-US" dirty="0"/>
-          </a:p>
-        </p:txBody>
-      </p:sp>
-    </p:spTree>
-    <p:extLst>
-      <p:ext uri="{BB962C8B-B14F-4D97-AF65-F5344CB8AC3E}">
-        <p14:creationId xmlns:p14="http://schemas.microsoft.com/office/powerpoint/2010/main" val="3202992669"/>
-      </p:ext>
-    </p:extLst>
-  </p:cSld>
-  <p:clrMapOvr>
-    <a:masterClrMapping/>
-  </p:clrMapOvr>
-</p:sld>
-</file>
-
 <file path=ppt/slides/slide15.xml><?xml version="1.0" encoding="utf-8"?>
 <p:sld xmlns:a="http://schemas.openxmlformats.org/drawingml/2006/main" xmlns:r="http://schemas.openxmlformats.org/officeDocument/2006/relationships" xmlns:p="http://schemas.openxmlformats.org/presentationml/2006/main">
   <p:cSld>
@@ -11621,15 +11668,54 @@
           <a:p>
             <a:r>
               <a:rPr lang="en-US" dirty="0"/>
-              <a:t>Handles errors in / out of the resolvers</a:t>
-            </a:r>
-          </a:p>
-        </p:txBody>
-      </p:sp>
+              <a:t>Has a data-source rest for retrieving data from a REST service.</a:t>
+            </a:r>
+          </a:p>
+          <a:p>
+            <a:endParaRPr lang="en-US" dirty="0"/>
+          </a:p>
+        </p:txBody>
+      </p:sp>
+      <p:pic>
+        <p:nvPicPr>
+          <p:cNvPr id="5" name="Picture 4" descr="A screenshot of a cell phone&#10;&#10;Description automatically generated">
+            <a:extLst>
+              <a:ext uri="{FF2B5EF4-FFF2-40B4-BE49-F238E27FC236}">
+                <a16:creationId xmlns:a16="http://schemas.microsoft.com/office/drawing/2014/main" id="{58E50CC2-556E-403A-864A-FD9CF56CD0FB}"/>
+              </a:ext>
+            </a:extLst>
+          </p:cNvPr>
+          <p:cNvPicPr>
+            <a:picLocks noChangeAspect="1"/>
+          </p:cNvPicPr>
+          <p:nvPr/>
+        </p:nvPicPr>
+        <p:blipFill>
+          <a:blip r:embed="rId2">
+            <a:extLst>
+              <a:ext uri="{28A0092B-C50C-407E-A947-70E740481C1C}">
+                <a14:useLocalDpi xmlns:a14="http://schemas.microsoft.com/office/drawing/2010/main" val="0"/>
+              </a:ext>
+            </a:extLst>
+          </a:blip>
+          <a:stretch>
+            <a:fillRect/>
+          </a:stretch>
+        </p:blipFill>
+        <p:spPr>
+          <a:xfrm>
+            <a:off x="3681075" y="2661011"/>
+            <a:ext cx="4829849" cy="3801005"/>
+          </a:xfrm>
+          <a:prstGeom prst="rect">
+            <a:avLst/>
+          </a:prstGeom>
+        </p:spPr>
+      </p:pic>
     </p:spTree>
     <p:extLst>
       <p:ext uri="{BB962C8B-B14F-4D97-AF65-F5344CB8AC3E}">
-        <p14:creationId xmlns:p14="http://schemas.microsoft.com/office/powerpoint/2010/main" val="466985072"/>
+        <p14:creationId xmlns:p14="http://schemas.microsoft.com/office/powerpoint/2010/main" val="3202992669"/>
       </p:ext>
     </p:extLst>
   </p:cSld>
@@ -11707,15 +11793,59 @@
           <a:p>
             <a:r>
               <a:rPr lang="en-US" dirty="0"/>
-              <a:t>Uploads files</a:t>
-            </a:r>
+              <a:t>Handles errors in / out of the resolvers</a:t>
+            </a:r>
+          </a:p>
+          <a:p>
+            <a:endParaRPr lang="en-US" dirty="0"/>
+          </a:p>
+          <a:p>
+            <a:r>
+              <a:rPr lang="en-US" dirty="0"/>
+              <a:t>Predefines: </a:t>
+            </a:r>
+            <a:r>
+              <a:rPr lang="en-US" dirty="0" err="1"/>
+              <a:t>AuthenticationError</a:t>
+            </a:r>
+            <a:r>
+              <a:rPr lang="en-US" dirty="0"/>
+              <a:t>, </a:t>
+            </a:r>
+            <a:r>
+              <a:rPr lang="en-US" dirty="0" err="1"/>
+              <a:t>ForbiddenError</a:t>
+            </a:r>
+            <a:r>
+              <a:rPr lang="en-US" dirty="0"/>
+              <a:t>, </a:t>
+            </a:r>
+            <a:r>
+              <a:rPr lang="en-US" dirty="0" err="1"/>
+              <a:t>UserInputError</a:t>
+            </a:r>
+            <a:endParaRPr lang="en-US" dirty="0"/>
+          </a:p>
+          <a:p>
+            <a:endParaRPr lang="en-US" dirty="0"/>
+          </a:p>
+          <a:p>
+            <a:r>
+              <a:rPr lang="en-US" dirty="0"/>
+              <a:t>Implement error by extend class </a:t>
+            </a:r>
+            <a:r>
+              <a:rPr lang="en-US" dirty="0" err="1"/>
+              <a:t>ApolloError</a:t>
+            </a:r>
+            <a:endParaRPr lang="en-US" dirty="0"/>
           </a:p>
         </p:txBody>
       </p:sp>
     </p:spTree>
     <p:extLst>
       <p:ext uri="{BB962C8B-B14F-4D97-AF65-F5344CB8AC3E}">
-        <p14:creationId xmlns:p14="http://schemas.microsoft.com/office/powerpoint/2010/main" val="772454378"/>
+        <p14:creationId xmlns:p14="http://schemas.microsoft.com/office/powerpoint/2010/main" val="466985072"/>
       </p:ext>
     </p:extLst>
   </p:cSld>
@@ -11793,15 +11923,90 @@
           <a:p>
             <a:r>
               <a:rPr lang="en-US" dirty="0"/>
-              <a:t>Subscriptions (notify event from the server to clients)</a:t>
-            </a:r>
-          </a:p>
-        </p:txBody>
-      </p:sp>
+              <a:t>Handles errors in / out of the resolvers</a:t>
+            </a:r>
+          </a:p>
+          <a:p>
+            <a:endParaRPr lang="en-US" dirty="0"/>
+          </a:p>
+        </p:txBody>
+      </p:sp>
+      <p:pic>
+        <p:nvPicPr>
+          <p:cNvPr id="5" name="Picture 4" descr="A screenshot of a cell phone&#10;&#10;Description automatically generated">
+            <a:extLst>
+              <a:ext uri="{FF2B5EF4-FFF2-40B4-BE49-F238E27FC236}">
+                <a16:creationId xmlns:a16="http://schemas.microsoft.com/office/drawing/2014/main" id="{48C7FB21-E14C-4E7E-9C02-FC4D74D4CFA4}"/>
+              </a:ext>
+            </a:extLst>
+          </p:cNvPr>
+          <p:cNvPicPr>
+            <a:picLocks noChangeAspect="1"/>
+          </p:cNvPicPr>
+          <p:nvPr/>
+        </p:nvPicPr>
+        <p:blipFill>
+          <a:blip r:embed="rId2">
+            <a:extLst>
+              <a:ext uri="{28A0092B-C50C-407E-A947-70E740481C1C}">
+                <a14:useLocalDpi xmlns:a14="http://schemas.microsoft.com/office/drawing/2010/main" val="0"/>
+              </a:ext>
+            </a:extLst>
+          </a:blip>
+          <a:stretch>
+            <a:fillRect/>
+          </a:stretch>
+        </p:blipFill>
+        <p:spPr>
+          <a:xfrm>
+            <a:off x="1140903" y="2709644"/>
+            <a:ext cx="3634770" cy="3059528"/>
+          </a:xfrm>
+          <a:prstGeom prst="rect">
+            <a:avLst/>
+          </a:prstGeom>
+        </p:spPr>
+      </p:pic>
+      <p:pic>
+        <p:nvPicPr>
+          <p:cNvPr id="7" name="Picture 6" descr="A screenshot of a social media post&#10;&#10;Description automatically generated">
+            <a:extLst>
+              <a:ext uri="{FF2B5EF4-FFF2-40B4-BE49-F238E27FC236}">
+                <a16:creationId xmlns:a16="http://schemas.microsoft.com/office/drawing/2014/main" id="{FF12FBEE-3F26-4E5E-98C9-91429D9BAC8B}"/>
+              </a:ext>
+            </a:extLst>
+          </p:cNvPr>
+          <p:cNvPicPr>
+            <a:picLocks noChangeAspect="1"/>
+          </p:cNvPicPr>
+          <p:nvPr/>
+        </p:nvPicPr>
+        <p:blipFill>
+          <a:blip r:embed="rId3">
+            <a:extLst>
+              <a:ext uri="{28A0092B-C50C-407E-A947-70E740481C1C}">
+                <a14:useLocalDpi xmlns:a14="http://schemas.microsoft.com/office/drawing/2010/main" val="0"/>
+              </a:ext>
+            </a:extLst>
+          </a:blip>
+          <a:stretch>
+            <a:fillRect/>
+          </a:stretch>
+        </p:blipFill>
+        <p:spPr>
+          <a:xfrm>
+            <a:off x="4886423" y="2709644"/>
+            <a:ext cx="6307287" cy="2872822"/>
+          </a:xfrm>
+          <a:prstGeom prst="rect">
+            <a:avLst/>
+          </a:prstGeom>
+        </p:spPr>
+      </p:pic>
     </p:spTree>
     <p:extLst>
       <p:ext uri="{BB962C8B-B14F-4D97-AF65-F5344CB8AC3E}">
-        <p14:creationId xmlns:p14="http://schemas.microsoft.com/office/powerpoint/2010/main" val="1277952499"/>
+        <p14:creationId xmlns:p14="http://schemas.microsoft.com/office/powerpoint/2010/main" val="3123645801"/>
       </p:ext>
     </p:extLst>
   </p:cSld>
@@ -11833,7 +12038,7 @@
           <p:cNvPr id="2" name="Title 1">
             <a:extLst>
               <a:ext uri="{FF2B5EF4-FFF2-40B4-BE49-F238E27FC236}">
-                <a16:creationId xmlns:a16="http://schemas.microsoft.com/office/drawing/2014/main" id="{B2FC7163-C1B0-45D4-85C8-5C6CE29EDBF0}"/>
+                <a16:creationId xmlns:a16="http://schemas.microsoft.com/office/drawing/2014/main" id="{8E364E23-935E-4C3D-8845-A30E054D2148}"/>
               </a:ext>
             </a:extLst>
           </p:cNvPr>
@@ -11851,7 +12056,7 @@
           <a:p>
             <a:r>
               <a:rPr lang="en-US" dirty="0"/>
-              <a:t>Development – Federation</a:t>
+              <a:t>Development – Data</a:t>
             </a:r>
           </a:p>
         </p:txBody>
@@ -11861,7 +12066,7 @@
           <p:cNvPr id="3" name="Content Placeholder 2">
             <a:extLst>
               <a:ext uri="{FF2B5EF4-FFF2-40B4-BE49-F238E27FC236}">
-                <a16:creationId xmlns:a16="http://schemas.microsoft.com/office/drawing/2014/main" id="{1DEB553E-1021-40AD-B964-83A91E1CB456}"/>
+                <a16:creationId xmlns:a16="http://schemas.microsoft.com/office/drawing/2014/main" id="{7D88053C-DFC9-44D9-B435-D3E7D8DFAAA2}"/>
               </a:ext>
             </a:extLst>
           </p:cNvPr>
@@ -11874,17 +12079,36 @@
         </p:nvSpPr>
         <p:spPr/>
         <p:txBody>
-          <a:bodyPr/>
-          <a:lstStyle/>
-          <a:p>
-            <a:endParaRPr lang="en-US"/>
+          <a:bodyPr anchor="t"/>
+          <a:lstStyle/>
+          <a:p>
+            <a:r>
+              <a:rPr lang="en-US" dirty="0"/>
+              <a:t>Uploads files</a:t>
+            </a:r>
+          </a:p>
+          <a:p>
+            <a:r>
+              <a:rPr lang="en-US" dirty="0"/>
+              <a:t>Sample: </a:t>
+            </a:r>
+            <a:r>
+              <a:rPr lang="en-US" dirty="0">
+                <a:hlinkClick r:id="rId2"/>
+              </a:rPr>
+              <a:t>https://github.com/jaydenseric/apollo-upload-examples</a:t>
+            </a:r>
+            <a:r>
+              <a:rPr lang="en-US" dirty="0"/>
+              <a:t> </a:t>
+            </a:r>
           </a:p>
         </p:txBody>
       </p:sp>
     </p:spTree>
     <p:extLst>
       <p:ext uri="{BB962C8B-B14F-4D97-AF65-F5344CB8AC3E}">
-        <p14:creationId xmlns:p14="http://schemas.microsoft.com/office/powerpoint/2010/main" val="2493991099"/>
+        <p14:creationId xmlns:p14="http://schemas.microsoft.com/office/powerpoint/2010/main" val="772454378"/>
       </p:ext>
     </p:extLst>
   </p:cSld>
@@ -11916,7 +12140,7 @@
           <p:cNvPr id="2" name="Title 1">
             <a:extLst>
               <a:ext uri="{FF2B5EF4-FFF2-40B4-BE49-F238E27FC236}">
-                <a16:creationId xmlns:a16="http://schemas.microsoft.com/office/drawing/2014/main" id="{2681AC72-4DE4-41DD-8F5F-B3078EBA7CC7}"/>
+                <a16:creationId xmlns:a16="http://schemas.microsoft.com/office/drawing/2014/main" id="{8E364E23-935E-4C3D-8845-A30E054D2148}"/>
               </a:ext>
             </a:extLst>
           </p:cNvPr>
@@ -11934,7 +12158,7 @@
           <a:p>
             <a:r>
               <a:rPr lang="en-US" dirty="0"/>
-              <a:t>Development – Testing</a:t>
+              <a:t>Development – Data</a:t>
             </a:r>
           </a:p>
         </p:txBody>
@@ -11944,7 +12168,7 @@
           <p:cNvPr id="3" name="Content Placeholder 2">
             <a:extLst>
               <a:ext uri="{FF2B5EF4-FFF2-40B4-BE49-F238E27FC236}">
-                <a16:creationId xmlns:a16="http://schemas.microsoft.com/office/drawing/2014/main" id="{837A7E9D-A65B-4683-A930-C834B19726A4}"/>
+                <a16:creationId xmlns:a16="http://schemas.microsoft.com/office/drawing/2014/main" id="{7D88053C-DFC9-44D9-B435-D3E7D8DFAAA2}"/>
               </a:ext>
             </a:extLst>
           </p:cNvPr>
@@ -11957,17 +12181,52 @@
         </p:nvSpPr>
         <p:spPr/>
         <p:txBody>
-          <a:bodyPr/>
-          <a:lstStyle/>
-          <a:p>
-            <a:endParaRPr lang="en-US"/>
+          <a:bodyPr anchor="t"/>
+          <a:lstStyle/>
+          <a:p>
+            <a:r>
+              <a:rPr lang="en-US" dirty="0"/>
+              <a:t>Subscriptions (notify event from the server to clients)</a:t>
+            </a:r>
+          </a:p>
+          <a:p>
+            <a:endParaRPr lang="en-US" dirty="0"/>
+          </a:p>
+          <a:p>
+            <a:r>
+              <a:rPr lang="en-US" dirty="0"/>
+              <a:t>Details at </a:t>
+            </a:r>
+            <a:r>
+              <a:rPr lang="en-US" dirty="0">
+                <a:hlinkClick r:id="rId2"/>
+              </a:rPr>
+              <a:t>https://www.apollographql.com/docs/apollo-server/data/subscriptions/</a:t>
+            </a:r>
+            <a:endParaRPr lang="en-US" dirty="0"/>
+          </a:p>
+          <a:p>
+            <a:endParaRPr lang="en-US" dirty="0"/>
+          </a:p>
+          <a:p>
+            <a:r>
+              <a:rPr lang="en-US" dirty="0"/>
+              <a:t>Example at </a:t>
+            </a:r>
+            <a:r>
+              <a:rPr lang="en-US" dirty="0">
+                <a:hlinkClick r:id="rId3"/>
+              </a:rPr>
+              <a:t>https://github.com/the-road-to-graphql/fullstack-apollo-subscription-example</a:t>
+            </a:r>
+            <a:endParaRPr lang="en-US" dirty="0"/>
           </a:p>
         </p:txBody>
       </p:sp>
     </p:spTree>
     <p:extLst>
       <p:ext uri="{BB962C8B-B14F-4D97-AF65-F5344CB8AC3E}">
-        <p14:creationId xmlns:p14="http://schemas.microsoft.com/office/powerpoint/2010/main" val="1976016434"/>
+        <p14:creationId xmlns:p14="http://schemas.microsoft.com/office/powerpoint/2010/main" val="1277952499"/>
       </p:ext>
     </p:extLst>
   </p:cSld>
@@ -12181,7 +12440,7 @@
           <p:cNvPr id="2" name="Title 1">
             <a:extLst>
               <a:ext uri="{FF2B5EF4-FFF2-40B4-BE49-F238E27FC236}">
-                <a16:creationId xmlns:a16="http://schemas.microsoft.com/office/drawing/2014/main" id="{A0E6B26E-2CF5-4D3B-9BBE-FA0A43A888FE}"/>
+                <a16:creationId xmlns:a16="http://schemas.microsoft.com/office/drawing/2014/main" id="{B2FC7163-C1B0-45D4-85C8-5C6CE29EDBF0}"/>
               </a:ext>
             </a:extLst>
           </p:cNvPr>
@@ -12197,14 +12456,53 @@
           <a:bodyPr/>
           <a:lstStyle/>
           <a:p>
-            <a:pPr algn="ctr"/>
-            <a:r>
-              <a:rPr lang="en-US" dirty="0">
-                <a:solidFill>
-                  <a:srgbClr val="FFFF00"/>
-                </a:solidFill>
-              </a:rPr>
-              <a:t>PRODUCTION</a:t>
+            <a:r>
+              <a:rPr lang="en-US" dirty="0"/>
+              <a:t>Development – Federation</a:t>
+            </a:r>
+          </a:p>
+        </p:txBody>
+      </p:sp>
+      <p:sp>
+        <p:nvSpPr>
+          <p:cNvPr id="3" name="Content Placeholder 2">
+            <a:extLst>
+              <a:ext uri="{FF2B5EF4-FFF2-40B4-BE49-F238E27FC236}">
+                <a16:creationId xmlns:a16="http://schemas.microsoft.com/office/drawing/2014/main" id="{1DEB553E-1021-40AD-B964-83A91E1CB456}"/>
+              </a:ext>
+            </a:extLst>
+          </p:cNvPr>
+          <p:cNvSpPr>
+            <a:spLocks noGrp="1"/>
+          </p:cNvSpPr>
+          <p:nvPr>
+            <p:ph idx="1"/>
+          </p:nvPr>
+        </p:nvSpPr>
+        <p:spPr/>
+        <p:txBody>
+          <a:bodyPr anchor="t"/>
+          <a:lstStyle/>
+          <a:p>
+            <a:r>
+              <a:rPr lang="en-US" dirty="0"/>
+              <a:t>Have a set of different services</a:t>
+            </a:r>
+          </a:p>
+          <a:p>
+            <a:r>
+              <a:rPr lang="en-US" dirty="0"/>
+              <a:t>These services have relationships in data schemas.</a:t>
+            </a:r>
+          </a:p>
+          <a:p>
+            <a:pPr>
+              <a:buFont typeface="Wingdings" panose="05000000000000000000" pitchFamily="2" charset="2"/>
+              <a:buChar char="Ø"/>
+            </a:pPr>
+            <a:r>
+              <a:rPr lang="en-US" dirty="0"/>
+              <a:t>Build a gateway to support a gateway to support queries through services, not need to query multiple times.</a:t>
             </a:r>
           </a:p>
         </p:txBody>
@@ -12212,7 +12510,7 @@
     </p:spTree>
     <p:extLst>
       <p:ext uri="{BB962C8B-B14F-4D97-AF65-F5344CB8AC3E}">
-        <p14:creationId xmlns:p14="http://schemas.microsoft.com/office/powerpoint/2010/main" val="4200618044"/>
+        <p14:creationId xmlns:p14="http://schemas.microsoft.com/office/powerpoint/2010/main" val="2493991099"/>
       </p:ext>
     </p:extLst>
   </p:cSld>
@@ -12244,7 +12542,7 @@
           <p:cNvPr id="2" name="Title 1">
             <a:extLst>
               <a:ext uri="{FF2B5EF4-FFF2-40B4-BE49-F238E27FC236}">
-                <a16:creationId xmlns:a16="http://schemas.microsoft.com/office/drawing/2014/main" id="{14911C8A-A21C-4810-9420-08C0381CED1C}"/>
+                <a16:creationId xmlns:a16="http://schemas.microsoft.com/office/drawing/2014/main" id="{B2FC7163-C1B0-45D4-85C8-5C6CE29EDBF0}"/>
               </a:ext>
             </a:extLst>
           </p:cNvPr>
@@ -12262,7 +12560,7 @@
           <a:p>
             <a:r>
               <a:rPr lang="en-US" dirty="0"/>
-              <a:t>Production – Performance</a:t>
+              <a:t>Development – Federation</a:t>
             </a:r>
           </a:p>
         </p:txBody>
@@ -12272,7 +12570,7 @@
           <p:cNvPr id="3" name="Content Placeholder 2">
             <a:extLst>
               <a:ext uri="{FF2B5EF4-FFF2-40B4-BE49-F238E27FC236}">
-                <a16:creationId xmlns:a16="http://schemas.microsoft.com/office/drawing/2014/main" id="{D08705A5-1AA7-428F-ABFB-3A7AAD68976C}"/>
+                <a16:creationId xmlns:a16="http://schemas.microsoft.com/office/drawing/2014/main" id="{1DEB553E-1021-40AD-B964-83A91E1CB456}"/>
               </a:ext>
             </a:extLst>
           </p:cNvPr>
@@ -12285,17 +12583,36 @@
         </p:nvSpPr>
         <p:spPr/>
         <p:txBody>
-          <a:bodyPr/>
-          <a:lstStyle/>
-          <a:p>
-            <a:endParaRPr lang="en-US"/>
+          <a:bodyPr anchor="t"/>
+          <a:lstStyle/>
+          <a:p>
+            <a:r>
+              <a:rPr lang="en-US" dirty="0"/>
+              <a:t>Have a set of different services</a:t>
+            </a:r>
+          </a:p>
+          <a:p>
+            <a:r>
+              <a:rPr lang="en-US" dirty="0"/>
+              <a:t>These services have relationships in data schemas.</a:t>
+            </a:r>
+          </a:p>
+          <a:p>
+            <a:pPr>
+              <a:buFont typeface="Wingdings" panose="05000000000000000000" pitchFamily="2" charset="2"/>
+              <a:buChar char="Ø"/>
+            </a:pPr>
+            <a:r>
+              <a:rPr lang="en-US" dirty="0"/>
+              <a:t>Build a gateway to support a gateway to support queries through services, not need to query multiple times.</a:t>
+            </a:r>
           </a:p>
         </p:txBody>
       </p:sp>
     </p:spTree>
     <p:extLst>
       <p:ext uri="{BB962C8B-B14F-4D97-AF65-F5344CB8AC3E}">
-        <p14:creationId xmlns:p14="http://schemas.microsoft.com/office/powerpoint/2010/main" val="3353568046"/>
+        <p14:creationId xmlns:p14="http://schemas.microsoft.com/office/powerpoint/2010/main" val="3339077990"/>
       </p:ext>
     </p:extLst>
   </p:cSld>
@@ -12327,7 +12644,7 @@
           <p:cNvPr id="2" name="Title 1">
             <a:extLst>
               <a:ext uri="{FF2B5EF4-FFF2-40B4-BE49-F238E27FC236}">
-                <a16:creationId xmlns:a16="http://schemas.microsoft.com/office/drawing/2014/main" id="{48A575CE-15E7-4979-8E90-EBEC7D2FC246}"/>
+                <a16:creationId xmlns:a16="http://schemas.microsoft.com/office/drawing/2014/main" id="{B2FC7163-C1B0-45D4-85C8-5C6CE29EDBF0}"/>
               </a:ext>
             </a:extLst>
           </p:cNvPr>
@@ -12345,7 +12662,7 @@
           <a:p>
             <a:r>
               <a:rPr lang="en-US" dirty="0"/>
-              <a:t>Production – Security</a:t>
+              <a:t>Development – Federation</a:t>
             </a:r>
           </a:p>
         </p:txBody>
@@ -12355,7 +12672,7 @@
           <p:cNvPr id="3" name="Content Placeholder 2">
             <a:extLst>
               <a:ext uri="{FF2B5EF4-FFF2-40B4-BE49-F238E27FC236}">
-                <a16:creationId xmlns:a16="http://schemas.microsoft.com/office/drawing/2014/main" id="{D59D7E32-9DBF-404E-9B00-A9A0A0FB9FA8}"/>
+                <a16:creationId xmlns:a16="http://schemas.microsoft.com/office/drawing/2014/main" id="{1DEB553E-1021-40AD-B964-83A91E1CB456}"/>
               </a:ext>
             </a:extLst>
           </p:cNvPr>
@@ -12368,17 +12685,56 @@
         </p:nvSpPr>
         <p:spPr/>
         <p:txBody>
-          <a:bodyPr/>
-          <a:lstStyle/>
-          <a:p>
-            <a:endParaRPr lang="en-US"/>
-          </a:p>
-        </p:txBody>
-      </p:sp>
+          <a:bodyPr anchor="t"/>
+          <a:lstStyle/>
+          <a:p>
+            <a:r>
+              <a:rPr lang="en-US" dirty="0"/>
+              <a:t>A sample gateway</a:t>
+            </a:r>
+          </a:p>
+        </p:txBody>
+      </p:sp>
+      <p:pic>
+        <p:nvPicPr>
+          <p:cNvPr id="5" name="Picture 4" descr="A screenshot of a cell phone&#10;&#10;Description automatically generated">
+            <a:extLst>
+              <a:ext uri="{FF2B5EF4-FFF2-40B4-BE49-F238E27FC236}">
+                <a16:creationId xmlns:a16="http://schemas.microsoft.com/office/drawing/2014/main" id="{3C6D501E-C074-4947-8E8C-286E94157C0B}"/>
+              </a:ext>
+            </a:extLst>
+          </p:cNvPr>
+          <p:cNvPicPr>
+            <a:picLocks noChangeAspect="1"/>
+          </p:cNvPicPr>
+          <p:nvPr/>
+        </p:nvPicPr>
+        <p:blipFill>
+          <a:blip r:embed="rId2">
+            <a:extLst>
+              <a:ext uri="{28A0092B-C50C-407E-A947-70E740481C1C}">
+                <a14:useLocalDpi xmlns:a14="http://schemas.microsoft.com/office/drawing/2010/main" val="0"/>
+              </a:ext>
+            </a:extLst>
+          </a:blip>
+          <a:stretch>
+            <a:fillRect/>
+          </a:stretch>
+        </p:blipFill>
+        <p:spPr>
+          <a:xfrm>
+            <a:off x="5495022" y="1885285"/>
+            <a:ext cx="5430008" cy="4439270"/>
+          </a:xfrm>
+          <a:prstGeom prst="rect">
+            <a:avLst/>
+          </a:prstGeom>
+        </p:spPr>
+      </p:pic>
     </p:spTree>
     <p:extLst>
       <p:ext uri="{BB962C8B-B14F-4D97-AF65-F5344CB8AC3E}">
-        <p14:creationId xmlns:p14="http://schemas.microsoft.com/office/powerpoint/2010/main" val="1658671457"/>
+        <p14:creationId xmlns:p14="http://schemas.microsoft.com/office/powerpoint/2010/main" val="1511969014"/>
       </p:ext>
     </p:extLst>
   </p:cSld>
@@ -12410,7 +12766,7 @@
           <p:cNvPr id="2" name="Title 1">
             <a:extLst>
               <a:ext uri="{FF2B5EF4-FFF2-40B4-BE49-F238E27FC236}">
-                <a16:creationId xmlns:a16="http://schemas.microsoft.com/office/drawing/2014/main" id="{454E7A1F-8172-4C97-8F3D-0CF7DE4AF7C5}"/>
+                <a16:creationId xmlns:a16="http://schemas.microsoft.com/office/drawing/2014/main" id="{B2FC7163-C1B0-45D4-85C8-5C6CE29EDBF0}"/>
               </a:ext>
             </a:extLst>
           </p:cNvPr>
@@ -12428,7 +12784,7 @@
           <a:p>
             <a:r>
               <a:rPr lang="en-US" dirty="0"/>
-              <a:t>Production – Integration</a:t>
+              <a:t>Development – Federation</a:t>
             </a:r>
           </a:p>
         </p:txBody>
@@ -12438,7 +12794,7 @@
           <p:cNvPr id="3" name="Content Placeholder 2">
             <a:extLst>
               <a:ext uri="{FF2B5EF4-FFF2-40B4-BE49-F238E27FC236}">
-                <a16:creationId xmlns:a16="http://schemas.microsoft.com/office/drawing/2014/main" id="{96911F6A-793F-4AB8-A2DC-0FBE9C33105F}"/>
+                <a16:creationId xmlns:a16="http://schemas.microsoft.com/office/drawing/2014/main" id="{1DEB553E-1021-40AD-B964-83A91E1CB456}"/>
               </a:ext>
             </a:extLst>
           </p:cNvPr>
@@ -12451,17 +12807,56 @@
         </p:nvSpPr>
         <p:spPr/>
         <p:txBody>
-          <a:bodyPr/>
-          <a:lstStyle/>
-          <a:p>
-            <a:endParaRPr lang="en-US"/>
+          <a:bodyPr anchor="t"/>
+          <a:lstStyle/>
+          <a:p>
+            <a:r>
+              <a:rPr lang="en-US" dirty="0"/>
+              <a:t>Schemas between services – reuse type</a:t>
+            </a:r>
+          </a:p>
+          <a:p>
+            <a:pPr lvl="1">
+              <a:buFont typeface="Courier New" panose="02070309020205020404" pitchFamily="49" charset="0"/>
+              <a:buChar char="o"/>
+            </a:pPr>
+            <a:r>
+              <a:rPr lang="en-US" dirty="0"/>
+              <a:t>Transform a normal type into an entity with key directive (primary key fields) in the original service.</a:t>
+            </a:r>
+          </a:p>
+          <a:p>
+            <a:pPr lvl="1">
+              <a:buFont typeface="Courier New" panose="02070309020205020404" pitchFamily="49" charset="0"/>
+              <a:buChar char="o"/>
+            </a:pPr>
+            <a:r>
+              <a:rPr lang="en-US" dirty="0"/>
+              <a:t>In other services, declare a stub of that entity with conditions: adding extend and external keywords; key directive and primary key fields must be the same as in the original service</a:t>
+            </a:r>
+          </a:p>
+          <a:p>
+            <a:r>
+              <a:rPr lang="en-US" dirty="0"/>
+              <a:t>Schemas between services – duplicate value types (scalar, interface, and so on)</a:t>
+            </a:r>
+          </a:p>
+          <a:p>
+            <a:pPr lvl="1">
+              <a:buFont typeface="Courier New" panose="02070309020205020404" pitchFamily="49" charset="0"/>
+              <a:buChar char="o"/>
+            </a:pPr>
+            <a:r>
+              <a:rPr lang="en-US" dirty="0"/>
+              <a:t>Types must be identical in name and contents</a:t>
+            </a:r>
           </a:p>
         </p:txBody>
       </p:sp>
     </p:spTree>
     <p:extLst>
       <p:ext uri="{BB962C8B-B14F-4D97-AF65-F5344CB8AC3E}">
-        <p14:creationId xmlns:p14="http://schemas.microsoft.com/office/powerpoint/2010/main" val="4190549591"/>
+        <p14:creationId xmlns:p14="http://schemas.microsoft.com/office/powerpoint/2010/main" val="2196796864"/>
       </p:ext>
     </p:extLst>
   </p:cSld>
@@ -12493,7 +12888,7 @@
           <p:cNvPr id="2" name="Title 1">
             <a:extLst>
               <a:ext uri="{FF2B5EF4-FFF2-40B4-BE49-F238E27FC236}">
-                <a16:creationId xmlns:a16="http://schemas.microsoft.com/office/drawing/2014/main" id="{35C22CD1-C1C5-4644-87BD-77B74AB22A4D}"/>
+                <a16:creationId xmlns:a16="http://schemas.microsoft.com/office/drawing/2014/main" id="{B2FC7163-C1B0-45D4-85C8-5C6CE29EDBF0}"/>
               </a:ext>
             </a:extLst>
           </p:cNvPr>
@@ -12511,7 +12906,7 @@
           <a:p>
             <a:r>
               <a:rPr lang="en-US" dirty="0"/>
-              <a:t>Production – Deployment</a:t>
+              <a:t>Development – Federation</a:t>
             </a:r>
           </a:p>
         </p:txBody>
@@ -12521,7 +12916,7 @@
           <p:cNvPr id="3" name="Content Placeholder 2">
             <a:extLst>
               <a:ext uri="{FF2B5EF4-FFF2-40B4-BE49-F238E27FC236}">
-                <a16:creationId xmlns:a16="http://schemas.microsoft.com/office/drawing/2014/main" id="{3CD0DD2C-228B-4281-9175-C7890F6671E9}"/>
+                <a16:creationId xmlns:a16="http://schemas.microsoft.com/office/drawing/2014/main" id="{1DEB553E-1021-40AD-B964-83A91E1CB456}"/>
               </a:ext>
             </a:extLst>
           </p:cNvPr>
@@ -12534,17 +12929,162 @@
         </p:nvSpPr>
         <p:spPr/>
         <p:txBody>
-          <a:bodyPr/>
-          <a:lstStyle/>
-          <a:p>
-            <a:endParaRPr lang="en-US"/>
+          <a:bodyPr anchor="t"/>
+          <a:lstStyle/>
+          <a:p>
+            <a:r>
+              <a:rPr lang="en-US" dirty="0"/>
+              <a:t>Schemas between services sample</a:t>
+            </a:r>
+          </a:p>
+        </p:txBody>
+      </p:sp>
+      <p:pic>
+        <p:nvPicPr>
+          <p:cNvPr id="7" name="Picture 6" descr="A screenshot of a cell phone&#10;&#10;Description automatically generated">
+            <a:extLst>
+              <a:ext uri="{FF2B5EF4-FFF2-40B4-BE49-F238E27FC236}">
+                <a16:creationId xmlns:a16="http://schemas.microsoft.com/office/drawing/2014/main" id="{12746F4A-F762-41CA-A580-3C5A846F8360}"/>
+              </a:ext>
+            </a:extLst>
+          </p:cNvPr>
+          <p:cNvPicPr>
+            <a:picLocks noChangeAspect="1"/>
+          </p:cNvPicPr>
+          <p:nvPr/>
+        </p:nvPicPr>
+        <p:blipFill>
+          <a:blip r:embed="rId2">
+            <a:extLst>
+              <a:ext uri="{28A0092B-C50C-407E-A947-70E740481C1C}">
+                <a14:useLocalDpi xmlns:a14="http://schemas.microsoft.com/office/drawing/2010/main" val="0"/>
+              </a:ext>
+            </a:extLst>
+          </a:blip>
+          <a:stretch>
+            <a:fillRect/>
+          </a:stretch>
+        </p:blipFill>
+        <p:spPr>
+          <a:xfrm>
+            <a:off x="5645027" y="3354744"/>
+            <a:ext cx="4925112" cy="1848108"/>
+          </a:xfrm>
+          <a:prstGeom prst="rect">
+            <a:avLst/>
+          </a:prstGeom>
+        </p:spPr>
+      </p:pic>
+      <p:sp>
+        <p:nvSpPr>
+          <p:cNvPr id="8" name="TextBox 7">
+            <a:extLst>
+              <a:ext uri="{FF2B5EF4-FFF2-40B4-BE49-F238E27FC236}">
+                <a16:creationId xmlns:a16="http://schemas.microsoft.com/office/drawing/2014/main" id="{03BAFE6E-81A6-4B01-841D-984A513928B1}"/>
+              </a:ext>
+            </a:extLst>
+          </p:cNvPr>
+          <p:cNvSpPr txBox="1"/>
+          <p:nvPr/>
+        </p:nvSpPr>
+        <p:spPr>
+          <a:xfrm>
+            <a:off x="7239396" y="2818581"/>
+            <a:ext cx="1736373" cy="369332"/>
+          </a:xfrm>
+          <a:prstGeom prst="rect">
+            <a:avLst/>
+          </a:prstGeom>
+          <a:noFill/>
+        </p:spPr>
+        <p:txBody>
+          <a:bodyPr wrap="none" rtlCol="0">
+            <a:spAutoFit/>
+          </a:bodyPr>
+          <a:lstStyle/>
+          <a:p>
+            <a:r>
+              <a:rPr lang="en-US" dirty="0"/>
+              <a:t>Review service</a:t>
+            </a:r>
+          </a:p>
+        </p:txBody>
+      </p:sp>
+      <p:pic>
+        <p:nvPicPr>
+          <p:cNvPr id="10" name="Picture 9" descr="A screenshot of a cell phone&#10;&#10;Description automatically generated">
+            <a:extLst>
+              <a:ext uri="{FF2B5EF4-FFF2-40B4-BE49-F238E27FC236}">
+                <a16:creationId xmlns:a16="http://schemas.microsoft.com/office/drawing/2014/main" id="{3C86D9F5-FE7B-4330-97EE-2E37440DCAF6}"/>
+              </a:ext>
+            </a:extLst>
+          </p:cNvPr>
+          <p:cNvPicPr>
+            <a:picLocks noChangeAspect="1"/>
+          </p:cNvPicPr>
+          <p:nvPr/>
+        </p:nvPicPr>
+        <p:blipFill>
+          <a:blip r:embed="rId3">
+            <a:extLst>
+              <a:ext uri="{28A0092B-C50C-407E-A947-70E740481C1C}">
+                <a14:useLocalDpi xmlns:a14="http://schemas.microsoft.com/office/drawing/2010/main" val="0"/>
+              </a:ext>
+            </a:extLst>
+          </a:blip>
+          <a:stretch>
+            <a:fillRect/>
+          </a:stretch>
+        </p:blipFill>
+        <p:spPr>
+          <a:xfrm>
+            <a:off x="1621861" y="3354744"/>
+            <a:ext cx="3334215" cy="1257475"/>
+          </a:xfrm>
+          <a:prstGeom prst="rect">
+            <a:avLst/>
+          </a:prstGeom>
+        </p:spPr>
+      </p:pic>
+      <p:sp>
+        <p:nvSpPr>
+          <p:cNvPr id="11" name="TextBox 10">
+            <a:extLst>
+              <a:ext uri="{FF2B5EF4-FFF2-40B4-BE49-F238E27FC236}">
+                <a16:creationId xmlns:a16="http://schemas.microsoft.com/office/drawing/2014/main" id="{1E74B209-1B5C-4CF4-9D9D-A03A4CE6E305}"/>
+              </a:ext>
+            </a:extLst>
+          </p:cNvPr>
+          <p:cNvSpPr txBox="1"/>
+          <p:nvPr/>
+        </p:nvSpPr>
+        <p:spPr>
+          <a:xfrm>
+            <a:off x="2401545" y="2818581"/>
+            <a:ext cx="1774845" cy="369332"/>
+          </a:xfrm>
+          <a:prstGeom prst="rect">
+            <a:avLst/>
+          </a:prstGeom>
+          <a:noFill/>
+        </p:spPr>
+        <p:txBody>
+          <a:bodyPr wrap="none" rtlCol="0">
+            <a:spAutoFit/>
+          </a:bodyPr>
+          <a:lstStyle/>
+          <a:p>
+            <a:r>
+              <a:rPr lang="en-US" dirty="0"/>
+              <a:t>Product service</a:t>
+            </a:r>
           </a:p>
         </p:txBody>
       </p:sp>
     </p:spTree>
     <p:extLst>
       <p:ext uri="{BB962C8B-B14F-4D97-AF65-F5344CB8AC3E}">
-        <p14:creationId xmlns:p14="http://schemas.microsoft.com/office/powerpoint/2010/main" val="3497693328"/>
+        <p14:creationId xmlns:p14="http://schemas.microsoft.com/office/powerpoint/2010/main" val="1822974709"/>
       </p:ext>
     </p:extLst>
   </p:cSld>
@@ -12573,10 +13113,10 @@
       </p:grpSpPr>
       <p:sp>
         <p:nvSpPr>
-          <p:cNvPr id="4" name="Title 3">
+          <p:cNvPr id="2" name="Title 1">
             <a:extLst>
               <a:ext uri="{FF2B5EF4-FFF2-40B4-BE49-F238E27FC236}">
-                <a16:creationId xmlns:a16="http://schemas.microsoft.com/office/drawing/2014/main" id="{AE6FE9D2-9C7E-497C-90C4-E6199C7CA3CD}"/>
+                <a16:creationId xmlns:a16="http://schemas.microsoft.com/office/drawing/2014/main" id="{B2FC7163-C1B0-45D4-85C8-5C6CE29EDBF0}"/>
               </a:ext>
             </a:extLst>
           </p:cNvPr>
@@ -12592,18 +13132,52 @@
           <a:bodyPr/>
           <a:lstStyle/>
           <a:p>
-            <a:pPr algn="ctr"/>
             <a:r>
               <a:rPr lang="en-US" dirty="0"/>
-              <a:t>END</a:t>
-            </a:r>
+              <a:t>Development – Federation</a:t>
+            </a:r>
+          </a:p>
+        </p:txBody>
+      </p:sp>
+      <p:sp>
+        <p:nvSpPr>
+          <p:cNvPr id="3" name="Content Placeholder 2">
+            <a:extLst>
+              <a:ext uri="{FF2B5EF4-FFF2-40B4-BE49-F238E27FC236}">
+                <a16:creationId xmlns:a16="http://schemas.microsoft.com/office/drawing/2014/main" id="{1DEB553E-1021-40AD-B964-83A91E1CB456}"/>
+              </a:ext>
+            </a:extLst>
+          </p:cNvPr>
+          <p:cNvSpPr>
+            <a:spLocks noGrp="1"/>
+          </p:cNvSpPr>
+          <p:nvPr>
+            <p:ph idx="1"/>
+          </p:nvPr>
+        </p:nvSpPr>
+        <p:spPr/>
+        <p:txBody>
+          <a:bodyPr anchor="t"/>
+          <a:lstStyle/>
+          <a:p>
+            <a:r>
+              <a:rPr lang="en-US" dirty="0"/>
+              <a:t>Demonstration: </a:t>
+            </a:r>
+            <a:r>
+              <a:rPr lang="en-US" dirty="0">
+                <a:hlinkClick r:id="rId2"/>
+              </a:rPr>
+              <a:t>https://github.com/apollographql/federation-demo</a:t>
+            </a:r>
+            <a:endParaRPr lang="en-US" dirty="0"/>
           </a:p>
         </p:txBody>
       </p:sp>
     </p:spTree>
     <p:extLst>
       <p:ext uri="{BB962C8B-B14F-4D97-AF65-F5344CB8AC3E}">
-        <p14:creationId xmlns:p14="http://schemas.microsoft.com/office/powerpoint/2010/main" val="557842199"/>
+        <p14:creationId xmlns:p14="http://schemas.microsoft.com/office/powerpoint/2010/main" val="54301537"/>
       </p:ext>
     </p:extLst>
   </p:cSld>
@@ -12632,6 +13206,2918 @@
       </p:grpSpPr>
       <p:sp>
         <p:nvSpPr>
+          <p:cNvPr id="2" name="Title 1">
+            <a:extLst>
+              <a:ext uri="{FF2B5EF4-FFF2-40B4-BE49-F238E27FC236}">
+                <a16:creationId xmlns:a16="http://schemas.microsoft.com/office/drawing/2014/main" id="{2681AC72-4DE4-41DD-8F5F-B3078EBA7CC7}"/>
+              </a:ext>
+            </a:extLst>
+          </p:cNvPr>
+          <p:cNvSpPr>
+            <a:spLocks noGrp="1"/>
+          </p:cNvSpPr>
+          <p:nvPr>
+            <p:ph type="title"/>
+          </p:nvPr>
+        </p:nvSpPr>
+        <p:spPr/>
+        <p:txBody>
+          <a:bodyPr/>
+          <a:lstStyle/>
+          <a:p>
+            <a:r>
+              <a:rPr lang="en-US" dirty="0"/>
+              <a:t>Development – Testing</a:t>
+            </a:r>
+          </a:p>
+        </p:txBody>
+      </p:sp>
+      <p:sp>
+        <p:nvSpPr>
+          <p:cNvPr id="3" name="Content Placeholder 2">
+            <a:extLst>
+              <a:ext uri="{FF2B5EF4-FFF2-40B4-BE49-F238E27FC236}">
+                <a16:creationId xmlns:a16="http://schemas.microsoft.com/office/drawing/2014/main" id="{837A7E9D-A65B-4683-A930-C834B19726A4}"/>
+              </a:ext>
+            </a:extLst>
+          </p:cNvPr>
+          <p:cNvSpPr>
+            <a:spLocks noGrp="1"/>
+          </p:cNvSpPr>
+          <p:nvPr>
+            <p:ph idx="1"/>
+          </p:nvPr>
+        </p:nvSpPr>
+        <p:spPr/>
+        <p:txBody>
+          <a:bodyPr anchor="t"/>
+          <a:lstStyle/>
+          <a:p>
+            <a:r>
+              <a:rPr lang="en-US" dirty="0"/>
+              <a:t>Based on GraphQL, Apollo server implements Mocks</a:t>
+            </a:r>
+          </a:p>
+          <a:p>
+            <a:pPr lvl="1"/>
+            <a:r>
+              <a:rPr lang="en-US" dirty="0"/>
+              <a:t>Testing parts can be developed without implementations of other backend components.</a:t>
+            </a:r>
+          </a:p>
+          <a:p>
+            <a:pPr lvl="1"/>
+            <a:endParaRPr lang="en-US" dirty="0"/>
+          </a:p>
+          <a:p>
+            <a:pPr lvl="1"/>
+            <a:r>
+              <a:rPr lang="en-US" dirty="0"/>
+              <a:t>Let UI components and features be developed quickly.</a:t>
+            </a:r>
+          </a:p>
+          <a:p>
+            <a:pPr lvl="1"/>
+            <a:endParaRPr lang="en-US" dirty="0"/>
+          </a:p>
+        </p:txBody>
+      </p:sp>
+    </p:spTree>
+    <p:extLst>
+      <p:ext uri="{BB962C8B-B14F-4D97-AF65-F5344CB8AC3E}">
+        <p14:creationId xmlns:p14="http://schemas.microsoft.com/office/powerpoint/2010/main" val="1976016434"/>
+      </p:ext>
+    </p:extLst>
+  </p:cSld>
+  <p:clrMapOvr>
+    <a:masterClrMapping/>
+  </p:clrMapOvr>
+</p:sld>
+</file>
+
+<file path=ppt/slides/slide27.xml><?xml version="1.0" encoding="utf-8"?>
+<p:sld xmlns:a="http://schemas.openxmlformats.org/drawingml/2006/main" xmlns:r="http://schemas.openxmlformats.org/officeDocument/2006/relationships" xmlns:p="http://schemas.openxmlformats.org/presentationml/2006/main">
+  <p:cSld>
+    <p:spTree>
+      <p:nvGrpSpPr>
+        <p:cNvPr id="1" name=""/>
+        <p:cNvGrpSpPr/>
+        <p:nvPr/>
+      </p:nvGrpSpPr>
+      <p:grpSpPr>
+        <a:xfrm>
+          <a:off x="0" y="0"/>
+          <a:ext cx="0" cy="0"/>
+          <a:chOff x="0" y="0"/>
+          <a:chExt cx="0" cy="0"/>
+        </a:xfrm>
+      </p:grpSpPr>
+      <p:sp>
+        <p:nvSpPr>
+          <p:cNvPr id="2" name="Title 1">
+            <a:extLst>
+              <a:ext uri="{FF2B5EF4-FFF2-40B4-BE49-F238E27FC236}">
+                <a16:creationId xmlns:a16="http://schemas.microsoft.com/office/drawing/2014/main" id="{2681AC72-4DE4-41DD-8F5F-B3078EBA7CC7}"/>
+              </a:ext>
+            </a:extLst>
+          </p:cNvPr>
+          <p:cNvSpPr>
+            <a:spLocks noGrp="1"/>
+          </p:cNvSpPr>
+          <p:nvPr>
+            <p:ph type="title"/>
+          </p:nvPr>
+        </p:nvSpPr>
+        <p:spPr/>
+        <p:txBody>
+          <a:bodyPr/>
+          <a:lstStyle/>
+          <a:p>
+            <a:r>
+              <a:rPr lang="en-US" dirty="0"/>
+              <a:t>Development – Testing</a:t>
+            </a:r>
+          </a:p>
+        </p:txBody>
+      </p:sp>
+      <p:pic>
+        <p:nvPicPr>
+          <p:cNvPr id="5" name="Content Placeholder 4" descr="A screenshot of a cell phone&#10;&#10;Description automatically generated">
+            <a:extLst>
+              <a:ext uri="{FF2B5EF4-FFF2-40B4-BE49-F238E27FC236}">
+                <a16:creationId xmlns:a16="http://schemas.microsoft.com/office/drawing/2014/main" id="{BD2D8CF2-637D-40C0-93C4-05677AEC223B}"/>
+              </a:ext>
+            </a:extLst>
+          </p:cNvPr>
+          <p:cNvPicPr>
+            <a:picLocks noGrp="1" noChangeAspect="1"/>
+          </p:cNvPicPr>
+          <p:nvPr>
+            <p:ph idx="1"/>
+          </p:nvPr>
+        </p:nvPicPr>
+        <p:blipFill>
+          <a:blip r:embed="rId2">
+            <a:extLst>
+              <a:ext uri="{28A0092B-C50C-407E-A947-70E740481C1C}">
+                <a14:useLocalDpi xmlns:a14="http://schemas.microsoft.com/office/drawing/2010/main" val="0"/>
+              </a:ext>
+            </a:extLst>
+          </a:blip>
+          <a:stretch>
+            <a:fillRect/>
+          </a:stretch>
+        </p:blipFill>
+        <p:spPr>
+          <a:xfrm>
+            <a:off x="5797736" y="2052619"/>
+            <a:ext cx="3895047" cy="3997325"/>
+          </a:xfrm>
+        </p:spPr>
+      </p:pic>
+      <p:sp>
+        <p:nvSpPr>
+          <p:cNvPr id="6" name="TextBox 5">
+            <a:extLst>
+              <a:ext uri="{FF2B5EF4-FFF2-40B4-BE49-F238E27FC236}">
+                <a16:creationId xmlns:a16="http://schemas.microsoft.com/office/drawing/2014/main" id="{60C36271-9FC2-451C-924C-522FD62A1263}"/>
+              </a:ext>
+            </a:extLst>
+          </p:cNvPr>
+          <p:cNvSpPr txBox="1"/>
+          <p:nvPr/>
+        </p:nvSpPr>
+        <p:spPr>
+          <a:xfrm>
+            <a:off x="2611808" y="2052619"/>
+            <a:ext cx="2339167" cy="369332"/>
+          </a:xfrm>
+          <a:prstGeom prst="rect">
+            <a:avLst/>
+          </a:prstGeom>
+          <a:noFill/>
+        </p:spPr>
+        <p:txBody>
+          <a:bodyPr wrap="none" rtlCol="0">
+            <a:spAutoFit/>
+          </a:bodyPr>
+          <a:lstStyle/>
+          <a:p>
+            <a:r>
+              <a:rPr lang="en-US" dirty="0"/>
+              <a:t>A sample test server:</a:t>
+            </a:r>
+          </a:p>
+        </p:txBody>
+      </p:sp>
+    </p:spTree>
+    <p:extLst>
+      <p:ext uri="{BB962C8B-B14F-4D97-AF65-F5344CB8AC3E}">
+        <p14:creationId xmlns:p14="http://schemas.microsoft.com/office/powerpoint/2010/main" val="4202534452"/>
+      </p:ext>
+    </p:extLst>
+  </p:cSld>
+  <p:clrMapOvr>
+    <a:masterClrMapping/>
+  </p:clrMapOvr>
+</p:sld>
+</file>
+
+<file path=ppt/slides/slide28.xml><?xml version="1.0" encoding="utf-8"?>
+<p:sld xmlns:a="http://schemas.openxmlformats.org/drawingml/2006/main" xmlns:r="http://schemas.openxmlformats.org/officeDocument/2006/relationships" xmlns:p="http://schemas.openxmlformats.org/presentationml/2006/main">
+  <p:cSld>
+    <p:spTree>
+      <p:nvGrpSpPr>
+        <p:cNvPr id="1" name=""/>
+        <p:cNvGrpSpPr/>
+        <p:nvPr/>
+      </p:nvGrpSpPr>
+      <p:grpSpPr>
+        <a:xfrm>
+          <a:off x="0" y="0"/>
+          <a:ext cx="0" cy="0"/>
+          <a:chOff x="0" y="0"/>
+          <a:chExt cx="0" cy="0"/>
+        </a:xfrm>
+      </p:grpSpPr>
+      <p:sp>
+        <p:nvSpPr>
+          <p:cNvPr id="2" name="Title 1">
+            <a:extLst>
+              <a:ext uri="{FF2B5EF4-FFF2-40B4-BE49-F238E27FC236}">
+                <a16:creationId xmlns:a16="http://schemas.microsoft.com/office/drawing/2014/main" id="{A0E6B26E-2CF5-4D3B-9BBE-FA0A43A888FE}"/>
+              </a:ext>
+            </a:extLst>
+          </p:cNvPr>
+          <p:cNvSpPr>
+            <a:spLocks noGrp="1"/>
+          </p:cNvSpPr>
+          <p:nvPr>
+            <p:ph type="title"/>
+          </p:nvPr>
+        </p:nvSpPr>
+        <p:spPr/>
+        <p:txBody>
+          <a:bodyPr/>
+          <a:lstStyle/>
+          <a:p>
+            <a:pPr algn="ctr"/>
+            <a:r>
+              <a:rPr lang="en-US" dirty="0">
+                <a:solidFill>
+                  <a:srgbClr val="FFFF00"/>
+                </a:solidFill>
+              </a:rPr>
+              <a:t>PRODUCTION</a:t>
+            </a:r>
+          </a:p>
+        </p:txBody>
+      </p:sp>
+    </p:spTree>
+    <p:extLst>
+      <p:ext uri="{BB962C8B-B14F-4D97-AF65-F5344CB8AC3E}">
+        <p14:creationId xmlns:p14="http://schemas.microsoft.com/office/powerpoint/2010/main" val="4200618044"/>
+      </p:ext>
+    </p:extLst>
+  </p:cSld>
+  <p:clrMapOvr>
+    <a:masterClrMapping/>
+  </p:clrMapOvr>
+</p:sld>
+</file>
+
+<file path=ppt/slides/slide29.xml><?xml version="1.0" encoding="utf-8"?>
+<p:sld xmlns:a="http://schemas.openxmlformats.org/drawingml/2006/main" xmlns:r="http://schemas.openxmlformats.org/officeDocument/2006/relationships" xmlns:p="http://schemas.openxmlformats.org/presentationml/2006/main">
+  <p:cSld>
+    <p:spTree>
+      <p:nvGrpSpPr>
+        <p:cNvPr id="1" name=""/>
+        <p:cNvGrpSpPr/>
+        <p:nvPr/>
+      </p:nvGrpSpPr>
+      <p:grpSpPr>
+        <a:xfrm>
+          <a:off x="0" y="0"/>
+          <a:ext cx="0" cy="0"/>
+          <a:chOff x="0" y="0"/>
+          <a:chExt cx="0" cy="0"/>
+        </a:xfrm>
+      </p:grpSpPr>
+      <p:sp>
+        <p:nvSpPr>
+          <p:cNvPr id="2" name="Title 1">
+            <a:extLst>
+              <a:ext uri="{FF2B5EF4-FFF2-40B4-BE49-F238E27FC236}">
+                <a16:creationId xmlns:a16="http://schemas.microsoft.com/office/drawing/2014/main" id="{14911C8A-A21C-4810-9420-08C0381CED1C}"/>
+              </a:ext>
+            </a:extLst>
+          </p:cNvPr>
+          <p:cNvSpPr>
+            <a:spLocks noGrp="1"/>
+          </p:cNvSpPr>
+          <p:nvPr>
+            <p:ph type="title"/>
+          </p:nvPr>
+        </p:nvSpPr>
+        <p:spPr/>
+        <p:txBody>
+          <a:bodyPr/>
+          <a:lstStyle/>
+          <a:p>
+            <a:r>
+              <a:rPr lang="en-US" dirty="0"/>
+              <a:t>Production – Performance</a:t>
+            </a:r>
+          </a:p>
+        </p:txBody>
+      </p:sp>
+      <p:sp>
+        <p:nvSpPr>
+          <p:cNvPr id="3" name="Content Placeholder 2">
+            <a:extLst>
+              <a:ext uri="{FF2B5EF4-FFF2-40B4-BE49-F238E27FC236}">
+                <a16:creationId xmlns:a16="http://schemas.microsoft.com/office/drawing/2014/main" id="{D08705A5-1AA7-428F-ABFB-3A7AAD68976C}"/>
+              </a:ext>
+            </a:extLst>
+          </p:cNvPr>
+          <p:cNvSpPr>
+            <a:spLocks noGrp="1"/>
+          </p:cNvSpPr>
+          <p:nvPr>
+            <p:ph idx="1"/>
+          </p:nvPr>
+        </p:nvSpPr>
+        <p:spPr/>
+        <p:txBody>
+          <a:bodyPr anchor="t"/>
+          <a:lstStyle/>
+          <a:p>
+            <a:r>
+              <a:rPr lang="en-US" dirty="0"/>
+              <a:t>Cache</a:t>
+            </a:r>
+          </a:p>
+          <a:p>
+            <a:pPr lvl="1"/>
+            <a:r>
+              <a:rPr lang="en-US" dirty="0"/>
+              <a:t>Apollo Server supports cache on every field in a type in schemas.</a:t>
+            </a:r>
+          </a:p>
+          <a:p>
+            <a:pPr lvl="1"/>
+            <a:r>
+              <a:rPr lang="en-US" dirty="0"/>
+              <a:t>Input properties are time limit for caching and scope of caching.</a:t>
+            </a:r>
+          </a:p>
+          <a:p>
+            <a:pPr lvl="1"/>
+            <a:r>
+              <a:rPr lang="en-US" dirty="0"/>
+              <a:t>Time limit is in second.</a:t>
+            </a:r>
+          </a:p>
+          <a:p>
+            <a:pPr lvl="1"/>
+            <a:r>
+              <a:rPr lang="en-US" dirty="0"/>
+              <a:t>Scope of caching (possible values = PUBLIC / PRIVATE) is to share between sessions (!?).</a:t>
+            </a:r>
+          </a:p>
+        </p:txBody>
+      </p:sp>
+    </p:spTree>
+    <p:extLst>
+      <p:ext uri="{BB962C8B-B14F-4D97-AF65-F5344CB8AC3E}">
+        <p14:creationId xmlns:p14="http://schemas.microsoft.com/office/powerpoint/2010/main" val="3353568046"/>
+      </p:ext>
+    </p:extLst>
+  </p:cSld>
+  <p:clrMapOvr>
+    <a:masterClrMapping/>
+  </p:clrMapOvr>
+</p:sld>
+</file>
+
+<file path=ppt/slides/slide3.xml><?xml version="1.0" encoding="utf-8"?>
+<p:sld xmlns:a="http://schemas.openxmlformats.org/drawingml/2006/main" xmlns:r="http://schemas.openxmlformats.org/officeDocument/2006/relationships" xmlns:p="http://schemas.openxmlformats.org/presentationml/2006/main">
+  <p:cSld>
+    <p:spTree>
+      <p:nvGrpSpPr>
+        <p:cNvPr id="1" name=""/>
+        <p:cNvGrpSpPr/>
+        <p:nvPr/>
+      </p:nvGrpSpPr>
+      <p:grpSpPr>
+        <a:xfrm>
+          <a:off x="0" y="0"/>
+          <a:ext cx="0" cy="0"/>
+          <a:chOff x="0" y="0"/>
+          <a:chExt cx="0" cy="0"/>
+        </a:xfrm>
+      </p:grpSpPr>
+      <p:sp>
+        <p:nvSpPr>
+          <p:cNvPr id="4" name="Title 3">
+            <a:extLst>
+              <a:ext uri="{FF2B5EF4-FFF2-40B4-BE49-F238E27FC236}">
+                <a16:creationId xmlns:a16="http://schemas.microsoft.com/office/drawing/2014/main" id="{D37E5F1F-CB25-443A-81F5-03C8578FD76F}"/>
+              </a:ext>
+            </a:extLst>
+          </p:cNvPr>
+          <p:cNvSpPr>
+            <a:spLocks noGrp="1"/>
+          </p:cNvSpPr>
+          <p:nvPr>
+            <p:ph type="title"/>
+          </p:nvPr>
+        </p:nvSpPr>
+        <p:spPr/>
+        <p:txBody>
+          <a:bodyPr/>
+          <a:lstStyle/>
+          <a:p>
+            <a:pPr algn="ctr"/>
+            <a:r>
+              <a:rPr lang="en-US" dirty="0">
+                <a:solidFill>
+                  <a:srgbClr val="FFFF00"/>
+                </a:solidFill>
+              </a:rPr>
+              <a:t>START</a:t>
+            </a:r>
+          </a:p>
+        </p:txBody>
+      </p:sp>
+    </p:spTree>
+    <p:extLst>
+      <p:ext uri="{BB962C8B-B14F-4D97-AF65-F5344CB8AC3E}">
+        <p14:creationId xmlns:p14="http://schemas.microsoft.com/office/powerpoint/2010/main" val="1032501503"/>
+      </p:ext>
+    </p:extLst>
+  </p:cSld>
+  <p:clrMapOvr>
+    <a:masterClrMapping/>
+  </p:clrMapOvr>
+</p:sld>
+</file>
+
+<file path=ppt/slides/slide30.xml><?xml version="1.0" encoding="utf-8"?>
+<p:sld xmlns:a="http://schemas.openxmlformats.org/drawingml/2006/main" xmlns:r="http://schemas.openxmlformats.org/officeDocument/2006/relationships" xmlns:p="http://schemas.openxmlformats.org/presentationml/2006/main">
+  <p:cSld>
+    <p:spTree>
+      <p:nvGrpSpPr>
+        <p:cNvPr id="1" name=""/>
+        <p:cNvGrpSpPr/>
+        <p:nvPr/>
+      </p:nvGrpSpPr>
+      <p:grpSpPr>
+        <a:xfrm>
+          <a:off x="0" y="0"/>
+          <a:ext cx="0" cy="0"/>
+          <a:chOff x="0" y="0"/>
+          <a:chExt cx="0" cy="0"/>
+        </a:xfrm>
+      </p:grpSpPr>
+      <p:sp>
+        <p:nvSpPr>
+          <p:cNvPr id="2" name="Title 1">
+            <a:extLst>
+              <a:ext uri="{FF2B5EF4-FFF2-40B4-BE49-F238E27FC236}">
+                <a16:creationId xmlns:a16="http://schemas.microsoft.com/office/drawing/2014/main" id="{14911C8A-A21C-4810-9420-08C0381CED1C}"/>
+              </a:ext>
+            </a:extLst>
+          </p:cNvPr>
+          <p:cNvSpPr>
+            <a:spLocks noGrp="1"/>
+          </p:cNvSpPr>
+          <p:nvPr>
+            <p:ph type="title"/>
+          </p:nvPr>
+        </p:nvSpPr>
+        <p:spPr/>
+        <p:txBody>
+          <a:bodyPr/>
+          <a:lstStyle/>
+          <a:p>
+            <a:r>
+              <a:rPr lang="en-US" dirty="0"/>
+              <a:t>Production – Performance</a:t>
+            </a:r>
+          </a:p>
+        </p:txBody>
+      </p:sp>
+      <p:sp>
+        <p:nvSpPr>
+          <p:cNvPr id="3" name="Content Placeholder 2">
+            <a:extLst>
+              <a:ext uri="{FF2B5EF4-FFF2-40B4-BE49-F238E27FC236}">
+                <a16:creationId xmlns:a16="http://schemas.microsoft.com/office/drawing/2014/main" id="{D08705A5-1AA7-428F-ABFB-3A7AAD68976C}"/>
+              </a:ext>
+            </a:extLst>
+          </p:cNvPr>
+          <p:cNvSpPr>
+            <a:spLocks noGrp="1"/>
+          </p:cNvSpPr>
+          <p:nvPr>
+            <p:ph idx="1"/>
+          </p:nvPr>
+        </p:nvSpPr>
+        <p:spPr/>
+        <p:txBody>
+          <a:bodyPr anchor="t"/>
+          <a:lstStyle/>
+          <a:p>
+            <a:r>
+              <a:rPr lang="en-US" dirty="0"/>
+              <a:t>Cache</a:t>
+            </a:r>
+          </a:p>
+        </p:txBody>
+      </p:sp>
+      <p:pic>
+        <p:nvPicPr>
+          <p:cNvPr id="5" name="Picture 4" descr="A screenshot of a cell phone&#10;&#10;Description automatically generated">
+            <a:extLst>
+              <a:ext uri="{FF2B5EF4-FFF2-40B4-BE49-F238E27FC236}">
+                <a16:creationId xmlns:a16="http://schemas.microsoft.com/office/drawing/2014/main" id="{07973BCE-49CE-42C2-81B5-9262BE69CD0C}"/>
+              </a:ext>
+            </a:extLst>
+          </p:cNvPr>
+          <p:cNvPicPr>
+            <a:picLocks noChangeAspect="1"/>
+          </p:cNvPicPr>
+          <p:nvPr/>
+        </p:nvPicPr>
+        <p:blipFill>
+          <a:blip r:embed="rId2">
+            <a:extLst>
+              <a:ext uri="{28A0092B-C50C-407E-A947-70E740481C1C}">
+                <a14:useLocalDpi xmlns:a14="http://schemas.microsoft.com/office/drawing/2010/main" val="0"/>
+              </a:ext>
+            </a:extLst>
+          </a:blip>
+          <a:stretch>
+            <a:fillRect/>
+          </a:stretch>
+        </p:blipFill>
+        <p:spPr>
+          <a:xfrm>
+            <a:off x="3823496" y="2582360"/>
+            <a:ext cx="5696745" cy="3467584"/>
+          </a:xfrm>
+          <a:prstGeom prst="rect">
+            <a:avLst/>
+          </a:prstGeom>
+        </p:spPr>
+      </p:pic>
+    </p:spTree>
+    <p:extLst>
+      <p:ext uri="{BB962C8B-B14F-4D97-AF65-F5344CB8AC3E}">
+        <p14:creationId xmlns:p14="http://schemas.microsoft.com/office/powerpoint/2010/main" val="2904624368"/>
+      </p:ext>
+    </p:extLst>
+  </p:cSld>
+  <p:clrMapOvr>
+    <a:masterClrMapping/>
+  </p:clrMapOvr>
+</p:sld>
+</file>
+
+<file path=ppt/slides/slide31.xml><?xml version="1.0" encoding="utf-8"?>
+<p:sld xmlns:a="http://schemas.openxmlformats.org/drawingml/2006/main" xmlns:r="http://schemas.openxmlformats.org/officeDocument/2006/relationships" xmlns:p="http://schemas.openxmlformats.org/presentationml/2006/main">
+  <p:cSld>
+    <p:spTree>
+      <p:nvGrpSpPr>
+        <p:cNvPr id="1" name=""/>
+        <p:cNvGrpSpPr/>
+        <p:nvPr/>
+      </p:nvGrpSpPr>
+      <p:grpSpPr>
+        <a:xfrm>
+          <a:off x="0" y="0"/>
+          <a:ext cx="0" cy="0"/>
+          <a:chOff x="0" y="0"/>
+          <a:chExt cx="0" cy="0"/>
+        </a:xfrm>
+      </p:grpSpPr>
+      <p:sp>
+        <p:nvSpPr>
+          <p:cNvPr id="2" name="Title 1">
+            <a:extLst>
+              <a:ext uri="{FF2B5EF4-FFF2-40B4-BE49-F238E27FC236}">
+                <a16:creationId xmlns:a16="http://schemas.microsoft.com/office/drawing/2014/main" id="{14911C8A-A21C-4810-9420-08C0381CED1C}"/>
+              </a:ext>
+            </a:extLst>
+          </p:cNvPr>
+          <p:cNvSpPr>
+            <a:spLocks noGrp="1"/>
+          </p:cNvSpPr>
+          <p:nvPr>
+            <p:ph type="title"/>
+          </p:nvPr>
+        </p:nvSpPr>
+        <p:spPr/>
+        <p:txBody>
+          <a:bodyPr/>
+          <a:lstStyle/>
+          <a:p>
+            <a:r>
+              <a:rPr lang="en-US" dirty="0"/>
+              <a:t>Production – Performance</a:t>
+            </a:r>
+          </a:p>
+        </p:txBody>
+      </p:sp>
+      <p:sp>
+        <p:nvSpPr>
+          <p:cNvPr id="3" name="Content Placeholder 2">
+            <a:extLst>
+              <a:ext uri="{FF2B5EF4-FFF2-40B4-BE49-F238E27FC236}">
+                <a16:creationId xmlns:a16="http://schemas.microsoft.com/office/drawing/2014/main" id="{D08705A5-1AA7-428F-ABFB-3A7AAD68976C}"/>
+              </a:ext>
+            </a:extLst>
+          </p:cNvPr>
+          <p:cNvSpPr>
+            <a:spLocks noGrp="1"/>
+          </p:cNvSpPr>
+          <p:nvPr>
+            <p:ph idx="1"/>
+          </p:nvPr>
+        </p:nvSpPr>
+        <p:spPr/>
+        <p:txBody>
+          <a:bodyPr anchor="t"/>
+          <a:lstStyle/>
+          <a:p>
+            <a:r>
+              <a:rPr lang="en-US" dirty="0"/>
+              <a:t>Automatic persisted queries</a:t>
+            </a:r>
+          </a:p>
+          <a:p>
+            <a:pPr lvl="1"/>
+            <a:r>
+              <a:rPr lang="en-US" dirty="0"/>
+              <a:t>Is designed to improve network performance by sending smaller requests</a:t>
+            </a:r>
+          </a:p>
+          <a:p>
+            <a:pPr lvl="1"/>
+            <a:r>
+              <a:rPr lang="en-US" dirty="0"/>
+              <a:t>The mechanism is based on a lightweight protocol extension between Apollo Client and Server</a:t>
+            </a:r>
+          </a:p>
+          <a:p>
+            <a:pPr lvl="1"/>
+            <a:endParaRPr lang="en-US" dirty="0"/>
+          </a:p>
+        </p:txBody>
+      </p:sp>
+    </p:spTree>
+    <p:extLst>
+      <p:ext uri="{BB962C8B-B14F-4D97-AF65-F5344CB8AC3E}">
+        <p14:creationId xmlns:p14="http://schemas.microsoft.com/office/powerpoint/2010/main" val="2783714264"/>
+      </p:ext>
+    </p:extLst>
+  </p:cSld>
+  <p:clrMapOvr>
+    <a:masterClrMapping/>
+  </p:clrMapOvr>
+</p:sld>
+</file>
+
+<file path=ppt/slides/slide32.xml><?xml version="1.0" encoding="utf-8"?>
+<p:sld xmlns:a="http://schemas.openxmlformats.org/drawingml/2006/main" xmlns:r="http://schemas.openxmlformats.org/officeDocument/2006/relationships" xmlns:p="http://schemas.openxmlformats.org/presentationml/2006/main">
+  <p:cSld>
+    <p:spTree>
+      <p:nvGrpSpPr>
+        <p:cNvPr id="1" name=""/>
+        <p:cNvGrpSpPr/>
+        <p:nvPr/>
+      </p:nvGrpSpPr>
+      <p:grpSpPr>
+        <a:xfrm>
+          <a:off x="0" y="0"/>
+          <a:ext cx="0" cy="0"/>
+          <a:chOff x="0" y="0"/>
+          <a:chExt cx="0" cy="0"/>
+        </a:xfrm>
+      </p:grpSpPr>
+      <p:sp>
+        <p:nvSpPr>
+          <p:cNvPr id="2" name="Title 1">
+            <a:extLst>
+              <a:ext uri="{FF2B5EF4-FFF2-40B4-BE49-F238E27FC236}">
+                <a16:creationId xmlns:a16="http://schemas.microsoft.com/office/drawing/2014/main" id="{14911C8A-A21C-4810-9420-08C0381CED1C}"/>
+              </a:ext>
+            </a:extLst>
+          </p:cNvPr>
+          <p:cNvSpPr>
+            <a:spLocks noGrp="1"/>
+          </p:cNvSpPr>
+          <p:nvPr>
+            <p:ph type="title"/>
+          </p:nvPr>
+        </p:nvSpPr>
+        <p:spPr/>
+        <p:txBody>
+          <a:bodyPr/>
+          <a:lstStyle/>
+          <a:p>
+            <a:r>
+              <a:rPr lang="en-US" dirty="0"/>
+              <a:t>Production – Performance</a:t>
+            </a:r>
+          </a:p>
+        </p:txBody>
+      </p:sp>
+      <p:sp>
+        <p:nvSpPr>
+          <p:cNvPr id="3" name="Content Placeholder 2">
+            <a:extLst>
+              <a:ext uri="{FF2B5EF4-FFF2-40B4-BE49-F238E27FC236}">
+                <a16:creationId xmlns:a16="http://schemas.microsoft.com/office/drawing/2014/main" id="{D08705A5-1AA7-428F-ABFB-3A7AAD68976C}"/>
+              </a:ext>
+            </a:extLst>
+          </p:cNvPr>
+          <p:cNvSpPr>
+            <a:spLocks noGrp="1"/>
+          </p:cNvSpPr>
+          <p:nvPr>
+            <p:ph idx="1"/>
+          </p:nvPr>
+        </p:nvSpPr>
+        <p:spPr/>
+        <p:txBody>
+          <a:bodyPr anchor="t"/>
+          <a:lstStyle/>
+          <a:p>
+            <a:r>
+              <a:rPr lang="en-US" dirty="0"/>
+              <a:t>Automatic persisted queries</a:t>
+            </a:r>
+          </a:p>
+          <a:p>
+            <a:pPr lvl="1"/>
+            <a:r>
+              <a:rPr lang="en-US" dirty="0"/>
+              <a:t>How it works:</a:t>
+            </a:r>
+          </a:p>
+          <a:p>
+            <a:pPr lvl="2">
+              <a:buFont typeface="+mj-lt"/>
+              <a:buAutoNum type="arabicPeriod"/>
+            </a:pPr>
+            <a:r>
+              <a:rPr lang="en-US" dirty="0"/>
+              <a:t>Client hashes the query into a 64 bytes string.</a:t>
+            </a:r>
+          </a:p>
+          <a:p>
+            <a:pPr lvl="2">
+              <a:buFont typeface="+mj-lt"/>
+              <a:buAutoNum type="arabicPeriod"/>
+            </a:pPr>
+            <a:r>
+              <a:rPr lang="en-US" dirty="0"/>
+              <a:t>Client sends the hash string to the server.</a:t>
+            </a:r>
+          </a:p>
+          <a:p>
+            <a:pPr lvl="2">
+              <a:buFont typeface="+mj-lt"/>
+              <a:buAutoNum type="arabicPeriod"/>
+            </a:pPr>
+            <a:r>
+              <a:rPr lang="en-US" dirty="0"/>
+              <a:t>If the server find that hash in its registry, the server will use the query serialized by that hash and send back the result.</a:t>
+            </a:r>
+          </a:p>
+          <a:p>
+            <a:pPr lvl="2">
+              <a:buFont typeface="+mj-lt"/>
+              <a:buAutoNum type="arabicPeriod"/>
+            </a:pPr>
+            <a:r>
+              <a:rPr lang="en-US" dirty="0"/>
+              <a:t>If the server does NOT find that hash, the server requests the client to send the full query with a hash string, which it will be stored in registry for future requests.</a:t>
+            </a:r>
+          </a:p>
+        </p:txBody>
+      </p:sp>
+    </p:spTree>
+    <p:extLst>
+      <p:ext uri="{BB962C8B-B14F-4D97-AF65-F5344CB8AC3E}">
+        <p14:creationId xmlns:p14="http://schemas.microsoft.com/office/powerpoint/2010/main" val="2516134751"/>
+      </p:ext>
+    </p:extLst>
+  </p:cSld>
+  <p:clrMapOvr>
+    <a:masterClrMapping/>
+  </p:clrMapOvr>
+</p:sld>
+</file>
+
+<file path=ppt/slides/slide33.xml><?xml version="1.0" encoding="utf-8"?>
+<p:sld xmlns:a="http://schemas.openxmlformats.org/drawingml/2006/main" xmlns:r="http://schemas.openxmlformats.org/officeDocument/2006/relationships" xmlns:p="http://schemas.openxmlformats.org/presentationml/2006/main">
+  <p:cSld>
+    <p:spTree>
+      <p:nvGrpSpPr>
+        <p:cNvPr id="1" name=""/>
+        <p:cNvGrpSpPr/>
+        <p:nvPr/>
+      </p:nvGrpSpPr>
+      <p:grpSpPr>
+        <a:xfrm>
+          <a:off x="0" y="0"/>
+          <a:ext cx="0" cy="0"/>
+          <a:chOff x="0" y="0"/>
+          <a:chExt cx="0" cy="0"/>
+        </a:xfrm>
+      </p:grpSpPr>
+      <p:sp>
+        <p:nvSpPr>
+          <p:cNvPr id="2" name="Title 1">
+            <a:extLst>
+              <a:ext uri="{FF2B5EF4-FFF2-40B4-BE49-F238E27FC236}">
+                <a16:creationId xmlns:a16="http://schemas.microsoft.com/office/drawing/2014/main" id="{14911C8A-A21C-4810-9420-08C0381CED1C}"/>
+              </a:ext>
+            </a:extLst>
+          </p:cNvPr>
+          <p:cNvSpPr>
+            <a:spLocks noGrp="1"/>
+          </p:cNvSpPr>
+          <p:nvPr>
+            <p:ph type="title"/>
+          </p:nvPr>
+        </p:nvSpPr>
+        <p:spPr/>
+        <p:txBody>
+          <a:bodyPr/>
+          <a:lstStyle/>
+          <a:p>
+            <a:r>
+              <a:rPr lang="en-US" dirty="0"/>
+              <a:t>Production – Performance</a:t>
+            </a:r>
+          </a:p>
+        </p:txBody>
+      </p:sp>
+      <p:sp>
+        <p:nvSpPr>
+          <p:cNvPr id="3" name="Content Placeholder 2">
+            <a:extLst>
+              <a:ext uri="{FF2B5EF4-FFF2-40B4-BE49-F238E27FC236}">
+                <a16:creationId xmlns:a16="http://schemas.microsoft.com/office/drawing/2014/main" id="{D08705A5-1AA7-428F-ABFB-3A7AAD68976C}"/>
+              </a:ext>
+            </a:extLst>
+          </p:cNvPr>
+          <p:cNvSpPr>
+            <a:spLocks noGrp="1"/>
+          </p:cNvSpPr>
+          <p:nvPr>
+            <p:ph idx="1"/>
+          </p:nvPr>
+        </p:nvSpPr>
+        <p:spPr/>
+        <p:txBody>
+          <a:bodyPr anchor="t"/>
+          <a:lstStyle/>
+          <a:p>
+            <a:r>
+              <a:rPr lang="en-US" dirty="0"/>
+              <a:t>Automatic persisted queries</a:t>
+            </a:r>
+          </a:p>
+        </p:txBody>
+      </p:sp>
+      <p:pic>
+        <p:nvPicPr>
+          <p:cNvPr id="5" name="Picture 4" descr="A close up of a card&#10;&#10;Description automatically generated">
+            <a:extLst>
+              <a:ext uri="{FF2B5EF4-FFF2-40B4-BE49-F238E27FC236}">
+                <a16:creationId xmlns:a16="http://schemas.microsoft.com/office/drawing/2014/main" id="{109123DA-B4A1-4F47-84D0-B2A7901B9641}"/>
+              </a:ext>
+            </a:extLst>
+          </p:cNvPr>
+          <p:cNvPicPr>
+            <a:picLocks noChangeAspect="1"/>
+          </p:cNvPicPr>
+          <p:nvPr/>
+        </p:nvPicPr>
+        <p:blipFill>
+          <a:blip r:embed="rId2">
+            <a:extLst>
+              <a:ext uri="{28A0092B-C50C-407E-A947-70E740481C1C}">
+                <a14:useLocalDpi xmlns:a14="http://schemas.microsoft.com/office/drawing/2010/main" val="0"/>
+              </a:ext>
+            </a:extLst>
+          </a:blip>
+          <a:stretch>
+            <a:fillRect/>
+          </a:stretch>
+        </p:blipFill>
+        <p:spPr>
+          <a:xfrm>
+            <a:off x="3190548" y="2602073"/>
+            <a:ext cx="6800850" cy="4019550"/>
+          </a:xfrm>
+          <a:prstGeom prst="rect">
+            <a:avLst/>
+          </a:prstGeom>
+        </p:spPr>
+      </p:pic>
+    </p:spTree>
+    <p:extLst>
+      <p:ext uri="{BB962C8B-B14F-4D97-AF65-F5344CB8AC3E}">
+        <p14:creationId xmlns:p14="http://schemas.microsoft.com/office/powerpoint/2010/main" val="2508378211"/>
+      </p:ext>
+    </p:extLst>
+  </p:cSld>
+  <p:clrMapOvr>
+    <a:masterClrMapping/>
+  </p:clrMapOvr>
+</p:sld>
+</file>
+
+<file path=ppt/slides/slide34.xml><?xml version="1.0" encoding="utf-8"?>
+<p:sld xmlns:a="http://schemas.openxmlformats.org/drawingml/2006/main" xmlns:r="http://schemas.openxmlformats.org/officeDocument/2006/relationships" xmlns:p="http://schemas.openxmlformats.org/presentationml/2006/main">
+  <p:cSld>
+    <p:spTree>
+      <p:nvGrpSpPr>
+        <p:cNvPr id="1" name=""/>
+        <p:cNvGrpSpPr/>
+        <p:nvPr/>
+      </p:nvGrpSpPr>
+      <p:grpSpPr>
+        <a:xfrm>
+          <a:off x="0" y="0"/>
+          <a:ext cx="0" cy="0"/>
+          <a:chOff x="0" y="0"/>
+          <a:chExt cx="0" cy="0"/>
+        </a:xfrm>
+      </p:grpSpPr>
+      <p:sp>
+        <p:nvSpPr>
+          <p:cNvPr id="2" name="Title 1">
+            <a:extLst>
+              <a:ext uri="{FF2B5EF4-FFF2-40B4-BE49-F238E27FC236}">
+                <a16:creationId xmlns:a16="http://schemas.microsoft.com/office/drawing/2014/main" id="{14911C8A-A21C-4810-9420-08C0381CED1C}"/>
+              </a:ext>
+            </a:extLst>
+          </p:cNvPr>
+          <p:cNvSpPr>
+            <a:spLocks noGrp="1"/>
+          </p:cNvSpPr>
+          <p:nvPr>
+            <p:ph type="title"/>
+          </p:nvPr>
+        </p:nvSpPr>
+        <p:spPr/>
+        <p:txBody>
+          <a:bodyPr/>
+          <a:lstStyle/>
+          <a:p>
+            <a:r>
+              <a:rPr lang="en-US" dirty="0"/>
+              <a:t>Production – Performance</a:t>
+            </a:r>
+          </a:p>
+        </p:txBody>
+      </p:sp>
+      <p:sp>
+        <p:nvSpPr>
+          <p:cNvPr id="3" name="Content Placeholder 2">
+            <a:extLst>
+              <a:ext uri="{FF2B5EF4-FFF2-40B4-BE49-F238E27FC236}">
+                <a16:creationId xmlns:a16="http://schemas.microsoft.com/office/drawing/2014/main" id="{D08705A5-1AA7-428F-ABFB-3A7AAD68976C}"/>
+              </a:ext>
+            </a:extLst>
+          </p:cNvPr>
+          <p:cNvSpPr>
+            <a:spLocks noGrp="1"/>
+          </p:cNvSpPr>
+          <p:nvPr>
+            <p:ph idx="1"/>
+          </p:nvPr>
+        </p:nvSpPr>
+        <p:spPr/>
+        <p:txBody>
+          <a:bodyPr anchor="t"/>
+          <a:lstStyle/>
+          <a:p>
+            <a:r>
+              <a:rPr lang="en-US" dirty="0"/>
+              <a:t>Automatic persisted queries</a:t>
+            </a:r>
+          </a:p>
+        </p:txBody>
+      </p:sp>
+      <p:pic>
+        <p:nvPicPr>
+          <p:cNvPr id="6" name="Picture 5" descr="A picture containing shirt&#10;&#10;Description automatically generated">
+            <a:extLst>
+              <a:ext uri="{FF2B5EF4-FFF2-40B4-BE49-F238E27FC236}">
+                <a16:creationId xmlns:a16="http://schemas.microsoft.com/office/drawing/2014/main" id="{0CCAC446-F59C-4FA3-9531-84D08B7ED679}"/>
+              </a:ext>
+            </a:extLst>
+          </p:cNvPr>
+          <p:cNvPicPr>
+            <a:picLocks noChangeAspect="1"/>
+          </p:cNvPicPr>
+          <p:nvPr/>
+        </p:nvPicPr>
+        <p:blipFill>
+          <a:blip r:embed="rId2">
+            <a:extLst>
+              <a:ext uri="{28A0092B-C50C-407E-A947-70E740481C1C}">
+                <a14:useLocalDpi xmlns:a14="http://schemas.microsoft.com/office/drawing/2010/main" val="0"/>
+              </a:ext>
+            </a:extLst>
+          </a:blip>
+          <a:stretch>
+            <a:fillRect/>
+          </a:stretch>
+        </p:blipFill>
+        <p:spPr>
+          <a:xfrm>
+            <a:off x="3521585" y="2757246"/>
+            <a:ext cx="5148830" cy="3540702"/>
+          </a:xfrm>
+          <a:prstGeom prst="rect">
+            <a:avLst/>
+          </a:prstGeom>
+        </p:spPr>
+      </p:pic>
+    </p:spTree>
+    <p:extLst>
+      <p:ext uri="{BB962C8B-B14F-4D97-AF65-F5344CB8AC3E}">
+        <p14:creationId xmlns:p14="http://schemas.microsoft.com/office/powerpoint/2010/main" val="3521745190"/>
+      </p:ext>
+    </p:extLst>
+  </p:cSld>
+  <p:clrMapOvr>
+    <a:masterClrMapping/>
+  </p:clrMapOvr>
+</p:sld>
+</file>
+
+<file path=ppt/slides/slide35.xml><?xml version="1.0" encoding="utf-8"?>
+<p:sld xmlns:a="http://schemas.openxmlformats.org/drawingml/2006/main" xmlns:r="http://schemas.openxmlformats.org/officeDocument/2006/relationships" xmlns:p="http://schemas.openxmlformats.org/presentationml/2006/main">
+  <p:cSld>
+    <p:spTree>
+      <p:nvGrpSpPr>
+        <p:cNvPr id="1" name=""/>
+        <p:cNvGrpSpPr/>
+        <p:nvPr/>
+      </p:nvGrpSpPr>
+      <p:grpSpPr>
+        <a:xfrm>
+          <a:off x="0" y="0"/>
+          <a:ext cx="0" cy="0"/>
+          <a:chOff x="0" y="0"/>
+          <a:chExt cx="0" cy="0"/>
+        </a:xfrm>
+      </p:grpSpPr>
+      <p:sp>
+        <p:nvSpPr>
+          <p:cNvPr id="2" name="Title 1">
+            <a:extLst>
+              <a:ext uri="{FF2B5EF4-FFF2-40B4-BE49-F238E27FC236}">
+                <a16:creationId xmlns:a16="http://schemas.microsoft.com/office/drawing/2014/main" id="{48A575CE-15E7-4979-8E90-EBEC7D2FC246}"/>
+              </a:ext>
+            </a:extLst>
+          </p:cNvPr>
+          <p:cNvSpPr>
+            <a:spLocks noGrp="1"/>
+          </p:cNvSpPr>
+          <p:nvPr>
+            <p:ph type="title"/>
+          </p:nvPr>
+        </p:nvSpPr>
+        <p:spPr/>
+        <p:txBody>
+          <a:bodyPr/>
+          <a:lstStyle/>
+          <a:p>
+            <a:r>
+              <a:rPr lang="en-US" dirty="0"/>
+              <a:t>Production – Security</a:t>
+            </a:r>
+          </a:p>
+        </p:txBody>
+      </p:sp>
+      <p:sp>
+        <p:nvSpPr>
+          <p:cNvPr id="3" name="Content Placeholder 2">
+            <a:extLst>
+              <a:ext uri="{FF2B5EF4-FFF2-40B4-BE49-F238E27FC236}">
+                <a16:creationId xmlns:a16="http://schemas.microsoft.com/office/drawing/2014/main" id="{D59D7E32-9DBF-404E-9B00-A9A0A0FB9FA8}"/>
+              </a:ext>
+            </a:extLst>
+          </p:cNvPr>
+          <p:cNvSpPr>
+            <a:spLocks noGrp="1"/>
+          </p:cNvSpPr>
+          <p:nvPr>
+            <p:ph idx="1"/>
+          </p:nvPr>
+        </p:nvSpPr>
+        <p:spPr/>
+        <p:txBody>
+          <a:bodyPr anchor="t"/>
+          <a:lstStyle/>
+          <a:p>
+            <a:r>
+              <a:rPr lang="en-US" dirty="0"/>
+              <a:t>How to control who can see and interact with the data</a:t>
+            </a:r>
+          </a:p>
+          <a:p>
+            <a:pPr lvl="1"/>
+            <a:r>
+              <a:rPr lang="en-US" dirty="0">
+                <a:solidFill>
+                  <a:srgbClr val="FF0000"/>
+                </a:solidFill>
+              </a:rPr>
+              <a:t>Authentication</a:t>
+            </a:r>
+            <a:r>
+              <a:rPr lang="en-US" dirty="0"/>
+              <a:t> is determining whether a user is logged in or not, and subsequently figuring out which user someone is.</a:t>
+            </a:r>
+          </a:p>
+          <a:p>
+            <a:pPr lvl="1"/>
+            <a:r>
+              <a:rPr lang="en-US" dirty="0">
+                <a:solidFill>
+                  <a:srgbClr val="FF0000"/>
+                </a:solidFill>
+              </a:rPr>
+              <a:t>Authorization</a:t>
+            </a:r>
+            <a:r>
+              <a:rPr lang="en-US" dirty="0"/>
+              <a:t> is then deciding what the user has permission to do or see.</a:t>
+            </a:r>
+          </a:p>
+          <a:p>
+            <a:r>
+              <a:rPr lang="en-US" dirty="0"/>
+              <a:t>Terminating SSL</a:t>
+            </a:r>
+          </a:p>
+          <a:p>
+            <a:pPr lvl="1"/>
+            <a:r>
+              <a:rPr lang="en-US" dirty="0"/>
+              <a:t>Details at </a:t>
+            </a:r>
+            <a:r>
+              <a:rPr lang="en-US" dirty="0">
+                <a:hlinkClick r:id="rId2"/>
+              </a:rPr>
+              <a:t>https://www.apollographql.com/docs/apollo-server/security/terminating-ssl/</a:t>
+            </a:r>
+            <a:endParaRPr lang="en-US" dirty="0"/>
+          </a:p>
+        </p:txBody>
+      </p:sp>
+    </p:spTree>
+    <p:extLst>
+      <p:ext uri="{BB962C8B-B14F-4D97-AF65-F5344CB8AC3E}">
+        <p14:creationId xmlns:p14="http://schemas.microsoft.com/office/powerpoint/2010/main" val="1658671457"/>
+      </p:ext>
+    </p:extLst>
+  </p:cSld>
+  <p:clrMapOvr>
+    <a:masterClrMapping/>
+  </p:clrMapOvr>
+</p:sld>
+</file>
+
+<file path=ppt/slides/slide36.xml><?xml version="1.0" encoding="utf-8"?>
+<p:sld xmlns:a="http://schemas.openxmlformats.org/drawingml/2006/main" xmlns:r="http://schemas.openxmlformats.org/officeDocument/2006/relationships" xmlns:p="http://schemas.openxmlformats.org/presentationml/2006/main">
+  <p:cSld>
+    <p:spTree>
+      <p:nvGrpSpPr>
+        <p:cNvPr id="1" name=""/>
+        <p:cNvGrpSpPr/>
+        <p:nvPr/>
+      </p:nvGrpSpPr>
+      <p:grpSpPr>
+        <a:xfrm>
+          <a:off x="0" y="0"/>
+          <a:ext cx="0" cy="0"/>
+          <a:chOff x="0" y="0"/>
+          <a:chExt cx="0" cy="0"/>
+        </a:xfrm>
+      </p:grpSpPr>
+      <p:sp>
+        <p:nvSpPr>
+          <p:cNvPr id="2" name="Title 1">
+            <a:extLst>
+              <a:ext uri="{FF2B5EF4-FFF2-40B4-BE49-F238E27FC236}">
+                <a16:creationId xmlns:a16="http://schemas.microsoft.com/office/drawing/2014/main" id="{48A575CE-15E7-4979-8E90-EBEC7D2FC246}"/>
+              </a:ext>
+            </a:extLst>
+          </p:cNvPr>
+          <p:cNvSpPr>
+            <a:spLocks noGrp="1"/>
+          </p:cNvSpPr>
+          <p:nvPr>
+            <p:ph type="title"/>
+          </p:nvPr>
+        </p:nvSpPr>
+        <p:spPr/>
+        <p:txBody>
+          <a:bodyPr/>
+          <a:lstStyle/>
+          <a:p>
+            <a:r>
+              <a:rPr lang="en-US" dirty="0"/>
+              <a:t>Production – Security</a:t>
+            </a:r>
+          </a:p>
+        </p:txBody>
+      </p:sp>
+      <p:sp>
+        <p:nvSpPr>
+          <p:cNvPr id="3" name="Content Placeholder 2">
+            <a:extLst>
+              <a:ext uri="{FF2B5EF4-FFF2-40B4-BE49-F238E27FC236}">
+                <a16:creationId xmlns:a16="http://schemas.microsoft.com/office/drawing/2014/main" id="{D59D7E32-9DBF-404E-9B00-A9A0A0FB9FA8}"/>
+              </a:ext>
+            </a:extLst>
+          </p:cNvPr>
+          <p:cNvSpPr>
+            <a:spLocks noGrp="1"/>
+          </p:cNvSpPr>
+          <p:nvPr>
+            <p:ph idx="1"/>
+          </p:nvPr>
+        </p:nvSpPr>
+        <p:spPr/>
+        <p:txBody>
+          <a:bodyPr anchor="t"/>
+          <a:lstStyle/>
+          <a:p>
+            <a:r>
+              <a:rPr lang="en-US" dirty="0"/>
+              <a:t>Check user and add in the Context argument (to use later in any resolver)</a:t>
+            </a:r>
+          </a:p>
+        </p:txBody>
+      </p:sp>
+      <p:pic>
+        <p:nvPicPr>
+          <p:cNvPr id="5" name="Picture 4" descr="A screen shot of a smart phone&#10;&#10;Description automatically generated">
+            <a:extLst>
+              <a:ext uri="{FF2B5EF4-FFF2-40B4-BE49-F238E27FC236}">
+                <a16:creationId xmlns:a16="http://schemas.microsoft.com/office/drawing/2014/main" id="{A53045A2-0E83-40D0-BE77-DE7B118DDE02}"/>
+              </a:ext>
+            </a:extLst>
+          </p:cNvPr>
+          <p:cNvPicPr>
+            <a:picLocks noChangeAspect="1"/>
+          </p:cNvPicPr>
+          <p:nvPr/>
+        </p:nvPicPr>
+        <p:blipFill>
+          <a:blip r:embed="rId2">
+            <a:extLst>
+              <a:ext uri="{28A0092B-C50C-407E-A947-70E740481C1C}">
+                <a14:useLocalDpi xmlns:a14="http://schemas.microsoft.com/office/drawing/2010/main" val="0"/>
+              </a:ext>
+            </a:extLst>
+          </a:blip>
+          <a:stretch>
+            <a:fillRect/>
+          </a:stretch>
+        </p:blipFill>
+        <p:spPr>
+          <a:xfrm>
+            <a:off x="6573192" y="2815121"/>
+            <a:ext cx="3996947" cy="3900740"/>
+          </a:xfrm>
+          <a:prstGeom prst="rect">
+            <a:avLst/>
+          </a:prstGeom>
+        </p:spPr>
+      </p:pic>
+      <p:pic>
+        <p:nvPicPr>
+          <p:cNvPr id="7" name="Picture 6" descr="A screen shot of a person&#10;&#10;Description automatically generated">
+            <a:extLst>
+              <a:ext uri="{FF2B5EF4-FFF2-40B4-BE49-F238E27FC236}">
+                <a16:creationId xmlns:a16="http://schemas.microsoft.com/office/drawing/2014/main" id="{A1E9F12F-017B-48D7-B239-8C8B21F1DC42}"/>
+              </a:ext>
+            </a:extLst>
+          </p:cNvPr>
+          <p:cNvPicPr>
+            <a:picLocks noChangeAspect="1"/>
+          </p:cNvPicPr>
+          <p:nvPr/>
+        </p:nvPicPr>
+        <p:blipFill>
+          <a:blip r:embed="rId3">
+            <a:extLst>
+              <a:ext uri="{28A0092B-C50C-407E-A947-70E740481C1C}">
+                <a14:useLocalDpi xmlns:a14="http://schemas.microsoft.com/office/drawing/2010/main" val="0"/>
+              </a:ext>
+            </a:extLst>
+          </a:blip>
+          <a:stretch>
+            <a:fillRect/>
+          </a:stretch>
+        </p:blipFill>
+        <p:spPr>
+          <a:xfrm>
+            <a:off x="2611808" y="3247260"/>
+            <a:ext cx="3143689" cy="1238423"/>
+          </a:xfrm>
+          <a:prstGeom prst="rect">
+            <a:avLst/>
+          </a:prstGeom>
+        </p:spPr>
+      </p:pic>
+    </p:spTree>
+    <p:extLst>
+      <p:ext uri="{BB962C8B-B14F-4D97-AF65-F5344CB8AC3E}">
+        <p14:creationId xmlns:p14="http://schemas.microsoft.com/office/powerpoint/2010/main" val="1459935939"/>
+      </p:ext>
+    </p:extLst>
+  </p:cSld>
+  <p:clrMapOvr>
+    <a:masterClrMapping/>
+  </p:clrMapOvr>
+</p:sld>
+</file>
+
+<file path=ppt/slides/slide37.xml><?xml version="1.0" encoding="utf-8"?>
+<p:sld xmlns:a="http://schemas.openxmlformats.org/drawingml/2006/main" xmlns:r="http://schemas.openxmlformats.org/officeDocument/2006/relationships" xmlns:p="http://schemas.openxmlformats.org/presentationml/2006/main">
+  <p:cSld>
+    <p:spTree>
+      <p:nvGrpSpPr>
+        <p:cNvPr id="1" name=""/>
+        <p:cNvGrpSpPr/>
+        <p:nvPr/>
+      </p:nvGrpSpPr>
+      <p:grpSpPr>
+        <a:xfrm>
+          <a:off x="0" y="0"/>
+          <a:ext cx="0" cy="0"/>
+          <a:chOff x="0" y="0"/>
+          <a:chExt cx="0" cy="0"/>
+        </a:xfrm>
+      </p:grpSpPr>
+      <p:sp>
+        <p:nvSpPr>
+          <p:cNvPr id="2" name="Title 1">
+            <a:extLst>
+              <a:ext uri="{FF2B5EF4-FFF2-40B4-BE49-F238E27FC236}">
+                <a16:creationId xmlns:a16="http://schemas.microsoft.com/office/drawing/2014/main" id="{454E7A1F-8172-4C97-8F3D-0CF7DE4AF7C5}"/>
+              </a:ext>
+            </a:extLst>
+          </p:cNvPr>
+          <p:cNvSpPr>
+            <a:spLocks noGrp="1"/>
+          </p:cNvSpPr>
+          <p:nvPr>
+            <p:ph type="title"/>
+          </p:nvPr>
+        </p:nvSpPr>
+        <p:spPr/>
+        <p:txBody>
+          <a:bodyPr/>
+          <a:lstStyle/>
+          <a:p>
+            <a:r>
+              <a:rPr lang="en-US" dirty="0"/>
+              <a:t>Production – Integration</a:t>
+            </a:r>
+          </a:p>
+        </p:txBody>
+      </p:sp>
+      <p:sp>
+        <p:nvSpPr>
+          <p:cNvPr id="3" name="Content Placeholder 2">
+            <a:extLst>
+              <a:ext uri="{FF2B5EF4-FFF2-40B4-BE49-F238E27FC236}">
+                <a16:creationId xmlns:a16="http://schemas.microsoft.com/office/drawing/2014/main" id="{96911F6A-793F-4AB8-A2DC-0FBE9C33105F}"/>
+              </a:ext>
+            </a:extLst>
+          </p:cNvPr>
+          <p:cNvSpPr>
+            <a:spLocks noGrp="1"/>
+          </p:cNvSpPr>
+          <p:nvPr>
+            <p:ph idx="1"/>
+          </p:nvPr>
+        </p:nvSpPr>
+        <p:spPr/>
+        <p:txBody>
+          <a:bodyPr anchor="t"/>
+          <a:lstStyle/>
+          <a:p>
+            <a:r>
+              <a:rPr lang="en-US" dirty="0"/>
+              <a:t>Support integration with popular NodeJS </a:t>
+            </a:r>
+            <a:r>
+              <a:rPr lang="en-US" dirty="0" err="1"/>
+              <a:t>middlewares</a:t>
+            </a:r>
+            <a:r>
+              <a:rPr lang="en-US" dirty="0"/>
+              <a:t>:</a:t>
+            </a:r>
+          </a:p>
+          <a:p>
+            <a:pPr lvl="1">
+              <a:buFont typeface="Courier New" panose="02070309020205020404" pitchFamily="49" charset="0"/>
+              <a:buChar char="o"/>
+            </a:pPr>
+            <a:r>
+              <a:rPr lang="en-US" dirty="0"/>
+              <a:t>Express: </a:t>
+            </a:r>
+            <a:r>
+              <a:rPr lang="en-US" dirty="0" err="1"/>
+              <a:t>apollo</a:t>
+            </a:r>
+            <a:r>
+              <a:rPr lang="en-US" dirty="0"/>
+              <a:t>-server-express</a:t>
+            </a:r>
+          </a:p>
+          <a:p>
+            <a:pPr lvl="1">
+              <a:buFont typeface="Courier New" panose="02070309020205020404" pitchFamily="49" charset="0"/>
+              <a:buChar char="o"/>
+            </a:pPr>
+            <a:r>
+              <a:rPr lang="en-US" dirty="0" err="1"/>
+              <a:t>Fastify</a:t>
+            </a:r>
+            <a:r>
+              <a:rPr lang="en-US" dirty="0"/>
+              <a:t>: </a:t>
+            </a:r>
+            <a:r>
+              <a:rPr lang="en-US" dirty="0" err="1"/>
+              <a:t>apollo</a:t>
+            </a:r>
+            <a:r>
+              <a:rPr lang="en-US" dirty="0"/>
+              <a:t>-server-</a:t>
+            </a:r>
+            <a:r>
+              <a:rPr lang="en-US" dirty="0" err="1"/>
+              <a:t>fastify</a:t>
+            </a:r>
+            <a:endParaRPr lang="en-US" dirty="0"/>
+          </a:p>
+          <a:p>
+            <a:pPr lvl="1">
+              <a:buFont typeface="Courier New" panose="02070309020205020404" pitchFamily="49" charset="0"/>
+              <a:buChar char="o"/>
+            </a:pPr>
+            <a:r>
+              <a:rPr lang="en-US" dirty="0" err="1"/>
+              <a:t>Hapi</a:t>
+            </a:r>
+            <a:r>
+              <a:rPr lang="en-US" dirty="0"/>
+              <a:t>: </a:t>
+            </a:r>
+            <a:r>
+              <a:rPr lang="en-US" dirty="0" err="1"/>
+              <a:t>apollo</a:t>
+            </a:r>
+            <a:r>
+              <a:rPr lang="en-US" dirty="0"/>
+              <a:t>-server-</a:t>
+            </a:r>
+            <a:r>
+              <a:rPr lang="en-US" dirty="0" err="1"/>
+              <a:t>hapi</a:t>
+            </a:r>
+            <a:endParaRPr lang="en-US" dirty="0"/>
+          </a:p>
+          <a:p>
+            <a:pPr lvl="1">
+              <a:buFont typeface="Courier New" panose="02070309020205020404" pitchFamily="49" charset="0"/>
+              <a:buChar char="o"/>
+            </a:pPr>
+            <a:r>
+              <a:rPr lang="en-US" dirty="0"/>
+              <a:t>Koa: </a:t>
+            </a:r>
+            <a:r>
+              <a:rPr lang="en-US" dirty="0" err="1"/>
+              <a:t>apollo</a:t>
+            </a:r>
+            <a:r>
+              <a:rPr lang="en-US" dirty="0"/>
+              <a:t>-server-</a:t>
+            </a:r>
+            <a:r>
+              <a:rPr lang="en-US" dirty="0" err="1"/>
+              <a:t>koa</a:t>
+            </a:r>
+            <a:endParaRPr lang="en-US" dirty="0"/>
+          </a:p>
+        </p:txBody>
+      </p:sp>
+    </p:spTree>
+    <p:extLst>
+      <p:ext uri="{BB962C8B-B14F-4D97-AF65-F5344CB8AC3E}">
+        <p14:creationId xmlns:p14="http://schemas.microsoft.com/office/powerpoint/2010/main" val="4190549591"/>
+      </p:ext>
+    </p:extLst>
+  </p:cSld>
+  <p:clrMapOvr>
+    <a:masterClrMapping/>
+  </p:clrMapOvr>
+</p:sld>
+</file>
+
+<file path=ppt/slides/slide38.xml><?xml version="1.0" encoding="utf-8"?>
+<p:sld xmlns:a="http://schemas.openxmlformats.org/drawingml/2006/main" xmlns:r="http://schemas.openxmlformats.org/officeDocument/2006/relationships" xmlns:p="http://schemas.openxmlformats.org/presentationml/2006/main">
+  <p:cSld>
+    <p:spTree>
+      <p:nvGrpSpPr>
+        <p:cNvPr id="1" name=""/>
+        <p:cNvGrpSpPr/>
+        <p:nvPr/>
+      </p:nvGrpSpPr>
+      <p:grpSpPr>
+        <a:xfrm>
+          <a:off x="0" y="0"/>
+          <a:ext cx="0" cy="0"/>
+          <a:chOff x="0" y="0"/>
+          <a:chExt cx="0" cy="0"/>
+        </a:xfrm>
+      </p:grpSpPr>
+      <p:sp>
+        <p:nvSpPr>
+          <p:cNvPr id="2" name="Title 1">
+            <a:extLst>
+              <a:ext uri="{FF2B5EF4-FFF2-40B4-BE49-F238E27FC236}">
+                <a16:creationId xmlns:a16="http://schemas.microsoft.com/office/drawing/2014/main" id="{454E7A1F-8172-4C97-8F3D-0CF7DE4AF7C5}"/>
+              </a:ext>
+            </a:extLst>
+          </p:cNvPr>
+          <p:cNvSpPr>
+            <a:spLocks noGrp="1"/>
+          </p:cNvSpPr>
+          <p:nvPr>
+            <p:ph type="title"/>
+          </p:nvPr>
+        </p:nvSpPr>
+        <p:spPr/>
+        <p:txBody>
+          <a:bodyPr/>
+          <a:lstStyle/>
+          <a:p>
+            <a:r>
+              <a:rPr lang="en-US" dirty="0"/>
+              <a:t>Production – Integration</a:t>
+            </a:r>
+          </a:p>
+        </p:txBody>
+      </p:sp>
+      <p:sp>
+        <p:nvSpPr>
+          <p:cNvPr id="3" name="Content Placeholder 2">
+            <a:extLst>
+              <a:ext uri="{FF2B5EF4-FFF2-40B4-BE49-F238E27FC236}">
+                <a16:creationId xmlns:a16="http://schemas.microsoft.com/office/drawing/2014/main" id="{96911F6A-793F-4AB8-A2DC-0FBE9C33105F}"/>
+              </a:ext>
+            </a:extLst>
+          </p:cNvPr>
+          <p:cNvSpPr>
+            <a:spLocks noGrp="1"/>
+          </p:cNvSpPr>
+          <p:nvPr>
+            <p:ph idx="1"/>
+          </p:nvPr>
+        </p:nvSpPr>
+        <p:spPr/>
+        <p:txBody>
+          <a:bodyPr anchor="t"/>
+          <a:lstStyle/>
+          <a:p>
+            <a:r>
+              <a:rPr lang="en-US" dirty="0"/>
+              <a:t>Sample with Koa</a:t>
+            </a:r>
+          </a:p>
+        </p:txBody>
+      </p:sp>
+      <p:pic>
+        <p:nvPicPr>
+          <p:cNvPr id="5" name="Picture 4" descr="A screenshot of a cell phone&#10;&#10;Description automatically generated">
+            <a:extLst>
+              <a:ext uri="{FF2B5EF4-FFF2-40B4-BE49-F238E27FC236}">
+                <a16:creationId xmlns:a16="http://schemas.microsoft.com/office/drawing/2014/main" id="{F9D022C2-AE65-40DB-A40B-B3285633DA60}"/>
+              </a:ext>
+            </a:extLst>
+          </p:cNvPr>
+          <p:cNvPicPr>
+            <a:picLocks noChangeAspect="1"/>
+          </p:cNvPicPr>
+          <p:nvPr/>
+        </p:nvPicPr>
+        <p:blipFill>
+          <a:blip r:embed="rId2">
+            <a:extLst>
+              <a:ext uri="{28A0092B-C50C-407E-A947-70E740481C1C}">
+                <a14:useLocalDpi xmlns:a14="http://schemas.microsoft.com/office/drawing/2010/main" val="0"/>
+              </a:ext>
+            </a:extLst>
+          </a:blip>
+          <a:stretch>
+            <a:fillRect/>
+          </a:stretch>
+        </p:blipFill>
+        <p:spPr>
+          <a:xfrm>
+            <a:off x="2995180" y="2775823"/>
+            <a:ext cx="6201640" cy="3353268"/>
+          </a:xfrm>
+          <a:prstGeom prst="rect">
+            <a:avLst/>
+          </a:prstGeom>
+        </p:spPr>
+      </p:pic>
+    </p:spTree>
+    <p:extLst>
+      <p:ext uri="{BB962C8B-B14F-4D97-AF65-F5344CB8AC3E}">
+        <p14:creationId xmlns:p14="http://schemas.microsoft.com/office/powerpoint/2010/main" val="217893121"/>
+      </p:ext>
+    </p:extLst>
+  </p:cSld>
+  <p:clrMapOvr>
+    <a:masterClrMapping/>
+  </p:clrMapOvr>
+</p:sld>
+</file>
+
+<file path=ppt/slides/slide39.xml><?xml version="1.0" encoding="utf-8"?>
+<p:sld xmlns:a="http://schemas.openxmlformats.org/drawingml/2006/main" xmlns:r="http://schemas.openxmlformats.org/officeDocument/2006/relationships" xmlns:p="http://schemas.openxmlformats.org/presentationml/2006/main">
+  <p:cSld>
+    <p:spTree>
+      <p:nvGrpSpPr>
+        <p:cNvPr id="1" name=""/>
+        <p:cNvGrpSpPr/>
+        <p:nvPr/>
+      </p:nvGrpSpPr>
+      <p:grpSpPr>
+        <a:xfrm>
+          <a:off x="0" y="0"/>
+          <a:ext cx="0" cy="0"/>
+          <a:chOff x="0" y="0"/>
+          <a:chExt cx="0" cy="0"/>
+        </a:xfrm>
+      </p:grpSpPr>
+      <p:sp>
+        <p:nvSpPr>
+          <p:cNvPr id="2" name="Title 1">
+            <a:extLst>
+              <a:ext uri="{FF2B5EF4-FFF2-40B4-BE49-F238E27FC236}">
+                <a16:creationId xmlns:a16="http://schemas.microsoft.com/office/drawing/2014/main" id="{35C22CD1-C1C5-4644-87BD-77B74AB22A4D}"/>
+              </a:ext>
+            </a:extLst>
+          </p:cNvPr>
+          <p:cNvSpPr>
+            <a:spLocks noGrp="1"/>
+          </p:cNvSpPr>
+          <p:nvPr>
+            <p:ph type="title"/>
+          </p:nvPr>
+        </p:nvSpPr>
+        <p:spPr/>
+        <p:txBody>
+          <a:bodyPr/>
+          <a:lstStyle/>
+          <a:p>
+            <a:r>
+              <a:rPr lang="en-US" dirty="0"/>
+              <a:t>Production – Deployment</a:t>
+            </a:r>
+          </a:p>
+        </p:txBody>
+      </p:sp>
+      <p:sp>
+        <p:nvSpPr>
+          <p:cNvPr id="3" name="Content Placeholder 2">
+            <a:extLst>
+              <a:ext uri="{FF2B5EF4-FFF2-40B4-BE49-F238E27FC236}">
+                <a16:creationId xmlns:a16="http://schemas.microsoft.com/office/drawing/2014/main" id="{3CD0DD2C-228B-4281-9175-C7890F6671E9}"/>
+              </a:ext>
+            </a:extLst>
+          </p:cNvPr>
+          <p:cNvSpPr>
+            <a:spLocks noGrp="1"/>
+          </p:cNvSpPr>
+          <p:nvPr>
+            <p:ph idx="1"/>
+          </p:nvPr>
+        </p:nvSpPr>
+        <p:spPr/>
+        <p:txBody>
+          <a:bodyPr anchor="t"/>
+          <a:lstStyle/>
+          <a:p>
+            <a:r>
+              <a:rPr lang="en-US" dirty="0"/>
+              <a:t>Instructions for these below services:</a:t>
+            </a:r>
+          </a:p>
+          <a:p>
+            <a:pPr lvl="1"/>
+            <a:r>
+              <a:rPr lang="en-US" dirty="0"/>
+              <a:t>Heroku – </a:t>
+            </a:r>
+            <a:r>
+              <a:rPr lang="en-US" dirty="0">
+                <a:hlinkClick r:id="rId2"/>
+              </a:rPr>
+              <a:t>https://www.heroku.com/</a:t>
+            </a:r>
+            <a:endParaRPr lang="en-US" dirty="0"/>
+          </a:p>
+          <a:p>
+            <a:pPr lvl="1"/>
+            <a:r>
+              <a:rPr lang="en-US" dirty="0"/>
+              <a:t>AWS Lambda</a:t>
+            </a:r>
+          </a:p>
+          <a:p>
+            <a:pPr lvl="1"/>
+            <a:r>
+              <a:rPr lang="en-US" dirty="0"/>
+              <a:t>Now – </a:t>
+            </a:r>
+            <a:r>
+              <a:rPr lang="en-US" dirty="0">
+                <a:hlinkClick r:id="rId3"/>
+              </a:rPr>
+              <a:t>https://zeit.co/home</a:t>
+            </a:r>
+            <a:endParaRPr lang="en-US" dirty="0"/>
+          </a:p>
+          <a:p>
+            <a:pPr lvl="1"/>
+            <a:r>
+              <a:rPr lang="en-US" dirty="0"/>
+              <a:t>Netlify – </a:t>
+            </a:r>
+            <a:r>
+              <a:rPr lang="en-US" dirty="0">
+                <a:hlinkClick r:id="rId4"/>
+              </a:rPr>
+              <a:t>https://www.netlify.com/</a:t>
+            </a:r>
+            <a:r>
+              <a:rPr lang="en-US" dirty="0"/>
+              <a:t> </a:t>
+            </a:r>
+          </a:p>
+          <a:p>
+            <a:pPr lvl="1"/>
+            <a:r>
+              <a:rPr lang="en-US" dirty="0"/>
+              <a:t>Azure – </a:t>
+            </a:r>
+            <a:r>
+              <a:rPr lang="en-US" dirty="0">
+                <a:hlinkClick r:id="rId5"/>
+              </a:rPr>
+              <a:t>https://azure.microsoft.com/en-us/</a:t>
+            </a:r>
+            <a:endParaRPr lang="en-US" dirty="0"/>
+          </a:p>
+        </p:txBody>
+      </p:sp>
+    </p:spTree>
+    <p:extLst>
+      <p:ext uri="{BB962C8B-B14F-4D97-AF65-F5344CB8AC3E}">
+        <p14:creationId xmlns:p14="http://schemas.microsoft.com/office/powerpoint/2010/main" val="3497693328"/>
+      </p:ext>
+    </p:extLst>
+  </p:cSld>
+  <p:clrMapOvr>
+    <a:masterClrMapping/>
+  </p:clrMapOvr>
+</p:sld>
+</file>
+
+<file path=ppt/slides/slide4.xml><?xml version="1.0" encoding="utf-8"?>
+<p:sld xmlns:a="http://schemas.openxmlformats.org/drawingml/2006/main" xmlns:r="http://schemas.openxmlformats.org/officeDocument/2006/relationships" xmlns:p="http://schemas.openxmlformats.org/presentationml/2006/main">
+  <p:cSld>
+    <p:spTree>
+      <p:nvGrpSpPr>
+        <p:cNvPr id="1" name=""/>
+        <p:cNvGrpSpPr/>
+        <p:nvPr/>
+      </p:nvGrpSpPr>
+      <p:grpSpPr>
+        <a:xfrm>
+          <a:off x="0" y="0"/>
+          <a:ext cx="0" cy="0"/>
+          <a:chOff x="0" y="0"/>
+          <a:chExt cx="0" cy="0"/>
+        </a:xfrm>
+      </p:grpSpPr>
+      <p:sp>
+        <p:nvSpPr>
+          <p:cNvPr id="2" name="Title 1">
+            <a:extLst>
+              <a:ext uri="{FF2B5EF4-FFF2-40B4-BE49-F238E27FC236}">
+                <a16:creationId xmlns:a16="http://schemas.microsoft.com/office/drawing/2014/main" id="{22278C5B-8F21-4C3E-9B5E-AA9BB9E511C2}"/>
+              </a:ext>
+            </a:extLst>
+          </p:cNvPr>
+          <p:cNvSpPr>
+            <a:spLocks noGrp="1"/>
+          </p:cNvSpPr>
+          <p:nvPr>
+            <p:ph type="title"/>
+          </p:nvPr>
+        </p:nvSpPr>
+        <p:spPr/>
+        <p:txBody>
+          <a:bodyPr/>
+          <a:lstStyle/>
+          <a:p>
+            <a:r>
+              <a:rPr lang="en-US" dirty="0"/>
+              <a:t>Start – Structure</a:t>
+            </a:r>
+          </a:p>
+        </p:txBody>
+      </p:sp>
+      <p:sp>
+        <p:nvSpPr>
+          <p:cNvPr id="3" name="Rectangle 2">
+            <a:extLst>
+              <a:ext uri="{FF2B5EF4-FFF2-40B4-BE49-F238E27FC236}">
+                <a16:creationId xmlns:a16="http://schemas.microsoft.com/office/drawing/2014/main" id="{708D598D-4309-493D-9C2D-2C259FBF6CEF}"/>
+              </a:ext>
+            </a:extLst>
+          </p:cNvPr>
+          <p:cNvSpPr/>
+          <p:nvPr/>
+        </p:nvSpPr>
+        <p:spPr>
+          <a:xfrm>
+            <a:off x="1473683" y="3059884"/>
+            <a:ext cx="1283516" cy="738231"/>
+          </a:xfrm>
+          <a:prstGeom prst="rect">
+            <a:avLst/>
+          </a:prstGeom>
+        </p:spPr>
+        <p:style>
+          <a:lnRef idx="2">
+            <a:schemeClr val="accent3">
+              <a:shade val="50000"/>
+            </a:schemeClr>
+          </a:lnRef>
+          <a:fillRef idx="1">
+            <a:schemeClr val="accent3"/>
+          </a:fillRef>
+          <a:effectRef idx="0">
+            <a:schemeClr val="accent3"/>
+          </a:effectRef>
+          <a:fontRef idx="minor">
+            <a:schemeClr val="lt1"/>
+          </a:fontRef>
+        </p:style>
+        <p:txBody>
+          <a:bodyPr rtlCol="0" anchor="ctr"/>
+          <a:lstStyle/>
+          <a:p>
+            <a:pPr algn="ctr"/>
+            <a:r>
+              <a:rPr lang="en-US" dirty="0"/>
+              <a:t>Client App</a:t>
+            </a:r>
+          </a:p>
+        </p:txBody>
+      </p:sp>
+      <p:sp>
+        <p:nvSpPr>
+          <p:cNvPr id="4" name="Rectangle: Rounded Corners 3">
+            <a:extLst>
+              <a:ext uri="{FF2B5EF4-FFF2-40B4-BE49-F238E27FC236}">
+                <a16:creationId xmlns:a16="http://schemas.microsoft.com/office/drawing/2014/main" id="{FEC27127-5228-4149-AE06-E5F788419057}"/>
+              </a:ext>
+            </a:extLst>
+          </p:cNvPr>
+          <p:cNvSpPr/>
+          <p:nvPr/>
+        </p:nvSpPr>
+        <p:spPr>
+          <a:xfrm>
+            <a:off x="4186106" y="1885285"/>
+            <a:ext cx="6384033" cy="4164659"/>
+          </a:xfrm>
+          <a:prstGeom prst="roundRect">
+            <a:avLst/>
+          </a:prstGeom>
+          <a:noFill/>
+          <a:ln w="9525" cap="flat" cmpd="sng" algn="ctr">
+            <a:solidFill>
+              <a:schemeClr val="accent4"/>
+            </a:solidFill>
+            <a:prstDash val="dash"/>
+            <a:round/>
+            <a:headEnd type="none" w="med" len="med"/>
+            <a:tailEnd type="none" w="med" len="med"/>
+          </a:ln>
+        </p:spPr>
+        <p:style>
+          <a:lnRef idx="0">
+            <a:scrgbClr r="0" g="0" b="0"/>
+          </a:lnRef>
+          <a:fillRef idx="0">
+            <a:scrgbClr r="0" g="0" b="0"/>
+          </a:fillRef>
+          <a:effectRef idx="0">
+            <a:scrgbClr r="0" g="0" b="0"/>
+          </a:effectRef>
+          <a:fontRef idx="minor">
+            <a:schemeClr val="accent4"/>
+          </a:fontRef>
+        </p:style>
+        <p:txBody>
+          <a:bodyPr rtlCol="0" anchor="ctr"/>
+          <a:lstStyle/>
+          <a:p>
+            <a:pPr algn="ctr"/>
+            <a:endParaRPr lang="en-US"/>
+          </a:p>
+        </p:txBody>
+      </p:sp>
+      <p:sp>
+        <p:nvSpPr>
+          <p:cNvPr id="5" name="TextBox 4">
+            <a:extLst>
+              <a:ext uri="{FF2B5EF4-FFF2-40B4-BE49-F238E27FC236}">
+                <a16:creationId xmlns:a16="http://schemas.microsoft.com/office/drawing/2014/main" id="{AD533495-D88C-4683-A29E-1E01D58DC5D8}"/>
+              </a:ext>
+            </a:extLst>
+          </p:cNvPr>
+          <p:cNvSpPr txBox="1"/>
+          <p:nvPr/>
+        </p:nvSpPr>
+        <p:spPr>
+          <a:xfrm>
+            <a:off x="4827864" y="1967272"/>
+            <a:ext cx="1685077" cy="369332"/>
+          </a:xfrm>
+          <a:prstGeom prst="rect">
+            <a:avLst/>
+          </a:prstGeom>
+          <a:noFill/>
+        </p:spPr>
+        <p:txBody>
+          <a:bodyPr wrap="none" rtlCol="0">
+            <a:spAutoFit/>
+          </a:bodyPr>
+          <a:lstStyle/>
+          <a:p>
+            <a:r>
+              <a:rPr lang="en-US" dirty="0"/>
+              <a:t>Apollo Servers</a:t>
+            </a:r>
+          </a:p>
+        </p:txBody>
+      </p:sp>
+      <p:sp>
+        <p:nvSpPr>
+          <p:cNvPr id="6" name="Rectangle 5">
+            <a:extLst>
+              <a:ext uri="{FF2B5EF4-FFF2-40B4-BE49-F238E27FC236}">
+                <a16:creationId xmlns:a16="http://schemas.microsoft.com/office/drawing/2014/main" id="{4AF49385-BCD8-4780-9D41-8CB23F7738E2}"/>
+              </a:ext>
+            </a:extLst>
+          </p:cNvPr>
+          <p:cNvSpPr/>
+          <p:nvPr/>
+        </p:nvSpPr>
+        <p:spPr>
+          <a:xfrm>
+            <a:off x="4186106" y="3059884"/>
+            <a:ext cx="1283516" cy="738231"/>
+          </a:xfrm>
+          <a:prstGeom prst="rect">
+            <a:avLst/>
+          </a:prstGeom>
+        </p:spPr>
+        <p:style>
+          <a:lnRef idx="1">
+            <a:schemeClr val="dk1"/>
+          </a:lnRef>
+          <a:fillRef idx="2">
+            <a:schemeClr val="dk1"/>
+          </a:fillRef>
+          <a:effectRef idx="1">
+            <a:schemeClr val="dk1"/>
+          </a:effectRef>
+          <a:fontRef idx="minor">
+            <a:schemeClr val="dk1"/>
+          </a:fontRef>
+        </p:style>
+        <p:txBody>
+          <a:bodyPr rtlCol="0" anchor="ctr"/>
+          <a:lstStyle/>
+          <a:p>
+            <a:pPr algn="ctr"/>
+            <a:r>
+              <a:rPr lang="en-US" dirty="0"/>
+              <a:t>Gateway</a:t>
+            </a:r>
+          </a:p>
+        </p:txBody>
+      </p:sp>
+      <p:sp>
+        <p:nvSpPr>
+          <p:cNvPr id="7" name="TextBox 6">
+            <a:extLst>
+              <a:ext uri="{FF2B5EF4-FFF2-40B4-BE49-F238E27FC236}">
+                <a16:creationId xmlns:a16="http://schemas.microsoft.com/office/drawing/2014/main" id="{924530CB-D2E8-46C8-ACD1-F07B3538B9C8}"/>
+              </a:ext>
+            </a:extLst>
+          </p:cNvPr>
+          <p:cNvSpPr txBox="1"/>
+          <p:nvPr/>
+        </p:nvSpPr>
+        <p:spPr>
+          <a:xfrm>
+            <a:off x="1970050" y="6256593"/>
+            <a:ext cx="6455678" cy="369332"/>
+          </a:xfrm>
+          <a:prstGeom prst="rect">
+            <a:avLst/>
+          </a:prstGeom>
+          <a:noFill/>
+        </p:spPr>
+        <p:txBody>
+          <a:bodyPr wrap="none" rtlCol="0">
+            <a:spAutoFit/>
+          </a:bodyPr>
+          <a:lstStyle/>
+          <a:p>
+            <a:r>
+              <a:rPr lang="en-US" dirty="0"/>
+              <a:t>Reference: </a:t>
+            </a:r>
+            <a:r>
+              <a:rPr lang="en-US" dirty="0">
+                <a:hlinkClick r:id="rId2"/>
+              </a:rPr>
+              <a:t>https://www.apollographql.com/docs/apollo-server</a:t>
+            </a:r>
+            <a:endParaRPr lang="en-US" dirty="0"/>
+          </a:p>
+        </p:txBody>
+      </p:sp>
+      <p:sp>
+        <p:nvSpPr>
+          <p:cNvPr id="8" name="Rectangle 7">
+            <a:extLst>
+              <a:ext uri="{FF2B5EF4-FFF2-40B4-BE49-F238E27FC236}">
+                <a16:creationId xmlns:a16="http://schemas.microsoft.com/office/drawing/2014/main" id="{D889FC16-5C6C-4536-BBC5-3E05788A8D03}"/>
+              </a:ext>
+            </a:extLst>
+          </p:cNvPr>
+          <p:cNvSpPr/>
+          <p:nvPr/>
+        </p:nvSpPr>
+        <p:spPr>
+          <a:xfrm>
+            <a:off x="6722380" y="4990204"/>
+            <a:ext cx="1283516" cy="738231"/>
+          </a:xfrm>
+          <a:prstGeom prst="rect">
+            <a:avLst/>
+          </a:prstGeom>
+        </p:spPr>
+        <p:style>
+          <a:lnRef idx="2">
+            <a:schemeClr val="accent2">
+              <a:shade val="50000"/>
+            </a:schemeClr>
+          </a:lnRef>
+          <a:fillRef idx="1">
+            <a:schemeClr val="accent2"/>
+          </a:fillRef>
+          <a:effectRef idx="0">
+            <a:schemeClr val="accent2"/>
+          </a:effectRef>
+          <a:fontRef idx="minor">
+            <a:schemeClr val="lt1"/>
+          </a:fontRef>
+        </p:style>
+        <p:txBody>
+          <a:bodyPr rtlCol="0" anchor="ctr"/>
+          <a:lstStyle/>
+          <a:p>
+            <a:pPr algn="ctr"/>
+            <a:r>
+              <a:rPr lang="en-US" dirty="0"/>
+              <a:t>Service B</a:t>
+            </a:r>
+          </a:p>
+        </p:txBody>
+      </p:sp>
+      <p:sp>
+        <p:nvSpPr>
+          <p:cNvPr id="12" name="Rectangle 11">
+            <a:extLst>
+              <a:ext uri="{FF2B5EF4-FFF2-40B4-BE49-F238E27FC236}">
+                <a16:creationId xmlns:a16="http://schemas.microsoft.com/office/drawing/2014/main" id="{1F78351B-472A-4C86-856B-C0F829D0DF36}"/>
+              </a:ext>
+            </a:extLst>
+          </p:cNvPr>
+          <p:cNvSpPr/>
+          <p:nvPr/>
+        </p:nvSpPr>
+        <p:spPr>
+          <a:xfrm>
+            <a:off x="6722380" y="2543253"/>
+            <a:ext cx="3499569" cy="2125442"/>
+          </a:xfrm>
+          <a:prstGeom prst="rect">
+            <a:avLst/>
+          </a:prstGeom>
+          <a:noFill/>
+        </p:spPr>
+        <p:style>
+          <a:lnRef idx="2">
+            <a:schemeClr val="accent2">
+              <a:shade val="50000"/>
+            </a:schemeClr>
+          </a:lnRef>
+          <a:fillRef idx="1">
+            <a:schemeClr val="accent2"/>
+          </a:fillRef>
+          <a:effectRef idx="0">
+            <a:schemeClr val="accent2"/>
+          </a:effectRef>
+          <a:fontRef idx="minor">
+            <a:schemeClr val="lt1"/>
+          </a:fontRef>
+        </p:style>
+        <p:txBody>
+          <a:bodyPr rtlCol="0" anchor="ctr"/>
+          <a:lstStyle/>
+          <a:p>
+            <a:pPr algn="ctr"/>
+            <a:endParaRPr lang="en-US" dirty="0"/>
+          </a:p>
+        </p:txBody>
+      </p:sp>
+      <p:sp>
+        <p:nvSpPr>
+          <p:cNvPr id="13" name="TextBox 12">
+            <a:extLst>
+              <a:ext uri="{FF2B5EF4-FFF2-40B4-BE49-F238E27FC236}">
+                <a16:creationId xmlns:a16="http://schemas.microsoft.com/office/drawing/2014/main" id="{EE20F1C3-E9E4-4C47-B690-F316BB90BCB7}"/>
+              </a:ext>
+            </a:extLst>
+          </p:cNvPr>
+          <p:cNvSpPr txBox="1"/>
+          <p:nvPr/>
+        </p:nvSpPr>
+        <p:spPr>
+          <a:xfrm>
+            <a:off x="6695323" y="2543253"/>
+            <a:ext cx="1159356" cy="369332"/>
+          </a:xfrm>
+          <a:prstGeom prst="rect">
+            <a:avLst/>
+          </a:prstGeom>
+          <a:noFill/>
+        </p:spPr>
+        <p:txBody>
+          <a:bodyPr wrap="none" rtlCol="0">
+            <a:spAutoFit/>
+          </a:bodyPr>
+          <a:lstStyle/>
+          <a:p>
+            <a:r>
+              <a:rPr lang="en-US" dirty="0"/>
+              <a:t>Service A</a:t>
+            </a:r>
+          </a:p>
+        </p:txBody>
+      </p:sp>
+      <p:cxnSp>
+        <p:nvCxnSpPr>
+          <p:cNvPr id="15" name="Straight Arrow Connector 14">
+            <a:extLst>
+              <a:ext uri="{FF2B5EF4-FFF2-40B4-BE49-F238E27FC236}">
+                <a16:creationId xmlns:a16="http://schemas.microsoft.com/office/drawing/2014/main" id="{F0A5B546-547A-4CE7-B6E6-FEB8D2DCD726}"/>
+              </a:ext>
+            </a:extLst>
+          </p:cNvPr>
+          <p:cNvCxnSpPr>
+            <a:stCxn id="3" idx="3"/>
+            <a:endCxn id="6" idx="1"/>
+          </p:cNvCxnSpPr>
+          <p:nvPr/>
+        </p:nvCxnSpPr>
+        <p:spPr>
+          <a:xfrm>
+            <a:off x="2757199" y="3429000"/>
+            <a:ext cx="1428907" cy="0"/>
+          </a:xfrm>
+          <a:prstGeom prst="straightConnector1">
+            <a:avLst/>
+          </a:prstGeom>
+          <a:ln w="38100">
+            <a:solidFill>
+              <a:srgbClr val="FFFF00"/>
+            </a:solidFill>
+            <a:headEnd type="triangle"/>
+            <a:tailEnd type="triangle"/>
+          </a:ln>
+        </p:spPr>
+        <p:style>
+          <a:lnRef idx="1">
+            <a:schemeClr val="dk1"/>
+          </a:lnRef>
+          <a:fillRef idx="0">
+            <a:schemeClr val="dk1"/>
+          </a:fillRef>
+          <a:effectRef idx="0">
+            <a:schemeClr val="dk1"/>
+          </a:effectRef>
+          <a:fontRef idx="minor">
+            <a:schemeClr val="tx1"/>
+          </a:fontRef>
+        </p:style>
+      </p:cxnSp>
+      <p:cxnSp>
+        <p:nvCxnSpPr>
+          <p:cNvPr id="17" name="Straight Arrow Connector 16">
+            <a:extLst>
+              <a:ext uri="{FF2B5EF4-FFF2-40B4-BE49-F238E27FC236}">
+                <a16:creationId xmlns:a16="http://schemas.microsoft.com/office/drawing/2014/main" id="{4DED436D-5FAC-43EE-A59E-40167817DDA9}"/>
+              </a:ext>
+            </a:extLst>
+          </p:cNvPr>
+          <p:cNvCxnSpPr>
+            <a:cxnSpLocks/>
+            <a:stCxn id="6" idx="3"/>
+            <a:endCxn id="12" idx="1"/>
+          </p:cNvCxnSpPr>
+          <p:nvPr/>
+        </p:nvCxnSpPr>
+        <p:spPr>
+          <a:xfrm>
+            <a:off x="5469622" y="3429000"/>
+            <a:ext cx="1252758" cy="176974"/>
+          </a:xfrm>
+          <a:prstGeom prst="straightConnector1">
+            <a:avLst/>
+          </a:prstGeom>
+          <a:ln w="38100">
+            <a:solidFill>
+              <a:srgbClr val="FFFF00"/>
+            </a:solidFill>
+            <a:headEnd type="triangle"/>
+            <a:tailEnd type="triangle"/>
+          </a:ln>
+        </p:spPr>
+        <p:style>
+          <a:lnRef idx="1">
+            <a:schemeClr val="dk1"/>
+          </a:lnRef>
+          <a:fillRef idx="0">
+            <a:schemeClr val="dk1"/>
+          </a:fillRef>
+          <a:effectRef idx="0">
+            <a:schemeClr val="dk1"/>
+          </a:effectRef>
+          <a:fontRef idx="minor">
+            <a:schemeClr val="tx1"/>
+          </a:fontRef>
+        </p:style>
+      </p:cxnSp>
+      <p:cxnSp>
+        <p:nvCxnSpPr>
+          <p:cNvPr id="20" name="Straight Arrow Connector 19">
+            <a:extLst>
+              <a:ext uri="{FF2B5EF4-FFF2-40B4-BE49-F238E27FC236}">
+                <a16:creationId xmlns:a16="http://schemas.microsoft.com/office/drawing/2014/main" id="{9776876B-5765-4E80-9DC0-8F2683F24723}"/>
+              </a:ext>
+            </a:extLst>
+          </p:cNvPr>
+          <p:cNvCxnSpPr>
+            <a:cxnSpLocks/>
+            <a:stCxn id="6" idx="2"/>
+            <a:endCxn id="8" idx="1"/>
+          </p:cNvCxnSpPr>
+          <p:nvPr/>
+        </p:nvCxnSpPr>
+        <p:spPr>
+          <a:xfrm>
+            <a:off x="4827864" y="3798115"/>
+            <a:ext cx="1894516" cy="1561205"/>
+          </a:xfrm>
+          <a:prstGeom prst="straightConnector1">
+            <a:avLst/>
+          </a:prstGeom>
+          <a:ln w="38100">
+            <a:solidFill>
+              <a:srgbClr val="FFFF00"/>
+            </a:solidFill>
+            <a:headEnd type="triangle"/>
+            <a:tailEnd type="triangle"/>
+          </a:ln>
+        </p:spPr>
+        <p:style>
+          <a:lnRef idx="1">
+            <a:schemeClr val="dk1"/>
+          </a:lnRef>
+          <a:fillRef idx="0">
+            <a:schemeClr val="dk1"/>
+          </a:fillRef>
+          <a:effectRef idx="0">
+            <a:schemeClr val="dk1"/>
+          </a:effectRef>
+          <a:fontRef idx="minor">
+            <a:schemeClr val="tx1"/>
+          </a:fontRef>
+        </p:style>
+      </p:cxnSp>
+      <p:cxnSp>
+        <p:nvCxnSpPr>
+          <p:cNvPr id="23" name="Straight Arrow Connector 22">
+            <a:extLst>
+              <a:ext uri="{FF2B5EF4-FFF2-40B4-BE49-F238E27FC236}">
+                <a16:creationId xmlns:a16="http://schemas.microsoft.com/office/drawing/2014/main" id="{4DFA773C-6DB7-46C6-955A-41D05F51E5A0}"/>
+              </a:ext>
+            </a:extLst>
+          </p:cNvPr>
+          <p:cNvCxnSpPr>
+            <a:cxnSpLocks/>
+            <a:stCxn id="6" idx="2"/>
+            <a:endCxn id="26" idx="0"/>
+          </p:cNvCxnSpPr>
+          <p:nvPr/>
+        </p:nvCxnSpPr>
+        <p:spPr>
+          <a:xfrm>
+            <a:off x="4827864" y="3798115"/>
+            <a:ext cx="444365" cy="1583188"/>
+          </a:xfrm>
+          <a:prstGeom prst="straightConnector1">
+            <a:avLst/>
+          </a:prstGeom>
+          <a:ln w="38100">
+            <a:solidFill>
+              <a:srgbClr val="FFFF00"/>
+            </a:solidFill>
+            <a:headEnd type="triangle"/>
+            <a:tailEnd type="triangle"/>
+          </a:ln>
+        </p:spPr>
+        <p:style>
+          <a:lnRef idx="1">
+            <a:schemeClr val="dk1"/>
+          </a:lnRef>
+          <a:fillRef idx="0">
+            <a:schemeClr val="dk1"/>
+          </a:fillRef>
+          <a:effectRef idx="0">
+            <a:schemeClr val="dk1"/>
+          </a:effectRef>
+          <a:fontRef idx="minor">
+            <a:schemeClr val="tx1"/>
+          </a:fontRef>
+        </p:style>
+      </p:cxnSp>
+      <p:sp>
+        <p:nvSpPr>
+          <p:cNvPr id="26" name="TextBox 25">
+            <a:extLst>
+              <a:ext uri="{FF2B5EF4-FFF2-40B4-BE49-F238E27FC236}">
+                <a16:creationId xmlns:a16="http://schemas.microsoft.com/office/drawing/2014/main" id="{1F09FD36-C4B7-47D5-BF9F-FB020B8DFD51}"/>
+              </a:ext>
+            </a:extLst>
+          </p:cNvPr>
+          <p:cNvSpPr txBox="1"/>
+          <p:nvPr/>
+        </p:nvSpPr>
+        <p:spPr>
+          <a:xfrm>
+            <a:off x="4609227" y="5381303"/>
+            <a:ext cx="1326004" cy="369332"/>
+          </a:xfrm>
+          <a:prstGeom prst="rect">
+            <a:avLst/>
+          </a:prstGeom>
+          <a:noFill/>
+        </p:spPr>
+        <p:txBody>
+          <a:bodyPr wrap="none" rtlCol="0">
+            <a:spAutoFit/>
+          </a:bodyPr>
+          <a:lstStyle/>
+          <a:p>
+            <a:r>
+              <a:rPr lang="en-US" dirty="0"/>
+              <a:t>… services</a:t>
+            </a:r>
+          </a:p>
+        </p:txBody>
+      </p:sp>
+      <p:sp>
+        <p:nvSpPr>
+          <p:cNvPr id="9" name="Diamond 8">
+            <a:extLst>
+              <a:ext uri="{FF2B5EF4-FFF2-40B4-BE49-F238E27FC236}">
+                <a16:creationId xmlns:a16="http://schemas.microsoft.com/office/drawing/2014/main" id="{D997621E-3EDA-4576-84FA-54AF359B16C6}"/>
+              </a:ext>
+            </a:extLst>
+          </p:cNvPr>
+          <p:cNvSpPr/>
+          <p:nvPr/>
+        </p:nvSpPr>
+        <p:spPr>
+          <a:xfrm>
+            <a:off x="8425728" y="3026296"/>
+            <a:ext cx="1159356" cy="1159356"/>
+          </a:xfrm>
+          <a:prstGeom prst="diamond">
+            <a:avLst/>
+          </a:prstGeom>
+        </p:spPr>
+        <p:style>
+          <a:lnRef idx="2">
+            <a:schemeClr val="accent1">
+              <a:shade val="50000"/>
+            </a:schemeClr>
+          </a:lnRef>
+          <a:fillRef idx="1">
+            <a:schemeClr val="accent1"/>
+          </a:fillRef>
+          <a:effectRef idx="0">
+            <a:schemeClr val="accent1"/>
+          </a:effectRef>
+          <a:fontRef idx="minor">
+            <a:schemeClr val="lt1"/>
+          </a:fontRef>
+        </p:style>
+        <p:txBody>
+          <a:bodyPr rtlCol="0" anchor="ctr"/>
+          <a:lstStyle/>
+          <a:p>
+            <a:pPr algn="ctr"/>
+            <a:r>
+              <a:rPr lang="en-US" sz="1050" dirty="0"/>
+              <a:t>Apollo Server</a:t>
+            </a:r>
+          </a:p>
+        </p:txBody>
+      </p:sp>
+      <p:sp>
+        <p:nvSpPr>
+          <p:cNvPr id="10" name="TextBox 9">
+            <a:extLst>
+              <a:ext uri="{FF2B5EF4-FFF2-40B4-BE49-F238E27FC236}">
+                <a16:creationId xmlns:a16="http://schemas.microsoft.com/office/drawing/2014/main" id="{535733C0-7030-4B79-91C2-D56E2D680FEF}"/>
+              </a:ext>
+            </a:extLst>
+          </p:cNvPr>
+          <p:cNvSpPr txBox="1"/>
+          <p:nvPr/>
+        </p:nvSpPr>
+        <p:spPr>
+          <a:xfrm>
+            <a:off x="6890610" y="3372377"/>
+            <a:ext cx="849913" cy="461665"/>
+          </a:xfrm>
+          <a:prstGeom prst="rect">
+            <a:avLst/>
+          </a:prstGeom>
+          <a:noFill/>
+        </p:spPr>
+        <p:txBody>
+          <a:bodyPr wrap="none" rtlCol="0">
+            <a:spAutoFit/>
+          </a:bodyPr>
+          <a:lstStyle/>
+          <a:p>
+            <a:r>
+              <a:rPr lang="en-US" sz="1200" dirty="0" err="1"/>
+              <a:t>typeDefs</a:t>
+            </a:r>
+            <a:br>
+              <a:rPr lang="en-US" sz="1200" dirty="0"/>
+            </a:br>
+            <a:r>
+              <a:rPr lang="en-US" sz="1200" dirty="0"/>
+              <a:t>(Schema)</a:t>
+            </a:r>
+          </a:p>
+        </p:txBody>
+      </p:sp>
+      <p:cxnSp>
+        <p:nvCxnSpPr>
+          <p:cNvPr id="14" name="Straight Arrow Connector 13">
+            <a:extLst>
+              <a:ext uri="{FF2B5EF4-FFF2-40B4-BE49-F238E27FC236}">
+                <a16:creationId xmlns:a16="http://schemas.microsoft.com/office/drawing/2014/main" id="{CFD10C35-8478-494B-8F9D-47A5D013FD19}"/>
+              </a:ext>
+            </a:extLst>
+          </p:cNvPr>
+          <p:cNvCxnSpPr>
+            <a:stCxn id="10" idx="3"/>
+            <a:endCxn id="9" idx="1"/>
+          </p:cNvCxnSpPr>
+          <p:nvPr/>
+        </p:nvCxnSpPr>
+        <p:spPr>
+          <a:xfrm>
+            <a:off x="7740523" y="3603210"/>
+            <a:ext cx="685205" cy="2764"/>
+          </a:xfrm>
+          <a:prstGeom prst="straightConnector1">
+            <a:avLst/>
+          </a:prstGeom>
+          <a:ln w="28575">
+            <a:solidFill>
+              <a:schemeClr val="tx1"/>
+            </a:solidFill>
+            <a:tailEnd type="triangle"/>
+          </a:ln>
+        </p:spPr>
+        <p:style>
+          <a:lnRef idx="1">
+            <a:schemeClr val="accent1"/>
+          </a:lnRef>
+          <a:fillRef idx="0">
+            <a:schemeClr val="accent1"/>
+          </a:fillRef>
+          <a:effectRef idx="0">
+            <a:schemeClr val="accent1"/>
+          </a:effectRef>
+          <a:fontRef idx="minor">
+            <a:schemeClr val="tx1"/>
+          </a:fontRef>
+        </p:style>
+      </p:cxnSp>
+      <p:sp>
+        <p:nvSpPr>
+          <p:cNvPr id="21" name="TextBox 20">
+            <a:extLst>
+              <a:ext uri="{FF2B5EF4-FFF2-40B4-BE49-F238E27FC236}">
+                <a16:creationId xmlns:a16="http://schemas.microsoft.com/office/drawing/2014/main" id="{07341F81-8251-4FEF-B005-C9B680FE2653}"/>
+              </a:ext>
+            </a:extLst>
+          </p:cNvPr>
+          <p:cNvSpPr txBox="1"/>
+          <p:nvPr/>
+        </p:nvSpPr>
+        <p:spPr>
+          <a:xfrm>
+            <a:off x="8474651" y="4391696"/>
+            <a:ext cx="1061509" cy="276999"/>
+          </a:xfrm>
+          <a:prstGeom prst="rect">
+            <a:avLst/>
+          </a:prstGeom>
+          <a:noFill/>
+        </p:spPr>
+        <p:txBody>
+          <a:bodyPr wrap="none" rtlCol="0">
+            <a:spAutoFit/>
+          </a:bodyPr>
+          <a:lstStyle/>
+          <a:p>
+            <a:r>
+              <a:rPr lang="en-US" sz="1200" dirty="0"/>
+              <a:t>configuration</a:t>
+            </a:r>
+          </a:p>
+        </p:txBody>
+      </p:sp>
+      <p:cxnSp>
+        <p:nvCxnSpPr>
+          <p:cNvPr id="22" name="Straight Arrow Connector 21">
+            <a:extLst>
+              <a:ext uri="{FF2B5EF4-FFF2-40B4-BE49-F238E27FC236}">
+                <a16:creationId xmlns:a16="http://schemas.microsoft.com/office/drawing/2014/main" id="{A1913373-8353-4BE4-B2D1-AA72D2443B05}"/>
+              </a:ext>
+            </a:extLst>
+          </p:cNvPr>
+          <p:cNvCxnSpPr>
+            <a:cxnSpLocks/>
+            <a:stCxn id="21" idx="0"/>
+            <a:endCxn id="9" idx="2"/>
+          </p:cNvCxnSpPr>
+          <p:nvPr/>
+        </p:nvCxnSpPr>
+        <p:spPr>
+          <a:xfrm flipV="1">
+            <a:off x="9005406" y="4185652"/>
+            <a:ext cx="0" cy="206044"/>
+          </a:xfrm>
+          <a:prstGeom prst="straightConnector1">
+            <a:avLst/>
+          </a:prstGeom>
+          <a:ln w="28575">
+            <a:solidFill>
+              <a:schemeClr val="tx1"/>
+            </a:solidFill>
+            <a:tailEnd type="triangle"/>
+          </a:ln>
+        </p:spPr>
+        <p:style>
+          <a:lnRef idx="1">
+            <a:schemeClr val="accent1"/>
+          </a:lnRef>
+          <a:fillRef idx="0">
+            <a:schemeClr val="accent1"/>
+          </a:fillRef>
+          <a:effectRef idx="0">
+            <a:schemeClr val="accent1"/>
+          </a:effectRef>
+          <a:fontRef idx="minor">
+            <a:schemeClr val="tx1"/>
+          </a:fontRef>
+        </p:style>
+      </p:cxnSp>
+      <p:sp>
+        <p:nvSpPr>
+          <p:cNvPr id="24" name="TextBox 23">
+            <a:extLst>
+              <a:ext uri="{FF2B5EF4-FFF2-40B4-BE49-F238E27FC236}">
+                <a16:creationId xmlns:a16="http://schemas.microsoft.com/office/drawing/2014/main" id="{A06AFF3E-E69E-43D7-84F8-F0B575825DD7}"/>
+              </a:ext>
+            </a:extLst>
+          </p:cNvPr>
+          <p:cNvSpPr txBox="1"/>
+          <p:nvPr/>
+        </p:nvSpPr>
+        <p:spPr>
+          <a:xfrm>
+            <a:off x="8572433" y="2534430"/>
+            <a:ext cx="865943" cy="276999"/>
+          </a:xfrm>
+          <a:prstGeom prst="rect">
+            <a:avLst/>
+          </a:prstGeom>
+          <a:noFill/>
+        </p:spPr>
+        <p:txBody>
+          <a:bodyPr wrap="none" rtlCol="0">
+            <a:spAutoFit/>
+          </a:bodyPr>
+          <a:lstStyle/>
+          <a:p>
+            <a:r>
+              <a:rPr lang="en-US" sz="1200" dirty="0"/>
+              <a:t>Resolvers</a:t>
+            </a:r>
+          </a:p>
+        </p:txBody>
+      </p:sp>
+      <p:cxnSp>
+        <p:nvCxnSpPr>
+          <p:cNvPr id="25" name="Straight Arrow Connector 24">
+            <a:extLst>
+              <a:ext uri="{FF2B5EF4-FFF2-40B4-BE49-F238E27FC236}">
+                <a16:creationId xmlns:a16="http://schemas.microsoft.com/office/drawing/2014/main" id="{964EFB9F-80C0-4953-BC46-A2FCF928B1D8}"/>
+              </a:ext>
+            </a:extLst>
+          </p:cNvPr>
+          <p:cNvCxnSpPr>
+            <a:cxnSpLocks/>
+            <a:stCxn id="24" idx="2"/>
+            <a:endCxn id="9" idx="0"/>
+          </p:cNvCxnSpPr>
+          <p:nvPr/>
+        </p:nvCxnSpPr>
+        <p:spPr>
+          <a:xfrm>
+            <a:off x="9005405" y="2811429"/>
+            <a:ext cx="1" cy="214867"/>
+          </a:xfrm>
+          <a:prstGeom prst="straightConnector1">
+            <a:avLst/>
+          </a:prstGeom>
+          <a:ln w="28575">
+            <a:solidFill>
+              <a:schemeClr val="tx1"/>
+            </a:solidFill>
+            <a:tailEnd type="triangle"/>
+          </a:ln>
+        </p:spPr>
+        <p:style>
+          <a:lnRef idx="1">
+            <a:schemeClr val="accent1"/>
+          </a:lnRef>
+          <a:fillRef idx="0">
+            <a:schemeClr val="accent1"/>
+          </a:fillRef>
+          <a:effectRef idx="0">
+            <a:schemeClr val="accent1"/>
+          </a:effectRef>
+          <a:fontRef idx="minor">
+            <a:schemeClr val="tx1"/>
+          </a:fontRef>
+        </p:style>
+      </p:cxnSp>
+      <p:sp>
+        <p:nvSpPr>
+          <p:cNvPr id="28" name="TextBox 27">
+            <a:extLst>
+              <a:ext uri="{FF2B5EF4-FFF2-40B4-BE49-F238E27FC236}">
+                <a16:creationId xmlns:a16="http://schemas.microsoft.com/office/drawing/2014/main" id="{B6E648B3-BFE3-47B6-8813-306775EC6B19}"/>
+              </a:ext>
+            </a:extLst>
+          </p:cNvPr>
+          <p:cNvSpPr txBox="1"/>
+          <p:nvPr/>
+        </p:nvSpPr>
+        <p:spPr>
+          <a:xfrm>
+            <a:off x="9883395" y="3473156"/>
+            <a:ext cx="338554" cy="276999"/>
+          </a:xfrm>
+          <a:prstGeom prst="rect">
+            <a:avLst/>
+          </a:prstGeom>
+          <a:noFill/>
+        </p:spPr>
+        <p:txBody>
+          <a:bodyPr wrap="none" rtlCol="0">
+            <a:spAutoFit/>
+          </a:bodyPr>
+          <a:lstStyle/>
+          <a:p>
+            <a:r>
+              <a:rPr lang="en-US" sz="1200" dirty="0"/>
+              <a:t>…</a:t>
+            </a:r>
+          </a:p>
+        </p:txBody>
+      </p:sp>
+      <p:cxnSp>
+        <p:nvCxnSpPr>
+          <p:cNvPr id="29" name="Straight Arrow Connector 28">
+            <a:extLst>
+              <a:ext uri="{FF2B5EF4-FFF2-40B4-BE49-F238E27FC236}">
+                <a16:creationId xmlns:a16="http://schemas.microsoft.com/office/drawing/2014/main" id="{2238A923-DE59-46A6-AAAE-00F2ADDE813D}"/>
+              </a:ext>
+            </a:extLst>
+          </p:cNvPr>
+          <p:cNvCxnSpPr>
+            <a:cxnSpLocks/>
+            <a:stCxn id="28" idx="1"/>
+            <a:endCxn id="9" idx="3"/>
+          </p:cNvCxnSpPr>
+          <p:nvPr/>
+        </p:nvCxnSpPr>
+        <p:spPr>
+          <a:xfrm flipH="1" flipV="1">
+            <a:off x="9585084" y="3605974"/>
+            <a:ext cx="298311" cy="5682"/>
+          </a:xfrm>
+          <a:prstGeom prst="straightConnector1">
+            <a:avLst/>
+          </a:prstGeom>
+          <a:ln w="28575">
+            <a:solidFill>
+              <a:schemeClr val="tx1"/>
+            </a:solidFill>
+            <a:tailEnd type="triangle"/>
+          </a:ln>
+        </p:spPr>
+        <p:style>
+          <a:lnRef idx="1">
+            <a:schemeClr val="accent1"/>
+          </a:lnRef>
+          <a:fillRef idx="0">
+            <a:schemeClr val="accent1"/>
+          </a:fillRef>
+          <a:effectRef idx="0">
+            <a:schemeClr val="accent1"/>
+          </a:effectRef>
+          <a:fontRef idx="minor">
+            <a:schemeClr val="tx1"/>
+          </a:fontRef>
+        </p:style>
+      </p:cxnSp>
+    </p:spTree>
+    <p:extLst>
+      <p:ext uri="{BB962C8B-B14F-4D97-AF65-F5344CB8AC3E}">
+        <p14:creationId xmlns:p14="http://schemas.microsoft.com/office/powerpoint/2010/main" val="3801718493"/>
+      </p:ext>
+    </p:extLst>
+  </p:cSld>
+  <p:clrMapOvr>
+    <a:masterClrMapping/>
+  </p:clrMapOvr>
+</p:sld>
+</file>
+
+<file path=ppt/slides/slide40.xml><?xml version="1.0" encoding="utf-8"?>
+<p:sld xmlns:a="http://schemas.openxmlformats.org/drawingml/2006/main" xmlns:r="http://schemas.openxmlformats.org/officeDocument/2006/relationships" xmlns:p="http://schemas.openxmlformats.org/presentationml/2006/main">
+  <p:cSld>
+    <p:spTree>
+      <p:nvGrpSpPr>
+        <p:cNvPr id="1" name=""/>
+        <p:cNvGrpSpPr/>
+        <p:nvPr/>
+      </p:nvGrpSpPr>
+      <p:grpSpPr>
+        <a:xfrm>
+          <a:off x="0" y="0"/>
+          <a:ext cx="0" cy="0"/>
+          <a:chOff x="0" y="0"/>
+          <a:chExt cx="0" cy="0"/>
+        </a:xfrm>
+      </p:grpSpPr>
+      <p:sp>
+        <p:nvSpPr>
+          <p:cNvPr id="4" name="Title 3">
+            <a:extLst>
+              <a:ext uri="{FF2B5EF4-FFF2-40B4-BE49-F238E27FC236}">
+                <a16:creationId xmlns:a16="http://schemas.microsoft.com/office/drawing/2014/main" id="{AE6FE9D2-9C7E-497C-90C4-E6199C7CA3CD}"/>
+              </a:ext>
+            </a:extLst>
+          </p:cNvPr>
+          <p:cNvSpPr>
+            <a:spLocks noGrp="1"/>
+          </p:cNvSpPr>
+          <p:nvPr>
+            <p:ph type="title"/>
+          </p:nvPr>
+        </p:nvSpPr>
+        <p:spPr/>
+        <p:txBody>
+          <a:bodyPr/>
+          <a:lstStyle/>
+          <a:p>
+            <a:pPr algn="ctr"/>
+            <a:r>
+              <a:rPr lang="en-US" dirty="0"/>
+              <a:t>END</a:t>
+            </a:r>
+          </a:p>
+        </p:txBody>
+      </p:sp>
+    </p:spTree>
+    <p:extLst>
+      <p:ext uri="{BB962C8B-B14F-4D97-AF65-F5344CB8AC3E}">
+        <p14:creationId xmlns:p14="http://schemas.microsoft.com/office/powerpoint/2010/main" val="557842199"/>
+      </p:ext>
+    </p:extLst>
+  </p:cSld>
+  <p:clrMapOvr>
+    <a:masterClrMapping/>
+  </p:clrMapOvr>
+</p:sld>
+</file>
+
+<file path=ppt/slides/slide41.xml><?xml version="1.0" encoding="utf-8"?>
+<p:sld xmlns:a="http://schemas.openxmlformats.org/drawingml/2006/main" xmlns:r="http://schemas.openxmlformats.org/officeDocument/2006/relationships" xmlns:p="http://schemas.openxmlformats.org/presentationml/2006/main">
+  <p:cSld>
+    <p:spTree>
+      <p:nvGrpSpPr>
+        <p:cNvPr id="1" name=""/>
+        <p:cNvGrpSpPr/>
+        <p:nvPr/>
+      </p:nvGrpSpPr>
+      <p:grpSpPr>
+        <a:xfrm>
+          <a:off x="0" y="0"/>
+          <a:ext cx="0" cy="0"/>
+          <a:chOff x="0" y="0"/>
+          <a:chExt cx="0" cy="0"/>
+        </a:xfrm>
+      </p:grpSpPr>
+      <p:sp>
+        <p:nvSpPr>
           <p:cNvPr id="4" name="Title 3">
             <a:extLst>
               <a:ext uri="{FF2B5EF4-FFF2-40B4-BE49-F238E27FC236}">
@@ -12672,7 +16158,7 @@
 </p:sld>
 </file>
 
-<file path=ppt/slides/slide27.xml><?xml version="1.0" encoding="utf-8"?>
+<file path=ppt/slides/slide42.xml><?xml version="1.0" encoding="utf-8"?>
 <p:sld xmlns:a="http://schemas.openxmlformats.org/drawingml/2006/main" xmlns:r="http://schemas.openxmlformats.org/officeDocument/2006/relationships" xmlns:p="http://schemas.openxmlformats.org/presentationml/2006/main">
   <p:cSld>
     <p:spTree>
@@ -13187,1166 +16673,6 @@
     <p:extLst>
       <p:ext uri="{BB962C8B-B14F-4D97-AF65-F5344CB8AC3E}">
         <p14:creationId xmlns:p14="http://schemas.microsoft.com/office/powerpoint/2010/main" val="2547105178"/>
-      </p:ext>
-    </p:extLst>
-  </p:cSld>
-  <p:clrMapOvr>
-    <a:masterClrMapping/>
-  </p:clrMapOvr>
-</p:sld>
-</file>
-
-<file path=ppt/slides/slide28.xml><?xml version="1.0" encoding="utf-8"?>
-<p:sld xmlns:a="http://schemas.openxmlformats.org/drawingml/2006/main" xmlns:r="http://schemas.openxmlformats.org/officeDocument/2006/relationships" xmlns:p="http://schemas.openxmlformats.org/presentationml/2006/main">
-  <p:cSld>
-    <p:spTree>
-      <p:nvGrpSpPr>
-        <p:cNvPr id="1" name=""/>
-        <p:cNvGrpSpPr/>
-        <p:nvPr/>
-      </p:nvGrpSpPr>
-      <p:grpSpPr>
-        <a:xfrm>
-          <a:off x="0" y="0"/>
-          <a:ext cx="0" cy="0"/>
-          <a:chOff x="0" y="0"/>
-          <a:chExt cx="0" cy="0"/>
-        </a:xfrm>
-      </p:grpSpPr>
-      <p:sp>
-        <p:nvSpPr>
-          <p:cNvPr id="2" name="Title 1">
-            <a:extLst>
-              <a:ext uri="{FF2B5EF4-FFF2-40B4-BE49-F238E27FC236}">
-                <a16:creationId xmlns:a16="http://schemas.microsoft.com/office/drawing/2014/main" id="{7593FD06-E110-48CE-A7FA-F9C784BE6518}"/>
-              </a:ext>
-            </a:extLst>
-          </p:cNvPr>
-          <p:cNvSpPr>
-            <a:spLocks noGrp="1"/>
-          </p:cNvSpPr>
-          <p:nvPr>
-            <p:ph type="title"/>
-          </p:nvPr>
-        </p:nvSpPr>
-        <p:spPr/>
-        <p:txBody>
-          <a:bodyPr/>
-          <a:lstStyle/>
-          <a:p>
-            <a:endParaRPr lang="en-US" dirty="0"/>
-          </a:p>
-        </p:txBody>
-      </p:sp>
-      <p:sp>
-        <p:nvSpPr>
-          <p:cNvPr id="3" name="Content Placeholder 2">
-            <a:extLst>
-              <a:ext uri="{FF2B5EF4-FFF2-40B4-BE49-F238E27FC236}">
-                <a16:creationId xmlns:a16="http://schemas.microsoft.com/office/drawing/2014/main" id="{43AA8A0D-965F-4C1F-9CB3-1A31BF0C61C1}"/>
-              </a:ext>
-            </a:extLst>
-          </p:cNvPr>
-          <p:cNvSpPr>
-            <a:spLocks noGrp="1"/>
-          </p:cNvSpPr>
-          <p:nvPr>
-            <p:ph idx="1"/>
-          </p:nvPr>
-        </p:nvSpPr>
-        <p:spPr/>
-        <p:txBody>
-          <a:bodyPr/>
-          <a:lstStyle/>
-          <a:p>
-            <a:endParaRPr lang="en-US"/>
-          </a:p>
-        </p:txBody>
-      </p:sp>
-    </p:spTree>
-    <p:extLst>
-      <p:ext uri="{BB962C8B-B14F-4D97-AF65-F5344CB8AC3E}">
-        <p14:creationId xmlns:p14="http://schemas.microsoft.com/office/powerpoint/2010/main" val="503784683"/>
-      </p:ext>
-    </p:extLst>
-  </p:cSld>
-  <p:clrMapOvr>
-    <a:masterClrMapping/>
-  </p:clrMapOvr>
-</p:sld>
-</file>
-
-<file path=ppt/slides/slide3.xml><?xml version="1.0" encoding="utf-8"?>
-<p:sld xmlns:a="http://schemas.openxmlformats.org/drawingml/2006/main" xmlns:r="http://schemas.openxmlformats.org/officeDocument/2006/relationships" xmlns:p="http://schemas.openxmlformats.org/presentationml/2006/main">
-  <p:cSld>
-    <p:spTree>
-      <p:nvGrpSpPr>
-        <p:cNvPr id="1" name=""/>
-        <p:cNvGrpSpPr/>
-        <p:nvPr/>
-      </p:nvGrpSpPr>
-      <p:grpSpPr>
-        <a:xfrm>
-          <a:off x="0" y="0"/>
-          <a:ext cx="0" cy="0"/>
-          <a:chOff x="0" y="0"/>
-          <a:chExt cx="0" cy="0"/>
-        </a:xfrm>
-      </p:grpSpPr>
-      <p:sp>
-        <p:nvSpPr>
-          <p:cNvPr id="4" name="Title 3">
-            <a:extLst>
-              <a:ext uri="{FF2B5EF4-FFF2-40B4-BE49-F238E27FC236}">
-                <a16:creationId xmlns:a16="http://schemas.microsoft.com/office/drawing/2014/main" id="{D37E5F1F-CB25-443A-81F5-03C8578FD76F}"/>
-              </a:ext>
-            </a:extLst>
-          </p:cNvPr>
-          <p:cNvSpPr>
-            <a:spLocks noGrp="1"/>
-          </p:cNvSpPr>
-          <p:nvPr>
-            <p:ph type="title"/>
-          </p:nvPr>
-        </p:nvSpPr>
-        <p:spPr/>
-        <p:txBody>
-          <a:bodyPr/>
-          <a:lstStyle/>
-          <a:p>
-            <a:pPr algn="ctr"/>
-            <a:r>
-              <a:rPr lang="en-US" dirty="0">
-                <a:solidFill>
-                  <a:srgbClr val="FFFF00"/>
-                </a:solidFill>
-              </a:rPr>
-              <a:t>START</a:t>
-            </a:r>
-          </a:p>
-        </p:txBody>
-      </p:sp>
-    </p:spTree>
-    <p:extLst>
-      <p:ext uri="{BB962C8B-B14F-4D97-AF65-F5344CB8AC3E}">
-        <p14:creationId xmlns:p14="http://schemas.microsoft.com/office/powerpoint/2010/main" val="1032501503"/>
-      </p:ext>
-    </p:extLst>
-  </p:cSld>
-  <p:clrMapOvr>
-    <a:masterClrMapping/>
-  </p:clrMapOvr>
-</p:sld>
-</file>
-
-<file path=ppt/slides/slide4.xml><?xml version="1.0" encoding="utf-8"?>
-<p:sld xmlns:a="http://schemas.openxmlformats.org/drawingml/2006/main" xmlns:r="http://schemas.openxmlformats.org/officeDocument/2006/relationships" xmlns:p="http://schemas.openxmlformats.org/presentationml/2006/main">
-  <p:cSld>
-    <p:spTree>
-      <p:nvGrpSpPr>
-        <p:cNvPr id="1" name=""/>
-        <p:cNvGrpSpPr/>
-        <p:nvPr/>
-      </p:nvGrpSpPr>
-      <p:grpSpPr>
-        <a:xfrm>
-          <a:off x="0" y="0"/>
-          <a:ext cx="0" cy="0"/>
-          <a:chOff x="0" y="0"/>
-          <a:chExt cx="0" cy="0"/>
-        </a:xfrm>
-      </p:grpSpPr>
-      <p:sp>
-        <p:nvSpPr>
-          <p:cNvPr id="2" name="Title 1">
-            <a:extLst>
-              <a:ext uri="{FF2B5EF4-FFF2-40B4-BE49-F238E27FC236}">
-                <a16:creationId xmlns:a16="http://schemas.microsoft.com/office/drawing/2014/main" id="{22278C5B-8F21-4C3E-9B5E-AA9BB9E511C2}"/>
-              </a:ext>
-            </a:extLst>
-          </p:cNvPr>
-          <p:cNvSpPr>
-            <a:spLocks noGrp="1"/>
-          </p:cNvSpPr>
-          <p:nvPr>
-            <p:ph type="title"/>
-          </p:nvPr>
-        </p:nvSpPr>
-        <p:spPr/>
-        <p:txBody>
-          <a:bodyPr/>
-          <a:lstStyle/>
-          <a:p>
-            <a:r>
-              <a:rPr lang="en-US" dirty="0"/>
-              <a:t>Start – Structure</a:t>
-            </a:r>
-          </a:p>
-        </p:txBody>
-      </p:sp>
-      <p:sp>
-        <p:nvSpPr>
-          <p:cNvPr id="3" name="Rectangle 2">
-            <a:extLst>
-              <a:ext uri="{FF2B5EF4-FFF2-40B4-BE49-F238E27FC236}">
-                <a16:creationId xmlns:a16="http://schemas.microsoft.com/office/drawing/2014/main" id="{708D598D-4309-493D-9C2D-2C259FBF6CEF}"/>
-              </a:ext>
-            </a:extLst>
-          </p:cNvPr>
-          <p:cNvSpPr/>
-          <p:nvPr/>
-        </p:nvSpPr>
-        <p:spPr>
-          <a:xfrm>
-            <a:off x="1473683" y="3059884"/>
-            <a:ext cx="1283516" cy="738231"/>
-          </a:xfrm>
-          <a:prstGeom prst="rect">
-            <a:avLst/>
-          </a:prstGeom>
-        </p:spPr>
-        <p:style>
-          <a:lnRef idx="2">
-            <a:schemeClr val="accent3">
-              <a:shade val="50000"/>
-            </a:schemeClr>
-          </a:lnRef>
-          <a:fillRef idx="1">
-            <a:schemeClr val="accent3"/>
-          </a:fillRef>
-          <a:effectRef idx="0">
-            <a:schemeClr val="accent3"/>
-          </a:effectRef>
-          <a:fontRef idx="minor">
-            <a:schemeClr val="lt1"/>
-          </a:fontRef>
-        </p:style>
-        <p:txBody>
-          <a:bodyPr rtlCol="0" anchor="ctr"/>
-          <a:lstStyle/>
-          <a:p>
-            <a:pPr algn="ctr"/>
-            <a:r>
-              <a:rPr lang="en-US" dirty="0"/>
-              <a:t>Client App</a:t>
-            </a:r>
-          </a:p>
-        </p:txBody>
-      </p:sp>
-      <p:sp>
-        <p:nvSpPr>
-          <p:cNvPr id="4" name="Rectangle: Rounded Corners 3">
-            <a:extLst>
-              <a:ext uri="{FF2B5EF4-FFF2-40B4-BE49-F238E27FC236}">
-                <a16:creationId xmlns:a16="http://schemas.microsoft.com/office/drawing/2014/main" id="{FEC27127-5228-4149-AE06-E5F788419057}"/>
-              </a:ext>
-            </a:extLst>
-          </p:cNvPr>
-          <p:cNvSpPr/>
-          <p:nvPr/>
-        </p:nvSpPr>
-        <p:spPr>
-          <a:xfrm>
-            <a:off x="4186106" y="1885285"/>
-            <a:ext cx="6384033" cy="4164659"/>
-          </a:xfrm>
-          <a:prstGeom prst="roundRect">
-            <a:avLst/>
-          </a:prstGeom>
-          <a:noFill/>
-          <a:ln w="9525" cap="flat" cmpd="sng" algn="ctr">
-            <a:solidFill>
-              <a:schemeClr val="accent4"/>
-            </a:solidFill>
-            <a:prstDash val="dash"/>
-            <a:round/>
-            <a:headEnd type="none" w="med" len="med"/>
-            <a:tailEnd type="none" w="med" len="med"/>
-          </a:ln>
-        </p:spPr>
-        <p:style>
-          <a:lnRef idx="0">
-            <a:scrgbClr r="0" g="0" b="0"/>
-          </a:lnRef>
-          <a:fillRef idx="0">
-            <a:scrgbClr r="0" g="0" b="0"/>
-          </a:fillRef>
-          <a:effectRef idx="0">
-            <a:scrgbClr r="0" g="0" b="0"/>
-          </a:effectRef>
-          <a:fontRef idx="minor">
-            <a:schemeClr val="accent4"/>
-          </a:fontRef>
-        </p:style>
-        <p:txBody>
-          <a:bodyPr rtlCol="0" anchor="ctr"/>
-          <a:lstStyle/>
-          <a:p>
-            <a:pPr algn="ctr"/>
-            <a:endParaRPr lang="en-US"/>
-          </a:p>
-        </p:txBody>
-      </p:sp>
-      <p:sp>
-        <p:nvSpPr>
-          <p:cNvPr id="5" name="TextBox 4">
-            <a:extLst>
-              <a:ext uri="{FF2B5EF4-FFF2-40B4-BE49-F238E27FC236}">
-                <a16:creationId xmlns:a16="http://schemas.microsoft.com/office/drawing/2014/main" id="{AD533495-D88C-4683-A29E-1E01D58DC5D8}"/>
-              </a:ext>
-            </a:extLst>
-          </p:cNvPr>
-          <p:cNvSpPr txBox="1"/>
-          <p:nvPr/>
-        </p:nvSpPr>
-        <p:spPr>
-          <a:xfrm>
-            <a:off x="4827864" y="1967272"/>
-            <a:ext cx="1685077" cy="369332"/>
-          </a:xfrm>
-          <a:prstGeom prst="rect">
-            <a:avLst/>
-          </a:prstGeom>
-          <a:noFill/>
-        </p:spPr>
-        <p:txBody>
-          <a:bodyPr wrap="none" rtlCol="0">
-            <a:spAutoFit/>
-          </a:bodyPr>
-          <a:lstStyle/>
-          <a:p>
-            <a:r>
-              <a:rPr lang="en-US" dirty="0"/>
-              <a:t>Apollo Servers</a:t>
-            </a:r>
-          </a:p>
-        </p:txBody>
-      </p:sp>
-      <p:sp>
-        <p:nvSpPr>
-          <p:cNvPr id="6" name="Rectangle 5">
-            <a:extLst>
-              <a:ext uri="{FF2B5EF4-FFF2-40B4-BE49-F238E27FC236}">
-                <a16:creationId xmlns:a16="http://schemas.microsoft.com/office/drawing/2014/main" id="{4AF49385-BCD8-4780-9D41-8CB23F7738E2}"/>
-              </a:ext>
-            </a:extLst>
-          </p:cNvPr>
-          <p:cNvSpPr/>
-          <p:nvPr/>
-        </p:nvSpPr>
-        <p:spPr>
-          <a:xfrm>
-            <a:off x="4186106" y="3059884"/>
-            <a:ext cx="1283516" cy="738231"/>
-          </a:xfrm>
-          <a:prstGeom prst="rect">
-            <a:avLst/>
-          </a:prstGeom>
-        </p:spPr>
-        <p:style>
-          <a:lnRef idx="1">
-            <a:schemeClr val="dk1"/>
-          </a:lnRef>
-          <a:fillRef idx="2">
-            <a:schemeClr val="dk1"/>
-          </a:fillRef>
-          <a:effectRef idx="1">
-            <a:schemeClr val="dk1"/>
-          </a:effectRef>
-          <a:fontRef idx="minor">
-            <a:schemeClr val="dk1"/>
-          </a:fontRef>
-        </p:style>
-        <p:txBody>
-          <a:bodyPr rtlCol="0" anchor="ctr"/>
-          <a:lstStyle/>
-          <a:p>
-            <a:pPr algn="ctr"/>
-            <a:r>
-              <a:rPr lang="en-US" dirty="0"/>
-              <a:t>Gateway</a:t>
-            </a:r>
-          </a:p>
-        </p:txBody>
-      </p:sp>
-      <p:sp>
-        <p:nvSpPr>
-          <p:cNvPr id="7" name="TextBox 6">
-            <a:extLst>
-              <a:ext uri="{FF2B5EF4-FFF2-40B4-BE49-F238E27FC236}">
-                <a16:creationId xmlns:a16="http://schemas.microsoft.com/office/drawing/2014/main" id="{924530CB-D2E8-46C8-ACD1-F07B3538B9C8}"/>
-              </a:ext>
-            </a:extLst>
-          </p:cNvPr>
-          <p:cNvSpPr txBox="1"/>
-          <p:nvPr/>
-        </p:nvSpPr>
-        <p:spPr>
-          <a:xfrm>
-            <a:off x="1970050" y="6256593"/>
-            <a:ext cx="6455678" cy="369332"/>
-          </a:xfrm>
-          <a:prstGeom prst="rect">
-            <a:avLst/>
-          </a:prstGeom>
-          <a:noFill/>
-        </p:spPr>
-        <p:txBody>
-          <a:bodyPr wrap="none" rtlCol="0">
-            <a:spAutoFit/>
-          </a:bodyPr>
-          <a:lstStyle/>
-          <a:p>
-            <a:r>
-              <a:rPr lang="en-US" dirty="0"/>
-              <a:t>Reference: </a:t>
-            </a:r>
-            <a:r>
-              <a:rPr lang="en-US" dirty="0">
-                <a:hlinkClick r:id="rId2"/>
-              </a:rPr>
-              <a:t>https://www.apollographql.com/docs/apollo-server</a:t>
-            </a:r>
-            <a:endParaRPr lang="en-US" dirty="0"/>
-          </a:p>
-        </p:txBody>
-      </p:sp>
-      <p:sp>
-        <p:nvSpPr>
-          <p:cNvPr id="8" name="Rectangle 7">
-            <a:extLst>
-              <a:ext uri="{FF2B5EF4-FFF2-40B4-BE49-F238E27FC236}">
-                <a16:creationId xmlns:a16="http://schemas.microsoft.com/office/drawing/2014/main" id="{D889FC16-5C6C-4536-BBC5-3E05788A8D03}"/>
-              </a:ext>
-            </a:extLst>
-          </p:cNvPr>
-          <p:cNvSpPr/>
-          <p:nvPr/>
-        </p:nvSpPr>
-        <p:spPr>
-          <a:xfrm>
-            <a:off x="6722380" y="4990204"/>
-            <a:ext cx="1283516" cy="738231"/>
-          </a:xfrm>
-          <a:prstGeom prst="rect">
-            <a:avLst/>
-          </a:prstGeom>
-        </p:spPr>
-        <p:style>
-          <a:lnRef idx="2">
-            <a:schemeClr val="accent2">
-              <a:shade val="50000"/>
-            </a:schemeClr>
-          </a:lnRef>
-          <a:fillRef idx="1">
-            <a:schemeClr val="accent2"/>
-          </a:fillRef>
-          <a:effectRef idx="0">
-            <a:schemeClr val="accent2"/>
-          </a:effectRef>
-          <a:fontRef idx="minor">
-            <a:schemeClr val="lt1"/>
-          </a:fontRef>
-        </p:style>
-        <p:txBody>
-          <a:bodyPr rtlCol="0" anchor="ctr"/>
-          <a:lstStyle/>
-          <a:p>
-            <a:pPr algn="ctr"/>
-            <a:r>
-              <a:rPr lang="en-US" dirty="0"/>
-              <a:t>Service B</a:t>
-            </a:r>
-          </a:p>
-        </p:txBody>
-      </p:sp>
-      <p:sp>
-        <p:nvSpPr>
-          <p:cNvPr id="12" name="Rectangle 11">
-            <a:extLst>
-              <a:ext uri="{FF2B5EF4-FFF2-40B4-BE49-F238E27FC236}">
-                <a16:creationId xmlns:a16="http://schemas.microsoft.com/office/drawing/2014/main" id="{1F78351B-472A-4C86-856B-C0F829D0DF36}"/>
-              </a:ext>
-            </a:extLst>
-          </p:cNvPr>
-          <p:cNvSpPr/>
-          <p:nvPr/>
-        </p:nvSpPr>
-        <p:spPr>
-          <a:xfrm>
-            <a:off x="6722380" y="2543253"/>
-            <a:ext cx="3499569" cy="2125442"/>
-          </a:xfrm>
-          <a:prstGeom prst="rect">
-            <a:avLst/>
-          </a:prstGeom>
-          <a:noFill/>
-        </p:spPr>
-        <p:style>
-          <a:lnRef idx="2">
-            <a:schemeClr val="accent2">
-              <a:shade val="50000"/>
-            </a:schemeClr>
-          </a:lnRef>
-          <a:fillRef idx="1">
-            <a:schemeClr val="accent2"/>
-          </a:fillRef>
-          <a:effectRef idx="0">
-            <a:schemeClr val="accent2"/>
-          </a:effectRef>
-          <a:fontRef idx="minor">
-            <a:schemeClr val="lt1"/>
-          </a:fontRef>
-        </p:style>
-        <p:txBody>
-          <a:bodyPr rtlCol="0" anchor="ctr"/>
-          <a:lstStyle/>
-          <a:p>
-            <a:pPr algn="ctr"/>
-            <a:endParaRPr lang="en-US" dirty="0"/>
-          </a:p>
-        </p:txBody>
-      </p:sp>
-      <p:sp>
-        <p:nvSpPr>
-          <p:cNvPr id="13" name="TextBox 12">
-            <a:extLst>
-              <a:ext uri="{FF2B5EF4-FFF2-40B4-BE49-F238E27FC236}">
-                <a16:creationId xmlns:a16="http://schemas.microsoft.com/office/drawing/2014/main" id="{EE20F1C3-E9E4-4C47-B690-F316BB90BCB7}"/>
-              </a:ext>
-            </a:extLst>
-          </p:cNvPr>
-          <p:cNvSpPr txBox="1"/>
-          <p:nvPr/>
-        </p:nvSpPr>
-        <p:spPr>
-          <a:xfrm>
-            <a:off x="6695323" y="2543253"/>
-            <a:ext cx="1159356" cy="369332"/>
-          </a:xfrm>
-          <a:prstGeom prst="rect">
-            <a:avLst/>
-          </a:prstGeom>
-          <a:noFill/>
-        </p:spPr>
-        <p:txBody>
-          <a:bodyPr wrap="none" rtlCol="0">
-            <a:spAutoFit/>
-          </a:bodyPr>
-          <a:lstStyle/>
-          <a:p>
-            <a:r>
-              <a:rPr lang="en-US" dirty="0"/>
-              <a:t>Service A</a:t>
-            </a:r>
-          </a:p>
-        </p:txBody>
-      </p:sp>
-      <p:cxnSp>
-        <p:nvCxnSpPr>
-          <p:cNvPr id="15" name="Straight Arrow Connector 14">
-            <a:extLst>
-              <a:ext uri="{FF2B5EF4-FFF2-40B4-BE49-F238E27FC236}">
-                <a16:creationId xmlns:a16="http://schemas.microsoft.com/office/drawing/2014/main" id="{F0A5B546-547A-4CE7-B6E6-FEB8D2DCD726}"/>
-              </a:ext>
-            </a:extLst>
-          </p:cNvPr>
-          <p:cNvCxnSpPr>
-            <a:stCxn id="3" idx="3"/>
-            <a:endCxn id="6" idx="1"/>
-          </p:cNvCxnSpPr>
-          <p:nvPr/>
-        </p:nvCxnSpPr>
-        <p:spPr>
-          <a:xfrm>
-            <a:off x="2757199" y="3429000"/>
-            <a:ext cx="1428907" cy="0"/>
-          </a:xfrm>
-          <a:prstGeom prst="straightConnector1">
-            <a:avLst/>
-          </a:prstGeom>
-          <a:ln w="38100">
-            <a:solidFill>
-              <a:srgbClr val="FFFF00"/>
-            </a:solidFill>
-            <a:headEnd type="triangle"/>
-            <a:tailEnd type="triangle"/>
-          </a:ln>
-        </p:spPr>
-        <p:style>
-          <a:lnRef idx="1">
-            <a:schemeClr val="dk1"/>
-          </a:lnRef>
-          <a:fillRef idx="0">
-            <a:schemeClr val="dk1"/>
-          </a:fillRef>
-          <a:effectRef idx="0">
-            <a:schemeClr val="dk1"/>
-          </a:effectRef>
-          <a:fontRef idx="minor">
-            <a:schemeClr val="tx1"/>
-          </a:fontRef>
-        </p:style>
-      </p:cxnSp>
-      <p:cxnSp>
-        <p:nvCxnSpPr>
-          <p:cNvPr id="17" name="Straight Arrow Connector 16">
-            <a:extLst>
-              <a:ext uri="{FF2B5EF4-FFF2-40B4-BE49-F238E27FC236}">
-                <a16:creationId xmlns:a16="http://schemas.microsoft.com/office/drawing/2014/main" id="{4DED436D-5FAC-43EE-A59E-40167817DDA9}"/>
-              </a:ext>
-            </a:extLst>
-          </p:cNvPr>
-          <p:cNvCxnSpPr>
-            <a:cxnSpLocks/>
-            <a:stCxn id="6" idx="3"/>
-            <a:endCxn id="12" idx="1"/>
-          </p:cNvCxnSpPr>
-          <p:nvPr/>
-        </p:nvCxnSpPr>
-        <p:spPr>
-          <a:xfrm>
-            <a:off x="5469622" y="3429000"/>
-            <a:ext cx="1252758" cy="176974"/>
-          </a:xfrm>
-          <a:prstGeom prst="straightConnector1">
-            <a:avLst/>
-          </a:prstGeom>
-          <a:ln w="38100">
-            <a:solidFill>
-              <a:srgbClr val="FFFF00"/>
-            </a:solidFill>
-            <a:headEnd type="triangle"/>
-            <a:tailEnd type="triangle"/>
-          </a:ln>
-        </p:spPr>
-        <p:style>
-          <a:lnRef idx="1">
-            <a:schemeClr val="dk1"/>
-          </a:lnRef>
-          <a:fillRef idx="0">
-            <a:schemeClr val="dk1"/>
-          </a:fillRef>
-          <a:effectRef idx="0">
-            <a:schemeClr val="dk1"/>
-          </a:effectRef>
-          <a:fontRef idx="minor">
-            <a:schemeClr val="tx1"/>
-          </a:fontRef>
-        </p:style>
-      </p:cxnSp>
-      <p:cxnSp>
-        <p:nvCxnSpPr>
-          <p:cNvPr id="20" name="Straight Arrow Connector 19">
-            <a:extLst>
-              <a:ext uri="{FF2B5EF4-FFF2-40B4-BE49-F238E27FC236}">
-                <a16:creationId xmlns:a16="http://schemas.microsoft.com/office/drawing/2014/main" id="{9776876B-5765-4E80-9DC0-8F2683F24723}"/>
-              </a:ext>
-            </a:extLst>
-          </p:cNvPr>
-          <p:cNvCxnSpPr>
-            <a:cxnSpLocks/>
-            <a:stCxn id="6" idx="2"/>
-            <a:endCxn id="8" idx="1"/>
-          </p:cNvCxnSpPr>
-          <p:nvPr/>
-        </p:nvCxnSpPr>
-        <p:spPr>
-          <a:xfrm>
-            <a:off x="4827864" y="3798115"/>
-            <a:ext cx="1894516" cy="1561205"/>
-          </a:xfrm>
-          <a:prstGeom prst="straightConnector1">
-            <a:avLst/>
-          </a:prstGeom>
-          <a:ln w="38100">
-            <a:solidFill>
-              <a:srgbClr val="FFFF00"/>
-            </a:solidFill>
-            <a:headEnd type="triangle"/>
-            <a:tailEnd type="triangle"/>
-          </a:ln>
-        </p:spPr>
-        <p:style>
-          <a:lnRef idx="1">
-            <a:schemeClr val="dk1"/>
-          </a:lnRef>
-          <a:fillRef idx="0">
-            <a:schemeClr val="dk1"/>
-          </a:fillRef>
-          <a:effectRef idx="0">
-            <a:schemeClr val="dk1"/>
-          </a:effectRef>
-          <a:fontRef idx="minor">
-            <a:schemeClr val="tx1"/>
-          </a:fontRef>
-        </p:style>
-      </p:cxnSp>
-      <p:cxnSp>
-        <p:nvCxnSpPr>
-          <p:cNvPr id="23" name="Straight Arrow Connector 22">
-            <a:extLst>
-              <a:ext uri="{FF2B5EF4-FFF2-40B4-BE49-F238E27FC236}">
-                <a16:creationId xmlns:a16="http://schemas.microsoft.com/office/drawing/2014/main" id="{4DFA773C-6DB7-46C6-955A-41D05F51E5A0}"/>
-              </a:ext>
-            </a:extLst>
-          </p:cNvPr>
-          <p:cNvCxnSpPr>
-            <a:cxnSpLocks/>
-            <a:stCxn id="6" idx="2"/>
-            <a:endCxn id="26" idx="0"/>
-          </p:cNvCxnSpPr>
-          <p:nvPr/>
-        </p:nvCxnSpPr>
-        <p:spPr>
-          <a:xfrm>
-            <a:off x="4827864" y="3798115"/>
-            <a:ext cx="444365" cy="1583188"/>
-          </a:xfrm>
-          <a:prstGeom prst="straightConnector1">
-            <a:avLst/>
-          </a:prstGeom>
-          <a:ln w="38100">
-            <a:solidFill>
-              <a:srgbClr val="FFFF00"/>
-            </a:solidFill>
-            <a:headEnd type="triangle"/>
-            <a:tailEnd type="triangle"/>
-          </a:ln>
-        </p:spPr>
-        <p:style>
-          <a:lnRef idx="1">
-            <a:schemeClr val="dk1"/>
-          </a:lnRef>
-          <a:fillRef idx="0">
-            <a:schemeClr val="dk1"/>
-          </a:fillRef>
-          <a:effectRef idx="0">
-            <a:schemeClr val="dk1"/>
-          </a:effectRef>
-          <a:fontRef idx="minor">
-            <a:schemeClr val="tx1"/>
-          </a:fontRef>
-        </p:style>
-      </p:cxnSp>
-      <p:sp>
-        <p:nvSpPr>
-          <p:cNvPr id="26" name="TextBox 25">
-            <a:extLst>
-              <a:ext uri="{FF2B5EF4-FFF2-40B4-BE49-F238E27FC236}">
-                <a16:creationId xmlns:a16="http://schemas.microsoft.com/office/drawing/2014/main" id="{1F09FD36-C4B7-47D5-BF9F-FB020B8DFD51}"/>
-              </a:ext>
-            </a:extLst>
-          </p:cNvPr>
-          <p:cNvSpPr txBox="1"/>
-          <p:nvPr/>
-        </p:nvSpPr>
-        <p:spPr>
-          <a:xfrm>
-            <a:off x="4609227" y="5381303"/>
-            <a:ext cx="1326004" cy="369332"/>
-          </a:xfrm>
-          <a:prstGeom prst="rect">
-            <a:avLst/>
-          </a:prstGeom>
-          <a:noFill/>
-        </p:spPr>
-        <p:txBody>
-          <a:bodyPr wrap="none" rtlCol="0">
-            <a:spAutoFit/>
-          </a:bodyPr>
-          <a:lstStyle/>
-          <a:p>
-            <a:r>
-              <a:rPr lang="en-US" dirty="0"/>
-              <a:t>… services</a:t>
-            </a:r>
-          </a:p>
-        </p:txBody>
-      </p:sp>
-      <p:sp>
-        <p:nvSpPr>
-          <p:cNvPr id="9" name="Diamond 8">
-            <a:extLst>
-              <a:ext uri="{FF2B5EF4-FFF2-40B4-BE49-F238E27FC236}">
-                <a16:creationId xmlns:a16="http://schemas.microsoft.com/office/drawing/2014/main" id="{D997621E-3EDA-4576-84FA-54AF359B16C6}"/>
-              </a:ext>
-            </a:extLst>
-          </p:cNvPr>
-          <p:cNvSpPr/>
-          <p:nvPr/>
-        </p:nvSpPr>
-        <p:spPr>
-          <a:xfrm>
-            <a:off x="8425728" y="3026296"/>
-            <a:ext cx="1159356" cy="1159356"/>
-          </a:xfrm>
-          <a:prstGeom prst="diamond">
-            <a:avLst/>
-          </a:prstGeom>
-        </p:spPr>
-        <p:style>
-          <a:lnRef idx="2">
-            <a:schemeClr val="accent1">
-              <a:shade val="50000"/>
-            </a:schemeClr>
-          </a:lnRef>
-          <a:fillRef idx="1">
-            <a:schemeClr val="accent1"/>
-          </a:fillRef>
-          <a:effectRef idx="0">
-            <a:schemeClr val="accent1"/>
-          </a:effectRef>
-          <a:fontRef idx="minor">
-            <a:schemeClr val="lt1"/>
-          </a:fontRef>
-        </p:style>
-        <p:txBody>
-          <a:bodyPr rtlCol="0" anchor="ctr"/>
-          <a:lstStyle/>
-          <a:p>
-            <a:pPr algn="ctr"/>
-            <a:r>
-              <a:rPr lang="en-US" sz="1050" dirty="0"/>
-              <a:t>Apollo Server</a:t>
-            </a:r>
-          </a:p>
-        </p:txBody>
-      </p:sp>
-      <p:sp>
-        <p:nvSpPr>
-          <p:cNvPr id="10" name="TextBox 9">
-            <a:extLst>
-              <a:ext uri="{FF2B5EF4-FFF2-40B4-BE49-F238E27FC236}">
-                <a16:creationId xmlns:a16="http://schemas.microsoft.com/office/drawing/2014/main" id="{535733C0-7030-4B79-91C2-D56E2D680FEF}"/>
-              </a:ext>
-            </a:extLst>
-          </p:cNvPr>
-          <p:cNvSpPr txBox="1"/>
-          <p:nvPr/>
-        </p:nvSpPr>
-        <p:spPr>
-          <a:xfrm>
-            <a:off x="6890610" y="3372377"/>
-            <a:ext cx="849913" cy="461665"/>
-          </a:xfrm>
-          <a:prstGeom prst="rect">
-            <a:avLst/>
-          </a:prstGeom>
-          <a:noFill/>
-        </p:spPr>
-        <p:txBody>
-          <a:bodyPr wrap="none" rtlCol="0">
-            <a:spAutoFit/>
-          </a:bodyPr>
-          <a:lstStyle/>
-          <a:p>
-            <a:r>
-              <a:rPr lang="en-US" sz="1200" dirty="0" err="1"/>
-              <a:t>typeDefs</a:t>
-            </a:r>
-            <a:br>
-              <a:rPr lang="en-US" sz="1200" dirty="0"/>
-            </a:br>
-            <a:r>
-              <a:rPr lang="en-US" sz="1200" dirty="0"/>
-              <a:t>(Schema)</a:t>
-            </a:r>
-          </a:p>
-        </p:txBody>
-      </p:sp>
-      <p:cxnSp>
-        <p:nvCxnSpPr>
-          <p:cNvPr id="14" name="Straight Arrow Connector 13">
-            <a:extLst>
-              <a:ext uri="{FF2B5EF4-FFF2-40B4-BE49-F238E27FC236}">
-                <a16:creationId xmlns:a16="http://schemas.microsoft.com/office/drawing/2014/main" id="{CFD10C35-8478-494B-8F9D-47A5D013FD19}"/>
-              </a:ext>
-            </a:extLst>
-          </p:cNvPr>
-          <p:cNvCxnSpPr>
-            <a:stCxn id="10" idx="3"/>
-            <a:endCxn id="9" idx="1"/>
-          </p:cNvCxnSpPr>
-          <p:nvPr/>
-        </p:nvCxnSpPr>
-        <p:spPr>
-          <a:xfrm>
-            <a:off x="7740523" y="3603210"/>
-            <a:ext cx="685205" cy="2764"/>
-          </a:xfrm>
-          <a:prstGeom prst="straightConnector1">
-            <a:avLst/>
-          </a:prstGeom>
-          <a:ln w="28575">
-            <a:solidFill>
-              <a:schemeClr val="tx1"/>
-            </a:solidFill>
-            <a:tailEnd type="triangle"/>
-          </a:ln>
-        </p:spPr>
-        <p:style>
-          <a:lnRef idx="1">
-            <a:schemeClr val="accent1"/>
-          </a:lnRef>
-          <a:fillRef idx="0">
-            <a:schemeClr val="accent1"/>
-          </a:fillRef>
-          <a:effectRef idx="0">
-            <a:schemeClr val="accent1"/>
-          </a:effectRef>
-          <a:fontRef idx="minor">
-            <a:schemeClr val="tx1"/>
-          </a:fontRef>
-        </p:style>
-      </p:cxnSp>
-      <p:sp>
-        <p:nvSpPr>
-          <p:cNvPr id="21" name="TextBox 20">
-            <a:extLst>
-              <a:ext uri="{FF2B5EF4-FFF2-40B4-BE49-F238E27FC236}">
-                <a16:creationId xmlns:a16="http://schemas.microsoft.com/office/drawing/2014/main" id="{07341F81-8251-4FEF-B005-C9B680FE2653}"/>
-              </a:ext>
-            </a:extLst>
-          </p:cNvPr>
-          <p:cNvSpPr txBox="1"/>
-          <p:nvPr/>
-        </p:nvSpPr>
-        <p:spPr>
-          <a:xfrm>
-            <a:off x="8474651" y="4391696"/>
-            <a:ext cx="1061509" cy="276999"/>
-          </a:xfrm>
-          <a:prstGeom prst="rect">
-            <a:avLst/>
-          </a:prstGeom>
-          <a:noFill/>
-        </p:spPr>
-        <p:txBody>
-          <a:bodyPr wrap="none" rtlCol="0">
-            <a:spAutoFit/>
-          </a:bodyPr>
-          <a:lstStyle/>
-          <a:p>
-            <a:r>
-              <a:rPr lang="en-US" sz="1200" dirty="0"/>
-              <a:t>configuration</a:t>
-            </a:r>
-          </a:p>
-        </p:txBody>
-      </p:sp>
-      <p:cxnSp>
-        <p:nvCxnSpPr>
-          <p:cNvPr id="22" name="Straight Arrow Connector 21">
-            <a:extLst>
-              <a:ext uri="{FF2B5EF4-FFF2-40B4-BE49-F238E27FC236}">
-                <a16:creationId xmlns:a16="http://schemas.microsoft.com/office/drawing/2014/main" id="{A1913373-8353-4BE4-B2D1-AA72D2443B05}"/>
-              </a:ext>
-            </a:extLst>
-          </p:cNvPr>
-          <p:cNvCxnSpPr>
-            <a:cxnSpLocks/>
-            <a:stCxn id="21" idx="0"/>
-            <a:endCxn id="9" idx="2"/>
-          </p:cNvCxnSpPr>
-          <p:nvPr/>
-        </p:nvCxnSpPr>
-        <p:spPr>
-          <a:xfrm flipV="1">
-            <a:off x="9005406" y="4185652"/>
-            <a:ext cx="0" cy="206044"/>
-          </a:xfrm>
-          <a:prstGeom prst="straightConnector1">
-            <a:avLst/>
-          </a:prstGeom>
-          <a:ln w="28575">
-            <a:solidFill>
-              <a:schemeClr val="tx1"/>
-            </a:solidFill>
-            <a:tailEnd type="triangle"/>
-          </a:ln>
-        </p:spPr>
-        <p:style>
-          <a:lnRef idx="1">
-            <a:schemeClr val="accent1"/>
-          </a:lnRef>
-          <a:fillRef idx="0">
-            <a:schemeClr val="accent1"/>
-          </a:fillRef>
-          <a:effectRef idx="0">
-            <a:schemeClr val="accent1"/>
-          </a:effectRef>
-          <a:fontRef idx="minor">
-            <a:schemeClr val="tx1"/>
-          </a:fontRef>
-        </p:style>
-      </p:cxnSp>
-      <p:sp>
-        <p:nvSpPr>
-          <p:cNvPr id="24" name="TextBox 23">
-            <a:extLst>
-              <a:ext uri="{FF2B5EF4-FFF2-40B4-BE49-F238E27FC236}">
-                <a16:creationId xmlns:a16="http://schemas.microsoft.com/office/drawing/2014/main" id="{A06AFF3E-E69E-43D7-84F8-F0B575825DD7}"/>
-              </a:ext>
-            </a:extLst>
-          </p:cNvPr>
-          <p:cNvSpPr txBox="1"/>
-          <p:nvPr/>
-        </p:nvSpPr>
-        <p:spPr>
-          <a:xfrm>
-            <a:off x="8572433" y="2534430"/>
-            <a:ext cx="865943" cy="276999"/>
-          </a:xfrm>
-          <a:prstGeom prst="rect">
-            <a:avLst/>
-          </a:prstGeom>
-          <a:noFill/>
-        </p:spPr>
-        <p:txBody>
-          <a:bodyPr wrap="none" rtlCol="0">
-            <a:spAutoFit/>
-          </a:bodyPr>
-          <a:lstStyle/>
-          <a:p>
-            <a:r>
-              <a:rPr lang="en-US" sz="1200" dirty="0"/>
-              <a:t>Resolvers</a:t>
-            </a:r>
-          </a:p>
-        </p:txBody>
-      </p:sp>
-      <p:cxnSp>
-        <p:nvCxnSpPr>
-          <p:cNvPr id="25" name="Straight Arrow Connector 24">
-            <a:extLst>
-              <a:ext uri="{FF2B5EF4-FFF2-40B4-BE49-F238E27FC236}">
-                <a16:creationId xmlns:a16="http://schemas.microsoft.com/office/drawing/2014/main" id="{964EFB9F-80C0-4953-BC46-A2FCF928B1D8}"/>
-              </a:ext>
-            </a:extLst>
-          </p:cNvPr>
-          <p:cNvCxnSpPr>
-            <a:cxnSpLocks/>
-            <a:stCxn id="24" idx="2"/>
-            <a:endCxn id="9" idx="0"/>
-          </p:cNvCxnSpPr>
-          <p:nvPr/>
-        </p:nvCxnSpPr>
-        <p:spPr>
-          <a:xfrm>
-            <a:off x="9005405" y="2811429"/>
-            <a:ext cx="1" cy="214867"/>
-          </a:xfrm>
-          <a:prstGeom prst="straightConnector1">
-            <a:avLst/>
-          </a:prstGeom>
-          <a:ln w="28575">
-            <a:solidFill>
-              <a:schemeClr val="tx1"/>
-            </a:solidFill>
-            <a:tailEnd type="triangle"/>
-          </a:ln>
-        </p:spPr>
-        <p:style>
-          <a:lnRef idx="1">
-            <a:schemeClr val="accent1"/>
-          </a:lnRef>
-          <a:fillRef idx="0">
-            <a:schemeClr val="accent1"/>
-          </a:fillRef>
-          <a:effectRef idx="0">
-            <a:schemeClr val="accent1"/>
-          </a:effectRef>
-          <a:fontRef idx="minor">
-            <a:schemeClr val="tx1"/>
-          </a:fontRef>
-        </p:style>
-      </p:cxnSp>
-      <p:sp>
-        <p:nvSpPr>
-          <p:cNvPr id="28" name="TextBox 27">
-            <a:extLst>
-              <a:ext uri="{FF2B5EF4-FFF2-40B4-BE49-F238E27FC236}">
-                <a16:creationId xmlns:a16="http://schemas.microsoft.com/office/drawing/2014/main" id="{B6E648B3-BFE3-47B6-8813-306775EC6B19}"/>
-              </a:ext>
-            </a:extLst>
-          </p:cNvPr>
-          <p:cNvSpPr txBox="1"/>
-          <p:nvPr/>
-        </p:nvSpPr>
-        <p:spPr>
-          <a:xfrm>
-            <a:off x="9883395" y="3473156"/>
-            <a:ext cx="338554" cy="276999"/>
-          </a:xfrm>
-          <a:prstGeom prst="rect">
-            <a:avLst/>
-          </a:prstGeom>
-          <a:noFill/>
-        </p:spPr>
-        <p:txBody>
-          <a:bodyPr wrap="none" rtlCol="0">
-            <a:spAutoFit/>
-          </a:bodyPr>
-          <a:lstStyle/>
-          <a:p>
-            <a:r>
-              <a:rPr lang="en-US" sz="1200" dirty="0"/>
-              <a:t>…</a:t>
-            </a:r>
-          </a:p>
-        </p:txBody>
-      </p:sp>
-      <p:cxnSp>
-        <p:nvCxnSpPr>
-          <p:cNvPr id="29" name="Straight Arrow Connector 28">
-            <a:extLst>
-              <a:ext uri="{FF2B5EF4-FFF2-40B4-BE49-F238E27FC236}">
-                <a16:creationId xmlns:a16="http://schemas.microsoft.com/office/drawing/2014/main" id="{2238A923-DE59-46A6-AAAE-00F2ADDE813D}"/>
-              </a:ext>
-            </a:extLst>
-          </p:cNvPr>
-          <p:cNvCxnSpPr>
-            <a:cxnSpLocks/>
-            <a:stCxn id="28" idx="1"/>
-            <a:endCxn id="9" idx="3"/>
-          </p:cNvCxnSpPr>
-          <p:nvPr/>
-        </p:nvCxnSpPr>
-        <p:spPr>
-          <a:xfrm flipH="1" flipV="1">
-            <a:off x="9585084" y="3605974"/>
-            <a:ext cx="298311" cy="5682"/>
-          </a:xfrm>
-          <a:prstGeom prst="straightConnector1">
-            <a:avLst/>
-          </a:prstGeom>
-          <a:ln w="28575">
-            <a:solidFill>
-              <a:schemeClr val="tx1"/>
-            </a:solidFill>
-            <a:tailEnd type="triangle"/>
-          </a:ln>
-        </p:spPr>
-        <p:style>
-          <a:lnRef idx="1">
-            <a:schemeClr val="accent1"/>
-          </a:lnRef>
-          <a:fillRef idx="0">
-            <a:schemeClr val="accent1"/>
-          </a:fillRef>
-          <a:effectRef idx="0">
-            <a:schemeClr val="accent1"/>
-          </a:effectRef>
-          <a:fontRef idx="minor">
-            <a:schemeClr val="tx1"/>
-          </a:fontRef>
-        </p:style>
-      </p:cxnSp>
-    </p:spTree>
-    <p:extLst>
-      <p:ext uri="{BB962C8B-B14F-4D97-AF65-F5344CB8AC3E}">
-        <p14:creationId xmlns:p14="http://schemas.microsoft.com/office/powerpoint/2010/main" val="3801718493"/>
       </p:ext>
     </p:extLst>
   </p:cSld>

--- a/Docs/Apollo_Server.pptx
+++ b/Docs/Apollo_Server.pptx
@@ -15,39 +15,37 @@
     <p:sldId id="263" r:id="rId9"/>
     <p:sldId id="259" r:id="rId10"/>
     <p:sldId id="260" r:id="rId11"/>
-    <p:sldId id="274" r:id="rId12"/>
-    <p:sldId id="275" r:id="rId13"/>
-    <p:sldId id="265" r:id="rId14"/>
-    <p:sldId id="287" r:id="rId15"/>
-    <p:sldId id="266" r:id="rId16"/>
-    <p:sldId id="282" r:id="rId17"/>
-    <p:sldId id="283" r:id="rId18"/>
-    <p:sldId id="286" r:id="rId19"/>
-    <p:sldId id="284" r:id="rId20"/>
-    <p:sldId id="285" r:id="rId21"/>
-    <p:sldId id="267" r:id="rId22"/>
-    <p:sldId id="288" r:id="rId23"/>
-    <p:sldId id="290" r:id="rId24"/>
-    <p:sldId id="291" r:id="rId25"/>
-    <p:sldId id="292" r:id="rId26"/>
-    <p:sldId id="293" r:id="rId27"/>
-    <p:sldId id="268" r:id="rId28"/>
-    <p:sldId id="294" r:id="rId29"/>
-    <p:sldId id="269" r:id="rId30"/>
-    <p:sldId id="270" r:id="rId31"/>
-    <p:sldId id="295" r:id="rId32"/>
-    <p:sldId id="296" r:id="rId33"/>
-    <p:sldId id="297" r:id="rId34"/>
-    <p:sldId id="298" r:id="rId35"/>
-    <p:sldId id="299" r:id="rId36"/>
-    <p:sldId id="272" r:id="rId37"/>
-    <p:sldId id="300" r:id="rId38"/>
-    <p:sldId id="273" r:id="rId39"/>
-    <p:sldId id="301" r:id="rId40"/>
-    <p:sldId id="271" r:id="rId41"/>
-    <p:sldId id="261" r:id="rId42"/>
-    <p:sldId id="276" r:id="rId43"/>
-    <p:sldId id="277" r:id="rId44"/>
+    <p:sldId id="265" r:id="rId12"/>
+    <p:sldId id="287" r:id="rId13"/>
+    <p:sldId id="266" r:id="rId14"/>
+    <p:sldId id="282" r:id="rId15"/>
+    <p:sldId id="283" r:id="rId16"/>
+    <p:sldId id="286" r:id="rId17"/>
+    <p:sldId id="284" r:id="rId18"/>
+    <p:sldId id="285" r:id="rId19"/>
+    <p:sldId id="267" r:id="rId20"/>
+    <p:sldId id="288" r:id="rId21"/>
+    <p:sldId id="290" r:id="rId22"/>
+    <p:sldId id="291" r:id="rId23"/>
+    <p:sldId id="292" r:id="rId24"/>
+    <p:sldId id="293" r:id="rId25"/>
+    <p:sldId id="268" r:id="rId26"/>
+    <p:sldId id="294" r:id="rId27"/>
+    <p:sldId id="269" r:id="rId28"/>
+    <p:sldId id="270" r:id="rId29"/>
+    <p:sldId id="295" r:id="rId30"/>
+    <p:sldId id="296" r:id="rId31"/>
+    <p:sldId id="297" r:id="rId32"/>
+    <p:sldId id="298" r:id="rId33"/>
+    <p:sldId id="299" r:id="rId34"/>
+    <p:sldId id="272" r:id="rId35"/>
+    <p:sldId id="300" r:id="rId36"/>
+    <p:sldId id="273" r:id="rId37"/>
+    <p:sldId id="301" r:id="rId38"/>
+    <p:sldId id="271" r:id="rId39"/>
+    <p:sldId id="261" r:id="rId40"/>
+    <p:sldId id="276" r:id="rId41"/>
+    <p:sldId id="277" r:id="rId42"/>
   </p:sldIdLst>
   <p:sldSz cx="12192000" cy="6858000"/>
   <p:notesSz cx="6858000" cy="9144000"/>
@@ -164,20 +162,6 @@
     </p:extLst>
   </p:cmAuthor>
 </p:cmAuthorLst>
-</file>
-
-<file path=ppt/comments/comment1.xml><?xml version="1.0" encoding="utf-8"?>
-<p:cmLst xmlns:a="http://schemas.openxmlformats.org/drawingml/2006/main" xmlns:r="http://schemas.openxmlformats.org/officeDocument/2006/relationships" xmlns:p="http://schemas.openxmlformats.org/presentationml/2006/main">
-  <p:cm authorId="1" dt="2020-04-09T09:22:04.884" idx="1">
-    <p:pos x="-7" y="-153"/>
-    <p:text>Before development, let's create a target API server</p:text>
-    <p:extLst>
-      <p:ext uri="{C676402C-5697-4E1C-873F-D02D1690AC5C}">
-        <p15:threadingInfo xmlns:p15="http://schemas.microsoft.com/office/powerpoint/2012/main" timeZoneBias="-420"/>
-      </p:ext>
-    </p:extLst>
-  </p:cm>
-</p:cmLst>
 </file>
 
 <file path=ppt/diagrams/colors1.xml><?xml version="1.0" encoding="utf-8"?>
@@ -10961,274 +10945,6 @@
           <p:cNvPr id="2" name="Title 1">
             <a:extLst>
               <a:ext uri="{FF2B5EF4-FFF2-40B4-BE49-F238E27FC236}">
-                <a16:creationId xmlns:a16="http://schemas.microsoft.com/office/drawing/2014/main" id="{DA4029C5-5565-4ADC-8598-AC3DBAEA0AF1}"/>
-              </a:ext>
-            </a:extLst>
-          </p:cNvPr>
-          <p:cNvSpPr>
-            <a:spLocks noGrp="1"/>
-          </p:cNvSpPr>
-          <p:nvPr>
-            <p:ph type="title"/>
-          </p:nvPr>
-        </p:nvSpPr>
-        <p:spPr/>
-        <p:txBody>
-          <a:bodyPr/>
-          <a:lstStyle/>
-          <a:p>
-            <a:r>
-              <a:rPr lang="en-US" dirty="0"/>
-              <a:t>Sample program’s design</a:t>
-            </a:r>
-          </a:p>
-        </p:txBody>
-      </p:sp>
-      <p:sp>
-        <p:nvSpPr>
-          <p:cNvPr id="3" name="Content Placeholder 2">
-            <a:extLst>
-              <a:ext uri="{FF2B5EF4-FFF2-40B4-BE49-F238E27FC236}">
-                <a16:creationId xmlns:a16="http://schemas.microsoft.com/office/drawing/2014/main" id="{73CAA425-2977-42D6-9DDD-AEBA85BFF142}"/>
-              </a:ext>
-            </a:extLst>
-          </p:cNvPr>
-          <p:cNvSpPr>
-            <a:spLocks noGrp="1"/>
-          </p:cNvSpPr>
-          <p:nvPr>
-            <p:ph idx="1"/>
-          </p:nvPr>
-        </p:nvSpPr>
-        <p:spPr/>
-        <p:txBody>
-          <a:bodyPr/>
-          <a:lstStyle/>
-          <a:p>
-            <a:r>
-              <a:rPr lang="en-US" dirty="0"/>
-              <a:t>An elementary student management program with features:</a:t>
-            </a:r>
-          </a:p>
-          <a:p>
-            <a:pPr lvl="1"/>
-            <a:r>
-              <a:rPr lang="en-US" dirty="0"/>
-              <a:t>Officers add a new student</a:t>
-            </a:r>
-          </a:p>
-          <a:p>
-            <a:pPr lvl="1"/>
-            <a:r>
-              <a:rPr lang="en-US" dirty="0"/>
-              <a:t>Officers add a new teacher</a:t>
-            </a:r>
-          </a:p>
-          <a:p>
-            <a:pPr lvl="1"/>
-            <a:r>
-              <a:rPr lang="en-US" dirty="0"/>
-              <a:t>Officers add a new course definition</a:t>
-            </a:r>
-          </a:p>
-          <a:p>
-            <a:pPr lvl="1"/>
-            <a:r>
-              <a:rPr lang="en-US" dirty="0"/>
-              <a:t>Teacher create a course</a:t>
-            </a:r>
-          </a:p>
-          <a:p>
-            <a:pPr lvl="1"/>
-            <a:r>
-              <a:rPr lang="en-US" dirty="0"/>
-              <a:t>Teacher update student grade in the course</a:t>
-            </a:r>
-          </a:p>
-          <a:p>
-            <a:pPr lvl="1"/>
-            <a:r>
-              <a:rPr lang="en-US" dirty="0"/>
-              <a:t>Students update information</a:t>
-            </a:r>
-          </a:p>
-          <a:p>
-            <a:pPr lvl="1"/>
-            <a:r>
-              <a:rPr lang="en-US" dirty="0"/>
-              <a:t>Student register courses</a:t>
-            </a:r>
-          </a:p>
-          <a:p>
-            <a:pPr lvl="1"/>
-            <a:r>
-              <a:rPr lang="en-US" dirty="0"/>
-              <a:t>Officers update course information</a:t>
-            </a:r>
-          </a:p>
-          <a:p>
-            <a:pPr lvl="1"/>
-            <a:endParaRPr lang="en-US" dirty="0"/>
-          </a:p>
-        </p:txBody>
-      </p:sp>
-    </p:spTree>
-    <p:extLst>
-      <p:ext uri="{BB962C8B-B14F-4D97-AF65-F5344CB8AC3E}">
-        <p14:creationId xmlns:p14="http://schemas.microsoft.com/office/powerpoint/2010/main" val="1416545092"/>
-      </p:ext>
-    </p:extLst>
-  </p:cSld>
-  <p:clrMapOvr>
-    <a:masterClrMapping/>
-  </p:clrMapOvr>
-</p:sld>
-</file>
-
-<file path=ppt/slides/slide11.xml><?xml version="1.0" encoding="utf-8"?>
-<p:sld xmlns:a="http://schemas.openxmlformats.org/drawingml/2006/main" xmlns:r="http://schemas.openxmlformats.org/officeDocument/2006/relationships" xmlns:p="http://schemas.openxmlformats.org/presentationml/2006/main">
-  <p:cSld>
-    <p:spTree>
-      <p:nvGrpSpPr>
-        <p:cNvPr id="1" name=""/>
-        <p:cNvGrpSpPr/>
-        <p:nvPr/>
-      </p:nvGrpSpPr>
-      <p:grpSpPr>
-        <a:xfrm>
-          <a:off x="0" y="0"/>
-          <a:ext cx="0" cy="0"/>
-          <a:chOff x="0" y="0"/>
-          <a:chExt cx="0" cy="0"/>
-        </a:xfrm>
-      </p:grpSpPr>
-      <p:sp>
-        <p:nvSpPr>
-          <p:cNvPr id="2" name="Title 1">
-            <a:extLst>
-              <a:ext uri="{FF2B5EF4-FFF2-40B4-BE49-F238E27FC236}">
-                <a16:creationId xmlns:a16="http://schemas.microsoft.com/office/drawing/2014/main" id="{0EF4F758-1E8F-4E42-8ECA-8CCAD2030FE0}"/>
-              </a:ext>
-            </a:extLst>
-          </p:cNvPr>
-          <p:cNvSpPr>
-            <a:spLocks noGrp="1"/>
-          </p:cNvSpPr>
-          <p:nvPr>
-            <p:ph type="title"/>
-          </p:nvPr>
-        </p:nvSpPr>
-        <p:spPr/>
-        <p:txBody>
-          <a:bodyPr/>
-          <a:lstStyle/>
-          <a:p>
-            <a:r>
-              <a:rPr lang="en-US" dirty="0"/>
-              <a:t>Sample program’s design</a:t>
-            </a:r>
-          </a:p>
-        </p:txBody>
-      </p:sp>
-      <p:sp>
-        <p:nvSpPr>
-          <p:cNvPr id="3" name="Content Placeholder 2">
-            <a:extLst>
-              <a:ext uri="{FF2B5EF4-FFF2-40B4-BE49-F238E27FC236}">
-                <a16:creationId xmlns:a16="http://schemas.microsoft.com/office/drawing/2014/main" id="{E470BBB9-94BA-40DE-BA70-D46ED3197296}"/>
-              </a:ext>
-            </a:extLst>
-          </p:cNvPr>
-          <p:cNvSpPr>
-            <a:spLocks noGrp="1"/>
-          </p:cNvSpPr>
-          <p:nvPr>
-            <p:ph idx="1"/>
-          </p:nvPr>
-        </p:nvSpPr>
-        <p:spPr/>
-        <p:txBody>
-          <a:bodyPr/>
-          <a:lstStyle/>
-          <a:p>
-            <a:r>
-              <a:rPr lang="en-US" dirty="0"/>
-              <a:t>Schema</a:t>
-            </a:r>
-          </a:p>
-        </p:txBody>
-      </p:sp>
-      <p:pic>
-        <p:nvPicPr>
-          <p:cNvPr id="5" name="Picture 4" descr="A screenshot of a cell phone&#10;&#10;Description automatically generated">
-            <a:extLst>
-              <a:ext uri="{FF2B5EF4-FFF2-40B4-BE49-F238E27FC236}">
-                <a16:creationId xmlns:a16="http://schemas.microsoft.com/office/drawing/2014/main" id="{09B0D428-8358-4243-A2A5-B35208AB0AF4}"/>
-              </a:ext>
-            </a:extLst>
-          </p:cNvPr>
-          <p:cNvPicPr>
-            <a:picLocks noChangeAspect="1"/>
-          </p:cNvPicPr>
-          <p:nvPr/>
-        </p:nvPicPr>
-        <p:blipFill>
-          <a:blip r:embed="rId2">
-            <a:extLst>
-              <a:ext uri="{28A0092B-C50C-407E-A947-70E740481C1C}">
-                <a14:useLocalDpi xmlns:a14="http://schemas.microsoft.com/office/drawing/2010/main" val="0"/>
-              </a:ext>
-            </a:extLst>
-          </a:blip>
-          <a:stretch>
-            <a:fillRect/>
-          </a:stretch>
-        </p:blipFill>
-        <p:spPr>
-          <a:xfrm>
-            <a:off x="4540600" y="1586369"/>
-            <a:ext cx="6030167" cy="4829849"/>
-          </a:xfrm>
-          <a:prstGeom prst="rect">
-            <a:avLst/>
-          </a:prstGeom>
-        </p:spPr>
-      </p:pic>
-    </p:spTree>
-    <p:extLst>
-      <p:ext uri="{BB962C8B-B14F-4D97-AF65-F5344CB8AC3E}">
-        <p14:creationId xmlns:p14="http://schemas.microsoft.com/office/powerpoint/2010/main" val="1143691709"/>
-      </p:ext>
-    </p:extLst>
-  </p:cSld>
-  <p:clrMapOvr>
-    <a:masterClrMapping/>
-  </p:clrMapOvr>
-</p:sld>
-</file>
-
-<file path=ppt/slides/slide12.xml><?xml version="1.0" encoding="utf-8"?>
-<p:sld xmlns:a="http://schemas.openxmlformats.org/drawingml/2006/main" xmlns:r="http://schemas.openxmlformats.org/officeDocument/2006/relationships" xmlns:p="http://schemas.openxmlformats.org/presentationml/2006/main">
-  <p:cSld>
-    <p:spTree>
-      <p:nvGrpSpPr>
-        <p:cNvPr id="1" name=""/>
-        <p:cNvGrpSpPr/>
-        <p:nvPr/>
-      </p:nvGrpSpPr>
-      <p:grpSpPr>
-        <a:xfrm>
-          <a:off x="0" y="0"/>
-          <a:ext cx="0" cy="0"/>
-          <a:chOff x="0" y="0"/>
-          <a:chExt cx="0" cy="0"/>
-        </a:xfrm>
-      </p:grpSpPr>
-      <p:sp>
-        <p:nvSpPr>
-          <p:cNvPr id="2" name="Title 1">
-            <a:extLst>
-              <a:ext uri="{FF2B5EF4-FFF2-40B4-BE49-F238E27FC236}">
                 <a16:creationId xmlns:a16="http://schemas.microsoft.com/office/drawing/2014/main" id="{B4004467-0F6E-46E0-9DBB-22EEB506753D}"/>
               </a:ext>
             </a:extLst>
@@ -11341,7 +11057,7 @@
 </p:sld>
 </file>
 
-<file path=ppt/slides/slide13.xml><?xml version="1.0" encoding="utf-8"?>
+<file path=ppt/slides/slide11.xml><?xml version="1.0" encoding="utf-8"?>
 <p:sld xmlns:a="http://schemas.openxmlformats.org/drawingml/2006/main" xmlns:r="http://schemas.openxmlformats.org/officeDocument/2006/relationships" xmlns:p="http://schemas.openxmlformats.org/presentationml/2006/main">
   <p:cSld>
     <p:spTree>
@@ -11463,7 +11179,7 @@
 </p:sld>
 </file>
 
-<file path=ppt/slides/slide14.xml><?xml version="1.0" encoding="utf-8"?>
+<file path=ppt/slides/slide12.xml><?xml version="1.0" encoding="utf-8"?>
 <p:sld xmlns:a="http://schemas.openxmlformats.org/drawingml/2006/main" xmlns:r="http://schemas.openxmlformats.org/officeDocument/2006/relationships" xmlns:p="http://schemas.openxmlformats.org/presentationml/2006/main">
   <p:cSld>
     <p:spTree>
@@ -11600,7 +11316,7 @@
 </p:sld>
 </file>
 
-<file path=ppt/slides/slide15.xml><?xml version="1.0" encoding="utf-8"?>
+<file path=ppt/slides/slide13.xml><?xml version="1.0" encoding="utf-8"?>
 <p:sld xmlns:a="http://schemas.openxmlformats.org/drawingml/2006/main" xmlns:r="http://schemas.openxmlformats.org/officeDocument/2006/relationships" xmlns:p="http://schemas.openxmlformats.org/presentationml/2006/main">
   <p:cSld>
     <p:spTree>
@@ -11725,7 +11441,7 @@
 </p:sld>
 </file>
 
-<file path=ppt/slides/slide16.xml><?xml version="1.0" encoding="utf-8"?>
+<file path=ppt/slides/slide14.xml><?xml version="1.0" encoding="utf-8"?>
 <p:sld xmlns:a="http://schemas.openxmlformats.org/drawingml/2006/main" xmlns:r="http://schemas.openxmlformats.org/officeDocument/2006/relationships" xmlns:p="http://schemas.openxmlformats.org/presentationml/2006/main">
   <p:cSld>
     <p:spTree>
@@ -11855,7 +11571,7 @@
 </p:sld>
 </file>
 
-<file path=ppt/slides/slide17.xml><?xml version="1.0" encoding="utf-8"?>
+<file path=ppt/slides/slide15.xml><?xml version="1.0" encoding="utf-8"?>
 <p:sld xmlns:a="http://schemas.openxmlformats.org/drawingml/2006/main" xmlns:r="http://schemas.openxmlformats.org/officeDocument/2006/relationships" xmlns:p="http://schemas.openxmlformats.org/presentationml/2006/main">
   <p:cSld>
     <p:spTree>
@@ -12016,6 +11732,226 @@
 </p:sld>
 </file>
 
+<file path=ppt/slides/slide16.xml><?xml version="1.0" encoding="utf-8"?>
+<p:sld xmlns:a="http://schemas.openxmlformats.org/drawingml/2006/main" xmlns:r="http://schemas.openxmlformats.org/officeDocument/2006/relationships" xmlns:p="http://schemas.openxmlformats.org/presentationml/2006/main">
+  <p:cSld>
+    <p:spTree>
+      <p:nvGrpSpPr>
+        <p:cNvPr id="1" name=""/>
+        <p:cNvGrpSpPr/>
+        <p:nvPr/>
+      </p:nvGrpSpPr>
+      <p:grpSpPr>
+        <a:xfrm>
+          <a:off x="0" y="0"/>
+          <a:ext cx="0" cy="0"/>
+          <a:chOff x="0" y="0"/>
+          <a:chExt cx="0" cy="0"/>
+        </a:xfrm>
+      </p:grpSpPr>
+      <p:sp>
+        <p:nvSpPr>
+          <p:cNvPr id="2" name="Title 1">
+            <a:extLst>
+              <a:ext uri="{FF2B5EF4-FFF2-40B4-BE49-F238E27FC236}">
+                <a16:creationId xmlns:a16="http://schemas.microsoft.com/office/drawing/2014/main" id="{8E364E23-935E-4C3D-8845-A30E054D2148}"/>
+              </a:ext>
+            </a:extLst>
+          </p:cNvPr>
+          <p:cNvSpPr>
+            <a:spLocks noGrp="1"/>
+          </p:cNvSpPr>
+          <p:nvPr>
+            <p:ph type="title"/>
+          </p:nvPr>
+        </p:nvSpPr>
+        <p:spPr/>
+        <p:txBody>
+          <a:bodyPr/>
+          <a:lstStyle/>
+          <a:p>
+            <a:r>
+              <a:rPr lang="en-US" dirty="0"/>
+              <a:t>Development – Data</a:t>
+            </a:r>
+          </a:p>
+        </p:txBody>
+      </p:sp>
+      <p:sp>
+        <p:nvSpPr>
+          <p:cNvPr id="3" name="Content Placeholder 2">
+            <a:extLst>
+              <a:ext uri="{FF2B5EF4-FFF2-40B4-BE49-F238E27FC236}">
+                <a16:creationId xmlns:a16="http://schemas.microsoft.com/office/drawing/2014/main" id="{7D88053C-DFC9-44D9-B435-D3E7D8DFAAA2}"/>
+              </a:ext>
+            </a:extLst>
+          </p:cNvPr>
+          <p:cNvSpPr>
+            <a:spLocks noGrp="1"/>
+          </p:cNvSpPr>
+          <p:nvPr>
+            <p:ph idx="1"/>
+          </p:nvPr>
+        </p:nvSpPr>
+        <p:spPr/>
+        <p:txBody>
+          <a:bodyPr anchor="t"/>
+          <a:lstStyle/>
+          <a:p>
+            <a:r>
+              <a:rPr lang="en-US" dirty="0"/>
+              <a:t>Uploads files</a:t>
+            </a:r>
+          </a:p>
+          <a:p>
+            <a:r>
+              <a:rPr lang="en-US" dirty="0"/>
+              <a:t>Sample: </a:t>
+            </a:r>
+            <a:r>
+              <a:rPr lang="en-US" dirty="0">
+                <a:hlinkClick r:id="rId2"/>
+              </a:rPr>
+              <a:t>https://github.com/jaydenseric/apollo-upload-examples</a:t>
+            </a:r>
+            <a:r>
+              <a:rPr lang="en-US" dirty="0"/>
+              <a:t> </a:t>
+            </a:r>
+          </a:p>
+        </p:txBody>
+      </p:sp>
+    </p:spTree>
+    <p:extLst>
+      <p:ext uri="{BB962C8B-B14F-4D97-AF65-F5344CB8AC3E}">
+        <p14:creationId xmlns:p14="http://schemas.microsoft.com/office/powerpoint/2010/main" val="772454378"/>
+      </p:ext>
+    </p:extLst>
+  </p:cSld>
+  <p:clrMapOvr>
+    <a:masterClrMapping/>
+  </p:clrMapOvr>
+</p:sld>
+</file>
+
+<file path=ppt/slides/slide17.xml><?xml version="1.0" encoding="utf-8"?>
+<p:sld xmlns:a="http://schemas.openxmlformats.org/drawingml/2006/main" xmlns:r="http://schemas.openxmlformats.org/officeDocument/2006/relationships" xmlns:p="http://schemas.openxmlformats.org/presentationml/2006/main">
+  <p:cSld>
+    <p:spTree>
+      <p:nvGrpSpPr>
+        <p:cNvPr id="1" name=""/>
+        <p:cNvGrpSpPr/>
+        <p:nvPr/>
+      </p:nvGrpSpPr>
+      <p:grpSpPr>
+        <a:xfrm>
+          <a:off x="0" y="0"/>
+          <a:ext cx="0" cy="0"/>
+          <a:chOff x="0" y="0"/>
+          <a:chExt cx="0" cy="0"/>
+        </a:xfrm>
+      </p:grpSpPr>
+      <p:sp>
+        <p:nvSpPr>
+          <p:cNvPr id="2" name="Title 1">
+            <a:extLst>
+              <a:ext uri="{FF2B5EF4-FFF2-40B4-BE49-F238E27FC236}">
+                <a16:creationId xmlns:a16="http://schemas.microsoft.com/office/drawing/2014/main" id="{8E364E23-935E-4C3D-8845-A30E054D2148}"/>
+              </a:ext>
+            </a:extLst>
+          </p:cNvPr>
+          <p:cNvSpPr>
+            <a:spLocks noGrp="1"/>
+          </p:cNvSpPr>
+          <p:nvPr>
+            <p:ph type="title"/>
+          </p:nvPr>
+        </p:nvSpPr>
+        <p:spPr/>
+        <p:txBody>
+          <a:bodyPr/>
+          <a:lstStyle/>
+          <a:p>
+            <a:r>
+              <a:rPr lang="en-US" dirty="0"/>
+              <a:t>Development – Data</a:t>
+            </a:r>
+          </a:p>
+        </p:txBody>
+      </p:sp>
+      <p:sp>
+        <p:nvSpPr>
+          <p:cNvPr id="3" name="Content Placeholder 2">
+            <a:extLst>
+              <a:ext uri="{FF2B5EF4-FFF2-40B4-BE49-F238E27FC236}">
+                <a16:creationId xmlns:a16="http://schemas.microsoft.com/office/drawing/2014/main" id="{7D88053C-DFC9-44D9-B435-D3E7D8DFAAA2}"/>
+              </a:ext>
+            </a:extLst>
+          </p:cNvPr>
+          <p:cNvSpPr>
+            <a:spLocks noGrp="1"/>
+          </p:cNvSpPr>
+          <p:nvPr>
+            <p:ph idx="1"/>
+          </p:nvPr>
+        </p:nvSpPr>
+        <p:spPr/>
+        <p:txBody>
+          <a:bodyPr anchor="t"/>
+          <a:lstStyle/>
+          <a:p>
+            <a:r>
+              <a:rPr lang="en-US" dirty="0"/>
+              <a:t>Subscriptions (notify event from the server to clients)</a:t>
+            </a:r>
+          </a:p>
+          <a:p>
+            <a:endParaRPr lang="en-US" dirty="0"/>
+          </a:p>
+          <a:p>
+            <a:r>
+              <a:rPr lang="en-US" dirty="0"/>
+              <a:t>Details at </a:t>
+            </a:r>
+            <a:r>
+              <a:rPr lang="en-US" dirty="0">
+                <a:hlinkClick r:id="rId2"/>
+              </a:rPr>
+              <a:t>https://www.apollographql.com/docs/apollo-server/data/subscriptions/</a:t>
+            </a:r>
+            <a:endParaRPr lang="en-US" dirty="0"/>
+          </a:p>
+          <a:p>
+            <a:endParaRPr lang="en-US" dirty="0"/>
+          </a:p>
+          <a:p>
+            <a:r>
+              <a:rPr lang="en-US" dirty="0"/>
+              <a:t>Example at </a:t>
+            </a:r>
+            <a:r>
+              <a:rPr lang="en-US" dirty="0">
+                <a:hlinkClick r:id="rId3"/>
+              </a:rPr>
+              <a:t>https://github.com/the-road-to-graphql/fullstack-apollo-subscription-example</a:t>
+            </a:r>
+            <a:endParaRPr lang="en-US" dirty="0"/>
+          </a:p>
+        </p:txBody>
+      </p:sp>
+    </p:spTree>
+    <p:extLst>
+      <p:ext uri="{BB962C8B-B14F-4D97-AF65-F5344CB8AC3E}">
+        <p14:creationId xmlns:p14="http://schemas.microsoft.com/office/powerpoint/2010/main" val="1277952499"/>
+      </p:ext>
+    </p:extLst>
+  </p:cSld>
+  <p:clrMapOvr>
+    <a:masterClrMapping/>
+  </p:clrMapOvr>
+</p:sld>
+</file>
+
 <file path=ppt/slides/slide18.xml><?xml version="1.0" encoding="utf-8"?>
 <p:sld xmlns:a="http://schemas.openxmlformats.org/drawingml/2006/main" xmlns:r="http://schemas.openxmlformats.org/officeDocument/2006/relationships" xmlns:p="http://schemas.openxmlformats.org/presentationml/2006/main">
   <p:cSld>
@@ -12038,7 +11974,7 @@
           <p:cNvPr id="2" name="Title 1">
             <a:extLst>
               <a:ext uri="{FF2B5EF4-FFF2-40B4-BE49-F238E27FC236}">
-                <a16:creationId xmlns:a16="http://schemas.microsoft.com/office/drawing/2014/main" id="{8E364E23-935E-4C3D-8845-A30E054D2148}"/>
+                <a16:creationId xmlns:a16="http://schemas.microsoft.com/office/drawing/2014/main" id="{B2FC7163-C1B0-45D4-85C8-5C6CE29EDBF0}"/>
               </a:ext>
             </a:extLst>
           </p:cNvPr>
@@ -12056,7 +11992,7 @@
           <a:p>
             <a:r>
               <a:rPr lang="en-US" dirty="0"/>
-              <a:t>Development – Data</a:t>
+              <a:t>Development – Federation</a:t>
             </a:r>
           </a:p>
         </p:txBody>
@@ -12066,7 +12002,7 @@
           <p:cNvPr id="3" name="Content Placeholder 2">
             <a:extLst>
               <a:ext uri="{FF2B5EF4-FFF2-40B4-BE49-F238E27FC236}">
-                <a16:creationId xmlns:a16="http://schemas.microsoft.com/office/drawing/2014/main" id="{7D88053C-DFC9-44D9-B435-D3E7D8DFAAA2}"/>
+                <a16:creationId xmlns:a16="http://schemas.microsoft.com/office/drawing/2014/main" id="{1DEB553E-1021-40AD-B964-83A91E1CB456}"/>
               </a:ext>
             </a:extLst>
           </p:cNvPr>
@@ -12084,23 +12020,23 @@
           <a:p>
             <a:r>
               <a:rPr lang="en-US" dirty="0"/>
-              <a:t>Uploads files</a:t>
+              <a:t>Have a set of different services</a:t>
             </a:r>
           </a:p>
           <a:p>
             <a:r>
               <a:rPr lang="en-US" dirty="0"/>
-              <a:t>Sample: </a:t>
-            </a:r>
-            <a:r>
-              <a:rPr lang="en-US" dirty="0">
-                <a:hlinkClick r:id="rId2"/>
-              </a:rPr>
-              <a:t>https://github.com/jaydenseric/apollo-upload-examples</a:t>
-            </a:r>
+              <a:t>These services have relationships in data schemas.</a:t>
+            </a:r>
+          </a:p>
+          <a:p>
+            <a:pPr>
+              <a:buFont typeface="Wingdings" panose="05000000000000000000" pitchFamily="2" charset="2"/>
+              <a:buChar char="Ø"/>
+            </a:pPr>
             <a:r>
               <a:rPr lang="en-US" dirty="0"/>
-              <a:t> </a:t>
+              <a:t>Build a gateway to support a gateway to support queries through services, not need to query multiple times.</a:t>
             </a:r>
           </a:p>
         </p:txBody>
@@ -12108,7 +12044,7 @@
     </p:spTree>
     <p:extLst>
       <p:ext uri="{BB962C8B-B14F-4D97-AF65-F5344CB8AC3E}">
-        <p14:creationId xmlns:p14="http://schemas.microsoft.com/office/powerpoint/2010/main" val="772454378"/>
+        <p14:creationId xmlns:p14="http://schemas.microsoft.com/office/powerpoint/2010/main" val="2493991099"/>
       </p:ext>
     </p:extLst>
   </p:cSld>
@@ -12140,7 +12076,7 @@
           <p:cNvPr id="2" name="Title 1">
             <a:extLst>
               <a:ext uri="{FF2B5EF4-FFF2-40B4-BE49-F238E27FC236}">
-                <a16:creationId xmlns:a16="http://schemas.microsoft.com/office/drawing/2014/main" id="{8E364E23-935E-4C3D-8845-A30E054D2148}"/>
+                <a16:creationId xmlns:a16="http://schemas.microsoft.com/office/drawing/2014/main" id="{B2FC7163-C1B0-45D4-85C8-5C6CE29EDBF0}"/>
               </a:ext>
             </a:extLst>
           </p:cNvPr>
@@ -12158,7 +12094,7 @@
           <a:p>
             <a:r>
               <a:rPr lang="en-US" dirty="0"/>
-              <a:t>Development – Data</a:t>
+              <a:t>Development – Federation</a:t>
             </a:r>
           </a:p>
         </p:txBody>
@@ -12168,7 +12104,7 @@
           <p:cNvPr id="3" name="Content Placeholder 2">
             <a:extLst>
               <a:ext uri="{FF2B5EF4-FFF2-40B4-BE49-F238E27FC236}">
-                <a16:creationId xmlns:a16="http://schemas.microsoft.com/office/drawing/2014/main" id="{7D88053C-DFC9-44D9-B435-D3E7D8DFAAA2}"/>
+                <a16:creationId xmlns:a16="http://schemas.microsoft.com/office/drawing/2014/main" id="{1DEB553E-1021-40AD-B964-83A91E1CB456}"/>
               </a:ext>
             </a:extLst>
           </p:cNvPr>
@@ -12186,47 +12122,31 @@
           <a:p>
             <a:r>
               <a:rPr lang="en-US" dirty="0"/>
-              <a:t>Subscriptions (notify event from the server to clients)</a:t>
-            </a:r>
-          </a:p>
-          <a:p>
-            <a:endParaRPr lang="en-US" dirty="0"/>
+              <a:t>Have a set of different services</a:t>
+            </a:r>
           </a:p>
           <a:p>
             <a:r>
               <a:rPr lang="en-US" dirty="0"/>
-              <a:t>Details at </a:t>
-            </a:r>
-            <a:r>
-              <a:rPr lang="en-US" dirty="0">
-                <a:hlinkClick r:id="rId2"/>
-              </a:rPr>
-              <a:t>https://www.apollographql.com/docs/apollo-server/data/subscriptions/</a:t>
-            </a:r>
-            <a:endParaRPr lang="en-US" dirty="0"/>
-          </a:p>
-          <a:p>
-            <a:endParaRPr lang="en-US" dirty="0"/>
-          </a:p>
-          <a:p>
+              <a:t>These services have relationships in data schemas.</a:t>
+            </a:r>
+          </a:p>
+          <a:p>
+            <a:pPr>
+              <a:buFont typeface="Wingdings" panose="05000000000000000000" pitchFamily="2" charset="2"/>
+              <a:buChar char="Ø"/>
+            </a:pPr>
             <a:r>
               <a:rPr lang="en-US" dirty="0"/>
-              <a:t>Example at </a:t>
-            </a:r>
-            <a:r>
-              <a:rPr lang="en-US" dirty="0">
-                <a:hlinkClick r:id="rId3"/>
-              </a:rPr>
-              <a:t>https://github.com/the-road-to-graphql/fullstack-apollo-subscription-example</a:t>
-            </a:r>
-            <a:endParaRPr lang="en-US" dirty="0"/>
+              <a:t>Build a gateway to support a gateway to support queries through services, not need to query multiple times.</a:t>
+            </a:r>
           </a:p>
         </p:txBody>
       </p:sp>
     </p:spTree>
     <p:extLst>
       <p:ext uri="{BB962C8B-B14F-4D97-AF65-F5344CB8AC3E}">
-        <p14:creationId xmlns:p14="http://schemas.microsoft.com/office/powerpoint/2010/main" val="1277952499"/>
+        <p14:creationId xmlns:p14="http://schemas.microsoft.com/office/powerpoint/2010/main" val="3339077990"/>
       </p:ext>
     </p:extLst>
   </p:cSld>
@@ -12419,210 +12339,6 @@
 </file>
 
 <file path=ppt/slides/slide20.xml><?xml version="1.0" encoding="utf-8"?>
-<p:sld xmlns:a="http://schemas.openxmlformats.org/drawingml/2006/main" xmlns:r="http://schemas.openxmlformats.org/officeDocument/2006/relationships" xmlns:p="http://schemas.openxmlformats.org/presentationml/2006/main">
-  <p:cSld>
-    <p:spTree>
-      <p:nvGrpSpPr>
-        <p:cNvPr id="1" name=""/>
-        <p:cNvGrpSpPr/>
-        <p:nvPr/>
-      </p:nvGrpSpPr>
-      <p:grpSpPr>
-        <a:xfrm>
-          <a:off x="0" y="0"/>
-          <a:ext cx="0" cy="0"/>
-          <a:chOff x="0" y="0"/>
-          <a:chExt cx="0" cy="0"/>
-        </a:xfrm>
-      </p:grpSpPr>
-      <p:sp>
-        <p:nvSpPr>
-          <p:cNvPr id="2" name="Title 1">
-            <a:extLst>
-              <a:ext uri="{FF2B5EF4-FFF2-40B4-BE49-F238E27FC236}">
-                <a16:creationId xmlns:a16="http://schemas.microsoft.com/office/drawing/2014/main" id="{B2FC7163-C1B0-45D4-85C8-5C6CE29EDBF0}"/>
-              </a:ext>
-            </a:extLst>
-          </p:cNvPr>
-          <p:cNvSpPr>
-            <a:spLocks noGrp="1"/>
-          </p:cNvSpPr>
-          <p:nvPr>
-            <p:ph type="title"/>
-          </p:nvPr>
-        </p:nvSpPr>
-        <p:spPr/>
-        <p:txBody>
-          <a:bodyPr/>
-          <a:lstStyle/>
-          <a:p>
-            <a:r>
-              <a:rPr lang="en-US" dirty="0"/>
-              <a:t>Development – Federation</a:t>
-            </a:r>
-          </a:p>
-        </p:txBody>
-      </p:sp>
-      <p:sp>
-        <p:nvSpPr>
-          <p:cNvPr id="3" name="Content Placeholder 2">
-            <a:extLst>
-              <a:ext uri="{FF2B5EF4-FFF2-40B4-BE49-F238E27FC236}">
-                <a16:creationId xmlns:a16="http://schemas.microsoft.com/office/drawing/2014/main" id="{1DEB553E-1021-40AD-B964-83A91E1CB456}"/>
-              </a:ext>
-            </a:extLst>
-          </p:cNvPr>
-          <p:cNvSpPr>
-            <a:spLocks noGrp="1"/>
-          </p:cNvSpPr>
-          <p:nvPr>
-            <p:ph idx="1"/>
-          </p:nvPr>
-        </p:nvSpPr>
-        <p:spPr/>
-        <p:txBody>
-          <a:bodyPr anchor="t"/>
-          <a:lstStyle/>
-          <a:p>
-            <a:r>
-              <a:rPr lang="en-US" dirty="0"/>
-              <a:t>Have a set of different services</a:t>
-            </a:r>
-          </a:p>
-          <a:p>
-            <a:r>
-              <a:rPr lang="en-US" dirty="0"/>
-              <a:t>These services have relationships in data schemas.</a:t>
-            </a:r>
-          </a:p>
-          <a:p>
-            <a:pPr>
-              <a:buFont typeface="Wingdings" panose="05000000000000000000" pitchFamily="2" charset="2"/>
-              <a:buChar char="Ø"/>
-            </a:pPr>
-            <a:r>
-              <a:rPr lang="en-US" dirty="0"/>
-              <a:t>Build a gateway to support a gateway to support queries through services, not need to query multiple times.</a:t>
-            </a:r>
-          </a:p>
-        </p:txBody>
-      </p:sp>
-    </p:spTree>
-    <p:extLst>
-      <p:ext uri="{BB962C8B-B14F-4D97-AF65-F5344CB8AC3E}">
-        <p14:creationId xmlns:p14="http://schemas.microsoft.com/office/powerpoint/2010/main" val="2493991099"/>
-      </p:ext>
-    </p:extLst>
-  </p:cSld>
-  <p:clrMapOvr>
-    <a:masterClrMapping/>
-  </p:clrMapOvr>
-</p:sld>
-</file>
-
-<file path=ppt/slides/slide21.xml><?xml version="1.0" encoding="utf-8"?>
-<p:sld xmlns:a="http://schemas.openxmlformats.org/drawingml/2006/main" xmlns:r="http://schemas.openxmlformats.org/officeDocument/2006/relationships" xmlns:p="http://schemas.openxmlformats.org/presentationml/2006/main">
-  <p:cSld>
-    <p:spTree>
-      <p:nvGrpSpPr>
-        <p:cNvPr id="1" name=""/>
-        <p:cNvGrpSpPr/>
-        <p:nvPr/>
-      </p:nvGrpSpPr>
-      <p:grpSpPr>
-        <a:xfrm>
-          <a:off x="0" y="0"/>
-          <a:ext cx="0" cy="0"/>
-          <a:chOff x="0" y="0"/>
-          <a:chExt cx="0" cy="0"/>
-        </a:xfrm>
-      </p:grpSpPr>
-      <p:sp>
-        <p:nvSpPr>
-          <p:cNvPr id="2" name="Title 1">
-            <a:extLst>
-              <a:ext uri="{FF2B5EF4-FFF2-40B4-BE49-F238E27FC236}">
-                <a16:creationId xmlns:a16="http://schemas.microsoft.com/office/drawing/2014/main" id="{B2FC7163-C1B0-45D4-85C8-5C6CE29EDBF0}"/>
-              </a:ext>
-            </a:extLst>
-          </p:cNvPr>
-          <p:cNvSpPr>
-            <a:spLocks noGrp="1"/>
-          </p:cNvSpPr>
-          <p:nvPr>
-            <p:ph type="title"/>
-          </p:nvPr>
-        </p:nvSpPr>
-        <p:spPr/>
-        <p:txBody>
-          <a:bodyPr/>
-          <a:lstStyle/>
-          <a:p>
-            <a:r>
-              <a:rPr lang="en-US" dirty="0"/>
-              <a:t>Development – Federation</a:t>
-            </a:r>
-          </a:p>
-        </p:txBody>
-      </p:sp>
-      <p:sp>
-        <p:nvSpPr>
-          <p:cNvPr id="3" name="Content Placeholder 2">
-            <a:extLst>
-              <a:ext uri="{FF2B5EF4-FFF2-40B4-BE49-F238E27FC236}">
-                <a16:creationId xmlns:a16="http://schemas.microsoft.com/office/drawing/2014/main" id="{1DEB553E-1021-40AD-B964-83A91E1CB456}"/>
-              </a:ext>
-            </a:extLst>
-          </p:cNvPr>
-          <p:cNvSpPr>
-            <a:spLocks noGrp="1"/>
-          </p:cNvSpPr>
-          <p:nvPr>
-            <p:ph idx="1"/>
-          </p:nvPr>
-        </p:nvSpPr>
-        <p:spPr/>
-        <p:txBody>
-          <a:bodyPr anchor="t"/>
-          <a:lstStyle/>
-          <a:p>
-            <a:r>
-              <a:rPr lang="en-US" dirty="0"/>
-              <a:t>Have a set of different services</a:t>
-            </a:r>
-          </a:p>
-          <a:p>
-            <a:r>
-              <a:rPr lang="en-US" dirty="0"/>
-              <a:t>These services have relationships in data schemas.</a:t>
-            </a:r>
-          </a:p>
-          <a:p>
-            <a:pPr>
-              <a:buFont typeface="Wingdings" panose="05000000000000000000" pitchFamily="2" charset="2"/>
-              <a:buChar char="Ø"/>
-            </a:pPr>
-            <a:r>
-              <a:rPr lang="en-US" dirty="0"/>
-              <a:t>Build a gateway to support a gateway to support queries through services, not need to query multiple times.</a:t>
-            </a:r>
-          </a:p>
-        </p:txBody>
-      </p:sp>
-    </p:spTree>
-    <p:extLst>
-      <p:ext uri="{BB962C8B-B14F-4D97-AF65-F5344CB8AC3E}">
-        <p14:creationId xmlns:p14="http://schemas.microsoft.com/office/powerpoint/2010/main" val="3339077990"/>
-      </p:ext>
-    </p:extLst>
-  </p:cSld>
-  <p:clrMapOvr>
-    <a:masterClrMapping/>
-  </p:clrMapOvr>
-</p:sld>
-</file>
-
-<file path=ppt/slides/slide22.xml><?xml version="1.0" encoding="utf-8"?>
 <p:sld xmlns:a="http://schemas.openxmlformats.org/drawingml/2006/main" xmlns:r="http://schemas.openxmlformats.org/officeDocument/2006/relationships" xmlns:p="http://schemas.openxmlformats.org/presentationml/2006/main">
   <p:cSld>
     <p:spTree>
@@ -12744,7 +12460,7 @@
 </p:sld>
 </file>
 
-<file path=ppt/slides/slide23.xml><?xml version="1.0" encoding="utf-8"?>
+<file path=ppt/slides/slide21.xml><?xml version="1.0" encoding="utf-8"?>
 <p:sld xmlns:a="http://schemas.openxmlformats.org/drawingml/2006/main" xmlns:r="http://schemas.openxmlformats.org/officeDocument/2006/relationships" xmlns:p="http://schemas.openxmlformats.org/presentationml/2006/main">
   <p:cSld>
     <p:spTree>
@@ -12866,7 +12582,7 @@
 </p:sld>
 </file>
 
-<file path=ppt/slides/slide24.xml><?xml version="1.0" encoding="utf-8"?>
+<file path=ppt/slides/slide22.xml><?xml version="1.0" encoding="utf-8"?>
 <p:sld xmlns:a="http://schemas.openxmlformats.org/drawingml/2006/main" xmlns:r="http://schemas.openxmlformats.org/officeDocument/2006/relationships" xmlns:p="http://schemas.openxmlformats.org/presentationml/2006/main">
   <p:cSld>
     <p:spTree>
@@ -13094,6 +12810,207 @@
 </p:sld>
 </file>
 
+<file path=ppt/slides/slide23.xml><?xml version="1.0" encoding="utf-8"?>
+<p:sld xmlns:a="http://schemas.openxmlformats.org/drawingml/2006/main" xmlns:r="http://schemas.openxmlformats.org/officeDocument/2006/relationships" xmlns:p="http://schemas.openxmlformats.org/presentationml/2006/main">
+  <p:cSld>
+    <p:spTree>
+      <p:nvGrpSpPr>
+        <p:cNvPr id="1" name=""/>
+        <p:cNvGrpSpPr/>
+        <p:nvPr/>
+      </p:nvGrpSpPr>
+      <p:grpSpPr>
+        <a:xfrm>
+          <a:off x="0" y="0"/>
+          <a:ext cx="0" cy="0"/>
+          <a:chOff x="0" y="0"/>
+          <a:chExt cx="0" cy="0"/>
+        </a:xfrm>
+      </p:grpSpPr>
+      <p:sp>
+        <p:nvSpPr>
+          <p:cNvPr id="2" name="Title 1">
+            <a:extLst>
+              <a:ext uri="{FF2B5EF4-FFF2-40B4-BE49-F238E27FC236}">
+                <a16:creationId xmlns:a16="http://schemas.microsoft.com/office/drawing/2014/main" id="{B2FC7163-C1B0-45D4-85C8-5C6CE29EDBF0}"/>
+              </a:ext>
+            </a:extLst>
+          </p:cNvPr>
+          <p:cNvSpPr>
+            <a:spLocks noGrp="1"/>
+          </p:cNvSpPr>
+          <p:nvPr>
+            <p:ph type="title"/>
+          </p:nvPr>
+        </p:nvSpPr>
+        <p:spPr/>
+        <p:txBody>
+          <a:bodyPr/>
+          <a:lstStyle/>
+          <a:p>
+            <a:r>
+              <a:rPr lang="en-US" dirty="0"/>
+              <a:t>Development – Federation</a:t>
+            </a:r>
+          </a:p>
+        </p:txBody>
+      </p:sp>
+      <p:sp>
+        <p:nvSpPr>
+          <p:cNvPr id="3" name="Content Placeholder 2">
+            <a:extLst>
+              <a:ext uri="{FF2B5EF4-FFF2-40B4-BE49-F238E27FC236}">
+                <a16:creationId xmlns:a16="http://schemas.microsoft.com/office/drawing/2014/main" id="{1DEB553E-1021-40AD-B964-83A91E1CB456}"/>
+              </a:ext>
+            </a:extLst>
+          </p:cNvPr>
+          <p:cNvSpPr>
+            <a:spLocks noGrp="1"/>
+          </p:cNvSpPr>
+          <p:nvPr>
+            <p:ph idx="1"/>
+          </p:nvPr>
+        </p:nvSpPr>
+        <p:spPr/>
+        <p:txBody>
+          <a:bodyPr anchor="t"/>
+          <a:lstStyle/>
+          <a:p>
+            <a:r>
+              <a:rPr lang="en-US" dirty="0"/>
+              <a:t>Demonstration: </a:t>
+            </a:r>
+            <a:r>
+              <a:rPr lang="en-US" dirty="0">
+                <a:hlinkClick r:id="rId2"/>
+              </a:rPr>
+              <a:t>https://github.com/apollographql/federation-demo</a:t>
+            </a:r>
+            <a:endParaRPr lang="en-US" dirty="0"/>
+          </a:p>
+        </p:txBody>
+      </p:sp>
+    </p:spTree>
+    <p:extLst>
+      <p:ext uri="{BB962C8B-B14F-4D97-AF65-F5344CB8AC3E}">
+        <p14:creationId xmlns:p14="http://schemas.microsoft.com/office/powerpoint/2010/main" val="54301537"/>
+      </p:ext>
+    </p:extLst>
+  </p:cSld>
+  <p:clrMapOvr>
+    <a:masterClrMapping/>
+  </p:clrMapOvr>
+</p:sld>
+</file>
+
+<file path=ppt/slides/slide24.xml><?xml version="1.0" encoding="utf-8"?>
+<p:sld xmlns:a="http://schemas.openxmlformats.org/drawingml/2006/main" xmlns:r="http://schemas.openxmlformats.org/officeDocument/2006/relationships" xmlns:p="http://schemas.openxmlformats.org/presentationml/2006/main">
+  <p:cSld>
+    <p:spTree>
+      <p:nvGrpSpPr>
+        <p:cNvPr id="1" name=""/>
+        <p:cNvGrpSpPr/>
+        <p:nvPr/>
+      </p:nvGrpSpPr>
+      <p:grpSpPr>
+        <a:xfrm>
+          <a:off x="0" y="0"/>
+          <a:ext cx="0" cy="0"/>
+          <a:chOff x="0" y="0"/>
+          <a:chExt cx="0" cy="0"/>
+        </a:xfrm>
+      </p:grpSpPr>
+      <p:sp>
+        <p:nvSpPr>
+          <p:cNvPr id="2" name="Title 1">
+            <a:extLst>
+              <a:ext uri="{FF2B5EF4-FFF2-40B4-BE49-F238E27FC236}">
+                <a16:creationId xmlns:a16="http://schemas.microsoft.com/office/drawing/2014/main" id="{2681AC72-4DE4-41DD-8F5F-B3078EBA7CC7}"/>
+              </a:ext>
+            </a:extLst>
+          </p:cNvPr>
+          <p:cNvSpPr>
+            <a:spLocks noGrp="1"/>
+          </p:cNvSpPr>
+          <p:nvPr>
+            <p:ph type="title"/>
+          </p:nvPr>
+        </p:nvSpPr>
+        <p:spPr/>
+        <p:txBody>
+          <a:bodyPr/>
+          <a:lstStyle/>
+          <a:p>
+            <a:r>
+              <a:rPr lang="en-US" dirty="0"/>
+              <a:t>Development – Testing</a:t>
+            </a:r>
+          </a:p>
+        </p:txBody>
+      </p:sp>
+      <p:sp>
+        <p:nvSpPr>
+          <p:cNvPr id="3" name="Content Placeholder 2">
+            <a:extLst>
+              <a:ext uri="{FF2B5EF4-FFF2-40B4-BE49-F238E27FC236}">
+                <a16:creationId xmlns:a16="http://schemas.microsoft.com/office/drawing/2014/main" id="{837A7E9D-A65B-4683-A930-C834B19726A4}"/>
+              </a:ext>
+            </a:extLst>
+          </p:cNvPr>
+          <p:cNvSpPr>
+            <a:spLocks noGrp="1"/>
+          </p:cNvSpPr>
+          <p:nvPr>
+            <p:ph idx="1"/>
+          </p:nvPr>
+        </p:nvSpPr>
+        <p:spPr/>
+        <p:txBody>
+          <a:bodyPr anchor="t"/>
+          <a:lstStyle/>
+          <a:p>
+            <a:r>
+              <a:rPr lang="en-US" dirty="0"/>
+              <a:t>Based on GraphQL, Apollo server implements Mocks</a:t>
+            </a:r>
+          </a:p>
+          <a:p>
+            <a:pPr lvl="1"/>
+            <a:r>
+              <a:rPr lang="en-US" dirty="0"/>
+              <a:t>Testing parts can be developed without implementations of other backend components.</a:t>
+            </a:r>
+          </a:p>
+          <a:p>
+            <a:pPr lvl="1"/>
+            <a:endParaRPr lang="en-US" dirty="0"/>
+          </a:p>
+          <a:p>
+            <a:pPr lvl="1"/>
+            <a:r>
+              <a:rPr lang="en-US" dirty="0"/>
+              <a:t>Let UI components and features be developed quickly.</a:t>
+            </a:r>
+          </a:p>
+          <a:p>
+            <a:pPr lvl="1"/>
+            <a:endParaRPr lang="en-US" dirty="0"/>
+          </a:p>
+        </p:txBody>
+      </p:sp>
+    </p:spTree>
+    <p:extLst>
+      <p:ext uri="{BB962C8B-B14F-4D97-AF65-F5344CB8AC3E}">
+        <p14:creationId xmlns:p14="http://schemas.microsoft.com/office/powerpoint/2010/main" val="1976016434"/>
+      </p:ext>
+    </p:extLst>
+  </p:cSld>
+  <p:clrMapOvr>
+    <a:masterClrMapping/>
+  </p:clrMapOvr>
+</p:sld>
+</file>
+
 <file path=ppt/slides/slide25.xml><?xml version="1.0" encoding="utf-8"?>
 <p:sld xmlns:a="http://schemas.openxmlformats.org/drawingml/2006/main" xmlns:r="http://schemas.openxmlformats.org/officeDocument/2006/relationships" xmlns:p="http://schemas.openxmlformats.org/presentationml/2006/main">
   <p:cSld>
@@ -13116,7 +13033,7 @@
           <p:cNvPr id="2" name="Title 1">
             <a:extLst>
               <a:ext uri="{FF2B5EF4-FFF2-40B4-BE49-F238E27FC236}">
-                <a16:creationId xmlns:a16="http://schemas.microsoft.com/office/drawing/2014/main" id="{B2FC7163-C1B0-45D4-85C8-5C6CE29EDBF0}"/>
+                <a16:creationId xmlns:a16="http://schemas.microsoft.com/office/drawing/2014/main" id="{2681AC72-4DE4-41DD-8F5F-B3078EBA7CC7}"/>
               </a:ext>
             </a:extLst>
           </p:cNvPr>
@@ -13134,50 +13051,85 @@
           <a:p>
             <a:r>
               <a:rPr lang="en-US" dirty="0"/>
-              <a:t>Development – Federation</a:t>
-            </a:r>
-          </a:p>
-        </p:txBody>
-      </p:sp>
-      <p:sp>
-        <p:nvSpPr>
-          <p:cNvPr id="3" name="Content Placeholder 2">
+              <a:t>Development – Testing</a:t>
+            </a:r>
+          </a:p>
+        </p:txBody>
+      </p:sp>
+      <p:pic>
+        <p:nvPicPr>
+          <p:cNvPr id="5" name="Content Placeholder 4" descr="A screenshot of a cell phone&#10;&#10;Description automatically generated">
             <a:extLst>
               <a:ext uri="{FF2B5EF4-FFF2-40B4-BE49-F238E27FC236}">
-                <a16:creationId xmlns:a16="http://schemas.microsoft.com/office/drawing/2014/main" id="{1DEB553E-1021-40AD-B964-83A91E1CB456}"/>
+                <a16:creationId xmlns:a16="http://schemas.microsoft.com/office/drawing/2014/main" id="{BD2D8CF2-637D-40C0-93C4-05677AEC223B}"/>
               </a:ext>
             </a:extLst>
           </p:cNvPr>
-          <p:cNvSpPr>
-            <a:spLocks noGrp="1"/>
-          </p:cNvSpPr>
+          <p:cNvPicPr>
+            <a:picLocks noGrp="1" noChangeAspect="1"/>
+          </p:cNvPicPr>
           <p:nvPr>
             <p:ph idx="1"/>
           </p:nvPr>
-        </p:nvSpPr>
-        <p:spPr/>
-        <p:txBody>
-          <a:bodyPr anchor="t"/>
+        </p:nvPicPr>
+        <p:blipFill>
+          <a:blip r:embed="rId2">
+            <a:extLst>
+              <a:ext uri="{28A0092B-C50C-407E-A947-70E740481C1C}">
+                <a14:useLocalDpi xmlns:a14="http://schemas.microsoft.com/office/drawing/2010/main" val="0"/>
+              </a:ext>
+            </a:extLst>
+          </a:blip>
+          <a:stretch>
+            <a:fillRect/>
+          </a:stretch>
+        </p:blipFill>
+        <p:spPr>
+          <a:xfrm>
+            <a:off x="5797736" y="2052619"/>
+            <a:ext cx="3895047" cy="3997325"/>
+          </a:xfrm>
+        </p:spPr>
+      </p:pic>
+      <p:sp>
+        <p:nvSpPr>
+          <p:cNvPr id="6" name="TextBox 5">
+            <a:extLst>
+              <a:ext uri="{FF2B5EF4-FFF2-40B4-BE49-F238E27FC236}">
+                <a16:creationId xmlns:a16="http://schemas.microsoft.com/office/drawing/2014/main" id="{60C36271-9FC2-451C-924C-522FD62A1263}"/>
+              </a:ext>
+            </a:extLst>
+          </p:cNvPr>
+          <p:cNvSpPr txBox="1"/>
+          <p:nvPr/>
+        </p:nvSpPr>
+        <p:spPr>
+          <a:xfrm>
+            <a:off x="2611808" y="2052619"/>
+            <a:ext cx="2339167" cy="369332"/>
+          </a:xfrm>
+          <a:prstGeom prst="rect">
+            <a:avLst/>
+          </a:prstGeom>
+          <a:noFill/>
+        </p:spPr>
+        <p:txBody>
+          <a:bodyPr wrap="none" rtlCol="0">
+            <a:spAutoFit/>
+          </a:bodyPr>
           <a:lstStyle/>
           <a:p>
             <a:r>
               <a:rPr lang="en-US" dirty="0"/>
-              <a:t>Demonstration: </a:t>
-            </a:r>
-            <a:r>
-              <a:rPr lang="en-US" dirty="0">
-                <a:hlinkClick r:id="rId2"/>
-              </a:rPr>
-              <a:t>https://github.com/apollographql/federation-demo</a:t>
-            </a:r>
-            <a:endParaRPr lang="en-US" dirty="0"/>
+              <a:t>A sample test server:</a:t>
+            </a:r>
           </a:p>
         </p:txBody>
       </p:sp>
     </p:spTree>
     <p:extLst>
       <p:ext uri="{BB962C8B-B14F-4D97-AF65-F5344CB8AC3E}">
-        <p14:creationId xmlns:p14="http://schemas.microsoft.com/office/powerpoint/2010/main" val="54301537"/>
+        <p14:creationId xmlns:p14="http://schemas.microsoft.com/office/powerpoint/2010/main" val="4202534452"/>
       </p:ext>
     </p:extLst>
   </p:cSld>
@@ -13209,7 +13161,7 @@
           <p:cNvPr id="2" name="Title 1">
             <a:extLst>
               <a:ext uri="{FF2B5EF4-FFF2-40B4-BE49-F238E27FC236}">
-                <a16:creationId xmlns:a16="http://schemas.microsoft.com/office/drawing/2014/main" id="{2681AC72-4DE4-41DD-8F5F-B3078EBA7CC7}"/>
+                <a16:creationId xmlns:a16="http://schemas.microsoft.com/office/drawing/2014/main" id="{A0E6B26E-2CF5-4D3B-9BBE-FA0A43A888FE}"/>
               </a:ext>
             </a:extLst>
           </p:cNvPr>
@@ -13225,67 +13177,22 @@
           <a:bodyPr/>
           <a:lstStyle/>
           <a:p>
-            <a:r>
-              <a:rPr lang="en-US" dirty="0"/>
-              <a:t>Development – Testing</a:t>
-            </a:r>
-          </a:p>
-        </p:txBody>
-      </p:sp>
-      <p:sp>
-        <p:nvSpPr>
-          <p:cNvPr id="3" name="Content Placeholder 2">
-            <a:extLst>
-              <a:ext uri="{FF2B5EF4-FFF2-40B4-BE49-F238E27FC236}">
-                <a16:creationId xmlns:a16="http://schemas.microsoft.com/office/drawing/2014/main" id="{837A7E9D-A65B-4683-A930-C834B19726A4}"/>
-              </a:ext>
-            </a:extLst>
-          </p:cNvPr>
-          <p:cNvSpPr>
-            <a:spLocks noGrp="1"/>
-          </p:cNvSpPr>
-          <p:nvPr>
-            <p:ph idx="1"/>
-          </p:nvPr>
-        </p:nvSpPr>
-        <p:spPr/>
-        <p:txBody>
-          <a:bodyPr anchor="t"/>
-          <a:lstStyle/>
-          <a:p>
-            <a:r>
-              <a:rPr lang="en-US" dirty="0"/>
-              <a:t>Based on GraphQL, Apollo server implements Mocks</a:t>
-            </a:r>
-          </a:p>
-          <a:p>
-            <a:pPr lvl="1"/>
-            <a:r>
-              <a:rPr lang="en-US" dirty="0"/>
-              <a:t>Testing parts can be developed without implementations of other backend components.</a:t>
-            </a:r>
-          </a:p>
-          <a:p>
-            <a:pPr lvl="1"/>
-            <a:endParaRPr lang="en-US" dirty="0"/>
-          </a:p>
-          <a:p>
-            <a:pPr lvl="1"/>
-            <a:r>
-              <a:rPr lang="en-US" dirty="0"/>
-              <a:t>Let UI components and features be developed quickly.</a:t>
-            </a:r>
-          </a:p>
-          <a:p>
-            <a:pPr lvl="1"/>
-            <a:endParaRPr lang="en-US" dirty="0"/>
+            <a:pPr algn="ctr"/>
+            <a:r>
+              <a:rPr lang="en-US" dirty="0">
+                <a:solidFill>
+                  <a:srgbClr val="FFFF00"/>
+                </a:solidFill>
+              </a:rPr>
+              <a:t>PRODUCTION</a:t>
+            </a:r>
           </a:p>
         </p:txBody>
       </p:sp>
     </p:spTree>
     <p:extLst>
       <p:ext uri="{BB962C8B-B14F-4D97-AF65-F5344CB8AC3E}">
-        <p14:creationId xmlns:p14="http://schemas.microsoft.com/office/powerpoint/2010/main" val="1976016434"/>
+        <p14:creationId xmlns:p14="http://schemas.microsoft.com/office/powerpoint/2010/main" val="4200618044"/>
       </p:ext>
     </p:extLst>
   </p:cSld>
@@ -13317,197 +13224,6 @@
           <p:cNvPr id="2" name="Title 1">
             <a:extLst>
               <a:ext uri="{FF2B5EF4-FFF2-40B4-BE49-F238E27FC236}">
-                <a16:creationId xmlns:a16="http://schemas.microsoft.com/office/drawing/2014/main" id="{2681AC72-4DE4-41DD-8F5F-B3078EBA7CC7}"/>
-              </a:ext>
-            </a:extLst>
-          </p:cNvPr>
-          <p:cNvSpPr>
-            <a:spLocks noGrp="1"/>
-          </p:cNvSpPr>
-          <p:nvPr>
-            <p:ph type="title"/>
-          </p:nvPr>
-        </p:nvSpPr>
-        <p:spPr/>
-        <p:txBody>
-          <a:bodyPr/>
-          <a:lstStyle/>
-          <a:p>
-            <a:r>
-              <a:rPr lang="en-US" dirty="0"/>
-              <a:t>Development – Testing</a:t>
-            </a:r>
-          </a:p>
-        </p:txBody>
-      </p:sp>
-      <p:pic>
-        <p:nvPicPr>
-          <p:cNvPr id="5" name="Content Placeholder 4" descr="A screenshot of a cell phone&#10;&#10;Description automatically generated">
-            <a:extLst>
-              <a:ext uri="{FF2B5EF4-FFF2-40B4-BE49-F238E27FC236}">
-                <a16:creationId xmlns:a16="http://schemas.microsoft.com/office/drawing/2014/main" id="{BD2D8CF2-637D-40C0-93C4-05677AEC223B}"/>
-              </a:ext>
-            </a:extLst>
-          </p:cNvPr>
-          <p:cNvPicPr>
-            <a:picLocks noGrp="1" noChangeAspect="1"/>
-          </p:cNvPicPr>
-          <p:nvPr>
-            <p:ph idx="1"/>
-          </p:nvPr>
-        </p:nvPicPr>
-        <p:blipFill>
-          <a:blip r:embed="rId2">
-            <a:extLst>
-              <a:ext uri="{28A0092B-C50C-407E-A947-70E740481C1C}">
-                <a14:useLocalDpi xmlns:a14="http://schemas.microsoft.com/office/drawing/2010/main" val="0"/>
-              </a:ext>
-            </a:extLst>
-          </a:blip>
-          <a:stretch>
-            <a:fillRect/>
-          </a:stretch>
-        </p:blipFill>
-        <p:spPr>
-          <a:xfrm>
-            <a:off x="5797736" y="2052619"/>
-            <a:ext cx="3895047" cy="3997325"/>
-          </a:xfrm>
-        </p:spPr>
-      </p:pic>
-      <p:sp>
-        <p:nvSpPr>
-          <p:cNvPr id="6" name="TextBox 5">
-            <a:extLst>
-              <a:ext uri="{FF2B5EF4-FFF2-40B4-BE49-F238E27FC236}">
-                <a16:creationId xmlns:a16="http://schemas.microsoft.com/office/drawing/2014/main" id="{60C36271-9FC2-451C-924C-522FD62A1263}"/>
-              </a:ext>
-            </a:extLst>
-          </p:cNvPr>
-          <p:cNvSpPr txBox="1"/>
-          <p:nvPr/>
-        </p:nvSpPr>
-        <p:spPr>
-          <a:xfrm>
-            <a:off x="2611808" y="2052619"/>
-            <a:ext cx="2339167" cy="369332"/>
-          </a:xfrm>
-          <a:prstGeom prst="rect">
-            <a:avLst/>
-          </a:prstGeom>
-          <a:noFill/>
-        </p:spPr>
-        <p:txBody>
-          <a:bodyPr wrap="none" rtlCol="0">
-            <a:spAutoFit/>
-          </a:bodyPr>
-          <a:lstStyle/>
-          <a:p>
-            <a:r>
-              <a:rPr lang="en-US" dirty="0"/>
-              <a:t>A sample test server:</a:t>
-            </a:r>
-          </a:p>
-        </p:txBody>
-      </p:sp>
-    </p:spTree>
-    <p:extLst>
-      <p:ext uri="{BB962C8B-B14F-4D97-AF65-F5344CB8AC3E}">
-        <p14:creationId xmlns:p14="http://schemas.microsoft.com/office/powerpoint/2010/main" val="4202534452"/>
-      </p:ext>
-    </p:extLst>
-  </p:cSld>
-  <p:clrMapOvr>
-    <a:masterClrMapping/>
-  </p:clrMapOvr>
-</p:sld>
-</file>
-
-<file path=ppt/slides/slide28.xml><?xml version="1.0" encoding="utf-8"?>
-<p:sld xmlns:a="http://schemas.openxmlformats.org/drawingml/2006/main" xmlns:r="http://schemas.openxmlformats.org/officeDocument/2006/relationships" xmlns:p="http://schemas.openxmlformats.org/presentationml/2006/main">
-  <p:cSld>
-    <p:spTree>
-      <p:nvGrpSpPr>
-        <p:cNvPr id="1" name=""/>
-        <p:cNvGrpSpPr/>
-        <p:nvPr/>
-      </p:nvGrpSpPr>
-      <p:grpSpPr>
-        <a:xfrm>
-          <a:off x="0" y="0"/>
-          <a:ext cx="0" cy="0"/>
-          <a:chOff x="0" y="0"/>
-          <a:chExt cx="0" cy="0"/>
-        </a:xfrm>
-      </p:grpSpPr>
-      <p:sp>
-        <p:nvSpPr>
-          <p:cNvPr id="2" name="Title 1">
-            <a:extLst>
-              <a:ext uri="{FF2B5EF4-FFF2-40B4-BE49-F238E27FC236}">
-                <a16:creationId xmlns:a16="http://schemas.microsoft.com/office/drawing/2014/main" id="{A0E6B26E-2CF5-4D3B-9BBE-FA0A43A888FE}"/>
-              </a:ext>
-            </a:extLst>
-          </p:cNvPr>
-          <p:cNvSpPr>
-            <a:spLocks noGrp="1"/>
-          </p:cNvSpPr>
-          <p:nvPr>
-            <p:ph type="title"/>
-          </p:nvPr>
-        </p:nvSpPr>
-        <p:spPr/>
-        <p:txBody>
-          <a:bodyPr/>
-          <a:lstStyle/>
-          <a:p>
-            <a:pPr algn="ctr"/>
-            <a:r>
-              <a:rPr lang="en-US" dirty="0">
-                <a:solidFill>
-                  <a:srgbClr val="FFFF00"/>
-                </a:solidFill>
-              </a:rPr>
-              <a:t>PRODUCTION</a:t>
-            </a:r>
-          </a:p>
-        </p:txBody>
-      </p:sp>
-    </p:spTree>
-    <p:extLst>
-      <p:ext uri="{BB962C8B-B14F-4D97-AF65-F5344CB8AC3E}">
-        <p14:creationId xmlns:p14="http://schemas.microsoft.com/office/powerpoint/2010/main" val="4200618044"/>
-      </p:ext>
-    </p:extLst>
-  </p:cSld>
-  <p:clrMapOvr>
-    <a:masterClrMapping/>
-  </p:clrMapOvr>
-</p:sld>
-</file>
-
-<file path=ppt/slides/slide29.xml><?xml version="1.0" encoding="utf-8"?>
-<p:sld xmlns:a="http://schemas.openxmlformats.org/drawingml/2006/main" xmlns:r="http://schemas.openxmlformats.org/officeDocument/2006/relationships" xmlns:p="http://schemas.openxmlformats.org/presentationml/2006/main">
-  <p:cSld>
-    <p:spTree>
-      <p:nvGrpSpPr>
-        <p:cNvPr id="1" name=""/>
-        <p:cNvGrpSpPr/>
-        <p:nvPr/>
-      </p:nvGrpSpPr>
-      <p:grpSpPr>
-        <a:xfrm>
-          <a:off x="0" y="0"/>
-          <a:ext cx="0" cy="0"/>
-          <a:chOff x="0" y="0"/>
-          <a:chExt cx="0" cy="0"/>
-        </a:xfrm>
-      </p:grpSpPr>
-      <p:sp>
-        <p:nvSpPr>
-          <p:cNvPr id="2" name="Title 1">
-            <a:extLst>
-              <a:ext uri="{FF2B5EF4-FFF2-40B4-BE49-F238E27FC236}">
                 <a16:creationId xmlns:a16="http://schemas.microsoft.com/office/drawing/2014/main" id="{14911C8A-A21C-4810-9420-08C0381CED1C}"/>
               </a:ext>
             </a:extLst>
@@ -13600,70 +13316,7 @@
 </p:sld>
 </file>
 
-<file path=ppt/slides/slide3.xml><?xml version="1.0" encoding="utf-8"?>
-<p:sld xmlns:a="http://schemas.openxmlformats.org/drawingml/2006/main" xmlns:r="http://schemas.openxmlformats.org/officeDocument/2006/relationships" xmlns:p="http://schemas.openxmlformats.org/presentationml/2006/main">
-  <p:cSld>
-    <p:spTree>
-      <p:nvGrpSpPr>
-        <p:cNvPr id="1" name=""/>
-        <p:cNvGrpSpPr/>
-        <p:nvPr/>
-      </p:nvGrpSpPr>
-      <p:grpSpPr>
-        <a:xfrm>
-          <a:off x="0" y="0"/>
-          <a:ext cx="0" cy="0"/>
-          <a:chOff x="0" y="0"/>
-          <a:chExt cx="0" cy="0"/>
-        </a:xfrm>
-      </p:grpSpPr>
-      <p:sp>
-        <p:nvSpPr>
-          <p:cNvPr id="4" name="Title 3">
-            <a:extLst>
-              <a:ext uri="{FF2B5EF4-FFF2-40B4-BE49-F238E27FC236}">
-                <a16:creationId xmlns:a16="http://schemas.microsoft.com/office/drawing/2014/main" id="{D37E5F1F-CB25-443A-81F5-03C8578FD76F}"/>
-              </a:ext>
-            </a:extLst>
-          </p:cNvPr>
-          <p:cNvSpPr>
-            <a:spLocks noGrp="1"/>
-          </p:cNvSpPr>
-          <p:nvPr>
-            <p:ph type="title"/>
-          </p:nvPr>
-        </p:nvSpPr>
-        <p:spPr/>
-        <p:txBody>
-          <a:bodyPr/>
-          <a:lstStyle/>
-          <a:p>
-            <a:pPr algn="ctr"/>
-            <a:r>
-              <a:rPr lang="en-US" dirty="0">
-                <a:solidFill>
-                  <a:srgbClr val="FFFF00"/>
-                </a:solidFill>
-              </a:rPr>
-              <a:t>START</a:t>
-            </a:r>
-          </a:p>
-        </p:txBody>
-      </p:sp>
-    </p:spTree>
-    <p:extLst>
-      <p:ext uri="{BB962C8B-B14F-4D97-AF65-F5344CB8AC3E}">
-        <p14:creationId xmlns:p14="http://schemas.microsoft.com/office/powerpoint/2010/main" val="1032501503"/>
-      </p:ext>
-    </p:extLst>
-  </p:cSld>
-  <p:clrMapOvr>
-    <a:masterClrMapping/>
-  </p:clrMapOvr>
-</p:sld>
-</file>
-
-<file path=ppt/slides/slide30.xml><?xml version="1.0" encoding="utf-8"?>
+<file path=ppt/slides/slide28.xml><?xml version="1.0" encoding="utf-8"?>
 <p:sld xmlns:a="http://schemas.openxmlformats.org/drawingml/2006/main" xmlns:r="http://schemas.openxmlformats.org/officeDocument/2006/relationships" xmlns:p="http://schemas.openxmlformats.org/presentationml/2006/main">
   <p:cSld>
     <p:spTree>
@@ -13785,7 +13438,7 @@
 </p:sld>
 </file>
 
-<file path=ppt/slides/slide31.xml><?xml version="1.0" encoding="utf-8"?>
+<file path=ppt/slides/slide29.xml><?xml version="1.0" encoding="utf-8"?>
 <p:sld xmlns:a="http://schemas.openxmlformats.org/drawingml/2006/main" xmlns:r="http://schemas.openxmlformats.org/officeDocument/2006/relationships" xmlns:p="http://schemas.openxmlformats.org/presentationml/2006/main">
   <p:cSld>
     <p:spTree>
@@ -13889,7 +13542,7 @@
 </p:sld>
 </file>
 
-<file path=ppt/slides/slide32.xml><?xml version="1.0" encoding="utf-8"?>
+<file path=ppt/slides/slide3.xml><?xml version="1.0" encoding="utf-8"?>
 <p:sld xmlns:a="http://schemas.openxmlformats.org/drawingml/2006/main" xmlns:r="http://schemas.openxmlformats.org/officeDocument/2006/relationships" xmlns:p="http://schemas.openxmlformats.org/presentationml/2006/main">
   <p:cSld>
     <p:spTree>
@@ -13908,6 +13561,69 @@
       </p:grpSpPr>
       <p:sp>
         <p:nvSpPr>
+          <p:cNvPr id="4" name="Title 3">
+            <a:extLst>
+              <a:ext uri="{FF2B5EF4-FFF2-40B4-BE49-F238E27FC236}">
+                <a16:creationId xmlns:a16="http://schemas.microsoft.com/office/drawing/2014/main" id="{D37E5F1F-CB25-443A-81F5-03C8578FD76F}"/>
+              </a:ext>
+            </a:extLst>
+          </p:cNvPr>
+          <p:cNvSpPr>
+            <a:spLocks noGrp="1"/>
+          </p:cNvSpPr>
+          <p:nvPr>
+            <p:ph type="title"/>
+          </p:nvPr>
+        </p:nvSpPr>
+        <p:spPr/>
+        <p:txBody>
+          <a:bodyPr/>
+          <a:lstStyle/>
+          <a:p>
+            <a:pPr algn="ctr"/>
+            <a:r>
+              <a:rPr lang="en-US" dirty="0">
+                <a:solidFill>
+                  <a:srgbClr val="FFFF00"/>
+                </a:solidFill>
+              </a:rPr>
+              <a:t>START</a:t>
+            </a:r>
+          </a:p>
+        </p:txBody>
+      </p:sp>
+    </p:spTree>
+    <p:extLst>
+      <p:ext uri="{BB962C8B-B14F-4D97-AF65-F5344CB8AC3E}">
+        <p14:creationId xmlns:p14="http://schemas.microsoft.com/office/powerpoint/2010/main" val="1032501503"/>
+      </p:ext>
+    </p:extLst>
+  </p:cSld>
+  <p:clrMapOvr>
+    <a:masterClrMapping/>
+  </p:clrMapOvr>
+</p:sld>
+</file>
+
+<file path=ppt/slides/slide30.xml><?xml version="1.0" encoding="utf-8"?>
+<p:sld xmlns:a="http://schemas.openxmlformats.org/drawingml/2006/main" xmlns:r="http://schemas.openxmlformats.org/officeDocument/2006/relationships" xmlns:p="http://schemas.openxmlformats.org/presentationml/2006/main">
+  <p:cSld>
+    <p:spTree>
+      <p:nvGrpSpPr>
+        <p:cNvPr id="1" name=""/>
+        <p:cNvGrpSpPr/>
+        <p:nvPr/>
+      </p:nvGrpSpPr>
+      <p:grpSpPr>
+        <a:xfrm>
+          <a:off x="0" y="0"/>
+          <a:ext cx="0" cy="0"/>
+          <a:chOff x="0" y="0"/>
+          <a:chExt cx="0" cy="0"/>
+        </a:xfrm>
+      </p:grpSpPr>
+      <p:sp>
+        <p:nvSpPr>
           <p:cNvPr id="2" name="Title 1">
             <a:extLst>
               <a:ext uri="{FF2B5EF4-FFF2-40B4-BE49-F238E27FC236}">
@@ -14022,7 +13738,7 @@
 </p:sld>
 </file>
 
-<file path=ppt/slides/slide33.xml><?xml version="1.0" encoding="utf-8"?>
+<file path=ppt/slides/slide31.xml><?xml version="1.0" encoding="utf-8"?>
 <p:sld xmlns:a="http://schemas.openxmlformats.org/drawingml/2006/main" xmlns:r="http://schemas.openxmlformats.org/officeDocument/2006/relationships" xmlns:p="http://schemas.openxmlformats.org/presentationml/2006/main">
   <p:cSld>
     <p:spTree>
@@ -14144,7 +13860,7 @@
 </p:sld>
 </file>
 
-<file path=ppt/slides/slide34.xml><?xml version="1.0" encoding="utf-8"?>
+<file path=ppt/slides/slide32.xml><?xml version="1.0" encoding="utf-8"?>
 <p:sld xmlns:a="http://schemas.openxmlformats.org/drawingml/2006/main" xmlns:r="http://schemas.openxmlformats.org/officeDocument/2006/relationships" xmlns:p="http://schemas.openxmlformats.org/presentationml/2006/main">
   <p:cSld>
     <p:spTree>
@@ -14266,7 +13982,7 @@
 </p:sld>
 </file>
 
-<file path=ppt/slides/slide35.xml><?xml version="1.0" encoding="utf-8"?>
+<file path=ppt/slides/slide33.xml><?xml version="1.0" encoding="utf-8"?>
 <p:sld xmlns:a="http://schemas.openxmlformats.org/drawingml/2006/main" xmlns:r="http://schemas.openxmlformats.org/officeDocument/2006/relationships" xmlns:p="http://schemas.openxmlformats.org/presentationml/2006/main">
   <p:cSld>
     <p:spTree>
@@ -14402,7 +14118,7 @@
 </p:sld>
 </file>
 
-<file path=ppt/slides/slide36.xml><?xml version="1.0" encoding="utf-8"?>
+<file path=ppt/slides/slide34.xml><?xml version="1.0" encoding="utf-8"?>
 <p:sld xmlns:a="http://schemas.openxmlformats.org/drawingml/2006/main" xmlns:r="http://schemas.openxmlformats.org/officeDocument/2006/relationships" xmlns:p="http://schemas.openxmlformats.org/presentationml/2006/main">
   <p:cSld>
     <p:spTree>
@@ -14560,7 +14276,7 @@
 </p:sld>
 </file>
 
-<file path=ppt/slides/slide37.xml><?xml version="1.0" encoding="utf-8"?>
+<file path=ppt/slides/slide35.xml><?xml version="1.0" encoding="utf-8"?>
 <p:sld xmlns:a="http://schemas.openxmlformats.org/drawingml/2006/main" xmlns:r="http://schemas.openxmlformats.org/officeDocument/2006/relationships" xmlns:p="http://schemas.openxmlformats.org/presentationml/2006/main">
   <p:cSld>
     <p:spTree>
@@ -14749,7 +14465,7 @@
 </p:sld>
 </file>
 
-<file path=ppt/slides/slide38.xml><?xml version="1.0" encoding="utf-8"?>
+<file path=ppt/slides/slide36.xml><?xml version="1.0" encoding="utf-8"?>
 <p:sld xmlns:a="http://schemas.openxmlformats.org/drawingml/2006/main" xmlns:r="http://schemas.openxmlformats.org/officeDocument/2006/relationships" xmlns:p="http://schemas.openxmlformats.org/presentationml/2006/main">
   <p:cSld>
     <p:spTree>
@@ -14871,6 +14587,217 @@
 </p:sld>
 </file>
 
+<file path=ppt/slides/slide37.xml><?xml version="1.0" encoding="utf-8"?>
+<p:sld xmlns:a="http://schemas.openxmlformats.org/drawingml/2006/main" xmlns:r="http://schemas.openxmlformats.org/officeDocument/2006/relationships" xmlns:p="http://schemas.openxmlformats.org/presentationml/2006/main">
+  <p:cSld>
+    <p:spTree>
+      <p:nvGrpSpPr>
+        <p:cNvPr id="1" name=""/>
+        <p:cNvGrpSpPr/>
+        <p:nvPr/>
+      </p:nvGrpSpPr>
+      <p:grpSpPr>
+        <a:xfrm>
+          <a:off x="0" y="0"/>
+          <a:ext cx="0" cy="0"/>
+          <a:chOff x="0" y="0"/>
+          <a:chExt cx="0" cy="0"/>
+        </a:xfrm>
+      </p:grpSpPr>
+      <p:sp>
+        <p:nvSpPr>
+          <p:cNvPr id="2" name="Title 1">
+            <a:extLst>
+              <a:ext uri="{FF2B5EF4-FFF2-40B4-BE49-F238E27FC236}">
+                <a16:creationId xmlns:a16="http://schemas.microsoft.com/office/drawing/2014/main" id="{35C22CD1-C1C5-4644-87BD-77B74AB22A4D}"/>
+              </a:ext>
+            </a:extLst>
+          </p:cNvPr>
+          <p:cNvSpPr>
+            <a:spLocks noGrp="1"/>
+          </p:cNvSpPr>
+          <p:nvPr>
+            <p:ph type="title"/>
+          </p:nvPr>
+        </p:nvSpPr>
+        <p:spPr/>
+        <p:txBody>
+          <a:bodyPr/>
+          <a:lstStyle/>
+          <a:p>
+            <a:r>
+              <a:rPr lang="en-US" dirty="0"/>
+              <a:t>Production – Deployment</a:t>
+            </a:r>
+          </a:p>
+        </p:txBody>
+      </p:sp>
+      <p:sp>
+        <p:nvSpPr>
+          <p:cNvPr id="3" name="Content Placeholder 2">
+            <a:extLst>
+              <a:ext uri="{FF2B5EF4-FFF2-40B4-BE49-F238E27FC236}">
+                <a16:creationId xmlns:a16="http://schemas.microsoft.com/office/drawing/2014/main" id="{3CD0DD2C-228B-4281-9175-C7890F6671E9}"/>
+              </a:ext>
+            </a:extLst>
+          </p:cNvPr>
+          <p:cNvSpPr>
+            <a:spLocks noGrp="1"/>
+          </p:cNvSpPr>
+          <p:nvPr>
+            <p:ph idx="1"/>
+          </p:nvPr>
+        </p:nvSpPr>
+        <p:spPr/>
+        <p:txBody>
+          <a:bodyPr anchor="t"/>
+          <a:lstStyle/>
+          <a:p>
+            <a:r>
+              <a:rPr lang="en-US" dirty="0"/>
+              <a:t>Instructions for these below services:</a:t>
+            </a:r>
+          </a:p>
+          <a:p>
+            <a:pPr lvl="1"/>
+            <a:r>
+              <a:rPr lang="en-US" dirty="0"/>
+              <a:t>Heroku – </a:t>
+            </a:r>
+            <a:r>
+              <a:rPr lang="en-US" dirty="0">
+                <a:hlinkClick r:id="rId2"/>
+              </a:rPr>
+              <a:t>https://www.heroku.com/</a:t>
+            </a:r>
+            <a:endParaRPr lang="en-US" dirty="0"/>
+          </a:p>
+          <a:p>
+            <a:pPr lvl="1"/>
+            <a:r>
+              <a:rPr lang="en-US" dirty="0"/>
+              <a:t>AWS Lambda</a:t>
+            </a:r>
+          </a:p>
+          <a:p>
+            <a:pPr lvl="1"/>
+            <a:r>
+              <a:rPr lang="en-US" dirty="0"/>
+              <a:t>Now – </a:t>
+            </a:r>
+            <a:r>
+              <a:rPr lang="en-US" dirty="0">
+                <a:hlinkClick r:id="rId3"/>
+              </a:rPr>
+              <a:t>https://zeit.co/home</a:t>
+            </a:r>
+            <a:endParaRPr lang="en-US" dirty="0"/>
+          </a:p>
+          <a:p>
+            <a:pPr lvl="1"/>
+            <a:r>
+              <a:rPr lang="en-US" dirty="0"/>
+              <a:t>Netlify – </a:t>
+            </a:r>
+            <a:r>
+              <a:rPr lang="en-US" dirty="0">
+                <a:hlinkClick r:id="rId4"/>
+              </a:rPr>
+              <a:t>https://www.netlify.com/</a:t>
+            </a:r>
+            <a:r>
+              <a:rPr lang="en-US" dirty="0"/>
+              <a:t> </a:t>
+            </a:r>
+          </a:p>
+          <a:p>
+            <a:pPr lvl="1"/>
+            <a:r>
+              <a:rPr lang="en-US" dirty="0"/>
+              <a:t>Azure – </a:t>
+            </a:r>
+            <a:r>
+              <a:rPr lang="en-US" dirty="0">
+                <a:hlinkClick r:id="rId5"/>
+              </a:rPr>
+              <a:t>https://azure.microsoft.com/en-us/</a:t>
+            </a:r>
+            <a:endParaRPr lang="en-US" dirty="0"/>
+          </a:p>
+        </p:txBody>
+      </p:sp>
+    </p:spTree>
+    <p:extLst>
+      <p:ext uri="{BB962C8B-B14F-4D97-AF65-F5344CB8AC3E}">
+        <p14:creationId xmlns:p14="http://schemas.microsoft.com/office/powerpoint/2010/main" val="3497693328"/>
+      </p:ext>
+    </p:extLst>
+  </p:cSld>
+  <p:clrMapOvr>
+    <a:masterClrMapping/>
+  </p:clrMapOvr>
+</p:sld>
+</file>
+
+<file path=ppt/slides/slide38.xml><?xml version="1.0" encoding="utf-8"?>
+<p:sld xmlns:a="http://schemas.openxmlformats.org/drawingml/2006/main" xmlns:r="http://schemas.openxmlformats.org/officeDocument/2006/relationships" xmlns:p="http://schemas.openxmlformats.org/presentationml/2006/main">
+  <p:cSld>
+    <p:spTree>
+      <p:nvGrpSpPr>
+        <p:cNvPr id="1" name=""/>
+        <p:cNvGrpSpPr/>
+        <p:nvPr/>
+      </p:nvGrpSpPr>
+      <p:grpSpPr>
+        <a:xfrm>
+          <a:off x="0" y="0"/>
+          <a:ext cx="0" cy="0"/>
+          <a:chOff x="0" y="0"/>
+          <a:chExt cx="0" cy="0"/>
+        </a:xfrm>
+      </p:grpSpPr>
+      <p:sp>
+        <p:nvSpPr>
+          <p:cNvPr id="4" name="Title 3">
+            <a:extLst>
+              <a:ext uri="{FF2B5EF4-FFF2-40B4-BE49-F238E27FC236}">
+                <a16:creationId xmlns:a16="http://schemas.microsoft.com/office/drawing/2014/main" id="{AE6FE9D2-9C7E-497C-90C4-E6199C7CA3CD}"/>
+              </a:ext>
+            </a:extLst>
+          </p:cNvPr>
+          <p:cNvSpPr>
+            <a:spLocks noGrp="1"/>
+          </p:cNvSpPr>
+          <p:nvPr>
+            <p:ph type="title"/>
+          </p:nvPr>
+        </p:nvSpPr>
+        <p:spPr/>
+        <p:txBody>
+          <a:bodyPr/>
+          <a:lstStyle/>
+          <a:p>
+            <a:pPr algn="ctr"/>
+            <a:r>
+              <a:rPr lang="en-US" dirty="0"/>
+              <a:t>END</a:t>
+            </a:r>
+          </a:p>
+        </p:txBody>
+      </p:sp>
+    </p:spTree>
+    <p:extLst>
+      <p:ext uri="{BB962C8B-B14F-4D97-AF65-F5344CB8AC3E}">
+        <p14:creationId xmlns:p14="http://schemas.microsoft.com/office/powerpoint/2010/main" val="557842199"/>
+      </p:ext>
+    </p:extLst>
+  </p:cSld>
+  <p:clrMapOvr>
+    <a:masterClrMapping/>
+  </p:clrMapOvr>
+</p:sld>
+</file>
+
 <file path=ppt/slides/slide39.xml><?xml version="1.0" encoding="utf-8"?>
 <p:sld xmlns:a="http://schemas.openxmlformats.org/drawingml/2006/main" xmlns:r="http://schemas.openxmlformats.org/officeDocument/2006/relationships" xmlns:p="http://schemas.openxmlformats.org/presentationml/2006/main">
   <p:cSld>
@@ -14890,10 +14817,10 @@
       </p:grpSpPr>
       <p:sp>
         <p:nvSpPr>
-          <p:cNvPr id="2" name="Title 1">
+          <p:cNvPr id="4" name="Title 3">
             <a:extLst>
               <a:ext uri="{FF2B5EF4-FFF2-40B4-BE49-F238E27FC236}">
-                <a16:creationId xmlns:a16="http://schemas.microsoft.com/office/drawing/2014/main" id="{35C22CD1-C1C5-4644-87BD-77B74AB22A4D}"/>
+                <a16:creationId xmlns:a16="http://schemas.microsoft.com/office/drawing/2014/main" id="{63142B43-98D9-453D-A45B-66E847AC048D}"/>
               </a:ext>
             </a:extLst>
           </p:cNvPr>
@@ -14909,111 +14836,18 @@
           <a:bodyPr/>
           <a:lstStyle/>
           <a:p>
+            <a:pPr algn="ctr"/>
             <a:r>
               <a:rPr lang="en-US" dirty="0"/>
-              <a:t>Production – Deployment</a:t>
-            </a:r>
-          </a:p>
-        </p:txBody>
-      </p:sp>
-      <p:sp>
-        <p:nvSpPr>
-          <p:cNvPr id="3" name="Content Placeholder 2">
-            <a:extLst>
-              <a:ext uri="{FF2B5EF4-FFF2-40B4-BE49-F238E27FC236}">
-                <a16:creationId xmlns:a16="http://schemas.microsoft.com/office/drawing/2014/main" id="{3CD0DD2C-228B-4281-9175-C7890F6671E9}"/>
-              </a:ext>
-            </a:extLst>
-          </p:cNvPr>
-          <p:cNvSpPr>
-            <a:spLocks noGrp="1"/>
-          </p:cNvSpPr>
-          <p:nvPr>
-            <p:ph idx="1"/>
-          </p:nvPr>
-        </p:nvSpPr>
-        <p:spPr/>
-        <p:txBody>
-          <a:bodyPr anchor="t"/>
-          <a:lstStyle/>
-          <a:p>
-            <a:r>
-              <a:rPr lang="en-US" dirty="0"/>
-              <a:t>Instructions for these below services:</a:t>
-            </a:r>
-          </a:p>
-          <a:p>
-            <a:pPr lvl="1"/>
-            <a:r>
-              <a:rPr lang="en-US" dirty="0"/>
-              <a:t>Heroku – </a:t>
-            </a:r>
-            <a:r>
-              <a:rPr lang="en-US" dirty="0">
-                <a:hlinkClick r:id="rId2"/>
-              </a:rPr>
-              <a:t>https://www.heroku.com/</a:t>
-            </a:r>
-            <a:endParaRPr lang="en-US" dirty="0"/>
-          </a:p>
-          <a:p>
-            <a:pPr lvl="1"/>
-            <a:r>
-              <a:rPr lang="en-US" dirty="0"/>
-              <a:t>AWS Lambda</a:t>
-            </a:r>
-          </a:p>
-          <a:p>
-            <a:pPr lvl="1"/>
-            <a:r>
-              <a:rPr lang="en-US" dirty="0"/>
-              <a:t>Now – </a:t>
-            </a:r>
-            <a:r>
-              <a:rPr lang="en-US" dirty="0">
-                <a:hlinkClick r:id="rId3"/>
-              </a:rPr>
-              <a:t>https://zeit.co/home</a:t>
-            </a:r>
-            <a:endParaRPr lang="en-US" dirty="0"/>
-          </a:p>
-          <a:p>
-            <a:pPr lvl="1"/>
-            <a:r>
-              <a:rPr lang="en-US" dirty="0"/>
-              <a:t>Netlify – </a:t>
-            </a:r>
-            <a:r>
-              <a:rPr lang="en-US" dirty="0">
-                <a:hlinkClick r:id="rId4"/>
-              </a:rPr>
-              <a:t>https://www.netlify.com/</a:t>
-            </a:r>
-            <a:r>
-              <a:rPr lang="en-US" dirty="0"/>
-              <a:t> </a:t>
-            </a:r>
-          </a:p>
-          <a:p>
-            <a:pPr lvl="1"/>
-            <a:r>
-              <a:rPr lang="en-US" dirty="0"/>
-              <a:t>Azure – </a:t>
-            </a:r>
-            <a:r>
-              <a:rPr lang="en-US" dirty="0">
-                <a:hlinkClick r:id="rId5"/>
-              </a:rPr>
-              <a:t>https://azure.microsoft.com/en-us/</a:t>
-            </a:r>
-            <a:endParaRPr lang="en-US" dirty="0"/>
+              <a:t>APPENDIX</a:t>
+            </a:r>
           </a:p>
         </p:txBody>
       </p:sp>
     </p:spTree>
     <p:extLst>
       <p:ext uri="{BB962C8B-B14F-4D97-AF65-F5344CB8AC3E}">
-        <p14:creationId xmlns:p14="http://schemas.microsoft.com/office/powerpoint/2010/main" val="3497693328"/>
+        <p14:creationId xmlns:p14="http://schemas.microsoft.com/office/powerpoint/2010/main" val="1377142889"/>
       </p:ext>
     </p:extLst>
   </p:cSld>
@@ -16041,124 +15875,6 @@
 </file>
 
 <file path=ppt/slides/slide40.xml><?xml version="1.0" encoding="utf-8"?>
-<p:sld xmlns:a="http://schemas.openxmlformats.org/drawingml/2006/main" xmlns:r="http://schemas.openxmlformats.org/officeDocument/2006/relationships" xmlns:p="http://schemas.openxmlformats.org/presentationml/2006/main">
-  <p:cSld>
-    <p:spTree>
-      <p:nvGrpSpPr>
-        <p:cNvPr id="1" name=""/>
-        <p:cNvGrpSpPr/>
-        <p:nvPr/>
-      </p:nvGrpSpPr>
-      <p:grpSpPr>
-        <a:xfrm>
-          <a:off x="0" y="0"/>
-          <a:ext cx="0" cy="0"/>
-          <a:chOff x="0" y="0"/>
-          <a:chExt cx="0" cy="0"/>
-        </a:xfrm>
-      </p:grpSpPr>
-      <p:sp>
-        <p:nvSpPr>
-          <p:cNvPr id="4" name="Title 3">
-            <a:extLst>
-              <a:ext uri="{FF2B5EF4-FFF2-40B4-BE49-F238E27FC236}">
-                <a16:creationId xmlns:a16="http://schemas.microsoft.com/office/drawing/2014/main" id="{AE6FE9D2-9C7E-497C-90C4-E6199C7CA3CD}"/>
-              </a:ext>
-            </a:extLst>
-          </p:cNvPr>
-          <p:cNvSpPr>
-            <a:spLocks noGrp="1"/>
-          </p:cNvSpPr>
-          <p:nvPr>
-            <p:ph type="title"/>
-          </p:nvPr>
-        </p:nvSpPr>
-        <p:spPr/>
-        <p:txBody>
-          <a:bodyPr/>
-          <a:lstStyle/>
-          <a:p>
-            <a:pPr algn="ctr"/>
-            <a:r>
-              <a:rPr lang="en-US" dirty="0"/>
-              <a:t>END</a:t>
-            </a:r>
-          </a:p>
-        </p:txBody>
-      </p:sp>
-    </p:spTree>
-    <p:extLst>
-      <p:ext uri="{BB962C8B-B14F-4D97-AF65-F5344CB8AC3E}">
-        <p14:creationId xmlns:p14="http://schemas.microsoft.com/office/powerpoint/2010/main" val="557842199"/>
-      </p:ext>
-    </p:extLst>
-  </p:cSld>
-  <p:clrMapOvr>
-    <a:masterClrMapping/>
-  </p:clrMapOvr>
-</p:sld>
-</file>
-
-<file path=ppt/slides/slide41.xml><?xml version="1.0" encoding="utf-8"?>
-<p:sld xmlns:a="http://schemas.openxmlformats.org/drawingml/2006/main" xmlns:r="http://schemas.openxmlformats.org/officeDocument/2006/relationships" xmlns:p="http://schemas.openxmlformats.org/presentationml/2006/main">
-  <p:cSld>
-    <p:spTree>
-      <p:nvGrpSpPr>
-        <p:cNvPr id="1" name=""/>
-        <p:cNvGrpSpPr/>
-        <p:nvPr/>
-      </p:nvGrpSpPr>
-      <p:grpSpPr>
-        <a:xfrm>
-          <a:off x="0" y="0"/>
-          <a:ext cx="0" cy="0"/>
-          <a:chOff x="0" y="0"/>
-          <a:chExt cx="0" cy="0"/>
-        </a:xfrm>
-      </p:grpSpPr>
-      <p:sp>
-        <p:nvSpPr>
-          <p:cNvPr id="4" name="Title 3">
-            <a:extLst>
-              <a:ext uri="{FF2B5EF4-FFF2-40B4-BE49-F238E27FC236}">
-                <a16:creationId xmlns:a16="http://schemas.microsoft.com/office/drawing/2014/main" id="{63142B43-98D9-453D-A45B-66E847AC048D}"/>
-              </a:ext>
-            </a:extLst>
-          </p:cNvPr>
-          <p:cNvSpPr>
-            <a:spLocks noGrp="1"/>
-          </p:cNvSpPr>
-          <p:nvPr>
-            <p:ph type="title"/>
-          </p:nvPr>
-        </p:nvSpPr>
-        <p:spPr/>
-        <p:txBody>
-          <a:bodyPr/>
-          <a:lstStyle/>
-          <a:p>
-            <a:pPr algn="ctr"/>
-            <a:r>
-              <a:rPr lang="en-US" dirty="0"/>
-              <a:t>APPENDIX</a:t>
-            </a:r>
-          </a:p>
-        </p:txBody>
-      </p:sp>
-    </p:spTree>
-    <p:extLst>
-      <p:ext uri="{BB962C8B-B14F-4D97-AF65-F5344CB8AC3E}">
-        <p14:creationId xmlns:p14="http://schemas.microsoft.com/office/powerpoint/2010/main" val="1377142889"/>
-      </p:ext>
-    </p:extLst>
-  </p:cSld>
-  <p:clrMapOvr>
-    <a:masterClrMapping/>
-  </p:clrMapOvr>
-</p:sld>
-</file>
-
-<file path=ppt/slides/slide42.xml><?xml version="1.0" encoding="utf-8"?>
 <p:sld xmlns:a="http://schemas.openxmlformats.org/drawingml/2006/main" xmlns:r="http://schemas.openxmlformats.org/officeDocument/2006/relationships" xmlns:p="http://schemas.openxmlformats.org/presentationml/2006/main">
   <p:cSld>
     <p:spTree>
@@ -17150,7 +16866,7 @@
         </p:nvSpPr>
         <p:spPr/>
         <p:txBody>
-          <a:bodyPr/>
+          <a:bodyPr anchor="t"/>
           <a:lstStyle/>
           <a:p>
             <a:r>
